--- a/Activity 07/Vertudez_Activity_7_Report.pptx
+++ b/Activity 07/Vertudez_Activity_7_Report.pptx
@@ -8,19 +8,11 @@
   <p:sldIdLst>
     <p:sldId id="256" r:id="rId3"/>
     <p:sldId id="257" r:id="rId4"/>
-    <p:sldId id="258" r:id="rId5"/>
-    <p:sldId id="259" r:id="rId6"/>
-    <p:sldId id="260" r:id="rId7"/>
-    <p:sldId id="261" r:id="rId8"/>
-    <p:sldId id="262" r:id="rId9"/>
-    <p:sldId id="264" r:id="rId10"/>
-    <p:sldId id="265" r:id="rId11"/>
-    <p:sldId id="266" r:id="rId12"/>
-    <p:sldId id="267" r:id="rId13"/>
-    <p:sldId id="268" r:id="rId14"/>
-    <p:sldId id="272" r:id="rId15"/>
-    <p:sldId id="263" r:id="rId16"/>
-    <p:sldId id="270" r:id="rId17"/>
+    <p:sldId id="272" r:id="rId5"/>
+    <p:sldId id="273" r:id="rId6"/>
+    <p:sldId id="274" r:id="rId7"/>
+    <p:sldId id="263" r:id="rId8"/>
+    <p:sldId id="270" r:id="rId9"/>
   </p:sldIdLst>
   <p:sldSz cx="12192000" cy="6858000"/>
   <p:notesSz cx="7772400" cy="10058400"/>
@@ -7040,2434 +7032,6 @@
 </p:sld>
 </file>
 
-<file path=ppt/slides/slide10.xml><?xml version="1.0" encoding="utf-8"?>
-<p:sld xmlns:a="http://schemas.openxmlformats.org/drawingml/2006/main" xmlns:r="http://schemas.openxmlformats.org/officeDocument/2006/relationships" xmlns:p="http://schemas.openxmlformats.org/presentationml/2006/main">
-  <p:cSld>
-    <p:spTree>
-      <p:nvGrpSpPr>
-        <p:cNvPr id="1" name=""/>
-        <p:cNvGrpSpPr/>
-        <p:nvPr/>
-      </p:nvGrpSpPr>
-      <p:grpSpPr>
-        <a:xfrm>
-          <a:off x="0" y="0"/>
-          <a:ext cx="0" cy="0"/>
-          <a:chOff x="0" y="0"/>
-          <a:chExt cx="0" cy="0"/>
-        </a:xfrm>
-      </p:grpSpPr>
-      <p:sp>
-        <p:nvSpPr>
-          <p:cNvPr id="94" name="PlaceHolder 1"/>
-          <p:cNvSpPr>
-            <a:spLocks noGrp="1"/>
-          </p:cNvSpPr>
-          <p:nvPr>
-            <p:ph/>
-          </p:nvPr>
-        </p:nvSpPr>
-        <p:spPr>
-          <a:xfrm>
-            <a:off x="838080" y="1825560"/>
-            <a:ext cx="10515240" cy="4350960"/>
-          </a:xfrm>
-          <a:prstGeom prst="rect">
-            <a:avLst/>
-          </a:prstGeom>
-          <a:noFill/>
-          <a:ln w="0">
-            <a:noFill/>
-          </a:ln>
-        </p:spPr>
-        <p:txBody>
-          <a:bodyPr anchor="t">
-            <a:normAutofit fontScale="94000"/>
-          </a:bodyPr>
-          <a:lstStyle/>
-          <a:p>
-            <a:pPr marL="228600" indent="-228600">
-              <a:lnSpc>
-                <a:spcPct val="90000"/>
-              </a:lnSpc>
-              <a:spcBef>
-                <a:spcPts val="1001"/>
-              </a:spcBef>
-              <a:buClr>
-                <a:srgbClr val="000000"/>
-              </a:buClr>
-              <a:buFont typeface="Arial"/>
-              <a:buChar char="•"/>
-            </a:pPr>
-            <a:r>
-              <a:rPr lang="en-US" sz="2800" b="0" strike="noStrike" spc="-1" dirty="0">
-                <a:solidFill>
-                  <a:srgbClr val="000000"/>
-                </a:solidFill>
-                <a:latin typeface="Calibri"/>
-              </a:rPr>
-              <a:t>Converting to 8-bit</a:t>
-            </a:r>
-          </a:p>
-          <a:p>
-            <a:pPr>
-              <a:lnSpc>
-                <a:spcPct val="90000"/>
-              </a:lnSpc>
-              <a:spcBef>
-                <a:spcPts val="1001"/>
-              </a:spcBef>
-              <a:buNone/>
-            </a:pPr>
-            <a:endParaRPr lang="en-US" sz="2800" b="0" strike="noStrike" spc="-1" dirty="0">
-              <a:solidFill>
-                <a:srgbClr val="000000"/>
-              </a:solidFill>
-              <a:latin typeface="Calibri"/>
-            </a:endParaRPr>
-          </a:p>
-          <a:p>
-            <a:pPr>
-              <a:lnSpc>
-                <a:spcPct val="90000"/>
-              </a:lnSpc>
-              <a:spcBef>
-                <a:spcPts val="1001"/>
-              </a:spcBef>
-              <a:buNone/>
-            </a:pPr>
-            <a:endParaRPr lang="en-US" sz="2800" b="0" strike="noStrike" spc="-1" dirty="0">
-              <a:solidFill>
-                <a:srgbClr val="000000"/>
-              </a:solidFill>
-              <a:latin typeface="Calibri"/>
-            </a:endParaRPr>
-          </a:p>
-          <a:p>
-            <a:pPr>
-              <a:lnSpc>
-                <a:spcPct val="90000"/>
-              </a:lnSpc>
-              <a:spcBef>
-                <a:spcPts val="1001"/>
-              </a:spcBef>
-              <a:buNone/>
-            </a:pPr>
-            <a:endParaRPr lang="en-US" sz="2800" b="0" strike="noStrike" spc="-1" dirty="0">
-              <a:solidFill>
-                <a:srgbClr val="000000"/>
-              </a:solidFill>
-              <a:latin typeface="Calibri"/>
-            </a:endParaRPr>
-          </a:p>
-          <a:p>
-            <a:pPr>
-              <a:lnSpc>
-                <a:spcPct val="90000"/>
-              </a:lnSpc>
-              <a:spcBef>
-                <a:spcPts val="1001"/>
-              </a:spcBef>
-              <a:buNone/>
-            </a:pPr>
-            <a:endParaRPr lang="en-US" sz="2800" b="0" strike="noStrike" spc="-1" dirty="0">
-              <a:solidFill>
-                <a:srgbClr val="000000"/>
-              </a:solidFill>
-              <a:latin typeface="Calibri"/>
-            </a:endParaRPr>
-          </a:p>
-          <a:p>
-            <a:pPr>
-              <a:lnSpc>
-                <a:spcPct val="90000"/>
-              </a:lnSpc>
-              <a:spcBef>
-                <a:spcPts val="1001"/>
-              </a:spcBef>
-              <a:buNone/>
-            </a:pPr>
-            <a:endParaRPr lang="en-US" sz="2800" b="0" strike="noStrike" spc="-1" dirty="0">
-              <a:solidFill>
-                <a:srgbClr val="000000"/>
-              </a:solidFill>
-              <a:latin typeface="Calibri"/>
-            </a:endParaRPr>
-          </a:p>
-          <a:p>
-            <a:pPr>
-              <a:lnSpc>
-                <a:spcPct val="90000"/>
-              </a:lnSpc>
-              <a:spcBef>
-                <a:spcPts val="1001"/>
-              </a:spcBef>
-              <a:buNone/>
-            </a:pPr>
-            <a:endParaRPr lang="en-US" sz="2800" b="0" strike="noStrike" spc="-1" dirty="0">
-              <a:solidFill>
-                <a:srgbClr val="000000"/>
-              </a:solidFill>
-              <a:latin typeface="Calibri"/>
-            </a:endParaRPr>
-          </a:p>
-          <a:p>
-            <a:pPr>
-              <a:lnSpc>
-                <a:spcPct val="90000"/>
-              </a:lnSpc>
-              <a:spcBef>
-                <a:spcPts val="1001"/>
-              </a:spcBef>
-              <a:buNone/>
-            </a:pPr>
-            <a:endParaRPr lang="en-US" sz="2800" b="0" strike="noStrike" spc="-1" dirty="0">
-              <a:solidFill>
-                <a:srgbClr val="000000"/>
-              </a:solidFill>
-              <a:latin typeface="Calibri"/>
-            </a:endParaRPr>
-          </a:p>
-          <a:p>
-            <a:pPr marL="228600" indent="-228600">
-              <a:lnSpc>
-                <a:spcPct val="90000"/>
-              </a:lnSpc>
-              <a:spcBef>
-                <a:spcPts val="1001"/>
-              </a:spcBef>
-              <a:buClr>
-                <a:srgbClr val="000000"/>
-              </a:buClr>
-              <a:buFont typeface="Arial"/>
-              <a:buChar char="•"/>
-            </a:pPr>
-            <a:r>
-              <a:rPr lang="en-US" sz="2800" b="0" strike="noStrike" spc="-1" dirty="0">
-                <a:solidFill>
-                  <a:srgbClr val="000000"/>
-                </a:solidFill>
-                <a:latin typeface="Calibri"/>
-              </a:rPr>
-              <a:t>Applying threshold only works on grayscale images, so we convert it first.</a:t>
-            </a:r>
-          </a:p>
-        </p:txBody>
-      </p:sp>
-      <p:sp>
-        <p:nvSpPr>
-          <p:cNvPr id="95" name="PlaceHolder 2"/>
-          <p:cNvSpPr>
-            <a:spLocks noGrp="1"/>
-          </p:cNvSpPr>
-          <p:nvPr>
-            <p:ph type="title"/>
-          </p:nvPr>
-        </p:nvSpPr>
-        <p:spPr>
-          <a:xfrm>
-            <a:off x="838080" y="365040"/>
-            <a:ext cx="10515240" cy="1325160"/>
-          </a:xfrm>
-          <a:prstGeom prst="rect">
-            <a:avLst/>
-          </a:prstGeom>
-          <a:noFill/>
-          <a:ln w="0">
-            <a:noFill/>
-          </a:ln>
-        </p:spPr>
-        <p:txBody>
-          <a:bodyPr anchor="ctr">
-            <a:noAutofit/>
-          </a:bodyPr>
-          <a:lstStyle/>
-          <a:p>
-            <a:pPr>
-              <a:lnSpc>
-                <a:spcPct val="90000"/>
-              </a:lnSpc>
-              <a:buNone/>
-            </a:pPr>
-            <a:r>
-              <a:rPr lang="en-US" sz="4400" b="0" strike="noStrike" spc="-1">
-                <a:solidFill>
-                  <a:srgbClr val="000000"/>
-                </a:solidFill>
-                <a:latin typeface="Calibri Light"/>
-              </a:rPr>
-              <a:t>RESULTS &amp; ANALYSIS</a:t>
-            </a:r>
-            <a:endParaRPr lang="en-US" sz="4400" b="0" strike="noStrike" spc="-1">
-              <a:solidFill>
-                <a:srgbClr val="000000"/>
-              </a:solidFill>
-              <a:latin typeface="Calibri"/>
-            </a:endParaRPr>
-          </a:p>
-        </p:txBody>
-      </p:sp>
-      <p:sp>
-        <p:nvSpPr>
-          <p:cNvPr id="96" name="Content Placeholder 2"/>
-          <p:cNvSpPr/>
-          <p:nvPr/>
-        </p:nvSpPr>
-        <p:spPr>
-          <a:xfrm>
-            <a:off x="0" y="6610680"/>
-            <a:ext cx="12191760" cy="246960"/>
-          </a:xfrm>
-          <a:prstGeom prst="rect">
-            <a:avLst/>
-          </a:prstGeom>
-          <a:noFill/>
-          <a:ln w="0">
-            <a:noFill/>
-          </a:ln>
-        </p:spPr>
-        <p:style>
-          <a:lnRef idx="0">
-            <a:scrgbClr r="0" g="0" b="0"/>
-          </a:lnRef>
-          <a:fillRef idx="0">
-            <a:scrgbClr r="0" g="0" b="0"/>
-          </a:fillRef>
-          <a:effectRef idx="0">
-            <a:scrgbClr r="0" g="0" b="0"/>
-          </a:effectRef>
-          <a:fontRef idx="minor"/>
-        </p:style>
-        <p:txBody>
-          <a:bodyPr anchor="t">
-            <a:normAutofit fontScale="95000"/>
-          </a:bodyPr>
-          <a:lstStyle/>
-          <a:p>
-            <a:pPr>
-              <a:lnSpc>
-                <a:spcPct val="90000"/>
-              </a:lnSpc>
-              <a:spcBef>
-                <a:spcPts val="1001"/>
-              </a:spcBef>
-              <a:buNone/>
-              <a:tabLst>
-                <a:tab pos="0" algn="l"/>
-              </a:tabLst>
-            </a:pPr>
-            <a:r>
-              <a:rPr lang="en-US" sz="1200" b="0" strike="noStrike" spc="-1" dirty="0">
-                <a:solidFill>
-                  <a:srgbClr val="000000"/>
-                </a:solidFill>
-                <a:latin typeface="Calibri"/>
-              </a:rPr>
-              <a:t>Codes and files: </a:t>
-            </a:r>
-            <a:r>
-              <a:rPr lang="en-US" sz="1200" spc="-1" dirty="0">
-                <a:solidFill>
-                  <a:srgbClr val="000000"/>
-                </a:solidFill>
-                <a:latin typeface="Calibri"/>
-                <a:hlinkClick r:id="rId2"/>
-              </a:rPr>
-              <a:t>https://github.com/genvert/AP_157_FX-2_Vertudez/tree/main/Activity%207</a:t>
-            </a:r>
-            <a:endParaRPr lang="en-PH" sz="1200" b="0" strike="noStrike" spc="-1" dirty="0">
-              <a:latin typeface="Arial"/>
-            </a:endParaRPr>
-          </a:p>
-        </p:txBody>
-      </p:sp>
-      <p:pic>
-        <p:nvPicPr>
-          <p:cNvPr id="3" name="Picture 2">
-            <a:extLst>
-              <a:ext uri="{FF2B5EF4-FFF2-40B4-BE49-F238E27FC236}">
-                <a16:creationId xmlns:a16="http://schemas.microsoft.com/office/drawing/2014/main" id="{5D424471-A06F-48B0-A769-EFB422B0B085}"/>
-              </a:ext>
-            </a:extLst>
-          </p:cNvPr>
-          <p:cNvPicPr>
-            <a:picLocks noChangeAspect="1"/>
-          </p:cNvPicPr>
-          <p:nvPr/>
-        </p:nvPicPr>
-        <p:blipFill>
-          <a:blip r:embed="rId3" cstate="print">
-            <a:extLst>
-              <a:ext uri="{28A0092B-C50C-407E-A947-70E740481C1C}">
-                <a14:useLocalDpi xmlns:a14="http://schemas.microsoft.com/office/drawing/2010/main" val="0"/>
-              </a:ext>
-            </a:extLst>
-          </a:blip>
-          <a:stretch>
-            <a:fillRect/>
-          </a:stretch>
-        </p:blipFill>
-        <p:spPr>
-          <a:xfrm>
-            <a:off x="4750376" y="2124360"/>
-            <a:ext cx="2691247" cy="3588330"/>
-          </a:xfrm>
-          <a:prstGeom prst="rect">
-            <a:avLst/>
-          </a:prstGeom>
-        </p:spPr>
-      </p:pic>
-    </p:spTree>
-    <p:extLst>
-      <p:ext uri="{BB962C8B-B14F-4D97-AF65-F5344CB8AC3E}">
-        <p14:creationId xmlns:p14="http://schemas.microsoft.com/office/powerpoint/2010/main" val="1527396413"/>
-      </p:ext>
-    </p:extLst>
-  </p:cSld>
-  <p:clrMapOvr>
-    <a:masterClrMapping/>
-  </p:clrMapOvr>
-</p:sld>
-</file>
-
-<file path=ppt/slides/slide11.xml><?xml version="1.0" encoding="utf-8"?>
-<p:sld xmlns:a="http://schemas.openxmlformats.org/drawingml/2006/main" xmlns:r="http://schemas.openxmlformats.org/officeDocument/2006/relationships" xmlns:p="http://schemas.openxmlformats.org/presentationml/2006/main">
-  <p:cSld>
-    <p:spTree>
-      <p:nvGrpSpPr>
-        <p:cNvPr id="1" name=""/>
-        <p:cNvGrpSpPr/>
-        <p:nvPr/>
-      </p:nvGrpSpPr>
-      <p:grpSpPr>
-        <a:xfrm>
-          <a:off x="0" y="0"/>
-          <a:ext cx="0" cy="0"/>
-          <a:chOff x="0" y="0"/>
-          <a:chExt cx="0" cy="0"/>
-        </a:xfrm>
-      </p:grpSpPr>
-      <p:sp>
-        <p:nvSpPr>
-          <p:cNvPr id="98" name="PlaceHolder 1"/>
-          <p:cNvSpPr>
-            <a:spLocks noGrp="1"/>
-          </p:cNvSpPr>
-          <p:nvPr>
-            <p:ph/>
-          </p:nvPr>
-        </p:nvSpPr>
-        <p:spPr>
-          <a:xfrm>
-            <a:off x="838080" y="1442880"/>
-            <a:ext cx="10515240" cy="5414760"/>
-          </a:xfrm>
-          <a:prstGeom prst="rect">
-            <a:avLst/>
-          </a:prstGeom>
-          <a:noFill/>
-          <a:ln w="0">
-            <a:noFill/>
-          </a:ln>
-        </p:spPr>
-        <p:txBody>
-          <a:bodyPr anchor="t">
-            <a:normAutofit/>
-          </a:bodyPr>
-          <a:lstStyle/>
-          <a:p>
-            <a:pPr marL="228600" indent="-228600">
-              <a:lnSpc>
-                <a:spcPct val="90000"/>
-              </a:lnSpc>
-              <a:spcBef>
-                <a:spcPts val="1001"/>
-              </a:spcBef>
-              <a:buClr>
-                <a:srgbClr val="000000"/>
-              </a:buClr>
-              <a:buFont typeface="Arial"/>
-              <a:buChar char="•"/>
-            </a:pPr>
-            <a:r>
-              <a:rPr lang="en-US" sz="2800" b="0" strike="noStrike" spc="-1" dirty="0">
-                <a:solidFill>
-                  <a:srgbClr val="000000"/>
-                </a:solidFill>
-                <a:latin typeface="Calibri"/>
-              </a:rPr>
-              <a:t>Applying threshold and binarizing</a:t>
-            </a:r>
-          </a:p>
-          <a:p>
-            <a:pPr>
-              <a:lnSpc>
-                <a:spcPct val="90000"/>
-              </a:lnSpc>
-              <a:spcBef>
-                <a:spcPts val="1001"/>
-              </a:spcBef>
-              <a:buNone/>
-            </a:pPr>
-            <a:endParaRPr lang="en-US" sz="2800" b="0" strike="noStrike" spc="-1" dirty="0">
-              <a:solidFill>
-                <a:srgbClr val="000000"/>
-              </a:solidFill>
-              <a:latin typeface="Calibri"/>
-            </a:endParaRPr>
-          </a:p>
-          <a:p>
-            <a:pPr>
-              <a:lnSpc>
-                <a:spcPct val="90000"/>
-              </a:lnSpc>
-              <a:spcBef>
-                <a:spcPts val="1001"/>
-              </a:spcBef>
-              <a:buNone/>
-            </a:pPr>
-            <a:endParaRPr lang="en-US" sz="2800" b="0" strike="noStrike" spc="-1" dirty="0">
-              <a:solidFill>
-                <a:srgbClr val="000000"/>
-              </a:solidFill>
-              <a:latin typeface="Calibri"/>
-            </a:endParaRPr>
-          </a:p>
-          <a:p>
-            <a:pPr>
-              <a:lnSpc>
-                <a:spcPct val="90000"/>
-              </a:lnSpc>
-              <a:spcBef>
-                <a:spcPts val="1001"/>
-              </a:spcBef>
-              <a:buNone/>
-            </a:pPr>
-            <a:endParaRPr lang="en-US" sz="2800" b="0" strike="noStrike" spc="-1" dirty="0">
-              <a:solidFill>
-                <a:srgbClr val="000000"/>
-              </a:solidFill>
-              <a:latin typeface="Calibri"/>
-            </a:endParaRPr>
-          </a:p>
-          <a:p>
-            <a:pPr>
-              <a:lnSpc>
-                <a:spcPct val="90000"/>
-              </a:lnSpc>
-              <a:spcBef>
-                <a:spcPts val="1001"/>
-              </a:spcBef>
-              <a:buNone/>
-            </a:pPr>
-            <a:endParaRPr lang="en-US" sz="2800" b="0" strike="noStrike" spc="-1" dirty="0">
-              <a:solidFill>
-                <a:srgbClr val="000000"/>
-              </a:solidFill>
-              <a:latin typeface="Calibri"/>
-            </a:endParaRPr>
-          </a:p>
-          <a:p>
-            <a:pPr>
-              <a:lnSpc>
-                <a:spcPct val="90000"/>
-              </a:lnSpc>
-              <a:spcBef>
-                <a:spcPts val="1001"/>
-              </a:spcBef>
-              <a:buNone/>
-            </a:pPr>
-            <a:endParaRPr lang="en-US" sz="2800" b="0" strike="noStrike" spc="-1" dirty="0">
-              <a:solidFill>
-                <a:srgbClr val="000000"/>
-              </a:solidFill>
-              <a:latin typeface="Calibri"/>
-            </a:endParaRPr>
-          </a:p>
-          <a:p>
-            <a:pPr>
-              <a:lnSpc>
-                <a:spcPct val="90000"/>
-              </a:lnSpc>
-              <a:spcBef>
-                <a:spcPts val="1001"/>
-              </a:spcBef>
-              <a:buNone/>
-            </a:pPr>
-            <a:endParaRPr lang="en-US" sz="2800" b="0" strike="noStrike" spc="-1" dirty="0">
-              <a:solidFill>
-                <a:srgbClr val="000000"/>
-              </a:solidFill>
-              <a:latin typeface="Calibri"/>
-            </a:endParaRPr>
-          </a:p>
-          <a:p>
-            <a:pPr marL="228600" indent="-228600">
-              <a:lnSpc>
-                <a:spcPct val="90000"/>
-              </a:lnSpc>
-              <a:spcBef>
-                <a:spcPts val="1001"/>
-              </a:spcBef>
-              <a:buClr>
-                <a:srgbClr val="000000"/>
-              </a:buClr>
-              <a:buFont typeface="Arial"/>
-              <a:buChar char="•"/>
-            </a:pPr>
-            <a:r>
-              <a:rPr lang="en-US" sz="2800" b="0" strike="noStrike" spc="-1" dirty="0">
-                <a:solidFill>
-                  <a:srgbClr val="000000"/>
-                </a:solidFill>
-                <a:latin typeface="Calibri"/>
-              </a:rPr>
-              <a:t>Since </a:t>
-            </a:r>
-            <a:r>
-              <a:rPr lang="en-US" spc="-1" dirty="0">
-                <a:solidFill>
-                  <a:srgbClr val="000000"/>
-                </a:solidFill>
-                <a:latin typeface="Calibri"/>
-              </a:rPr>
-              <a:t>I want the 4x4x4 with white face, it is easy to pick it out from the background and other objects which are significantly darker.</a:t>
-            </a:r>
-            <a:endParaRPr lang="en-US" sz="2800" b="0" strike="noStrike" spc="-1" dirty="0">
-              <a:solidFill>
-                <a:srgbClr val="000000"/>
-              </a:solidFill>
-              <a:latin typeface="Calibri"/>
-            </a:endParaRPr>
-          </a:p>
-          <a:p>
-            <a:pPr marL="228600" indent="-228600">
-              <a:lnSpc>
-                <a:spcPct val="90000"/>
-              </a:lnSpc>
-              <a:spcBef>
-                <a:spcPts val="1001"/>
-              </a:spcBef>
-              <a:buClr>
-                <a:srgbClr val="000000"/>
-              </a:buClr>
-              <a:buFont typeface="Arial"/>
-              <a:buChar char="•"/>
-            </a:pPr>
-            <a:r>
-              <a:rPr lang="en-US" sz="2800" b="0" strike="noStrike" spc="-1" dirty="0">
-                <a:solidFill>
-                  <a:srgbClr val="000000"/>
-                </a:solidFill>
-                <a:latin typeface="Calibri"/>
-              </a:rPr>
-              <a:t>The image is then binarized to make sure that there are only two values for easier extraction of geometric features.</a:t>
-            </a:r>
-          </a:p>
-        </p:txBody>
-      </p:sp>
-      <p:sp>
-        <p:nvSpPr>
-          <p:cNvPr id="99" name="PlaceHolder 2"/>
-          <p:cNvSpPr>
-            <a:spLocks noGrp="1"/>
-          </p:cNvSpPr>
-          <p:nvPr>
-            <p:ph type="title"/>
-          </p:nvPr>
-        </p:nvSpPr>
-        <p:spPr>
-          <a:xfrm>
-            <a:off x="838080" y="365040"/>
-            <a:ext cx="10515240" cy="1325160"/>
-          </a:xfrm>
-          <a:prstGeom prst="rect">
-            <a:avLst/>
-          </a:prstGeom>
-          <a:noFill/>
-          <a:ln w="0">
-            <a:noFill/>
-          </a:ln>
-        </p:spPr>
-        <p:txBody>
-          <a:bodyPr anchor="ctr">
-            <a:noAutofit/>
-          </a:bodyPr>
-          <a:lstStyle/>
-          <a:p>
-            <a:pPr>
-              <a:lnSpc>
-                <a:spcPct val="90000"/>
-              </a:lnSpc>
-              <a:buNone/>
-            </a:pPr>
-            <a:r>
-              <a:rPr lang="en-US" sz="4400" b="0" strike="noStrike" spc="-1">
-                <a:solidFill>
-                  <a:srgbClr val="000000"/>
-                </a:solidFill>
-                <a:latin typeface="Calibri Light"/>
-              </a:rPr>
-              <a:t>RESULTS &amp; ANALYSIS</a:t>
-            </a:r>
-            <a:endParaRPr lang="en-US" sz="4400" b="0" strike="noStrike" spc="-1">
-              <a:solidFill>
-                <a:srgbClr val="000000"/>
-              </a:solidFill>
-              <a:latin typeface="Calibri"/>
-            </a:endParaRPr>
-          </a:p>
-        </p:txBody>
-      </p:sp>
-      <p:sp>
-        <p:nvSpPr>
-          <p:cNvPr id="100" name="Content Placeholder 2"/>
-          <p:cNvSpPr/>
-          <p:nvPr/>
-        </p:nvSpPr>
-        <p:spPr>
-          <a:xfrm>
-            <a:off x="0" y="6610680"/>
-            <a:ext cx="12191760" cy="246960"/>
-          </a:xfrm>
-          <a:prstGeom prst="rect">
-            <a:avLst/>
-          </a:prstGeom>
-          <a:noFill/>
-          <a:ln w="0">
-            <a:noFill/>
-          </a:ln>
-        </p:spPr>
-        <p:style>
-          <a:lnRef idx="0">
-            <a:scrgbClr r="0" g="0" b="0"/>
-          </a:lnRef>
-          <a:fillRef idx="0">
-            <a:scrgbClr r="0" g="0" b="0"/>
-          </a:fillRef>
-          <a:effectRef idx="0">
-            <a:scrgbClr r="0" g="0" b="0"/>
-          </a:effectRef>
-          <a:fontRef idx="minor"/>
-        </p:style>
-        <p:txBody>
-          <a:bodyPr anchor="t">
-            <a:normAutofit fontScale="95000"/>
-          </a:bodyPr>
-          <a:lstStyle/>
-          <a:p>
-            <a:pPr>
-              <a:lnSpc>
-                <a:spcPct val="90000"/>
-              </a:lnSpc>
-              <a:spcBef>
-                <a:spcPts val="1001"/>
-              </a:spcBef>
-              <a:buNone/>
-              <a:tabLst>
-                <a:tab pos="0" algn="l"/>
-              </a:tabLst>
-            </a:pPr>
-            <a:r>
-              <a:rPr lang="en-US" sz="1200" b="0" strike="noStrike" spc="-1" dirty="0">
-                <a:solidFill>
-                  <a:srgbClr val="000000"/>
-                </a:solidFill>
-                <a:latin typeface="Calibri"/>
-              </a:rPr>
-              <a:t>Codes and files: </a:t>
-            </a:r>
-            <a:r>
-              <a:rPr lang="en-US" sz="1200" spc="-1" dirty="0">
-                <a:solidFill>
-                  <a:srgbClr val="000000"/>
-                </a:solidFill>
-                <a:latin typeface="Calibri"/>
-                <a:hlinkClick r:id="rId2"/>
-              </a:rPr>
-              <a:t>https://github.com/genvert/AP_157_FX-2_Vertudez/tree/main/Activity%207</a:t>
-            </a:r>
-            <a:endParaRPr lang="en-PH" sz="1200" b="0" strike="noStrike" spc="-1" dirty="0">
-              <a:latin typeface="Arial"/>
-            </a:endParaRPr>
-          </a:p>
-        </p:txBody>
-      </p:sp>
-      <p:pic>
-        <p:nvPicPr>
-          <p:cNvPr id="3" name="Picture 2">
-            <a:extLst>
-              <a:ext uri="{FF2B5EF4-FFF2-40B4-BE49-F238E27FC236}">
-                <a16:creationId xmlns:a16="http://schemas.microsoft.com/office/drawing/2014/main" id="{7B704775-23FC-420E-AEE2-31C14CD1C78F}"/>
-              </a:ext>
-            </a:extLst>
-          </p:cNvPr>
-          <p:cNvPicPr>
-            <a:picLocks noChangeAspect="1"/>
-          </p:cNvPicPr>
-          <p:nvPr/>
-        </p:nvPicPr>
-        <p:blipFill>
-          <a:blip r:embed="rId3" cstate="print">
-            <a:extLst>
-              <a:ext uri="{28A0092B-C50C-407E-A947-70E740481C1C}">
-                <a14:useLocalDpi xmlns:a14="http://schemas.microsoft.com/office/drawing/2010/main" val="0"/>
-              </a:ext>
-            </a:extLst>
-          </a:blip>
-          <a:stretch>
-            <a:fillRect/>
-          </a:stretch>
-        </p:blipFill>
-        <p:spPr>
-          <a:xfrm>
-            <a:off x="1967345" y="1931508"/>
-            <a:ext cx="3517083" cy="2994984"/>
-          </a:xfrm>
-          <a:prstGeom prst="rect">
-            <a:avLst/>
-          </a:prstGeom>
-        </p:spPr>
-      </p:pic>
-      <p:pic>
-        <p:nvPicPr>
-          <p:cNvPr id="5" name="Picture 4">
-            <a:extLst>
-              <a:ext uri="{FF2B5EF4-FFF2-40B4-BE49-F238E27FC236}">
-                <a16:creationId xmlns:a16="http://schemas.microsoft.com/office/drawing/2014/main" id="{5FFBA7EB-FF67-4FA7-B190-6ADD72C32B9D}"/>
-              </a:ext>
-            </a:extLst>
-          </p:cNvPr>
-          <p:cNvPicPr>
-            <a:picLocks noChangeAspect="1"/>
-          </p:cNvPicPr>
-          <p:nvPr/>
-        </p:nvPicPr>
-        <p:blipFill>
-          <a:blip r:embed="rId4" cstate="print">
-            <a:extLst>
-              <a:ext uri="{28A0092B-C50C-407E-A947-70E740481C1C}">
-                <a14:useLocalDpi xmlns:a14="http://schemas.microsoft.com/office/drawing/2010/main" val="0"/>
-              </a:ext>
-            </a:extLst>
-          </a:blip>
-          <a:stretch>
-            <a:fillRect/>
-          </a:stretch>
-        </p:blipFill>
-        <p:spPr>
-          <a:xfrm>
-            <a:off x="7486650" y="1931508"/>
-            <a:ext cx="2353575" cy="3138100"/>
-          </a:xfrm>
-          <a:prstGeom prst="rect">
-            <a:avLst/>
-          </a:prstGeom>
-        </p:spPr>
-      </p:pic>
-    </p:spTree>
-    <p:extLst>
-      <p:ext uri="{BB962C8B-B14F-4D97-AF65-F5344CB8AC3E}">
-        <p14:creationId xmlns:p14="http://schemas.microsoft.com/office/powerpoint/2010/main" val="1258329081"/>
-      </p:ext>
-    </p:extLst>
-  </p:cSld>
-  <p:clrMapOvr>
-    <a:masterClrMapping/>
-  </p:clrMapOvr>
-</p:sld>
-</file>
-
-<file path=ppt/slides/slide12.xml><?xml version="1.0" encoding="utf-8"?>
-<p:sld xmlns:a="http://schemas.openxmlformats.org/drawingml/2006/main" xmlns:r="http://schemas.openxmlformats.org/officeDocument/2006/relationships" xmlns:p="http://schemas.openxmlformats.org/presentationml/2006/main">
-  <p:cSld>
-    <p:spTree>
-      <p:nvGrpSpPr>
-        <p:cNvPr id="1" name=""/>
-        <p:cNvGrpSpPr/>
-        <p:nvPr/>
-      </p:nvGrpSpPr>
-      <p:grpSpPr>
-        <a:xfrm>
-          <a:off x="0" y="0"/>
-          <a:ext cx="0" cy="0"/>
-          <a:chOff x="0" y="0"/>
-          <a:chExt cx="0" cy="0"/>
-        </a:xfrm>
-      </p:grpSpPr>
-      <p:sp>
-        <p:nvSpPr>
-          <p:cNvPr id="103" name="PlaceHolder 1"/>
-          <p:cNvSpPr>
-            <a:spLocks noGrp="1"/>
-          </p:cNvSpPr>
-          <p:nvPr>
-            <p:ph/>
-          </p:nvPr>
-        </p:nvSpPr>
-        <p:spPr>
-          <a:xfrm>
-            <a:off x="838080" y="1690560"/>
-            <a:ext cx="10515240" cy="5104080"/>
-          </a:xfrm>
-          <a:prstGeom prst="rect">
-            <a:avLst/>
-          </a:prstGeom>
-          <a:noFill/>
-          <a:ln w="0">
-            <a:noFill/>
-          </a:ln>
-        </p:spPr>
-        <p:txBody>
-          <a:bodyPr anchor="t">
-            <a:normAutofit/>
-          </a:bodyPr>
-          <a:lstStyle/>
-          <a:p>
-            <a:pPr marL="228600" indent="-228600">
-              <a:lnSpc>
-                <a:spcPct val="90000"/>
-              </a:lnSpc>
-              <a:spcBef>
-                <a:spcPts val="1001"/>
-              </a:spcBef>
-              <a:buClr>
-                <a:srgbClr val="000000"/>
-              </a:buClr>
-              <a:buFont typeface="Arial"/>
-              <a:buChar char="•"/>
-            </a:pPr>
-            <a:r>
-              <a:rPr lang="en-US" sz="2800" b="0" strike="noStrike" spc="-1" dirty="0">
-                <a:solidFill>
-                  <a:srgbClr val="000000"/>
-                </a:solidFill>
-                <a:latin typeface="Calibri"/>
-              </a:rPr>
-              <a:t>Analyze particles results</a:t>
-            </a:r>
-          </a:p>
-          <a:p>
-            <a:pPr marL="228600" indent="-228600">
-              <a:lnSpc>
-                <a:spcPct val="90000"/>
-              </a:lnSpc>
-              <a:spcBef>
-                <a:spcPts val="1001"/>
-              </a:spcBef>
-              <a:buClr>
-                <a:srgbClr val="000000"/>
-              </a:buClr>
-              <a:buFont typeface="Arial"/>
-              <a:buChar char="•"/>
-            </a:pPr>
-            <a:endParaRPr lang="en-US" spc="-1" dirty="0">
-              <a:solidFill>
-                <a:srgbClr val="000000"/>
-              </a:solidFill>
-              <a:latin typeface="Calibri"/>
-            </a:endParaRPr>
-          </a:p>
-          <a:p>
-            <a:pPr marL="228600" indent="-228600">
-              <a:lnSpc>
-                <a:spcPct val="90000"/>
-              </a:lnSpc>
-              <a:spcBef>
-                <a:spcPts val="1001"/>
-              </a:spcBef>
-              <a:buClr>
-                <a:srgbClr val="000000"/>
-              </a:buClr>
-              <a:buFont typeface="Arial"/>
-              <a:buChar char="•"/>
-            </a:pPr>
-            <a:endParaRPr lang="en-US" sz="2800" b="0" strike="noStrike" spc="-1" dirty="0">
-              <a:solidFill>
-                <a:srgbClr val="000000"/>
-              </a:solidFill>
-              <a:latin typeface="Calibri"/>
-            </a:endParaRPr>
-          </a:p>
-          <a:p>
-            <a:pPr marL="228600" indent="-228600">
-              <a:lnSpc>
-                <a:spcPct val="90000"/>
-              </a:lnSpc>
-              <a:spcBef>
-                <a:spcPts val="1001"/>
-              </a:spcBef>
-              <a:buClr>
-                <a:srgbClr val="000000"/>
-              </a:buClr>
-              <a:buFont typeface="Arial"/>
-              <a:buChar char="•"/>
-            </a:pPr>
-            <a:endParaRPr lang="en-US" spc="-1" dirty="0">
-              <a:solidFill>
-                <a:srgbClr val="000000"/>
-              </a:solidFill>
-              <a:latin typeface="Calibri"/>
-            </a:endParaRPr>
-          </a:p>
-          <a:p>
-            <a:pPr marL="228600" indent="-228600">
-              <a:lnSpc>
-                <a:spcPct val="90000"/>
-              </a:lnSpc>
-              <a:spcBef>
-                <a:spcPts val="1001"/>
-              </a:spcBef>
-              <a:buClr>
-                <a:srgbClr val="000000"/>
-              </a:buClr>
-              <a:buFont typeface="Arial"/>
-              <a:buChar char="•"/>
-            </a:pPr>
-            <a:endParaRPr lang="en-US" sz="2800" b="0" strike="noStrike" spc="-1" dirty="0">
-              <a:solidFill>
-                <a:srgbClr val="000000"/>
-              </a:solidFill>
-              <a:latin typeface="Calibri"/>
-            </a:endParaRPr>
-          </a:p>
-          <a:p>
-            <a:pPr marL="228600" indent="-228600">
-              <a:lnSpc>
-                <a:spcPct val="90000"/>
-              </a:lnSpc>
-              <a:spcBef>
-                <a:spcPts val="1001"/>
-              </a:spcBef>
-              <a:buClr>
-                <a:srgbClr val="000000"/>
-              </a:buClr>
-              <a:buFont typeface="Arial"/>
-              <a:buChar char="•"/>
-            </a:pPr>
-            <a:endParaRPr lang="en-US" spc="-1" dirty="0">
-              <a:solidFill>
-                <a:srgbClr val="000000"/>
-              </a:solidFill>
-              <a:latin typeface="Calibri"/>
-            </a:endParaRPr>
-          </a:p>
-          <a:p>
-            <a:pPr marL="228600" indent="-228600">
-              <a:lnSpc>
-                <a:spcPct val="90000"/>
-              </a:lnSpc>
-              <a:spcBef>
-                <a:spcPts val="1001"/>
-              </a:spcBef>
-              <a:buClr>
-                <a:srgbClr val="000000"/>
-              </a:buClr>
-              <a:buFont typeface="Arial"/>
-              <a:buChar char="•"/>
-            </a:pPr>
-            <a:endParaRPr lang="en-US" sz="2800" b="0" strike="noStrike" spc="-1" dirty="0">
-              <a:solidFill>
-                <a:srgbClr val="000000"/>
-              </a:solidFill>
-              <a:latin typeface="Calibri"/>
-            </a:endParaRPr>
-          </a:p>
-          <a:p>
-            <a:pPr marL="228600" indent="-228600">
-              <a:lnSpc>
-                <a:spcPct val="90000"/>
-              </a:lnSpc>
-              <a:spcBef>
-                <a:spcPts val="1001"/>
-              </a:spcBef>
-              <a:buClr>
-                <a:srgbClr val="000000"/>
-              </a:buClr>
-              <a:buFont typeface="Arial"/>
-              <a:buChar char="•"/>
-            </a:pPr>
-            <a:endParaRPr lang="en-US" spc="-1" dirty="0">
-              <a:solidFill>
-                <a:srgbClr val="000000"/>
-              </a:solidFill>
-              <a:latin typeface="Calibri"/>
-            </a:endParaRPr>
-          </a:p>
-          <a:p>
-            <a:pPr>
-              <a:lnSpc>
-                <a:spcPct val="90000"/>
-              </a:lnSpc>
-              <a:spcBef>
-                <a:spcPts val="1001"/>
-              </a:spcBef>
-              <a:buNone/>
-            </a:pPr>
-            <a:endParaRPr lang="en-US" sz="2800" b="0" strike="noStrike" spc="-1" dirty="0">
-              <a:solidFill>
-                <a:srgbClr val="000000"/>
-              </a:solidFill>
-              <a:latin typeface="Calibri"/>
-            </a:endParaRPr>
-          </a:p>
-          <a:p>
-            <a:pPr>
-              <a:lnSpc>
-                <a:spcPct val="90000"/>
-              </a:lnSpc>
-              <a:spcBef>
-                <a:spcPts val="1001"/>
-              </a:spcBef>
-              <a:buNone/>
-            </a:pPr>
-            <a:endParaRPr lang="en-US" sz="2800" b="0" strike="noStrike" spc="-1" dirty="0">
-              <a:solidFill>
-                <a:srgbClr val="000000"/>
-              </a:solidFill>
-              <a:latin typeface="Calibri"/>
-            </a:endParaRPr>
-          </a:p>
-          <a:p>
-            <a:pPr>
-              <a:lnSpc>
-                <a:spcPct val="90000"/>
-              </a:lnSpc>
-              <a:spcBef>
-                <a:spcPts val="1001"/>
-              </a:spcBef>
-              <a:buNone/>
-            </a:pPr>
-            <a:endParaRPr lang="en-US" sz="2800" b="0" strike="noStrike" spc="-1" dirty="0">
-              <a:solidFill>
-                <a:srgbClr val="000000"/>
-              </a:solidFill>
-              <a:latin typeface="Calibri"/>
-            </a:endParaRPr>
-          </a:p>
-          <a:p>
-            <a:pPr>
-              <a:lnSpc>
-                <a:spcPct val="90000"/>
-              </a:lnSpc>
-              <a:spcBef>
-                <a:spcPts val="1001"/>
-              </a:spcBef>
-              <a:buNone/>
-            </a:pPr>
-            <a:endParaRPr lang="en-US" sz="2800" b="0" strike="noStrike" spc="-1" dirty="0">
-              <a:solidFill>
-                <a:srgbClr val="000000"/>
-              </a:solidFill>
-              <a:latin typeface="Calibri"/>
-            </a:endParaRPr>
-          </a:p>
-          <a:p>
-            <a:pPr>
-              <a:lnSpc>
-                <a:spcPct val="90000"/>
-              </a:lnSpc>
-              <a:spcBef>
-                <a:spcPts val="1001"/>
-              </a:spcBef>
-              <a:buNone/>
-            </a:pPr>
-            <a:endParaRPr lang="en-US" sz="2800" b="0" strike="noStrike" spc="-1" dirty="0">
-              <a:solidFill>
-                <a:srgbClr val="000000"/>
-              </a:solidFill>
-              <a:latin typeface="Calibri"/>
-            </a:endParaRPr>
-          </a:p>
-          <a:p>
-            <a:pPr>
-              <a:lnSpc>
-                <a:spcPct val="90000"/>
-              </a:lnSpc>
-              <a:spcBef>
-                <a:spcPts val="1001"/>
-              </a:spcBef>
-              <a:buNone/>
-            </a:pPr>
-            <a:endParaRPr lang="en-US" sz="2800" b="0" strike="noStrike" spc="-1" dirty="0">
-              <a:solidFill>
-                <a:srgbClr val="000000"/>
-              </a:solidFill>
-              <a:latin typeface="Calibri"/>
-            </a:endParaRPr>
-          </a:p>
-          <a:p>
-            <a:pPr>
-              <a:lnSpc>
-                <a:spcPct val="90000"/>
-              </a:lnSpc>
-              <a:spcBef>
-                <a:spcPts val="1001"/>
-              </a:spcBef>
-              <a:buNone/>
-            </a:pPr>
-            <a:endParaRPr lang="en-US" sz="2800" b="0" strike="noStrike" spc="-1" dirty="0">
-              <a:solidFill>
-                <a:srgbClr val="000000"/>
-              </a:solidFill>
-              <a:latin typeface="Calibri"/>
-            </a:endParaRPr>
-          </a:p>
-          <a:p>
-            <a:pPr>
-              <a:lnSpc>
-                <a:spcPct val="90000"/>
-              </a:lnSpc>
-              <a:spcBef>
-                <a:spcPts val="1001"/>
-              </a:spcBef>
-              <a:buNone/>
-              <a:tabLst>
-                <a:tab pos="0" algn="l"/>
-              </a:tabLst>
-            </a:pPr>
-            <a:endParaRPr lang="en-US" sz="2800" b="0" strike="noStrike" spc="-1" dirty="0">
-              <a:solidFill>
-                <a:srgbClr val="000000"/>
-              </a:solidFill>
-              <a:latin typeface="Calibri"/>
-            </a:endParaRPr>
-          </a:p>
-        </p:txBody>
-      </p:sp>
-      <p:sp>
-        <p:nvSpPr>
-          <p:cNvPr id="104" name="PlaceHolder 2"/>
-          <p:cNvSpPr>
-            <a:spLocks noGrp="1"/>
-          </p:cNvSpPr>
-          <p:nvPr>
-            <p:ph type="title"/>
-          </p:nvPr>
-        </p:nvSpPr>
-        <p:spPr>
-          <a:xfrm>
-            <a:off x="838080" y="365040"/>
-            <a:ext cx="10515240" cy="1325160"/>
-          </a:xfrm>
-          <a:prstGeom prst="rect">
-            <a:avLst/>
-          </a:prstGeom>
-          <a:noFill/>
-          <a:ln w="0">
-            <a:noFill/>
-          </a:ln>
-        </p:spPr>
-        <p:txBody>
-          <a:bodyPr anchor="ctr">
-            <a:noAutofit/>
-          </a:bodyPr>
-          <a:lstStyle/>
-          <a:p>
-            <a:pPr>
-              <a:lnSpc>
-                <a:spcPct val="90000"/>
-              </a:lnSpc>
-              <a:buNone/>
-            </a:pPr>
-            <a:r>
-              <a:rPr lang="en-US" sz="4400" b="0" strike="noStrike" spc="-1" dirty="0">
-                <a:solidFill>
-                  <a:srgbClr val="000000"/>
-                </a:solidFill>
-                <a:latin typeface="Calibri Light"/>
-              </a:rPr>
-              <a:t>RESULTS &amp; ANALYSIS</a:t>
-            </a:r>
-            <a:endParaRPr lang="en-US" sz="4400" b="0" strike="noStrike" spc="-1" dirty="0">
-              <a:solidFill>
-                <a:srgbClr val="000000"/>
-              </a:solidFill>
-              <a:latin typeface="Calibri"/>
-            </a:endParaRPr>
-          </a:p>
-        </p:txBody>
-      </p:sp>
-      <p:sp>
-        <p:nvSpPr>
-          <p:cNvPr id="105" name="Content Placeholder 2"/>
-          <p:cNvSpPr/>
-          <p:nvPr/>
-        </p:nvSpPr>
-        <p:spPr>
-          <a:xfrm>
-            <a:off x="0" y="6610680"/>
-            <a:ext cx="12191760" cy="246960"/>
-          </a:xfrm>
-          <a:prstGeom prst="rect">
-            <a:avLst/>
-          </a:prstGeom>
-          <a:noFill/>
-          <a:ln w="0">
-            <a:noFill/>
-          </a:ln>
-        </p:spPr>
-        <p:style>
-          <a:lnRef idx="0">
-            <a:scrgbClr r="0" g="0" b="0"/>
-          </a:lnRef>
-          <a:fillRef idx="0">
-            <a:scrgbClr r="0" g="0" b="0"/>
-          </a:fillRef>
-          <a:effectRef idx="0">
-            <a:scrgbClr r="0" g="0" b="0"/>
-          </a:effectRef>
-          <a:fontRef idx="minor"/>
-        </p:style>
-        <p:txBody>
-          <a:bodyPr anchor="t">
-            <a:normAutofit fontScale="95000"/>
-          </a:bodyPr>
-          <a:lstStyle/>
-          <a:p>
-            <a:pPr>
-              <a:lnSpc>
-                <a:spcPct val="90000"/>
-              </a:lnSpc>
-              <a:spcBef>
-                <a:spcPts val="1001"/>
-              </a:spcBef>
-              <a:buNone/>
-              <a:tabLst>
-                <a:tab pos="0" algn="l"/>
-              </a:tabLst>
-            </a:pPr>
-            <a:r>
-              <a:rPr lang="en-US" sz="1200" b="0" strike="noStrike" spc="-1" dirty="0">
-                <a:solidFill>
-                  <a:srgbClr val="000000"/>
-                </a:solidFill>
-                <a:latin typeface="Calibri"/>
-              </a:rPr>
-              <a:t>Codes and files: </a:t>
-            </a:r>
-            <a:r>
-              <a:rPr lang="en-US" sz="1200" spc="-1" dirty="0">
-                <a:solidFill>
-                  <a:srgbClr val="000000"/>
-                </a:solidFill>
-                <a:latin typeface="Calibri"/>
-                <a:hlinkClick r:id="rId2"/>
-              </a:rPr>
-              <a:t>https://github.com/genvert/AP_157_FX-2_Vertudez/tree/main/Activity%207</a:t>
-            </a:r>
-            <a:endParaRPr lang="en-PH" sz="1200" b="0" strike="noStrike" spc="-1" dirty="0">
-              <a:latin typeface="Arial"/>
-            </a:endParaRPr>
-          </a:p>
-        </p:txBody>
-      </p:sp>
-      <p:pic>
-        <p:nvPicPr>
-          <p:cNvPr id="3" name="Picture 2">
-            <a:extLst>
-              <a:ext uri="{FF2B5EF4-FFF2-40B4-BE49-F238E27FC236}">
-                <a16:creationId xmlns:a16="http://schemas.microsoft.com/office/drawing/2014/main" id="{CE1188CD-22D9-4D50-ABB9-38AF5D4214C0}"/>
-              </a:ext>
-            </a:extLst>
-          </p:cNvPr>
-          <p:cNvPicPr>
-            <a:picLocks noChangeAspect="1"/>
-          </p:cNvPicPr>
-          <p:nvPr/>
-        </p:nvPicPr>
-        <p:blipFill>
-          <a:blip r:embed="rId3">
-            <a:extLst>
-              <a:ext uri="{28A0092B-C50C-407E-A947-70E740481C1C}">
-                <a14:useLocalDpi xmlns:a14="http://schemas.microsoft.com/office/drawing/2010/main" val="0"/>
-              </a:ext>
-            </a:extLst>
-          </a:blip>
-          <a:stretch>
-            <a:fillRect/>
-          </a:stretch>
-        </p:blipFill>
-        <p:spPr>
-          <a:xfrm>
-            <a:off x="3166474" y="2339773"/>
-            <a:ext cx="5859051" cy="4021660"/>
-          </a:xfrm>
-          <a:prstGeom prst="rect">
-            <a:avLst/>
-          </a:prstGeom>
-        </p:spPr>
-      </p:pic>
-    </p:spTree>
-    <p:extLst>
-      <p:ext uri="{BB962C8B-B14F-4D97-AF65-F5344CB8AC3E}">
-        <p14:creationId xmlns:p14="http://schemas.microsoft.com/office/powerpoint/2010/main" val="29415743"/>
-      </p:ext>
-    </p:extLst>
-  </p:cSld>
-  <p:clrMapOvr>
-    <a:masterClrMapping/>
-  </p:clrMapOvr>
-</p:sld>
-</file>
-
-<file path=ppt/slides/slide13.xml><?xml version="1.0" encoding="utf-8"?>
-<p:sld xmlns:a="http://schemas.openxmlformats.org/drawingml/2006/main" xmlns:r="http://schemas.openxmlformats.org/officeDocument/2006/relationships" xmlns:p="http://schemas.openxmlformats.org/presentationml/2006/main">
-  <p:cSld>
-    <p:spTree>
-      <p:nvGrpSpPr>
-        <p:cNvPr id="1" name=""/>
-        <p:cNvGrpSpPr/>
-        <p:nvPr/>
-      </p:nvGrpSpPr>
-      <p:grpSpPr>
-        <a:xfrm>
-          <a:off x="0" y="0"/>
-          <a:ext cx="0" cy="0"/>
-          <a:chOff x="0" y="0"/>
-          <a:chExt cx="0" cy="0"/>
-        </a:xfrm>
-      </p:grpSpPr>
-      <p:sp>
-        <p:nvSpPr>
-          <p:cNvPr id="103" name="PlaceHolder 1"/>
-          <p:cNvSpPr>
-            <a:spLocks noGrp="1"/>
-          </p:cNvSpPr>
-          <p:nvPr>
-            <p:ph/>
-          </p:nvPr>
-        </p:nvSpPr>
-        <p:spPr>
-          <a:xfrm>
-            <a:off x="838080" y="1690560"/>
-            <a:ext cx="10515240" cy="5104080"/>
-          </a:xfrm>
-          <a:prstGeom prst="rect">
-            <a:avLst/>
-          </a:prstGeom>
-          <a:noFill/>
-          <a:ln w="0">
-            <a:noFill/>
-          </a:ln>
-        </p:spPr>
-        <p:txBody>
-          <a:bodyPr anchor="t">
-            <a:normAutofit/>
-          </a:bodyPr>
-          <a:lstStyle/>
-          <a:p>
-            <a:pPr marL="228600" indent="-228600" algn="l" rtl="0" eaLnBrk="1" latinLnBrk="0" hangingPunct="1">
-              <a:lnSpc>
-                <a:spcPct val="90000"/>
-              </a:lnSpc>
-              <a:spcBef>
-                <a:spcPts val="1001"/>
-              </a:spcBef>
-              <a:spcAft>
-                <a:spcPts val="0"/>
-              </a:spcAft>
-              <a:buClr>
-                <a:srgbClr val="000000"/>
-              </a:buClr>
-              <a:buSzPts val="2600"/>
-              <a:buFont typeface="Arial" panose="020B0604020202020204" pitchFamily="34" charset="0"/>
-              <a:buChar char="•"/>
-            </a:pPr>
-            <a:r>
-              <a:rPr lang="en-US" sz="2800" b="0" kern="1200" spc="-1" dirty="0">
-                <a:solidFill>
-                  <a:srgbClr val="000000"/>
-                </a:solidFill>
-                <a:effectLst/>
-                <a:latin typeface="Calibri" panose="020F0502020204030204" pitchFamily="34" charset="0"/>
-                <a:ea typeface="DejaVu Sans"/>
-                <a:cs typeface="DejaVu Sans"/>
-              </a:rPr>
-              <a:t>Actually, I know that my 4x4x4 has a side of about 60 mm, which sets each ‘cubie’ as we call it, to have about 15 mm. This can be confirmed since the extracted area of each ‘cubie’ ranges from about 200-220 mm^2, whose square root is about 14-15 mm.</a:t>
-            </a:r>
-          </a:p>
-          <a:p>
-            <a:pPr marL="228600" indent="-228600" algn="l" rtl="0" eaLnBrk="1" latinLnBrk="0" hangingPunct="1">
-              <a:lnSpc>
-                <a:spcPct val="90000"/>
-              </a:lnSpc>
-              <a:spcBef>
-                <a:spcPts val="1001"/>
-              </a:spcBef>
-              <a:spcAft>
-                <a:spcPts val="0"/>
-              </a:spcAft>
-              <a:buClr>
-                <a:srgbClr val="000000"/>
-              </a:buClr>
-              <a:buSzPts val="2600"/>
-              <a:buFont typeface="Arial" panose="020B0604020202020204" pitchFamily="34" charset="0"/>
-              <a:buChar char="•"/>
-            </a:pPr>
-            <a:r>
-              <a:rPr lang="en-US" spc="-1" dirty="0">
-                <a:solidFill>
-                  <a:srgbClr val="000000"/>
-                </a:solidFill>
-                <a:latin typeface="Calibri" panose="020F0502020204030204" pitchFamily="34" charset="0"/>
-              </a:rPr>
-              <a:t>Moreover, we see that the perimeter of each ‘cubie’ is about 60 mm, which, when divided by 4 (approximating each ‘cubie’ as a square), is about 15 mm as </a:t>
-            </a:r>
-            <a:r>
-              <a:rPr lang="en-US" spc="-1">
-                <a:solidFill>
-                  <a:srgbClr val="000000"/>
-                </a:solidFill>
-                <a:latin typeface="Calibri" panose="020F0502020204030204" pitchFamily="34" charset="0"/>
-              </a:rPr>
-              <a:t>well.</a:t>
-            </a:r>
-          </a:p>
-          <a:p>
-            <a:pPr marL="228600" indent="-228600" algn="l" rtl="0" eaLnBrk="1" latinLnBrk="0" hangingPunct="1">
-              <a:lnSpc>
-                <a:spcPct val="90000"/>
-              </a:lnSpc>
-              <a:spcBef>
-                <a:spcPts val="1001"/>
-              </a:spcBef>
-              <a:spcAft>
-                <a:spcPts val="0"/>
-              </a:spcAft>
-              <a:buClr>
-                <a:srgbClr val="000000"/>
-              </a:buClr>
-              <a:buSzPts val="2600"/>
-              <a:buFont typeface="Arial" panose="020B0604020202020204" pitchFamily="34" charset="0"/>
-              <a:buChar char="•"/>
-            </a:pPr>
-            <a:r>
-              <a:rPr lang="en-US" spc="-1">
-                <a:solidFill>
-                  <a:srgbClr val="000000"/>
-                </a:solidFill>
-                <a:latin typeface="Calibri" panose="020F0502020204030204" pitchFamily="34" charset="0"/>
-              </a:rPr>
-              <a:t>Amazing</a:t>
-            </a:r>
-            <a:r>
-              <a:rPr lang="en-US" spc="-1" dirty="0">
-                <a:solidFill>
-                  <a:srgbClr val="000000"/>
-                </a:solidFill>
-                <a:latin typeface="Calibri" panose="020F0502020204030204" pitchFamily="34" charset="0"/>
-              </a:rPr>
-              <a:t>!</a:t>
-            </a:r>
-            <a:endParaRPr lang="en-US" sz="2800" dirty="0">
-              <a:effectLst/>
-            </a:endParaRPr>
-          </a:p>
-          <a:p>
-            <a:pPr marL="0" indent="0">
-              <a:lnSpc>
-                <a:spcPct val="90000"/>
-              </a:lnSpc>
-              <a:spcBef>
-                <a:spcPts val="1001"/>
-              </a:spcBef>
-              <a:buClr>
-                <a:srgbClr val="000000"/>
-              </a:buClr>
-              <a:buNone/>
-            </a:pPr>
-            <a:endParaRPr lang="en-US" spc="-1" dirty="0">
-              <a:solidFill>
-                <a:srgbClr val="000000"/>
-              </a:solidFill>
-              <a:latin typeface="Calibri"/>
-            </a:endParaRPr>
-          </a:p>
-          <a:p>
-            <a:pPr marL="228600" indent="-228600">
-              <a:lnSpc>
-                <a:spcPct val="90000"/>
-              </a:lnSpc>
-              <a:spcBef>
-                <a:spcPts val="1001"/>
-              </a:spcBef>
-              <a:buClr>
-                <a:srgbClr val="000000"/>
-              </a:buClr>
-              <a:buFont typeface="Arial"/>
-              <a:buChar char="•"/>
-            </a:pPr>
-            <a:endParaRPr lang="en-US" sz="2800" b="0" strike="noStrike" spc="-1" dirty="0">
-              <a:solidFill>
-                <a:srgbClr val="000000"/>
-              </a:solidFill>
-              <a:latin typeface="Calibri"/>
-            </a:endParaRPr>
-          </a:p>
-          <a:p>
-            <a:pPr marL="228600" indent="-228600">
-              <a:lnSpc>
-                <a:spcPct val="90000"/>
-              </a:lnSpc>
-              <a:spcBef>
-                <a:spcPts val="1001"/>
-              </a:spcBef>
-              <a:buClr>
-                <a:srgbClr val="000000"/>
-              </a:buClr>
-              <a:buFont typeface="Arial"/>
-              <a:buChar char="•"/>
-            </a:pPr>
-            <a:endParaRPr lang="en-US" spc="-1" dirty="0">
-              <a:solidFill>
-                <a:srgbClr val="000000"/>
-              </a:solidFill>
-              <a:latin typeface="Calibri"/>
-            </a:endParaRPr>
-          </a:p>
-          <a:p>
-            <a:pPr marL="228600" indent="-228600">
-              <a:lnSpc>
-                <a:spcPct val="90000"/>
-              </a:lnSpc>
-              <a:spcBef>
-                <a:spcPts val="1001"/>
-              </a:spcBef>
-              <a:buClr>
-                <a:srgbClr val="000000"/>
-              </a:buClr>
-              <a:buFont typeface="Arial"/>
-              <a:buChar char="•"/>
-            </a:pPr>
-            <a:endParaRPr lang="en-US" sz="2800" b="0" strike="noStrike" spc="-1" dirty="0">
-              <a:solidFill>
-                <a:srgbClr val="000000"/>
-              </a:solidFill>
-              <a:latin typeface="Calibri"/>
-            </a:endParaRPr>
-          </a:p>
-          <a:p>
-            <a:pPr marL="228600" indent="-228600">
-              <a:lnSpc>
-                <a:spcPct val="90000"/>
-              </a:lnSpc>
-              <a:spcBef>
-                <a:spcPts val="1001"/>
-              </a:spcBef>
-              <a:buClr>
-                <a:srgbClr val="000000"/>
-              </a:buClr>
-              <a:buFont typeface="Arial"/>
-              <a:buChar char="•"/>
-            </a:pPr>
-            <a:endParaRPr lang="en-US" spc="-1" dirty="0">
-              <a:solidFill>
-                <a:srgbClr val="000000"/>
-              </a:solidFill>
-              <a:latin typeface="Calibri"/>
-            </a:endParaRPr>
-          </a:p>
-          <a:p>
-            <a:pPr marL="228600" indent="-228600">
-              <a:lnSpc>
-                <a:spcPct val="90000"/>
-              </a:lnSpc>
-              <a:spcBef>
-                <a:spcPts val="1001"/>
-              </a:spcBef>
-              <a:buClr>
-                <a:srgbClr val="000000"/>
-              </a:buClr>
-              <a:buFont typeface="Arial"/>
-              <a:buChar char="•"/>
-            </a:pPr>
-            <a:endParaRPr lang="en-US" sz="2800" b="0" strike="noStrike" spc="-1" dirty="0">
-              <a:solidFill>
-                <a:srgbClr val="000000"/>
-              </a:solidFill>
-              <a:latin typeface="Calibri"/>
-            </a:endParaRPr>
-          </a:p>
-          <a:p>
-            <a:pPr marL="228600" indent="-228600">
-              <a:lnSpc>
-                <a:spcPct val="90000"/>
-              </a:lnSpc>
-              <a:spcBef>
-                <a:spcPts val="1001"/>
-              </a:spcBef>
-              <a:buClr>
-                <a:srgbClr val="000000"/>
-              </a:buClr>
-              <a:buFont typeface="Arial"/>
-              <a:buChar char="•"/>
-            </a:pPr>
-            <a:endParaRPr lang="en-US" spc="-1" dirty="0">
-              <a:solidFill>
-                <a:srgbClr val="000000"/>
-              </a:solidFill>
-              <a:latin typeface="Calibri"/>
-            </a:endParaRPr>
-          </a:p>
-          <a:p>
-            <a:pPr>
-              <a:lnSpc>
-                <a:spcPct val="90000"/>
-              </a:lnSpc>
-              <a:spcBef>
-                <a:spcPts val="1001"/>
-              </a:spcBef>
-              <a:buNone/>
-            </a:pPr>
-            <a:endParaRPr lang="en-US" sz="2800" b="0" strike="noStrike" spc="-1" dirty="0">
-              <a:solidFill>
-                <a:srgbClr val="000000"/>
-              </a:solidFill>
-              <a:latin typeface="Calibri"/>
-            </a:endParaRPr>
-          </a:p>
-          <a:p>
-            <a:pPr>
-              <a:lnSpc>
-                <a:spcPct val="90000"/>
-              </a:lnSpc>
-              <a:spcBef>
-                <a:spcPts val="1001"/>
-              </a:spcBef>
-              <a:buNone/>
-            </a:pPr>
-            <a:endParaRPr lang="en-US" sz="2800" b="0" strike="noStrike" spc="-1" dirty="0">
-              <a:solidFill>
-                <a:srgbClr val="000000"/>
-              </a:solidFill>
-              <a:latin typeface="Calibri"/>
-            </a:endParaRPr>
-          </a:p>
-          <a:p>
-            <a:pPr>
-              <a:lnSpc>
-                <a:spcPct val="90000"/>
-              </a:lnSpc>
-              <a:spcBef>
-                <a:spcPts val="1001"/>
-              </a:spcBef>
-              <a:buNone/>
-            </a:pPr>
-            <a:endParaRPr lang="en-US" sz="2800" b="0" strike="noStrike" spc="-1" dirty="0">
-              <a:solidFill>
-                <a:srgbClr val="000000"/>
-              </a:solidFill>
-              <a:latin typeface="Calibri"/>
-            </a:endParaRPr>
-          </a:p>
-          <a:p>
-            <a:pPr>
-              <a:lnSpc>
-                <a:spcPct val="90000"/>
-              </a:lnSpc>
-              <a:spcBef>
-                <a:spcPts val="1001"/>
-              </a:spcBef>
-              <a:buNone/>
-            </a:pPr>
-            <a:endParaRPr lang="en-US" sz="2800" b="0" strike="noStrike" spc="-1" dirty="0">
-              <a:solidFill>
-                <a:srgbClr val="000000"/>
-              </a:solidFill>
-              <a:latin typeface="Calibri"/>
-            </a:endParaRPr>
-          </a:p>
-          <a:p>
-            <a:pPr>
-              <a:lnSpc>
-                <a:spcPct val="90000"/>
-              </a:lnSpc>
-              <a:spcBef>
-                <a:spcPts val="1001"/>
-              </a:spcBef>
-              <a:buNone/>
-            </a:pPr>
-            <a:endParaRPr lang="en-US" sz="2800" b="0" strike="noStrike" spc="-1" dirty="0">
-              <a:solidFill>
-                <a:srgbClr val="000000"/>
-              </a:solidFill>
-              <a:latin typeface="Calibri"/>
-            </a:endParaRPr>
-          </a:p>
-          <a:p>
-            <a:pPr>
-              <a:lnSpc>
-                <a:spcPct val="90000"/>
-              </a:lnSpc>
-              <a:spcBef>
-                <a:spcPts val="1001"/>
-              </a:spcBef>
-              <a:buNone/>
-            </a:pPr>
-            <a:endParaRPr lang="en-US" sz="2800" b="0" strike="noStrike" spc="-1" dirty="0">
-              <a:solidFill>
-                <a:srgbClr val="000000"/>
-              </a:solidFill>
-              <a:latin typeface="Calibri"/>
-            </a:endParaRPr>
-          </a:p>
-          <a:p>
-            <a:pPr>
-              <a:lnSpc>
-                <a:spcPct val="90000"/>
-              </a:lnSpc>
-              <a:spcBef>
-                <a:spcPts val="1001"/>
-              </a:spcBef>
-              <a:buNone/>
-            </a:pPr>
-            <a:endParaRPr lang="en-US" sz="2800" b="0" strike="noStrike" spc="-1" dirty="0">
-              <a:solidFill>
-                <a:srgbClr val="000000"/>
-              </a:solidFill>
-              <a:latin typeface="Calibri"/>
-            </a:endParaRPr>
-          </a:p>
-          <a:p>
-            <a:pPr>
-              <a:lnSpc>
-                <a:spcPct val="90000"/>
-              </a:lnSpc>
-              <a:spcBef>
-                <a:spcPts val="1001"/>
-              </a:spcBef>
-              <a:buNone/>
-              <a:tabLst>
-                <a:tab pos="0" algn="l"/>
-              </a:tabLst>
-            </a:pPr>
-            <a:endParaRPr lang="en-US" sz="2800" b="0" strike="noStrike" spc="-1" dirty="0">
-              <a:solidFill>
-                <a:srgbClr val="000000"/>
-              </a:solidFill>
-              <a:latin typeface="Calibri"/>
-            </a:endParaRPr>
-          </a:p>
-        </p:txBody>
-      </p:sp>
-      <p:sp>
-        <p:nvSpPr>
-          <p:cNvPr id="104" name="PlaceHolder 2"/>
-          <p:cNvSpPr>
-            <a:spLocks noGrp="1"/>
-          </p:cNvSpPr>
-          <p:nvPr>
-            <p:ph type="title"/>
-          </p:nvPr>
-        </p:nvSpPr>
-        <p:spPr>
-          <a:xfrm>
-            <a:off x="838080" y="365040"/>
-            <a:ext cx="10515240" cy="1325160"/>
-          </a:xfrm>
-          <a:prstGeom prst="rect">
-            <a:avLst/>
-          </a:prstGeom>
-          <a:noFill/>
-          <a:ln w="0">
-            <a:noFill/>
-          </a:ln>
-        </p:spPr>
-        <p:txBody>
-          <a:bodyPr anchor="ctr">
-            <a:noAutofit/>
-          </a:bodyPr>
-          <a:lstStyle/>
-          <a:p>
-            <a:pPr>
-              <a:lnSpc>
-                <a:spcPct val="90000"/>
-              </a:lnSpc>
-              <a:buNone/>
-            </a:pPr>
-            <a:r>
-              <a:rPr lang="en-US" sz="4400" b="0" strike="noStrike" spc="-1" dirty="0">
-                <a:solidFill>
-                  <a:srgbClr val="000000"/>
-                </a:solidFill>
-                <a:latin typeface="Calibri Light"/>
-              </a:rPr>
-              <a:t>RESULTS &amp; ANALYSIS</a:t>
-            </a:r>
-            <a:endParaRPr lang="en-US" sz="4400" b="0" strike="noStrike" spc="-1" dirty="0">
-              <a:solidFill>
-                <a:srgbClr val="000000"/>
-              </a:solidFill>
-              <a:latin typeface="Calibri"/>
-            </a:endParaRPr>
-          </a:p>
-        </p:txBody>
-      </p:sp>
-      <p:sp>
-        <p:nvSpPr>
-          <p:cNvPr id="105" name="Content Placeholder 2"/>
-          <p:cNvSpPr/>
-          <p:nvPr/>
-        </p:nvSpPr>
-        <p:spPr>
-          <a:xfrm>
-            <a:off x="0" y="6610680"/>
-            <a:ext cx="12191760" cy="246960"/>
-          </a:xfrm>
-          <a:prstGeom prst="rect">
-            <a:avLst/>
-          </a:prstGeom>
-          <a:noFill/>
-          <a:ln w="0">
-            <a:noFill/>
-          </a:ln>
-        </p:spPr>
-        <p:style>
-          <a:lnRef idx="0">
-            <a:scrgbClr r="0" g="0" b="0"/>
-          </a:lnRef>
-          <a:fillRef idx="0">
-            <a:scrgbClr r="0" g="0" b="0"/>
-          </a:fillRef>
-          <a:effectRef idx="0">
-            <a:scrgbClr r="0" g="0" b="0"/>
-          </a:effectRef>
-          <a:fontRef idx="minor"/>
-        </p:style>
-        <p:txBody>
-          <a:bodyPr anchor="t">
-            <a:normAutofit fontScale="95000"/>
-          </a:bodyPr>
-          <a:lstStyle/>
-          <a:p>
-            <a:pPr>
-              <a:lnSpc>
-                <a:spcPct val="90000"/>
-              </a:lnSpc>
-              <a:spcBef>
-                <a:spcPts val="1001"/>
-              </a:spcBef>
-              <a:buNone/>
-              <a:tabLst>
-                <a:tab pos="0" algn="l"/>
-              </a:tabLst>
-            </a:pPr>
-            <a:r>
-              <a:rPr lang="en-US" sz="1200" b="0" strike="noStrike" spc="-1">
-                <a:solidFill>
-                  <a:srgbClr val="000000"/>
-                </a:solidFill>
-                <a:latin typeface="Calibri"/>
-              </a:rPr>
-              <a:t>Codes and files: </a:t>
-            </a:r>
-            <a:r>
-              <a:rPr lang="en-US" sz="1200" spc="-1">
-                <a:solidFill>
-                  <a:srgbClr val="000000"/>
-                </a:solidFill>
-                <a:latin typeface="Calibri"/>
-                <a:hlinkClick r:id="rId2"/>
-              </a:rPr>
-              <a:t>https://github.com/genvert/AP_157_FX-2_Vertudez/tree/main/Activity%207</a:t>
-            </a:r>
-            <a:endParaRPr lang="en-PH" sz="1200" b="0" strike="noStrike" spc="-1" dirty="0">
-              <a:latin typeface="Arial"/>
-            </a:endParaRPr>
-          </a:p>
-        </p:txBody>
-      </p:sp>
-    </p:spTree>
-    <p:extLst>
-      <p:ext uri="{BB962C8B-B14F-4D97-AF65-F5344CB8AC3E}">
-        <p14:creationId xmlns:p14="http://schemas.microsoft.com/office/powerpoint/2010/main" val="3693483658"/>
-      </p:ext>
-    </p:extLst>
-  </p:cSld>
-  <p:clrMapOvr>
-    <a:masterClrMapping/>
-  </p:clrMapOvr>
-</p:sld>
-</file>
-
-<file path=ppt/slides/slide14.xml><?xml version="1.0" encoding="utf-8"?>
-<p:sld xmlns:a="http://schemas.openxmlformats.org/drawingml/2006/main" xmlns:r="http://schemas.openxmlformats.org/officeDocument/2006/relationships" xmlns:p="http://schemas.openxmlformats.org/presentationml/2006/main">
-  <p:cSld>
-    <p:spTree>
-      <p:nvGrpSpPr>
-        <p:cNvPr id="1" name=""/>
-        <p:cNvGrpSpPr/>
-        <p:nvPr/>
-      </p:nvGrpSpPr>
-      <p:grpSpPr>
-        <a:xfrm>
-          <a:off x="0" y="0"/>
-          <a:ext cx="0" cy="0"/>
-          <a:chOff x="0" y="0"/>
-          <a:chExt cx="0" cy="0"/>
-        </a:xfrm>
-      </p:grpSpPr>
-      <p:sp>
-        <p:nvSpPr>
-          <p:cNvPr id="109" name="PlaceHolder 1"/>
-          <p:cNvSpPr>
-            <a:spLocks noGrp="1"/>
-          </p:cNvSpPr>
-          <p:nvPr>
-            <p:ph type="title"/>
-          </p:nvPr>
-        </p:nvSpPr>
-        <p:spPr>
-          <a:xfrm>
-            <a:off x="838080" y="365040"/>
-            <a:ext cx="10515240" cy="1325160"/>
-          </a:xfrm>
-          <a:prstGeom prst="rect">
-            <a:avLst/>
-          </a:prstGeom>
-          <a:noFill/>
-          <a:ln w="0">
-            <a:noFill/>
-          </a:ln>
-        </p:spPr>
-        <p:txBody>
-          <a:bodyPr anchor="ctr">
-            <a:noAutofit/>
-          </a:bodyPr>
-          <a:lstStyle/>
-          <a:p>
-            <a:pPr>
-              <a:lnSpc>
-                <a:spcPct val="90000"/>
-              </a:lnSpc>
-              <a:buNone/>
-            </a:pPr>
-            <a:r>
-              <a:rPr lang="en-US" sz="4400" b="0" strike="noStrike" spc="-1" dirty="0">
-                <a:solidFill>
-                  <a:srgbClr val="000000"/>
-                </a:solidFill>
-                <a:latin typeface="Calibri Light"/>
-              </a:rPr>
-              <a:t>REFLECTION</a:t>
-            </a:r>
-            <a:endParaRPr lang="en-US" sz="4400" b="0" strike="noStrike" spc="-1" dirty="0">
-              <a:solidFill>
-                <a:srgbClr val="000000"/>
-              </a:solidFill>
-              <a:latin typeface="Calibri"/>
-            </a:endParaRPr>
-          </a:p>
-        </p:txBody>
-      </p:sp>
-      <p:sp>
-        <p:nvSpPr>
-          <p:cNvPr id="110" name="PlaceHolder 2"/>
-          <p:cNvSpPr>
-            <a:spLocks noGrp="1"/>
-          </p:cNvSpPr>
-          <p:nvPr>
-            <p:ph/>
-          </p:nvPr>
-        </p:nvSpPr>
-        <p:spPr>
-          <a:xfrm>
-            <a:off x="838080" y="1825560"/>
-            <a:ext cx="10515240" cy="4350960"/>
-          </a:xfrm>
-          <a:prstGeom prst="rect">
-            <a:avLst/>
-          </a:prstGeom>
-          <a:noFill/>
-          <a:ln w="0">
-            <a:noFill/>
-          </a:ln>
-        </p:spPr>
-        <p:txBody>
-          <a:bodyPr anchor="t">
-            <a:noAutofit/>
-          </a:bodyPr>
-          <a:lstStyle/>
-          <a:p>
-            <a:pPr marL="228600" indent="-228600">
-              <a:lnSpc>
-                <a:spcPct val="90000"/>
-              </a:lnSpc>
-              <a:spcBef>
-                <a:spcPts val="1001"/>
-              </a:spcBef>
-              <a:buClr>
-                <a:srgbClr val="000000"/>
-              </a:buClr>
-              <a:buFont typeface="Arial"/>
-              <a:buChar char="•"/>
-            </a:pPr>
-            <a:r>
-              <a:rPr lang="en-US" sz="2800" b="0" strike="noStrike" spc="-1" dirty="0">
-                <a:solidFill>
-                  <a:srgbClr val="000000"/>
-                </a:solidFill>
-                <a:latin typeface="Calibri"/>
-              </a:rPr>
-              <a:t>This activity was straightforward so I was able to follow it easily.</a:t>
-            </a:r>
-          </a:p>
-          <a:p>
-            <a:pPr marL="228600" indent="-228600">
-              <a:lnSpc>
-                <a:spcPct val="90000"/>
-              </a:lnSpc>
-              <a:spcBef>
-                <a:spcPts val="1001"/>
-              </a:spcBef>
-              <a:buClr>
-                <a:srgbClr val="000000"/>
-              </a:buClr>
-              <a:buFont typeface="Arial"/>
-              <a:buChar char="•"/>
-            </a:pPr>
-            <a:r>
-              <a:rPr lang="en-US" sz="2800" b="0" strike="noStrike" spc="-1" dirty="0">
-                <a:solidFill>
-                  <a:srgbClr val="000000"/>
-                </a:solidFill>
-                <a:latin typeface="Calibri"/>
-              </a:rPr>
-              <a:t>It is fun to recognize and understand the functions of different options in ImageJ based on our fundamental understandings of image processing. It is cool to know that you can do these manually with coding without the app.</a:t>
-            </a:r>
-          </a:p>
-          <a:p>
-            <a:pPr marL="228600" indent="-228600">
-              <a:lnSpc>
-                <a:spcPct val="90000"/>
-              </a:lnSpc>
-              <a:spcBef>
-                <a:spcPts val="1001"/>
-              </a:spcBef>
-              <a:buClr>
-                <a:srgbClr val="000000"/>
-              </a:buClr>
-              <a:buFont typeface="Arial"/>
-              <a:buChar char="•"/>
-            </a:pPr>
-            <a:r>
-              <a:rPr lang="en-US" sz="2800" b="0" strike="noStrike" spc="-1" dirty="0">
-                <a:solidFill>
-                  <a:srgbClr val="000000"/>
-                </a:solidFill>
-                <a:latin typeface="Calibri"/>
-              </a:rPr>
-              <a:t>I am grateful for this no-coding exercise. This is a breather exercise because I have been overwhelmed by coding lately.</a:t>
-            </a:r>
-          </a:p>
-        </p:txBody>
-      </p:sp>
-    </p:spTree>
-  </p:cSld>
-  <p:clrMapOvr>
-    <a:masterClrMapping/>
-  </p:clrMapOvr>
-</p:sld>
-</file>
-
-<file path=ppt/slides/slide15.xml><?xml version="1.0" encoding="utf-8"?>
-<p:sld xmlns:a="http://schemas.openxmlformats.org/drawingml/2006/main" xmlns:r="http://schemas.openxmlformats.org/officeDocument/2006/relationships" xmlns:p="http://schemas.openxmlformats.org/presentationml/2006/main">
-  <p:cSld>
-    <p:spTree>
-      <p:nvGrpSpPr>
-        <p:cNvPr id="1" name=""/>
-        <p:cNvGrpSpPr/>
-        <p:nvPr/>
-      </p:nvGrpSpPr>
-      <p:grpSpPr>
-        <a:xfrm>
-          <a:off x="0" y="0"/>
-          <a:ext cx="0" cy="0"/>
-          <a:chOff x="0" y="0"/>
-          <a:chExt cx="0" cy="0"/>
-        </a:xfrm>
-      </p:grpSpPr>
-      <p:sp>
-        <p:nvSpPr>
-          <p:cNvPr id="109" name="PlaceHolder 1"/>
-          <p:cNvSpPr>
-            <a:spLocks noGrp="1"/>
-          </p:cNvSpPr>
-          <p:nvPr>
-            <p:ph type="title"/>
-          </p:nvPr>
-        </p:nvSpPr>
-        <p:spPr>
-          <a:xfrm>
-            <a:off x="838080" y="365040"/>
-            <a:ext cx="10515240" cy="1325160"/>
-          </a:xfrm>
-          <a:prstGeom prst="rect">
-            <a:avLst/>
-          </a:prstGeom>
-          <a:noFill/>
-          <a:ln w="0">
-            <a:noFill/>
-          </a:ln>
-        </p:spPr>
-        <p:txBody>
-          <a:bodyPr anchor="ctr">
-            <a:noAutofit/>
-          </a:bodyPr>
-          <a:lstStyle/>
-          <a:p>
-            <a:pPr>
-              <a:lnSpc>
-                <a:spcPct val="90000"/>
-              </a:lnSpc>
-              <a:buNone/>
-            </a:pPr>
-            <a:r>
-              <a:rPr lang="en-US" sz="4400" strike="noStrike" spc="-1" dirty="0">
-                <a:solidFill>
-                  <a:srgbClr val="000000"/>
-                </a:solidFill>
-                <a:latin typeface="Calibri Light" panose="020F0302020204030204" pitchFamily="34" charset="0"/>
-                <a:cs typeface="Calibri Light" panose="020F0302020204030204" pitchFamily="34" charset="0"/>
-              </a:rPr>
-              <a:t>SELF-GRADE</a:t>
-            </a:r>
-          </a:p>
-        </p:txBody>
-      </p:sp>
-      <p:sp>
-        <p:nvSpPr>
-          <p:cNvPr id="110" name="PlaceHolder 2"/>
-          <p:cNvSpPr>
-            <a:spLocks noGrp="1"/>
-          </p:cNvSpPr>
-          <p:nvPr>
-            <p:ph/>
-          </p:nvPr>
-        </p:nvSpPr>
-        <p:spPr>
-          <a:xfrm>
-            <a:off x="838080" y="1825560"/>
-            <a:ext cx="10515240" cy="4350960"/>
-          </a:xfrm>
-          <a:prstGeom prst="rect">
-            <a:avLst/>
-          </a:prstGeom>
-          <a:noFill/>
-          <a:ln w="0">
-            <a:noFill/>
-          </a:ln>
-        </p:spPr>
-        <p:txBody>
-          <a:bodyPr anchor="t">
-            <a:noAutofit/>
-          </a:bodyPr>
-          <a:lstStyle/>
-          <a:p>
-            <a:pPr marL="228600" indent="-228600">
-              <a:lnSpc>
-                <a:spcPct val="90000"/>
-              </a:lnSpc>
-              <a:spcBef>
-                <a:spcPts val="1001"/>
-              </a:spcBef>
-              <a:buClr>
-                <a:srgbClr val="000000"/>
-              </a:buClr>
-              <a:buFont typeface="Arial"/>
-              <a:buChar char="•"/>
-            </a:pPr>
-            <a:r>
-              <a:rPr lang="en-US" sz="2400" spc="-1" dirty="0">
-                <a:solidFill>
-                  <a:srgbClr val="000000"/>
-                </a:solidFill>
-                <a:latin typeface="Calibri"/>
-              </a:rPr>
-              <a:t>Technical correctness: 35/35</a:t>
-            </a:r>
-          </a:p>
-          <a:p>
-            <a:pPr lvl="1">
-              <a:spcBef>
-                <a:spcPts val="1001"/>
-              </a:spcBef>
-              <a:buClr>
-                <a:srgbClr val="000000"/>
-              </a:buClr>
-              <a:buFont typeface="Arial"/>
-              <a:buChar char="•"/>
-            </a:pPr>
-            <a:r>
-              <a:rPr lang="en-US" sz="2000" b="0" strike="noStrike" spc="-1" dirty="0">
-                <a:solidFill>
-                  <a:srgbClr val="000000"/>
-                </a:solidFill>
-                <a:latin typeface="Calibri"/>
-              </a:rPr>
-              <a:t>I </a:t>
-            </a:r>
-            <a:r>
-              <a:rPr lang="en-US" sz="2000" spc="-1" dirty="0">
-                <a:solidFill>
-                  <a:srgbClr val="000000"/>
-                </a:solidFill>
-                <a:latin typeface="Calibri"/>
-              </a:rPr>
-              <a:t>am confident that I understood how to use ImageJ to extract feature from images, and have applied it.</a:t>
-            </a:r>
-          </a:p>
-          <a:p>
-            <a:pPr marL="228600" indent="-228600">
-              <a:lnSpc>
-                <a:spcPct val="90000"/>
-              </a:lnSpc>
-              <a:spcBef>
-                <a:spcPts val="1001"/>
-              </a:spcBef>
-              <a:buClr>
-                <a:srgbClr val="000000"/>
-              </a:buClr>
-              <a:buFont typeface="Arial"/>
-              <a:buChar char="•"/>
-            </a:pPr>
-            <a:r>
-              <a:rPr lang="en-US" sz="2400" spc="-1" dirty="0">
-                <a:solidFill>
-                  <a:srgbClr val="000000"/>
-                </a:solidFill>
-                <a:latin typeface="Calibri"/>
-              </a:rPr>
-              <a:t>Quality of presentation: 35/35</a:t>
-            </a:r>
-          </a:p>
-          <a:p>
-            <a:pPr lvl="1">
-              <a:spcBef>
-                <a:spcPts val="1001"/>
-              </a:spcBef>
-              <a:buClr>
-                <a:srgbClr val="000000"/>
-              </a:buClr>
-              <a:buFont typeface="Arial"/>
-              <a:buChar char="•"/>
-            </a:pPr>
-            <a:r>
-              <a:rPr lang="en-US" sz="2000" spc="-1" dirty="0">
-                <a:solidFill>
-                  <a:srgbClr val="000000"/>
-                </a:solidFill>
-                <a:latin typeface="Calibri"/>
-              </a:rPr>
-              <a:t>I have explained each step, and images are clear and concise.</a:t>
-            </a:r>
-          </a:p>
-          <a:p>
-            <a:pPr marL="228600" indent="-228600">
-              <a:lnSpc>
-                <a:spcPct val="90000"/>
-              </a:lnSpc>
-              <a:spcBef>
-                <a:spcPts val="1001"/>
-              </a:spcBef>
-              <a:buClr>
-                <a:srgbClr val="000000"/>
-              </a:buClr>
-              <a:buFont typeface="Arial"/>
-              <a:buChar char="•"/>
-            </a:pPr>
-            <a:r>
-              <a:rPr lang="en-US" sz="2400" spc="-1" dirty="0">
-                <a:solidFill>
-                  <a:srgbClr val="000000"/>
-                </a:solidFill>
-                <a:latin typeface="Calibri"/>
-              </a:rPr>
-              <a:t>Self-reflection: 30/30</a:t>
-            </a:r>
-          </a:p>
-          <a:p>
-            <a:pPr lvl="1">
-              <a:spcBef>
-                <a:spcPts val="1001"/>
-              </a:spcBef>
-              <a:buClr>
-                <a:srgbClr val="000000"/>
-              </a:buClr>
-              <a:buFont typeface="Arial"/>
-              <a:buChar char="•"/>
-            </a:pPr>
-            <a:r>
-              <a:rPr lang="en-US" sz="2000" spc="-1" dirty="0">
-                <a:solidFill>
-                  <a:srgbClr val="000000"/>
-                </a:solidFill>
-                <a:latin typeface="Calibri"/>
-              </a:rPr>
-              <a:t>Even though I was slacking in this subject for a while, I managed to get back on track. The topics are really fun and interesting. It helped me understand the ideas behind image tools such as smartphone cameras, Photoshop, etc.</a:t>
-            </a:r>
-          </a:p>
-          <a:p>
-            <a:pPr marL="228600" indent="-228600">
-              <a:lnSpc>
-                <a:spcPct val="90000"/>
-              </a:lnSpc>
-              <a:spcBef>
-                <a:spcPts val="1001"/>
-              </a:spcBef>
-              <a:buClr>
-                <a:srgbClr val="000000"/>
-              </a:buClr>
-              <a:buFont typeface="Arial"/>
-              <a:buChar char="•"/>
-            </a:pPr>
-            <a:r>
-              <a:rPr lang="en-US" sz="2400" spc="-1" dirty="0">
-                <a:solidFill>
-                  <a:srgbClr val="000000"/>
-                </a:solidFill>
-                <a:latin typeface="Calibri"/>
-              </a:rPr>
-              <a:t>Initiative: 10/10</a:t>
-            </a:r>
-          </a:p>
-          <a:p>
-            <a:pPr lvl="1">
-              <a:spcBef>
-                <a:spcPts val="1001"/>
-              </a:spcBef>
-              <a:buClr>
-                <a:srgbClr val="000000"/>
-              </a:buClr>
-              <a:buFont typeface="Arial"/>
-              <a:buChar char="•"/>
-            </a:pPr>
-            <a:r>
-              <a:rPr lang="en-US" sz="2000" spc="-1" dirty="0">
-                <a:solidFill>
-                  <a:srgbClr val="000000"/>
-                </a:solidFill>
-                <a:latin typeface="Calibri"/>
-              </a:rPr>
-              <a:t>I used an extra image for extraction.</a:t>
-            </a:r>
-          </a:p>
-        </p:txBody>
-      </p:sp>
-    </p:spTree>
-    <p:extLst>
-      <p:ext uri="{BB962C8B-B14F-4D97-AF65-F5344CB8AC3E}">
-        <p14:creationId xmlns:p14="http://schemas.microsoft.com/office/powerpoint/2010/main" val="3784929317"/>
-      </p:ext>
-    </p:extLst>
-  </p:cSld>
-  <p:clrMapOvr>
-    <a:masterClrMapping/>
-  </p:clrMapOvr>
-</p:sld>
-</file>
-
 <file path=ppt/slides/slide2.xml><?xml version="1.0" encoding="utf-8"?>
 <p:sld xmlns:a="http://schemas.openxmlformats.org/drawingml/2006/main" xmlns:r="http://schemas.openxmlformats.org/officeDocument/2006/relationships" xmlns:p="http://schemas.openxmlformats.org/presentationml/2006/main">
   <p:cSld>
@@ -9643,14 +7207,67 @@
       </p:grpSpPr>
       <p:sp>
         <p:nvSpPr>
-          <p:cNvPr id="86" name="Content Placeholder 2"/>
+          <p:cNvPr id="104" name="PlaceHolder 2"/>
+          <p:cNvSpPr>
+            <a:spLocks noGrp="1"/>
+          </p:cNvSpPr>
+          <p:nvPr>
+            <p:ph type="title"/>
+          </p:nvPr>
+        </p:nvSpPr>
+        <p:spPr>
+          <a:xfrm>
+            <a:off x="838080" y="365040"/>
+            <a:ext cx="10515240" cy="1325160"/>
+          </a:xfrm>
+          <a:prstGeom prst="rect">
+            <a:avLst/>
+          </a:prstGeom>
+          <a:noFill/>
+          <a:ln w="0">
+            <a:noFill/>
+          </a:ln>
+        </p:spPr>
+        <p:txBody>
+          <a:bodyPr anchor="ctr">
+            <a:noAutofit/>
+          </a:bodyPr>
+          <a:lstStyle/>
+          <a:p>
+            <a:pPr>
+              <a:lnSpc>
+                <a:spcPct val="90000"/>
+              </a:lnSpc>
+              <a:buNone/>
+            </a:pPr>
+            <a:r>
+              <a:rPr lang="en-US" sz="4400" b="0" strike="noStrike" spc="-1" dirty="0">
+                <a:solidFill>
+                  <a:srgbClr val="000000"/>
+                </a:solidFill>
+                <a:latin typeface="Calibri Light"/>
+              </a:rPr>
+              <a:t>RESULTS &amp; ANALYSIS</a:t>
+            </a:r>
+            <a:endParaRPr lang="en-US" sz="4400" b="0" strike="noStrike" spc="-1" dirty="0">
+              <a:solidFill>
+                <a:srgbClr val="000000"/>
+              </a:solidFill>
+              <a:latin typeface="Calibri"/>
+            </a:endParaRPr>
+          </a:p>
+        </p:txBody>
+      </p:sp>
+      <p:sp>
+        <p:nvSpPr>
+          <p:cNvPr id="105" name="Content Placeholder 2"/>
           <p:cNvSpPr/>
           <p:nvPr/>
         </p:nvSpPr>
         <p:spPr>
           <a:xfrm>
-            <a:off x="838080" y="1825560"/>
-            <a:ext cx="10515240" cy="4350960"/>
+            <a:off x="0" y="6610680"/>
+            <a:ext cx="12191760" cy="246960"/>
           </a:xfrm>
           <a:prstGeom prst="rect">
             <a:avLst/>
@@ -9674,78 +7291,9 @@
         </p:style>
         <p:txBody>
           <a:bodyPr anchor="t">
-            <a:normAutofit/>
-          </a:bodyPr>
-          <a:lstStyle/>
-          <a:p>
-            <a:pPr marL="228600" indent="-228600">
-              <a:lnSpc>
-                <a:spcPct val="90000"/>
-              </a:lnSpc>
-              <a:spcBef>
-                <a:spcPts val="1001"/>
-              </a:spcBef>
-              <a:buClr>
-                <a:srgbClr val="000000"/>
-              </a:buClr>
-              <a:buFont typeface="Arial"/>
-              <a:buChar char="•"/>
-            </a:pPr>
-            <a:r>
-              <a:rPr lang="en-US" sz="2800" b="0" strike="noStrike" spc="-1">
-                <a:solidFill>
-                  <a:srgbClr val="000000"/>
-                </a:solidFill>
-                <a:latin typeface="Calibri"/>
-              </a:rPr>
-              <a:t>Image of sand particles</a:t>
-            </a:r>
-            <a:endParaRPr lang="en-PH" sz="2800" b="0" strike="noStrike" spc="-1">
-              <a:latin typeface="Arial"/>
-            </a:endParaRPr>
-          </a:p>
-          <a:p>
-            <a:pPr>
-              <a:lnSpc>
-                <a:spcPct val="90000"/>
-              </a:lnSpc>
-              <a:spcBef>
-                <a:spcPts val="1001"/>
-              </a:spcBef>
-              <a:buNone/>
-            </a:pPr>
-            <a:endParaRPr lang="en-PH" sz="2800" b="0" strike="noStrike" spc="-1">
-              <a:latin typeface="Arial"/>
-            </a:endParaRPr>
-          </a:p>
-          <a:p>
-            <a:pPr>
-              <a:lnSpc>
-                <a:spcPct val="90000"/>
-              </a:lnSpc>
-              <a:spcBef>
-                <a:spcPts val="1001"/>
-              </a:spcBef>
-              <a:buNone/>
-            </a:pPr>
-            <a:endParaRPr lang="en-PH" sz="2800" b="0" strike="noStrike" spc="-1">
-              <a:latin typeface="Arial"/>
-            </a:endParaRPr>
-          </a:p>
-          <a:p>
-            <a:pPr>
-              <a:lnSpc>
-                <a:spcPct val="90000"/>
-              </a:lnSpc>
-              <a:spcBef>
-                <a:spcPts val="1001"/>
-              </a:spcBef>
-              <a:buNone/>
-            </a:pPr>
-            <a:endParaRPr lang="en-PH" sz="2800" b="0" strike="noStrike" spc="-1">
-              <a:latin typeface="Arial"/>
-            </a:endParaRPr>
-          </a:p>
+            <a:normAutofit fontScale="95000"/>
+          </a:bodyPr>
+          <a:lstStyle/>
           <a:p>
             <a:pPr>
               <a:lnSpc>
@@ -9759,239 +7307,8 @@
                 <a:tab pos="0" algn="l"/>
               </a:tabLst>
             </a:pPr>
-            <a:endParaRPr lang="en-PH" sz="2800" b="0" strike="noStrike" spc="-1">
-              <a:latin typeface="Arial"/>
-            </a:endParaRPr>
-          </a:p>
-        </p:txBody>
-      </p:sp>
-      <p:sp>
-        <p:nvSpPr>
-          <p:cNvPr id="87" name="PlaceHolder 1"/>
-          <p:cNvSpPr>
-            <a:spLocks noGrp="1"/>
-          </p:cNvSpPr>
-          <p:nvPr>
-            <p:ph type="title"/>
-          </p:nvPr>
-        </p:nvSpPr>
-        <p:spPr>
-          <a:xfrm>
-            <a:off x="838080" y="365040"/>
-            <a:ext cx="10515240" cy="1325160"/>
-          </a:xfrm>
-          <a:prstGeom prst="rect">
-            <a:avLst/>
-          </a:prstGeom>
-          <a:noFill/>
-          <a:ln w="0">
-            <a:noFill/>
-          </a:ln>
-        </p:spPr>
-        <p:txBody>
-          <a:bodyPr anchor="ctr">
-            <a:noAutofit/>
-          </a:bodyPr>
-          <a:lstStyle/>
-          <a:p>
-            <a:pPr>
-              <a:lnSpc>
-                <a:spcPct val="90000"/>
-              </a:lnSpc>
-              <a:buNone/>
-            </a:pPr>
             <a:r>
-              <a:rPr lang="en-US" sz="4400" b="0" strike="noStrike" spc="-1">
-                <a:solidFill>
-                  <a:srgbClr val="000000"/>
-                </a:solidFill>
-                <a:latin typeface="Calibri Light"/>
-              </a:rPr>
-              <a:t>RESULTS &amp; ANALYSIS</a:t>
-            </a:r>
-            <a:endParaRPr lang="en-US" sz="4400" b="0" strike="noStrike" spc="-1">
-              <a:solidFill>
-                <a:srgbClr val="000000"/>
-              </a:solidFill>
-              <a:latin typeface="Calibri"/>
-            </a:endParaRPr>
-          </a:p>
-        </p:txBody>
-      </p:sp>
-      <p:pic>
-        <p:nvPicPr>
-          <p:cNvPr id="89" name="Content Placeholder 5"/>
-          <p:cNvPicPr/>
-          <p:nvPr/>
-        </p:nvPicPr>
-        <p:blipFill>
-          <a:blip r:embed="rId2"/>
-          <a:stretch/>
-        </p:blipFill>
-        <p:spPr>
-          <a:xfrm>
-            <a:off x="4271760" y="2391840"/>
-            <a:ext cx="3647880" cy="3647880"/>
-          </a:xfrm>
-          <a:prstGeom prst="rect">
-            <a:avLst/>
-          </a:prstGeom>
-          <a:ln w="0">
-            <a:noFill/>
-          </a:ln>
-        </p:spPr>
-      </p:pic>
-      <p:sp>
-        <p:nvSpPr>
-          <p:cNvPr id="4" name="Content Placeholder 2">
-            <a:extLst>
-              <a:ext uri="{FF2B5EF4-FFF2-40B4-BE49-F238E27FC236}">
-                <a16:creationId xmlns:a16="http://schemas.microsoft.com/office/drawing/2014/main" id="{9CE29A4A-362B-323F-C549-B51EF2EB0303}"/>
-              </a:ext>
-            </a:extLst>
-          </p:cNvPr>
-          <p:cNvSpPr/>
-          <p:nvPr/>
-        </p:nvSpPr>
-        <p:spPr>
-          <a:xfrm>
-            <a:off x="-180" y="6619320"/>
-            <a:ext cx="12191760" cy="246960"/>
-          </a:xfrm>
-          <a:prstGeom prst="rect">
-            <a:avLst/>
-          </a:prstGeom>
-          <a:noFill/>
-          <a:ln w="0">
-            <a:noFill/>
-          </a:ln>
-        </p:spPr>
-        <p:style>
-          <a:lnRef idx="0">
-            <a:scrgbClr r="0" g="0" b="0"/>
-          </a:lnRef>
-          <a:fillRef idx="0">
-            <a:scrgbClr r="0" g="0" b="0"/>
-          </a:fillRef>
-          <a:effectRef idx="0">
-            <a:scrgbClr r="0" g="0" b="0"/>
-          </a:effectRef>
-          <a:fontRef idx="minor"/>
-        </p:style>
-        <p:txBody>
-          <a:bodyPr anchor="t">
-            <a:normAutofit fontScale="95000"/>
-          </a:bodyPr>
-          <a:lstStyle>
-            <a:defPPr>
-              <a:defRPr lang="en-US"/>
-            </a:defPPr>
-            <a:lvl1pPr marL="0" algn="l" defTabSz="914400" rtl="0" eaLnBrk="1" latinLnBrk="0" hangingPunct="1">
-              <a:defRPr sz="1800" kern="1200">
-                <a:solidFill>
-                  <a:schemeClr val="tx1"/>
-                </a:solidFill>
-                <a:latin typeface="+mn-lt"/>
-                <a:ea typeface="+mn-ea"/>
-                <a:cs typeface="+mn-cs"/>
-              </a:defRPr>
-            </a:lvl1pPr>
-            <a:lvl2pPr marL="457200" algn="l" defTabSz="914400" rtl="0" eaLnBrk="1" latinLnBrk="0" hangingPunct="1">
-              <a:defRPr sz="1800" kern="1200">
-                <a:solidFill>
-                  <a:schemeClr val="tx1"/>
-                </a:solidFill>
-                <a:latin typeface="+mn-lt"/>
-                <a:ea typeface="+mn-ea"/>
-                <a:cs typeface="+mn-cs"/>
-              </a:defRPr>
-            </a:lvl2pPr>
-            <a:lvl3pPr marL="914400" algn="l" defTabSz="914400" rtl="0" eaLnBrk="1" latinLnBrk="0" hangingPunct="1">
-              <a:defRPr sz="1800" kern="1200">
-                <a:solidFill>
-                  <a:schemeClr val="tx1"/>
-                </a:solidFill>
-                <a:latin typeface="+mn-lt"/>
-                <a:ea typeface="+mn-ea"/>
-                <a:cs typeface="+mn-cs"/>
-              </a:defRPr>
-            </a:lvl3pPr>
-            <a:lvl4pPr marL="1371600" algn="l" defTabSz="914400" rtl="0" eaLnBrk="1" latinLnBrk="0" hangingPunct="1">
-              <a:defRPr sz="1800" kern="1200">
-                <a:solidFill>
-                  <a:schemeClr val="tx1"/>
-                </a:solidFill>
-                <a:latin typeface="+mn-lt"/>
-                <a:ea typeface="+mn-ea"/>
-                <a:cs typeface="+mn-cs"/>
-              </a:defRPr>
-            </a:lvl4pPr>
-            <a:lvl5pPr marL="1828800" algn="l" defTabSz="914400" rtl="0" eaLnBrk="1" latinLnBrk="0" hangingPunct="1">
-              <a:defRPr sz="1800" kern="1200">
-                <a:solidFill>
-                  <a:schemeClr val="tx1"/>
-                </a:solidFill>
-                <a:latin typeface="+mn-lt"/>
-                <a:ea typeface="+mn-ea"/>
-                <a:cs typeface="+mn-cs"/>
-              </a:defRPr>
-            </a:lvl5pPr>
-            <a:lvl6pPr marL="2286000" algn="l" defTabSz="914400" rtl="0" eaLnBrk="1" latinLnBrk="0" hangingPunct="1">
-              <a:defRPr sz="1800" kern="1200">
-                <a:solidFill>
-                  <a:schemeClr val="tx1"/>
-                </a:solidFill>
-                <a:latin typeface="+mn-lt"/>
-                <a:ea typeface="+mn-ea"/>
-                <a:cs typeface="+mn-cs"/>
-              </a:defRPr>
-            </a:lvl6pPr>
-            <a:lvl7pPr marL="2743200" algn="l" defTabSz="914400" rtl="0" eaLnBrk="1" latinLnBrk="0" hangingPunct="1">
-              <a:defRPr sz="1800" kern="1200">
-                <a:solidFill>
-                  <a:schemeClr val="tx1"/>
-                </a:solidFill>
-                <a:latin typeface="+mn-lt"/>
-                <a:ea typeface="+mn-ea"/>
-                <a:cs typeface="+mn-cs"/>
-              </a:defRPr>
-            </a:lvl7pPr>
-            <a:lvl8pPr marL="3200400" algn="l" defTabSz="914400" rtl="0" eaLnBrk="1" latinLnBrk="0" hangingPunct="1">
-              <a:defRPr sz="1800" kern="1200">
-                <a:solidFill>
-                  <a:schemeClr val="tx1"/>
-                </a:solidFill>
-                <a:latin typeface="+mn-lt"/>
-                <a:ea typeface="+mn-ea"/>
-                <a:cs typeface="+mn-cs"/>
-              </a:defRPr>
-            </a:lvl8pPr>
-            <a:lvl9pPr marL="3657600" algn="l" defTabSz="914400" rtl="0" eaLnBrk="1" latinLnBrk="0" hangingPunct="1">
-              <a:defRPr sz="1800" kern="1200">
-                <a:solidFill>
-                  <a:schemeClr val="tx1"/>
-                </a:solidFill>
-                <a:latin typeface="+mn-lt"/>
-                <a:ea typeface="+mn-ea"/>
-                <a:cs typeface="+mn-cs"/>
-              </a:defRPr>
-            </a:lvl9pPr>
-          </a:lstStyle>
-          <a:p>
-            <a:pPr>
-              <a:lnSpc>
-                <a:spcPct val="90000"/>
-              </a:lnSpc>
-              <a:spcBef>
-                <a:spcPts val="1001"/>
-              </a:spcBef>
-              <a:buNone/>
-              <a:tabLst>
-                <a:tab pos="0" algn="l"/>
-              </a:tabLst>
-            </a:pPr>
-            <a:r>
-              <a:rPr lang="en-US" sz="1200" b="0" strike="noStrike" spc="-1" dirty="0">
+              <a:rPr lang="en-US" sz="1200" b="0" strike="noStrike" spc="-1">
                 <a:solidFill>
                   <a:srgbClr val="000000"/>
                 </a:solidFill>
@@ -10000,12 +7317,12 @@
               <a:t>Codes and files: </a:t>
             </a:r>
             <a:r>
-              <a:rPr lang="en-US" sz="1200" spc="-1" dirty="0">
+              <a:rPr lang="en-US" sz="1200" spc="-1">
                 <a:solidFill>
                   <a:srgbClr val="000000"/>
                 </a:solidFill>
                 <a:latin typeface="Calibri"/>
-                <a:hlinkClick r:id="rId3"/>
+                <a:hlinkClick r:id="rId2"/>
               </a:rPr>
               <a:t>https://github.com/genvert/AP_157_FX-2_Vertudez/tree/main/Activity%207</a:t>
             </a:r>
@@ -10015,7 +7332,156 @@
           </a:p>
         </p:txBody>
       </p:sp>
+      <p:pic>
+        <p:nvPicPr>
+          <p:cNvPr id="3" name="Picture 2" descr="A picture containing screenshot, flower, colorfulness, text&#10;&#10;Description automatically generated">
+            <a:extLst>
+              <a:ext uri="{FF2B5EF4-FFF2-40B4-BE49-F238E27FC236}">
+                <a16:creationId xmlns:a16="http://schemas.microsoft.com/office/drawing/2014/main" id="{B1555EEC-1E36-71BA-059D-51A4E4B759AD}"/>
+              </a:ext>
+            </a:extLst>
+          </p:cNvPr>
+          <p:cNvPicPr>
+            <a:picLocks noChangeAspect="1"/>
+          </p:cNvPicPr>
+          <p:nvPr/>
+        </p:nvPicPr>
+        <p:blipFill>
+          <a:blip r:embed="rId3" cstate="print">
+            <a:extLst>
+              <a:ext uri="{28A0092B-C50C-407E-A947-70E740481C1C}">
+                <a14:useLocalDpi xmlns:a14="http://schemas.microsoft.com/office/drawing/2010/main" val="0"/>
+              </a:ext>
+            </a:extLst>
+          </a:blip>
+          <a:stretch>
+            <a:fillRect/>
+          </a:stretch>
+        </p:blipFill>
+        <p:spPr>
+          <a:xfrm>
+            <a:off x="1330159" y="4252403"/>
+            <a:ext cx="4132091" cy="2066046"/>
+          </a:xfrm>
+          <a:prstGeom prst="rect">
+            <a:avLst/>
+          </a:prstGeom>
+        </p:spPr>
+      </p:pic>
+      <p:pic>
+        <p:nvPicPr>
+          <p:cNvPr id="5" name="Picture 4" descr="A picture containing text, screenshot, number, font&#10;&#10;Description automatically generated">
+            <a:extLst>
+              <a:ext uri="{FF2B5EF4-FFF2-40B4-BE49-F238E27FC236}">
+                <a16:creationId xmlns:a16="http://schemas.microsoft.com/office/drawing/2014/main" id="{A8FC45C7-B45A-22E3-180A-104565792608}"/>
+              </a:ext>
+            </a:extLst>
+          </p:cNvPr>
+          <p:cNvPicPr>
+            <a:picLocks noChangeAspect="1"/>
+          </p:cNvPicPr>
+          <p:nvPr/>
+        </p:nvPicPr>
+        <p:blipFill>
+          <a:blip r:embed="rId4">
+            <a:extLst>
+              <a:ext uri="{28A0092B-C50C-407E-A947-70E740481C1C}">
+                <a14:useLocalDpi xmlns:a14="http://schemas.microsoft.com/office/drawing/2010/main" val="0"/>
+              </a:ext>
+            </a:extLst>
+          </a:blip>
+          <a:stretch>
+            <a:fillRect/>
+          </a:stretch>
+        </p:blipFill>
+        <p:spPr>
+          <a:xfrm>
+            <a:off x="7830532" y="3948302"/>
+            <a:ext cx="2842089" cy="2181470"/>
+          </a:xfrm>
+          <a:prstGeom prst="rect">
+            <a:avLst/>
+          </a:prstGeom>
+        </p:spPr>
+      </p:pic>
+      <p:pic>
+        <p:nvPicPr>
+          <p:cNvPr id="7" name="Picture 6" descr="A picture containing black and white&#10;&#10;Description automatically generated">
+            <a:extLst>
+              <a:ext uri="{FF2B5EF4-FFF2-40B4-BE49-F238E27FC236}">
+                <a16:creationId xmlns:a16="http://schemas.microsoft.com/office/drawing/2014/main" id="{E2E0345E-0C7E-AEAA-5EAE-0270FF5B2FEE}"/>
+              </a:ext>
+            </a:extLst>
+          </p:cNvPr>
+          <p:cNvPicPr>
+            <a:picLocks noChangeAspect="1"/>
+          </p:cNvPicPr>
+          <p:nvPr/>
+        </p:nvPicPr>
+        <p:blipFill>
+          <a:blip r:embed="rId5">
+            <a:extLst>
+              <a:ext uri="{28A0092B-C50C-407E-A947-70E740481C1C}">
+                <a14:useLocalDpi xmlns:a14="http://schemas.microsoft.com/office/drawing/2010/main" val="0"/>
+              </a:ext>
+            </a:extLst>
+          </a:blip>
+          <a:stretch>
+            <a:fillRect/>
+          </a:stretch>
+        </p:blipFill>
+        <p:spPr>
+          <a:xfrm>
+            <a:off x="6603615" y="858594"/>
+            <a:ext cx="3218694" cy="2194564"/>
+          </a:xfrm>
+          <a:prstGeom prst="rect">
+            <a:avLst/>
+          </a:prstGeom>
+        </p:spPr>
+      </p:pic>
+      <p:pic>
+        <p:nvPicPr>
+          <p:cNvPr id="9" name="Picture 8" descr="A close-up of a microscope&#10;&#10;Description automatically generated with low confidence">
+            <a:extLst>
+              <a:ext uri="{FF2B5EF4-FFF2-40B4-BE49-F238E27FC236}">
+                <a16:creationId xmlns:a16="http://schemas.microsoft.com/office/drawing/2014/main" id="{495E0B09-776F-4636-DE89-CD1EC9CAE8F4}"/>
+              </a:ext>
+            </a:extLst>
+          </p:cNvPr>
+          <p:cNvPicPr>
+            <a:picLocks noChangeAspect="1"/>
+          </p:cNvPicPr>
+          <p:nvPr/>
+        </p:nvPicPr>
+        <p:blipFill>
+          <a:blip r:embed="rId6">
+            <a:extLst>
+              <a:ext uri="{28A0092B-C50C-407E-A947-70E740481C1C}">
+                <a14:useLocalDpi xmlns:a14="http://schemas.microsoft.com/office/drawing/2010/main" val="0"/>
+              </a:ext>
+            </a:extLst>
+          </a:blip>
+          <a:stretch>
+            <a:fillRect/>
+          </a:stretch>
+        </p:blipFill>
+        <p:spPr>
+          <a:xfrm>
+            <a:off x="1719805" y="1494148"/>
+            <a:ext cx="3352800" cy="2286000"/>
+          </a:xfrm>
+          <a:prstGeom prst="rect">
+            <a:avLst/>
+          </a:prstGeom>
+        </p:spPr>
+      </p:pic>
     </p:spTree>
+    <p:extLst>
+      <p:ext uri="{BB962C8B-B14F-4D97-AF65-F5344CB8AC3E}">
+        <p14:creationId xmlns:p14="http://schemas.microsoft.com/office/powerpoint/2010/main" val="3693483658"/>
+      </p:ext>
+    </p:extLst>
   </p:cSld>
   <p:clrMapOvr>
     <a:masterClrMapping/>
@@ -10042,7 +7508,7 @@
       </p:grpSpPr>
       <p:sp>
         <p:nvSpPr>
-          <p:cNvPr id="90" name="PlaceHolder 1"/>
+          <p:cNvPr id="104" name="PlaceHolder 2"/>
           <p:cNvSpPr>
             <a:spLocks noGrp="1"/>
           </p:cNvSpPr>
@@ -10076,7 +7542,7 @@
               <a:buNone/>
             </a:pPr>
             <a:r>
-              <a:rPr lang="en-US" sz="4400" b="0" strike="noStrike" spc="-1">
+              <a:rPr lang="en-US" sz="4400" b="0" strike="noStrike" spc="-1" dirty="0">
                 <a:solidFill>
                   <a:srgbClr val="000000"/>
                 </a:solidFill>
@@ -10084,7 +7550,7 @@
               </a:rPr>
               <a:t>RESULTS &amp; ANALYSIS</a:t>
             </a:r>
-            <a:endParaRPr lang="en-US" sz="4400" b="0" strike="noStrike" spc="-1">
+            <a:endParaRPr lang="en-US" sz="4400" b="0" strike="noStrike" spc="-1" dirty="0">
               <a:solidFill>
                 <a:srgbClr val="000000"/>
               </a:solidFill>
@@ -10095,221 +7561,7 @@
       </p:sp>
       <p:sp>
         <p:nvSpPr>
-          <p:cNvPr id="91" name="PlaceHolder 2"/>
-          <p:cNvSpPr>
-            <a:spLocks noGrp="1"/>
-          </p:cNvSpPr>
-          <p:nvPr>
-            <p:ph/>
-          </p:nvPr>
-        </p:nvSpPr>
-        <p:spPr>
-          <a:xfrm>
-            <a:off x="901800" y="1397880"/>
-            <a:ext cx="10515240" cy="5262120"/>
-          </a:xfrm>
-          <a:prstGeom prst="rect">
-            <a:avLst/>
-          </a:prstGeom>
-          <a:noFill/>
-          <a:ln w="0">
-            <a:noFill/>
-          </a:ln>
-        </p:spPr>
-        <p:txBody>
-          <a:bodyPr anchor="t">
-            <a:normAutofit fontScale="96000" lnSpcReduction="10000"/>
-          </a:bodyPr>
-          <a:lstStyle/>
-          <a:p>
-            <a:pPr marL="228600" indent="-228600">
-              <a:lnSpc>
-                <a:spcPct val="90000"/>
-              </a:lnSpc>
-              <a:spcBef>
-                <a:spcPts val="1001"/>
-              </a:spcBef>
-              <a:buClr>
-                <a:srgbClr val="000000"/>
-              </a:buClr>
-              <a:buFont typeface="Arial"/>
-              <a:buChar char="•"/>
-            </a:pPr>
-            <a:r>
-              <a:rPr lang="en-US" sz="2800" b="0" strike="noStrike" spc="-1">
-                <a:solidFill>
-                  <a:srgbClr val="000000"/>
-                </a:solidFill>
-                <a:latin typeface="Calibri"/>
-              </a:rPr>
-              <a:t>Setting scale</a:t>
-            </a:r>
-          </a:p>
-          <a:p>
-            <a:pPr>
-              <a:lnSpc>
-                <a:spcPct val="90000"/>
-              </a:lnSpc>
-              <a:spcBef>
-                <a:spcPts val="1001"/>
-              </a:spcBef>
-              <a:buNone/>
-            </a:pPr>
-            <a:endParaRPr lang="en-US" sz="2800" b="0" strike="noStrike" spc="-1">
-              <a:solidFill>
-                <a:srgbClr val="000000"/>
-              </a:solidFill>
-              <a:latin typeface="Calibri"/>
-            </a:endParaRPr>
-          </a:p>
-          <a:p>
-            <a:pPr>
-              <a:lnSpc>
-                <a:spcPct val="90000"/>
-              </a:lnSpc>
-              <a:spcBef>
-                <a:spcPts val="1001"/>
-              </a:spcBef>
-              <a:buNone/>
-            </a:pPr>
-            <a:endParaRPr lang="en-US" sz="2800" b="0" strike="noStrike" spc="-1">
-              <a:solidFill>
-                <a:srgbClr val="000000"/>
-              </a:solidFill>
-              <a:latin typeface="Calibri"/>
-            </a:endParaRPr>
-          </a:p>
-          <a:p>
-            <a:pPr>
-              <a:lnSpc>
-                <a:spcPct val="90000"/>
-              </a:lnSpc>
-              <a:spcBef>
-                <a:spcPts val="1001"/>
-              </a:spcBef>
-              <a:buNone/>
-            </a:pPr>
-            <a:endParaRPr lang="en-US" sz="2800" b="0" strike="noStrike" spc="-1">
-              <a:solidFill>
-                <a:srgbClr val="000000"/>
-              </a:solidFill>
-              <a:latin typeface="Calibri"/>
-            </a:endParaRPr>
-          </a:p>
-          <a:p>
-            <a:pPr>
-              <a:lnSpc>
-                <a:spcPct val="90000"/>
-              </a:lnSpc>
-              <a:spcBef>
-                <a:spcPts val="1001"/>
-              </a:spcBef>
-              <a:buNone/>
-            </a:pPr>
-            <a:endParaRPr lang="en-US" sz="2800" b="0" strike="noStrike" spc="-1">
-              <a:solidFill>
-                <a:srgbClr val="000000"/>
-              </a:solidFill>
-              <a:latin typeface="Calibri"/>
-            </a:endParaRPr>
-          </a:p>
-          <a:p>
-            <a:pPr>
-              <a:lnSpc>
-                <a:spcPct val="90000"/>
-              </a:lnSpc>
-              <a:spcBef>
-                <a:spcPts val="1001"/>
-              </a:spcBef>
-              <a:buNone/>
-            </a:pPr>
-            <a:endParaRPr lang="en-US" sz="2800" b="0" strike="noStrike" spc="-1">
-              <a:solidFill>
-                <a:srgbClr val="000000"/>
-              </a:solidFill>
-              <a:latin typeface="Calibri"/>
-            </a:endParaRPr>
-          </a:p>
-          <a:p>
-            <a:pPr>
-              <a:lnSpc>
-                <a:spcPct val="90000"/>
-              </a:lnSpc>
-              <a:spcBef>
-                <a:spcPts val="1001"/>
-              </a:spcBef>
-              <a:buNone/>
-            </a:pPr>
-            <a:endParaRPr lang="en-US" sz="2800" b="0" strike="noStrike" spc="-1">
-              <a:solidFill>
-                <a:srgbClr val="000000"/>
-              </a:solidFill>
-              <a:latin typeface="Calibri"/>
-            </a:endParaRPr>
-          </a:p>
-          <a:p>
-            <a:pPr>
-              <a:lnSpc>
-                <a:spcPct val="90000"/>
-              </a:lnSpc>
-              <a:spcBef>
-                <a:spcPts val="1001"/>
-              </a:spcBef>
-              <a:buNone/>
-            </a:pPr>
-            <a:endParaRPr lang="en-US" sz="2800" b="0" strike="noStrike" spc="-1">
-              <a:solidFill>
-                <a:srgbClr val="000000"/>
-              </a:solidFill>
-              <a:latin typeface="Calibri"/>
-            </a:endParaRPr>
-          </a:p>
-          <a:p>
-            <a:pPr>
-              <a:lnSpc>
-                <a:spcPct val="90000"/>
-              </a:lnSpc>
-              <a:spcBef>
-                <a:spcPts val="1001"/>
-              </a:spcBef>
-              <a:buNone/>
-            </a:pPr>
-            <a:endParaRPr lang="en-US" sz="2800" b="0" strike="noStrike" spc="-1">
-              <a:solidFill>
-                <a:srgbClr val="000000"/>
-              </a:solidFill>
-              <a:latin typeface="Calibri"/>
-            </a:endParaRPr>
-          </a:p>
-          <a:p>
-            <a:pPr marL="228600" indent="-228600">
-              <a:lnSpc>
-                <a:spcPct val="90000"/>
-              </a:lnSpc>
-              <a:spcBef>
-                <a:spcPts val="1001"/>
-              </a:spcBef>
-              <a:buClr>
-                <a:srgbClr val="000000"/>
-              </a:buClr>
-              <a:buFont typeface="Arial"/>
-              <a:buChar char="•"/>
-            </a:pPr>
-            <a:r>
-              <a:rPr lang="en-US" sz="2800" b="0" strike="noStrike" spc="-1">
-                <a:solidFill>
-                  <a:srgbClr val="000000"/>
-                </a:solidFill>
-                <a:latin typeface="Calibri"/>
-              </a:rPr>
-              <a:t>I just set an arbitrary scale as instructed. I used 10 units for about the same distance in the cell example.</a:t>
-            </a:r>
-          </a:p>
-        </p:txBody>
-      </p:sp>
-      <p:sp>
-        <p:nvSpPr>
-          <p:cNvPr id="92" name="Content Placeholder 2"/>
+          <p:cNvPr id="105" name="Content Placeholder 2"/>
           <p:cNvSpPr/>
           <p:nvPr/>
         </p:nvSpPr>
@@ -10357,7 +7609,7 @@
               </a:tabLst>
             </a:pPr>
             <a:r>
-              <a:rPr lang="en-US" sz="1200" b="0" strike="noStrike" spc="-1" dirty="0">
+              <a:rPr lang="en-US" sz="1200" b="0" strike="noStrike" spc="-1">
                 <a:solidFill>
                   <a:srgbClr val="000000"/>
                 </a:solidFill>
@@ -10366,7 +7618,7 @@
               <a:t>Codes and files: </a:t>
             </a:r>
             <a:r>
-              <a:rPr lang="en-US" sz="1200" spc="-1" dirty="0">
+              <a:rPr lang="en-US" sz="1200" spc="-1">
                 <a:solidFill>
                   <a:srgbClr val="000000"/>
                 </a:solidFill>
@@ -10383,28 +7635,190 @@
       </p:sp>
       <p:pic>
         <p:nvPicPr>
-          <p:cNvPr id="93" name="Picture 11"/>
-          <p:cNvPicPr/>
+          <p:cNvPr id="4" name="Picture 3" descr="A picture containing text, screenshot, number, font&#10;&#10;Description automatically generated">
+            <a:extLst>
+              <a:ext uri="{FF2B5EF4-FFF2-40B4-BE49-F238E27FC236}">
+                <a16:creationId xmlns:a16="http://schemas.microsoft.com/office/drawing/2014/main" id="{0EDF2058-8F65-4206-C53F-01117A75971E}"/>
+              </a:ext>
+            </a:extLst>
+          </p:cNvPr>
+          <p:cNvPicPr>
+            <a:picLocks noChangeAspect="1"/>
+          </p:cNvPicPr>
           <p:nvPr/>
         </p:nvPicPr>
         <p:blipFill>
-          <a:blip r:embed="rId3"/>
-          <a:stretch/>
+          <a:blip r:embed="rId3" cstate="print">
+            <a:extLst>
+              <a:ext uri="{28A0092B-C50C-407E-A947-70E740481C1C}">
+                <a14:useLocalDpi xmlns:a14="http://schemas.microsoft.com/office/drawing/2010/main" val="0"/>
+              </a:ext>
+            </a:extLst>
+          </a:blip>
+          <a:stretch>
+            <a:fillRect/>
+          </a:stretch>
         </p:blipFill>
         <p:spPr>
           <a:xfrm>
-            <a:off x="3494160" y="1690560"/>
-            <a:ext cx="5203080" cy="3954600"/>
-          </a:xfrm>
-          <a:prstGeom prst="rect">
-            <a:avLst/>
-          </a:prstGeom>
-          <a:ln w="0">
-            <a:noFill/>
-          </a:ln>
+            <a:off x="7196862" y="2959032"/>
+            <a:ext cx="1431146" cy="1257816"/>
+          </a:xfrm>
+          <a:prstGeom prst="rect">
+            <a:avLst/>
+          </a:prstGeom>
+        </p:spPr>
+      </p:pic>
+      <p:pic>
+        <p:nvPicPr>
+          <p:cNvPr id="8" name="Picture 7" descr="A picture containing screenshot, colorfulness, art&#10;&#10;Description automatically generated">
+            <a:extLst>
+              <a:ext uri="{FF2B5EF4-FFF2-40B4-BE49-F238E27FC236}">
+                <a16:creationId xmlns:a16="http://schemas.microsoft.com/office/drawing/2014/main" id="{65A805B3-8620-4510-A547-531AF9669238}"/>
+              </a:ext>
+            </a:extLst>
+          </p:cNvPr>
+          <p:cNvPicPr>
+            <a:picLocks noChangeAspect="1"/>
+          </p:cNvPicPr>
+          <p:nvPr/>
+        </p:nvPicPr>
+        <p:blipFill>
+          <a:blip r:embed="rId4" cstate="print">
+            <a:extLst>
+              <a:ext uri="{28A0092B-C50C-407E-A947-70E740481C1C}">
+                <a14:useLocalDpi xmlns:a14="http://schemas.microsoft.com/office/drawing/2010/main" val="0"/>
+              </a:ext>
+            </a:extLst>
+          </a:blip>
+          <a:stretch>
+            <a:fillRect/>
+          </a:stretch>
+        </p:blipFill>
+        <p:spPr>
+          <a:xfrm>
+            <a:off x="6475309" y="5368810"/>
+            <a:ext cx="2248300" cy="1124150"/>
+          </a:xfrm>
+          <a:prstGeom prst="rect">
+            <a:avLst/>
+          </a:prstGeom>
+        </p:spPr>
+      </p:pic>
+      <p:pic>
+        <p:nvPicPr>
+          <p:cNvPr id="10" name="Picture 9" descr="A picture containing pattern, wrapping paper, black and white, design&#10;&#10;Description automatically generated">
+            <a:extLst>
+              <a:ext uri="{FF2B5EF4-FFF2-40B4-BE49-F238E27FC236}">
+                <a16:creationId xmlns:a16="http://schemas.microsoft.com/office/drawing/2014/main" id="{89B1E009-578C-F8DE-847C-58FCB715F53F}"/>
+              </a:ext>
+            </a:extLst>
+          </p:cNvPr>
+          <p:cNvPicPr>
+            <a:picLocks noChangeAspect="1"/>
+          </p:cNvPicPr>
+          <p:nvPr/>
+        </p:nvPicPr>
+        <p:blipFill>
+          <a:blip r:embed="rId5" cstate="print">
+            <a:extLst>
+              <a:ext uri="{28A0092B-C50C-407E-A947-70E740481C1C}">
+                <a14:useLocalDpi xmlns:a14="http://schemas.microsoft.com/office/drawing/2010/main" val="0"/>
+              </a:ext>
+            </a:extLst>
+          </a:blip>
+          <a:stretch>
+            <a:fillRect/>
+          </a:stretch>
+        </p:blipFill>
+        <p:spPr>
+          <a:xfrm>
+            <a:off x="3860954" y="2536420"/>
+            <a:ext cx="2417615" cy="2417615"/>
+          </a:xfrm>
+          <a:prstGeom prst="rect">
+            <a:avLst/>
+          </a:prstGeom>
+        </p:spPr>
+      </p:pic>
+      <p:pic>
+        <p:nvPicPr>
+          <p:cNvPr id="12" name="Picture 11" descr="A picture containing text, screenshot, number, menu&#10;&#10;Description automatically generated">
+            <a:extLst>
+              <a:ext uri="{FF2B5EF4-FFF2-40B4-BE49-F238E27FC236}">
+                <a16:creationId xmlns:a16="http://schemas.microsoft.com/office/drawing/2014/main" id="{BFDBF8CB-CD25-8C5E-D568-F431735CDF19}"/>
+              </a:ext>
+            </a:extLst>
+          </p:cNvPr>
+          <p:cNvPicPr>
+            <a:picLocks noChangeAspect="1"/>
+          </p:cNvPicPr>
+          <p:nvPr/>
+        </p:nvPicPr>
+        <p:blipFill>
+          <a:blip r:embed="rId6" cstate="print">
+            <a:extLst>
+              <a:ext uri="{28A0092B-C50C-407E-A947-70E740481C1C}">
+                <a14:useLocalDpi xmlns:a14="http://schemas.microsoft.com/office/drawing/2010/main" val="0"/>
+              </a:ext>
+            </a:extLst>
+          </a:blip>
+          <a:stretch>
+            <a:fillRect/>
+          </a:stretch>
+        </p:blipFill>
+        <p:spPr>
+          <a:xfrm>
+            <a:off x="8912540" y="3757119"/>
+            <a:ext cx="1428804" cy="1196916"/>
+          </a:xfrm>
+          <a:prstGeom prst="rect">
+            <a:avLst/>
+          </a:prstGeom>
+        </p:spPr>
+      </p:pic>
+      <p:pic>
+        <p:nvPicPr>
+          <p:cNvPr id="14" name="Picture 13" descr="A group of rocks on a black background&#10;&#10;Description automatically generated with low confidence">
+            <a:extLst>
+              <a:ext uri="{FF2B5EF4-FFF2-40B4-BE49-F238E27FC236}">
+                <a16:creationId xmlns:a16="http://schemas.microsoft.com/office/drawing/2014/main" id="{347F31F0-DC0C-DAFA-BE3A-993610631F7A}"/>
+              </a:ext>
+            </a:extLst>
+          </p:cNvPr>
+          <p:cNvPicPr>
+            <a:picLocks noChangeAspect="1"/>
+          </p:cNvPicPr>
+          <p:nvPr/>
+        </p:nvPicPr>
+        <p:blipFill>
+          <a:blip r:embed="rId7" cstate="print">
+            <a:extLst>
+              <a:ext uri="{28A0092B-C50C-407E-A947-70E740481C1C}">
+                <a14:useLocalDpi xmlns:a14="http://schemas.microsoft.com/office/drawing/2010/main" val="0"/>
+              </a:ext>
+            </a:extLst>
+          </a:blip>
+          <a:stretch>
+            <a:fillRect/>
+          </a:stretch>
+        </p:blipFill>
+        <p:spPr>
+          <a:xfrm>
+            <a:off x="955849" y="1668969"/>
+            <a:ext cx="2415063" cy="2415063"/>
+          </a:xfrm>
+          <a:prstGeom prst="rect">
+            <a:avLst/>
+          </a:prstGeom>
         </p:spPr>
       </p:pic>
     </p:spTree>
+    <p:extLst>
+      <p:ext uri="{BB962C8B-B14F-4D97-AF65-F5344CB8AC3E}">
+        <p14:creationId xmlns:p14="http://schemas.microsoft.com/office/powerpoint/2010/main" val="3394261471"/>
+      </p:ext>
+    </p:extLst>
   </p:cSld>
   <p:clrMapOvr>
     <a:masterClrMapping/>
@@ -10431,204 +7845,7 @@
       </p:grpSpPr>
       <p:sp>
         <p:nvSpPr>
-          <p:cNvPr id="94" name="PlaceHolder 1"/>
-          <p:cNvSpPr>
-            <a:spLocks noGrp="1"/>
-          </p:cNvSpPr>
-          <p:nvPr>
-            <p:ph/>
-          </p:nvPr>
-        </p:nvSpPr>
-        <p:spPr>
-          <a:xfrm>
-            <a:off x="838080" y="1825560"/>
-            <a:ext cx="10515240" cy="4350960"/>
-          </a:xfrm>
-          <a:prstGeom prst="rect">
-            <a:avLst/>
-          </a:prstGeom>
-          <a:noFill/>
-          <a:ln w="0">
-            <a:noFill/>
-          </a:ln>
-        </p:spPr>
-        <p:txBody>
-          <a:bodyPr anchor="t">
-            <a:normAutofit fontScale="94000"/>
-          </a:bodyPr>
-          <a:lstStyle/>
-          <a:p>
-            <a:pPr marL="228600" indent="-228600">
-              <a:lnSpc>
-                <a:spcPct val="90000"/>
-              </a:lnSpc>
-              <a:spcBef>
-                <a:spcPts val="1001"/>
-              </a:spcBef>
-              <a:buClr>
-                <a:srgbClr val="000000"/>
-              </a:buClr>
-              <a:buFont typeface="Arial"/>
-              <a:buChar char="•"/>
-            </a:pPr>
-            <a:r>
-              <a:rPr lang="en-US" sz="2800" b="0" strike="noStrike" spc="-1">
-                <a:solidFill>
-                  <a:srgbClr val="000000"/>
-                </a:solidFill>
-                <a:latin typeface="Calibri"/>
-              </a:rPr>
-              <a:t>Converting to 8-bit</a:t>
-            </a:r>
-          </a:p>
-          <a:p>
-            <a:pPr>
-              <a:lnSpc>
-                <a:spcPct val="90000"/>
-              </a:lnSpc>
-              <a:spcBef>
-                <a:spcPts val="1001"/>
-              </a:spcBef>
-              <a:buNone/>
-            </a:pPr>
-            <a:endParaRPr lang="en-US" sz="2800" b="0" strike="noStrike" spc="-1">
-              <a:solidFill>
-                <a:srgbClr val="000000"/>
-              </a:solidFill>
-              <a:latin typeface="Calibri"/>
-            </a:endParaRPr>
-          </a:p>
-          <a:p>
-            <a:pPr>
-              <a:lnSpc>
-                <a:spcPct val="90000"/>
-              </a:lnSpc>
-              <a:spcBef>
-                <a:spcPts val="1001"/>
-              </a:spcBef>
-              <a:buNone/>
-            </a:pPr>
-            <a:endParaRPr lang="en-US" sz="2800" b="0" strike="noStrike" spc="-1">
-              <a:solidFill>
-                <a:srgbClr val="000000"/>
-              </a:solidFill>
-              <a:latin typeface="Calibri"/>
-            </a:endParaRPr>
-          </a:p>
-          <a:p>
-            <a:pPr>
-              <a:lnSpc>
-                <a:spcPct val="90000"/>
-              </a:lnSpc>
-              <a:spcBef>
-                <a:spcPts val="1001"/>
-              </a:spcBef>
-              <a:buNone/>
-            </a:pPr>
-            <a:endParaRPr lang="en-US" sz="2800" b="0" strike="noStrike" spc="-1">
-              <a:solidFill>
-                <a:srgbClr val="000000"/>
-              </a:solidFill>
-              <a:latin typeface="Calibri"/>
-            </a:endParaRPr>
-          </a:p>
-          <a:p>
-            <a:pPr>
-              <a:lnSpc>
-                <a:spcPct val="90000"/>
-              </a:lnSpc>
-              <a:spcBef>
-                <a:spcPts val="1001"/>
-              </a:spcBef>
-              <a:buNone/>
-            </a:pPr>
-            <a:endParaRPr lang="en-US" sz="2800" b="0" strike="noStrike" spc="-1">
-              <a:solidFill>
-                <a:srgbClr val="000000"/>
-              </a:solidFill>
-              <a:latin typeface="Calibri"/>
-            </a:endParaRPr>
-          </a:p>
-          <a:p>
-            <a:pPr>
-              <a:lnSpc>
-                <a:spcPct val="90000"/>
-              </a:lnSpc>
-              <a:spcBef>
-                <a:spcPts val="1001"/>
-              </a:spcBef>
-              <a:buNone/>
-            </a:pPr>
-            <a:endParaRPr lang="en-US" sz="2800" b="0" strike="noStrike" spc="-1">
-              <a:solidFill>
-                <a:srgbClr val="000000"/>
-              </a:solidFill>
-              <a:latin typeface="Calibri"/>
-            </a:endParaRPr>
-          </a:p>
-          <a:p>
-            <a:pPr>
-              <a:lnSpc>
-                <a:spcPct val="90000"/>
-              </a:lnSpc>
-              <a:spcBef>
-                <a:spcPts val="1001"/>
-              </a:spcBef>
-              <a:buNone/>
-            </a:pPr>
-            <a:endParaRPr lang="en-US" sz="2800" b="0" strike="noStrike" spc="-1">
-              <a:solidFill>
-                <a:srgbClr val="000000"/>
-              </a:solidFill>
-              <a:latin typeface="Calibri"/>
-            </a:endParaRPr>
-          </a:p>
-          <a:p>
-            <a:pPr>
-              <a:lnSpc>
-                <a:spcPct val="90000"/>
-              </a:lnSpc>
-              <a:spcBef>
-                <a:spcPts val="1001"/>
-              </a:spcBef>
-              <a:buNone/>
-            </a:pPr>
-            <a:endParaRPr lang="en-US" sz="2800" b="0" strike="noStrike" spc="-1">
-              <a:solidFill>
-                <a:srgbClr val="000000"/>
-              </a:solidFill>
-              <a:latin typeface="Calibri"/>
-            </a:endParaRPr>
-          </a:p>
-          <a:p>
-            <a:pPr marL="228600" indent="-228600">
-              <a:lnSpc>
-                <a:spcPct val="90000"/>
-              </a:lnSpc>
-              <a:spcBef>
-                <a:spcPts val="1001"/>
-              </a:spcBef>
-              <a:buClr>
-                <a:srgbClr val="000000"/>
-              </a:buClr>
-              <a:buFont typeface="Arial"/>
-              <a:buChar char="•"/>
-            </a:pPr>
-            <a:r>
-              <a:rPr lang="en-US" sz="2800" b="0" strike="noStrike" spc="-1">
-                <a:solidFill>
-                  <a:srgbClr val="000000"/>
-                </a:solidFill>
-                <a:latin typeface="Calibri"/>
-              </a:rPr>
-              <a:t>Applying threshold only works on grayscale images, so we convert it first.</a:t>
-            </a:r>
-          </a:p>
-        </p:txBody>
-      </p:sp>
-      <p:sp>
-        <p:nvSpPr>
-          <p:cNvPr id="95" name="PlaceHolder 2"/>
+          <p:cNvPr id="104" name="PlaceHolder 2"/>
           <p:cNvSpPr>
             <a:spLocks noGrp="1"/>
           </p:cNvSpPr>
@@ -10662,7 +7879,7 @@
               <a:buNone/>
             </a:pPr>
             <a:r>
-              <a:rPr lang="en-US" sz="4400" b="0" strike="noStrike" spc="-1">
+              <a:rPr lang="en-US" sz="4400" b="0" strike="noStrike" spc="-1" dirty="0">
                 <a:solidFill>
                   <a:srgbClr val="000000"/>
                 </a:solidFill>
@@ -10670,7 +7887,7 @@
               </a:rPr>
               <a:t>RESULTS &amp; ANALYSIS</a:t>
             </a:r>
-            <a:endParaRPr lang="en-US" sz="4400" b="0" strike="noStrike" spc="-1">
+            <a:endParaRPr lang="en-US" sz="4400" b="0" strike="noStrike" spc="-1" dirty="0">
               <a:solidFill>
                 <a:srgbClr val="000000"/>
               </a:solidFill>
@@ -10681,7 +7898,7 @@
       </p:sp>
       <p:sp>
         <p:nvSpPr>
-          <p:cNvPr id="96" name="Content Placeholder 2"/>
+          <p:cNvPr id="105" name="Content Placeholder 2"/>
           <p:cNvSpPr/>
           <p:nvPr/>
         </p:nvSpPr>
@@ -10729,7 +7946,7 @@
               </a:tabLst>
             </a:pPr>
             <a:r>
-              <a:rPr lang="en-US" sz="1200" b="0" strike="noStrike" spc="-1" dirty="0">
+              <a:rPr lang="en-US" sz="1200" b="0" strike="noStrike" spc="-1">
                 <a:solidFill>
                   <a:srgbClr val="000000"/>
                 </a:solidFill>
@@ -10738,7 +7955,7 @@
               <a:t>Codes and files: </a:t>
             </a:r>
             <a:r>
-              <a:rPr lang="en-US" sz="1200" spc="-1" dirty="0">
+              <a:rPr lang="en-US" sz="1200" spc="-1">
                 <a:solidFill>
                   <a:srgbClr val="000000"/>
                 </a:solidFill>
@@ -10755,28 +7972,190 @@
       </p:sp>
       <p:pic>
         <p:nvPicPr>
-          <p:cNvPr id="97" name="Picture 4"/>
-          <p:cNvPicPr/>
+          <p:cNvPr id="9" name="Picture 8" descr="A picture containing text, screenshot, number, font&#10;&#10;Description automatically generated">
+            <a:extLst>
+              <a:ext uri="{FF2B5EF4-FFF2-40B4-BE49-F238E27FC236}">
+                <a16:creationId xmlns:a16="http://schemas.microsoft.com/office/drawing/2014/main" id="{0A9CCABB-201A-46CA-E451-704932E9547F}"/>
+              </a:ext>
+            </a:extLst>
+          </p:cNvPr>
+          <p:cNvPicPr>
+            <a:picLocks noChangeAspect="1"/>
+          </p:cNvPicPr>
           <p:nvPr/>
         </p:nvPicPr>
         <p:blipFill>
-          <a:blip r:embed="rId3"/>
-          <a:stretch/>
+          <a:blip r:embed="rId3">
+            <a:extLst>
+              <a:ext uri="{28A0092B-C50C-407E-A947-70E740481C1C}">
+                <a14:useLocalDpi xmlns:a14="http://schemas.microsoft.com/office/drawing/2010/main" val="0"/>
+              </a:ext>
+            </a:extLst>
+          </a:blip>
+          <a:stretch>
+            <a:fillRect/>
+          </a:stretch>
         </p:blipFill>
         <p:spPr>
           <a:xfrm>
-            <a:off x="4387320" y="2351160"/>
-            <a:ext cx="3417120" cy="3417120"/>
-          </a:xfrm>
-          <a:prstGeom prst="rect">
-            <a:avLst/>
-          </a:prstGeom>
-          <a:ln w="0">
-            <a:noFill/>
-          </a:ln>
+            <a:off x="8549458" y="4050664"/>
+            <a:ext cx="2725647" cy="2147614"/>
+          </a:xfrm>
+          <a:prstGeom prst="rect">
+            <a:avLst/>
+          </a:prstGeom>
+        </p:spPr>
+      </p:pic>
+      <p:pic>
+        <p:nvPicPr>
+          <p:cNvPr id="13" name="Picture 12" descr="A picture containing diagram, screenshot, line, design&#10;&#10;Description automatically generated">
+            <a:extLst>
+              <a:ext uri="{FF2B5EF4-FFF2-40B4-BE49-F238E27FC236}">
+                <a16:creationId xmlns:a16="http://schemas.microsoft.com/office/drawing/2014/main" id="{EA95335B-BD76-5AAA-1854-5086F58767D8}"/>
+              </a:ext>
+            </a:extLst>
+          </p:cNvPr>
+          <p:cNvPicPr>
+            <a:picLocks noChangeAspect="1"/>
+          </p:cNvPicPr>
+          <p:nvPr/>
+        </p:nvPicPr>
+        <p:blipFill>
+          <a:blip r:embed="rId4">
+            <a:extLst>
+              <a:ext uri="{28A0092B-C50C-407E-A947-70E740481C1C}">
+                <a14:useLocalDpi xmlns:a14="http://schemas.microsoft.com/office/drawing/2010/main" val="0"/>
+              </a:ext>
+            </a:extLst>
+          </a:blip>
+          <a:stretch>
+            <a:fillRect/>
+          </a:stretch>
+        </p:blipFill>
+        <p:spPr>
+          <a:xfrm>
+            <a:off x="404436" y="4050664"/>
+            <a:ext cx="6476214" cy="2158738"/>
+          </a:xfrm>
+          <a:prstGeom prst="rect">
+            <a:avLst/>
+          </a:prstGeom>
+        </p:spPr>
+      </p:pic>
+      <p:pic>
+        <p:nvPicPr>
+          <p:cNvPr id="15" name="Picture 14" descr="A picture containing screenshot, text, colorfulness&#10;&#10;Description automatically generated">
+            <a:extLst>
+              <a:ext uri="{FF2B5EF4-FFF2-40B4-BE49-F238E27FC236}">
+                <a16:creationId xmlns:a16="http://schemas.microsoft.com/office/drawing/2014/main" id="{A41BCD24-FBE0-ED5C-6064-F702502C2373}"/>
+              </a:ext>
+            </a:extLst>
+          </p:cNvPr>
+          <p:cNvPicPr>
+            <a:picLocks noChangeAspect="1"/>
+          </p:cNvPicPr>
+          <p:nvPr/>
+        </p:nvPicPr>
+        <p:blipFill>
+          <a:blip r:embed="rId5">
+            <a:extLst>
+              <a:ext uri="{28A0092B-C50C-407E-A947-70E740481C1C}">
+                <a14:useLocalDpi xmlns:a14="http://schemas.microsoft.com/office/drawing/2010/main" val="0"/>
+              </a:ext>
+            </a:extLst>
+          </a:blip>
+          <a:stretch>
+            <a:fillRect/>
+          </a:stretch>
+        </p:blipFill>
+        <p:spPr>
+          <a:xfrm>
+            <a:off x="7395757" y="1504281"/>
+            <a:ext cx="4267963" cy="2133982"/>
+          </a:xfrm>
+          <a:prstGeom prst="rect">
+            <a:avLst/>
+          </a:prstGeom>
+        </p:spPr>
+      </p:pic>
+      <p:pic>
+        <p:nvPicPr>
+          <p:cNvPr id="17" name="Picture 16" descr="A picture containing text, screenshot, design&#10;&#10;Description automatically generated">
+            <a:extLst>
+              <a:ext uri="{FF2B5EF4-FFF2-40B4-BE49-F238E27FC236}">
+                <a16:creationId xmlns:a16="http://schemas.microsoft.com/office/drawing/2014/main" id="{2C638724-47BA-20E2-9D83-3788E49D273E}"/>
+              </a:ext>
+            </a:extLst>
+          </p:cNvPr>
+          <p:cNvPicPr>
+            <a:picLocks noChangeAspect="1"/>
+          </p:cNvPicPr>
+          <p:nvPr/>
+        </p:nvPicPr>
+        <p:blipFill>
+          <a:blip r:embed="rId6">
+            <a:extLst>
+              <a:ext uri="{28A0092B-C50C-407E-A947-70E740481C1C}">
+                <a14:useLocalDpi xmlns:a14="http://schemas.microsoft.com/office/drawing/2010/main" val="0"/>
+              </a:ext>
+            </a:extLst>
+          </a:blip>
+          <a:stretch>
+            <a:fillRect/>
+          </a:stretch>
+        </p:blipFill>
+        <p:spPr>
+          <a:xfrm>
+            <a:off x="2938383" y="1757626"/>
+            <a:ext cx="4267963" cy="2133982"/>
+          </a:xfrm>
+          <a:prstGeom prst="rect">
+            <a:avLst/>
+          </a:prstGeom>
+        </p:spPr>
+      </p:pic>
+      <p:pic>
+        <p:nvPicPr>
+          <p:cNvPr id="19" name="Picture 18" descr="A picture containing wall, rectangle, blue, indoor&#10;&#10;Description automatically generated">
+            <a:extLst>
+              <a:ext uri="{FF2B5EF4-FFF2-40B4-BE49-F238E27FC236}">
+                <a16:creationId xmlns:a16="http://schemas.microsoft.com/office/drawing/2014/main" id="{CE3C266B-0E3D-2516-50DE-1B382141BD18}"/>
+              </a:ext>
+            </a:extLst>
+          </p:cNvPr>
+          <p:cNvPicPr>
+            <a:picLocks noChangeAspect="1"/>
+          </p:cNvPicPr>
+          <p:nvPr/>
+        </p:nvPicPr>
+        <p:blipFill>
+          <a:blip r:embed="rId7" cstate="print">
+            <a:extLst>
+              <a:ext uri="{28A0092B-C50C-407E-A947-70E740481C1C}">
+                <a14:useLocalDpi xmlns:a14="http://schemas.microsoft.com/office/drawing/2010/main" val="0"/>
+              </a:ext>
+            </a:extLst>
+          </a:blip>
+          <a:stretch>
+            <a:fillRect/>
+          </a:stretch>
+        </p:blipFill>
+        <p:spPr>
+          <a:xfrm>
+            <a:off x="1552434" y="1841159"/>
+            <a:ext cx="1200362" cy="1600483"/>
+          </a:xfrm>
+          <a:prstGeom prst="rect">
+            <a:avLst/>
+          </a:prstGeom>
         </p:spPr>
       </p:pic>
     </p:spTree>
+    <p:extLst>
+      <p:ext uri="{BB962C8B-B14F-4D97-AF65-F5344CB8AC3E}">
+        <p14:creationId xmlns:p14="http://schemas.microsoft.com/office/powerpoint/2010/main" val="1317310884"/>
+      </p:ext>
+    </p:extLst>
   </p:cSld>
   <p:clrMapOvr>
     <a:masterClrMapping/>
@@ -10803,7 +8182,60 @@
       </p:grpSpPr>
       <p:sp>
         <p:nvSpPr>
-          <p:cNvPr id="98" name="PlaceHolder 1"/>
+          <p:cNvPr id="109" name="PlaceHolder 1"/>
+          <p:cNvSpPr>
+            <a:spLocks noGrp="1"/>
+          </p:cNvSpPr>
+          <p:nvPr>
+            <p:ph type="title"/>
+          </p:nvPr>
+        </p:nvSpPr>
+        <p:spPr>
+          <a:xfrm>
+            <a:off x="838080" y="365040"/>
+            <a:ext cx="10515240" cy="1325160"/>
+          </a:xfrm>
+          <a:prstGeom prst="rect">
+            <a:avLst/>
+          </a:prstGeom>
+          <a:noFill/>
+          <a:ln w="0">
+            <a:noFill/>
+          </a:ln>
+        </p:spPr>
+        <p:txBody>
+          <a:bodyPr anchor="ctr">
+            <a:noAutofit/>
+          </a:bodyPr>
+          <a:lstStyle/>
+          <a:p>
+            <a:pPr>
+              <a:lnSpc>
+                <a:spcPct val="90000"/>
+              </a:lnSpc>
+              <a:buNone/>
+            </a:pPr>
+            <a:r>
+              <a:rPr lang="en-US" sz="4400" b="0" strike="noStrike" spc="-1" dirty="0">
+                <a:solidFill>
+                  <a:srgbClr val="000000"/>
+                </a:solidFill>
+                <a:latin typeface="Calibri Light"/>
+              </a:rPr>
+              <a:t>REFLECTION</a:t>
+            </a:r>
+            <a:endParaRPr lang="en-US" sz="4400" b="0" strike="noStrike" spc="-1" dirty="0">
+              <a:solidFill>
+                <a:srgbClr val="000000"/>
+              </a:solidFill>
+              <a:latin typeface="Calibri"/>
+            </a:endParaRPr>
+          </a:p>
+        </p:txBody>
+      </p:sp>
+      <p:sp>
+        <p:nvSpPr>
+          <p:cNvPr id="110" name="PlaceHolder 2"/>
           <p:cNvSpPr>
             <a:spLocks noGrp="1"/>
           </p:cNvSpPr>
@@ -10813,8 +8245,8 @@
         </p:nvSpPr>
         <p:spPr>
           <a:xfrm>
-            <a:off x="838080" y="1442880"/>
-            <a:ext cx="10515240" cy="5414760"/>
+            <a:off x="838080" y="1825560"/>
+            <a:ext cx="10515240" cy="4350960"/>
           </a:xfrm>
           <a:prstGeom prst="rect">
             <a:avLst/>
@@ -10826,7 +8258,7 @@
         </p:spPr>
         <p:txBody>
           <a:bodyPr anchor="t">
-            <a:normAutofit/>
+            <a:noAutofit/>
           </a:bodyPr>
           <a:lstStyle/>
           <a:p>
@@ -10844,116 +8276,14 @@
               <a:buChar char="•"/>
             </a:pPr>
             <a:r>
-              <a:rPr lang="en-US" sz="2800" b="0" strike="noStrike" spc="-1">
+              <a:rPr lang="en-US" sz="2800" b="0" strike="noStrike" spc="-1" dirty="0">
                 <a:solidFill>
                   <a:srgbClr val="000000"/>
                 </a:solidFill>
                 <a:latin typeface="Calibri"/>
               </a:rPr>
-              <a:t>Applying threshold and binarizing</a:t>
+              <a:t>This activity was straightforward so I was able to follow it easily.</a:t>
             </a:r>
-          </a:p>
-          <a:p>
-            <a:pPr>
-              <a:lnSpc>
-                <a:spcPct val="90000"/>
-              </a:lnSpc>
-              <a:spcBef>
-                <a:spcPts val="1001"/>
-              </a:spcBef>
-              <a:buNone/>
-            </a:pPr>
-            <a:endParaRPr lang="en-US" sz="2800" b="0" strike="noStrike" spc="-1">
-              <a:solidFill>
-                <a:srgbClr val="000000"/>
-              </a:solidFill>
-              <a:latin typeface="Calibri"/>
-            </a:endParaRPr>
-          </a:p>
-          <a:p>
-            <a:pPr>
-              <a:lnSpc>
-                <a:spcPct val="90000"/>
-              </a:lnSpc>
-              <a:spcBef>
-                <a:spcPts val="1001"/>
-              </a:spcBef>
-              <a:buNone/>
-            </a:pPr>
-            <a:endParaRPr lang="en-US" sz="2800" b="0" strike="noStrike" spc="-1">
-              <a:solidFill>
-                <a:srgbClr val="000000"/>
-              </a:solidFill>
-              <a:latin typeface="Calibri"/>
-            </a:endParaRPr>
-          </a:p>
-          <a:p>
-            <a:pPr>
-              <a:lnSpc>
-                <a:spcPct val="90000"/>
-              </a:lnSpc>
-              <a:spcBef>
-                <a:spcPts val="1001"/>
-              </a:spcBef>
-              <a:buNone/>
-            </a:pPr>
-            <a:endParaRPr lang="en-US" sz="2800" b="0" strike="noStrike" spc="-1">
-              <a:solidFill>
-                <a:srgbClr val="000000"/>
-              </a:solidFill>
-              <a:latin typeface="Calibri"/>
-            </a:endParaRPr>
-          </a:p>
-          <a:p>
-            <a:pPr>
-              <a:lnSpc>
-                <a:spcPct val="90000"/>
-              </a:lnSpc>
-              <a:spcBef>
-                <a:spcPts val="1001"/>
-              </a:spcBef>
-              <a:buNone/>
-            </a:pPr>
-            <a:endParaRPr lang="en-US" sz="2800" b="0" strike="noStrike" spc="-1">
-              <a:solidFill>
-                <a:srgbClr val="000000"/>
-              </a:solidFill>
-              <a:latin typeface="Calibri"/>
-            </a:endParaRPr>
-          </a:p>
-          <a:p>
-            <a:pPr>
-              <a:lnSpc>
-                <a:spcPct val="90000"/>
-              </a:lnSpc>
-              <a:spcBef>
-                <a:spcPts val="1001"/>
-              </a:spcBef>
-              <a:buNone/>
-            </a:pPr>
-            <a:endParaRPr lang="en-US" sz="2800" b="0" strike="noStrike" spc="-1">
-              <a:solidFill>
-                <a:srgbClr val="000000"/>
-              </a:solidFill>
-              <a:latin typeface="Calibri"/>
-            </a:endParaRPr>
-          </a:p>
-          <a:p>
-            <a:pPr>
-              <a:lnSpc>
-                <a:spcPct val="90000"/>
-              </a:lnSpc>
-              <a:spcBef>
-                <a:spcPts val="1001"/>
-              </a:spcBef>
-              <a:buNone/>
-            </a:pPr>
-            <a:endParaRPr lang="en-US" sz="2800" b="0" strike="noStrike" spc="-1">
-              <a:solidFill>
-                <a:srgbClr val="000000"/>
-              </a:solidFill>
-              <a:latin typeface="Calibri"/>
-            </a:endParaRPr>
           </a:p>
           <a:p>
             <a:pPr marL="228600" indent="-228600">
@@ -10970,13 +8300,13 @@
               <a:buChar char="•"/>
             </a:pPr>
             <a:r>
-              <a:rPr lang="en-US" sz="2800" b="0" strike="noStrike" spc="-1">
+              <a:rPr lang="en-US" sz="2800" b="0" strike="noStrike" spc="-1" dirty="0">
                 <a:solidFill>
                   <a:srgbClr val="000000"/>
                 </a:solidFill>
                 <a:latin typeface="Calibri"/>
               </a:rPr>
-              <a:t>Since the background is black, it is easy to pick it out the histogram.</a:t>
+              <a:t>It is fun to recognize and understand the functions of different options in ImageJ based on our fundamental understandings of image processing. It is cool to know that you can do these manually with coding without the app.</a:t>
             </a:r>
           </a:p>
           <a:p>
@@ -10994,190 +8324,17 @@
               <a:buChar char="•"/>
             </a:pPr>
             <a:r>
-              <a:rPr lang="en-US" sz="2800" b="0" strike="noStrike" spc="-1">
+              <a:rPr lang="en-US" sz="2800" b="0" strike="noStrike" spc="-1" dirty="0">
                 <a:solidFill>
                   <a:srgbClr val="000000"/>
                 </a:solidFill>
                 <a:latin typeface="Calibri"/>
               </a:rPr>
-              <a:t>The image is then binarized to make sure that there are only two values for easier extraction of geometric features.</a:t>
+              <a:t>I am grateful for this no-coding exercise. This is a breather exercise because I have been overwhelmed by coding lately.</a:t>
             </a:r>
           </a:p>
         </p:txBody>
       </p:sp>
-      <p:sp>
-        <p:nvSpPr>
-          <p:cNvPr id="99" name="PlaceHolder 2"/>
-          <p:cNvSpPr>
-            <a:spLocks noGrp="1"/>
-          </p:cNvSpPr>
-          <p:nvPr>
-            <p:ph type="title"/>
-          </p:nvPr>
-        </p:nvSpPr>
-        <p:spPr>
-          <a:xfrm>
-            <a:off x="838080" y="365040"/>
-            <a:ext cx="10515240" cy="1325160"/>
-          </a:xfrm>
-          <a:prstGeom prst="rect">
-            <a:avLst/>
-          </a:prstGeom>
-          <a:noFill/>
-          <a:ln w="0">
-            <a:noFill/>
-          </a:ln>
-        </p:spPr>
-        <p:txBody>
-          <a:bodyPr anchor="ctr">
-            <a:noAutofit/>
-          </a:bodyPr>
-          <a:lstStyle/>
-          <a:p>
-            <a:pPr>
-              <a:lnSpc>
-                <a:spcPct val="90000"/>
-              </a:lnSpc>
-              <a:buNone/>
-            </a:pPr>
-            <a:r>
-              <a:rPr lang="en-US" sz="4400" b="0" strike="noStrike" spc="-1">
-                <a:solidFill>
-                  <a:srgbClr val="000000"/>
-                </a:solidFill>
-                <a:latin typeface="Calibri Light"/>
-              </a:rPr>
-              <a:t>RESULTS &amp; ANALYSIS</a:t>
-            </a:r>
-            <a:endParaRPr lang="en-US" sz="4400" b="0" strike="noStrike" spc="-1">
-              <a:solidFill>
-                <a:srgbClr val="000000"/>
-              </a:solidFill>
-              <a:latin typeface="Calibri"/>
-            </a:endParaRPr>
-          </a:p>
-        </p:txBody>
-      </p:sp>
-      <p:sp>
-        <p:nvSpPr>
-          <p:cNvPr id="100" name="Content Placeholder 2"/>
-          <p:cNvSpPr/>
-          <p:nvPr/>
-        </p:nvSpPr>
-        <p:spPr>
-          <a:xfrm>
-            <a:off x="0" y="6610680"/>
-            <a:ext cx="12191760" cy="246960"/>
-          </a:xfrm>
-          <a:prstGeom prst="rect">
-            <a:avLst/>
-          </a:prstGeom>
-          <a:noFill/>
-          <a:ln w="0">
-            <a:noFill/>
-          </a:ln>
-        </p:spPr>
-        <p:style>
-          <a:lnRef idx="0">
-            <a:scrgbClr r="0" g="0" b="0"/>
-          </a:lnRef>
-          <a:fillRef idx="0">
-            <a:scrgbClr r="0" g="0" b="0"/>
-          </a:fillRef>
-          <a:effectRef idx="0">
-            <a:scrgbClr r="0" g="0" b="0"/>
-          </a:effectRef>
-          <a:fontRef idx="minor"/>
-        </p:style>
-        <p:txBody>
-          <a:bodyPr anchor="t">
-            <a:normAutofit fontScale="95000"/>
-          </a:bodyPr>
-          <a:lstStyle/>
-          <a:p>
-            <a:pPr>
-              <a:lnSpc>
-                <a:spcPct val="90000"/>
-              </a:lnSpc>
-              <a:spcBef>
-                <a:spcPts val="1001"/>
-              </a:spcBef>
-              <a:buNone/>
-              <a:tabLst>
-                <a:tab pos="0" algn="l"/>
-              </a:tabLst>
-            </a:pPr>
-            <a:r>
-              <a:rPr lang="en-US" sz="1200" b="0" strike="noStrike" spc="-1" dirty="0">
-                <a:solidFill>
-                  <a:srgbClr val="000000"/>
-                </a:solidFill>
-                <a:latin typeface="Calibri"/>
-              </a:rPr>
-              <a:t>Codes and files: </a:t>
-            </a:r>
-            <a:r>
-              <a:rPr lang="en-US" sz="1200" spc="-1" dirty="0">
-                <a:solidFill>
-                  <a:srgbClr val="000000"/>
-                </a:solidFill>
-                <a:latin typeface="Calibri"/>
-                <a:hlinkClick r:id="rId2"/>
-              </a:rPr>
-              <a:t>https://github.com/genvert/AP_157_FX-2_Vertudez/tree/main/Activity%207</a:t>
-            </a:r>
-            <a:endParaRPr lang="en-PH" sz="1200" b="0" strike="noStrike" spc="-1" dirty="0">
-              <a:latin typeface="Arial"/>
-            </a:endParaRPr>
-          </a:p>
-        </p:txBody>
-      </p:sp>
-      <p:pic>
-        <p:nvPicPr>
-          <p:cNvPr id="101" name="Picture 3"/>
-          <p:cNvPicPr/>
-          <p:nvPr/>
-        </p:nvPicPr>
-        <p:blipFill>
-          <a:blip r:embed="rId3"/>
-          <a:stretch/>
-        </p:blipFill>
-        <p:spPr>
-          <a:xfrm>
-            <a:off x="1954080" y="1954800"/>
-            <a:ext cx="3918240" cy="2948400"/>
-          </a:xfrm>
-          <a:prstGeom prst="rect">
-            <a:avLst/>
-          </a:prstGeom>
-          <a:ln w="0">
-            <a:noFill/>
-          </a:ln>
-        </p:spPr>
-      </p:pic>
-      <p:pic>
-        <p:nvPicPr>
-          <p:cNvPr id="102" name="Picture 4"/>
-          <p:cNvPicPr/>
-          <p:nvPr/>
-        </p:nvPicPr>
-        <p:blipFill>
-          <a:blip r:embed="rId4"/>
-          <a:stretch/>
-        </p:blipFill>
-        <p:spPr>
-          <a:xfrm>
-            <a:off x="7138800" y="1954800"/>
-            <a:ext cx="2948400" cy="2948400"/>
-          </a:xfrm>
-          <a:prstGeom prst="rect">
-            <a:avLst/>
-          </a:prstGeom>
-          <a:ln w="0">
-            <a:noFill/>
-          </a:ln>
-        </p:spPr>
-      </p:pic>
     </p:spTree>
   </p:cSld>
   <p:clrMapOvr>
@@ -11205,7 +8362,55 @@
       </p:grpSpPr>
       <p:sp>
         <p:nvSpPr>
-          <p:cNvPr id="103" name="PlaceHolder 1"/>
+          <p:cNvPr id="109" name="PlaceHolder 1"/>
+          <p:cNvSpPr>
+            <a:spLocks noGrp="1"/>
+          </p:cNvSpPr>
+          <p:nvPr>
+            <p:ph type="title"/>
+          </p:nvPr>
+        </p:nvSpPr>
+        <p:spPr>
+          <a:xfrm>
+            <a:off x="838080" y="365040"/>
+            <a:ext cx="10515240" cy="1325160"/>
+          </a:xfrm>
+          <a:prstGeom prst="rect">
+            <a:avLst/>
+          </a:prstGeom>
+          <a:noFill/>
+          <a:ln w="0">
+            <a:noFill/>
+          </a:ln>
+        </p:spPr>
+        <p:txBody>
+          <a:bodyPr anchor="ctr">
+            <a:noAutofit/>
+          </a:bodyPr>
+          <a:lstStyle/>
+          <a:p>
+            <a:pPr>
+              <a:lnSpc>
+                <a:spcPct val="90000"/>
+              </a:lnSpc>
+              <a:buNone/>
+            </a:pPr>
+            <a:r>
+              <a:rPr lang="en-US" sz="4400" strike="noStrike" spc="-1" dirty="0">
+                <a:solidFill>
+                  <a:srgbClr val="000000"/>
+                </a:solidFill>
+                <a:latin typeface="Calibri Light" panose="020F0302020204030204" pitchFamily="34" charset="0"/>
+                <a:cs typeface="Calibri Light" panose="020F0302020204030204" pitchFamily="34" charset="0"/>
+              </a:rPr>
+              <a:t>SELF-GRADE</a:t>
+            </a:r>
+          </a:p>
+        </p:txBody>
+      </p:sp>
+      <p:sp>
+        <p:nvSpPr>
+          <p:cNvPr id="110" name="PlaceHolder 2"/>
           <p:cNvSpPr>
             <a:spLocks noGrp="1"/>
           </p:cNvSpPr>
@@ -11215,8 +8420,8 @@
         </p:nvSpPr>
         <p:spPr>
           <a:xfrm>
-            <a:off x="838080" y="1690560"/>
-            <a:ext cx="10515240" cy="5104080"/>
+            <a:off x="838080" y="1825560"/>
+            <a:ext cx="10515240" cy="4350960"/>
           </a:xfrm>
           <a:prstGeom prst="rect">
             <a:avLst/>
@@ -11228,7 +8433,7 @@
         </p:spPr>
         <p:txBody>
           <a:bodyPr anchor="t">
-            <a:normAutofit/>
+            <a:noAutofit/>
           </a:bodyPr>
           <a:lstStyle/>
           <a:p>
@@ -11246,770 +8451,90 @@
               <a:buChar char="•"/>
             </a:pPr>
             <a:r>
-              <a:rPr lang="en-US" sz="2800" b="0" strike="noStrike" spc="-1">
+              <a:rPr lang="en-US" sz="2400" spc="-1" dirty="0">
                 <a:solidFill>
                   <a:srgbClr val="000000"/>
                 </a:solidFill>
                 <a:latin typeface="Calibri"/>
               </a:rPr>
-              <a:t>Analyze particles results</a:t>
+              <a:t>Technical correctness: 35/35</a:t>
             </a:r>
           </a:p>
           <a:p>
-            <a:pPr>
-              <a:lnSpc>
-                <a:spcPct val="90000"/>
-              </a:lnSpc>
+            <a:pPr lvl="1">
               <a:spcBef>
                 <a:spcPts val="1001"/>
               </a:spcBef>
-              <a:buNone/>
-            </a:pPr>
-            <a:endParaRPr lang="en-US" sz="2800" b="0" strike="noStrike" spc="-1">
-              <a:solidFill>
-                <a:srgbClr val="000000"/>
-              </a:solidFill>
-              <a:latin typeface="Calibri"/>
-            </a:endParaRPr>
-          </a:p>
-          <a:p>
-            <a:pPr>
-              <a:lnSpc>
-                <a:spcPct val="90000"/>
-              </a:lnSpc>
-              <a:spcBef>
-                <a:spcPts val="1001"/>
-              </a:spcBef>
-              <a:buNone/>
-            </a:pPr>
-            <a:endParaRPr lang="en-US" sz="2800" b="0" strike="noStrike" spc="-1">
-              <a:solidFill>
-                <a:srgbClr val="000000"/>
-              </a:solidFill>
-              <a:latin typeface="Calibri"/>
-            </a:endParaRPr>
-          </a:p>
-          <a:p>
-            <a:pPr>
-              <a:lnSpc>
-                <a:spcPct val="90000"/>
-              </a:lnSpc>
-              <a:spcBef>
-                <a:spcPts val="1001"/>
-              </a:spcBef>
-              <a:buNone/>
-            </a:pPr>
-            <a:endParaRPr lang="en-US" sz="2800" b="0" strike="noStrike" spc="-1">
-              <a:solidFill>
-                <a:srgbClr val="000000"/>
-              </a:solidFill>
-              <a:latin typeface="Calibri"/>
-            </a:endParaRPr>
-          </a:p>
-          <a:p>
-            <a:pPr>
-              <a:lnSpc>
-                <a:spcPct val="90000"/>
-              </a:lnSpc>
-              <a:spcBef>
-                <a:spcPts val="1001"/>
-              </a:spcBef>
-              <a:buNone/>
-            </a:pPr>
-            <a:endParaRPr lang="en-US" sz="2800" b="0" strike="noStrike" spc="-1">
-              <a:solidFill>
-                <a:srgbClr val="000000"/>
-              </a:solidFill>
-              <a:latin typeface="Calibri"/>
-            </a:endParaRPr>
-          </a:p>
-          <a:p>
-            <a:pPr>
-              <a:lnSpc>
-                <a:spcPct val="90000"/>
-              </a:lnSpc>
-              <a:spcBef>
-                <a:spcPts val="1001"/>
-              </a:spcBef>
-              <a:buNone/>
-            </a:pPr>
-            <a:endParaRPr lang="en-US" sz="2800" b="0" strike="noStrike" spc="-1">
-              <a:solidFill>
-                <a:srgbClr val="000000"/>
-              </a:solidFill>
-              <a:latin typeface="Calibri"/>
-            </a:endParaRPr>
-          </a:p>
-          <a:p>
-            <a:pPr>
-              <a:lnSpc>
-                <a:spcPct val="90000"/>
-              </a:lnSpc>
-              <a:spcBef>
-                <a:spcPts val="1001"/>
-              </a:spcBef>
-              <a:buNone/>
-            </a:pPr>
-            <a:endParaRPr lang="en-US" sz="2800" b="0" strike="noStrike" spc="-1">
-              <a:solidFill>
-                <a:srgbClr val="000000"/>
-              </a:solidFill>
-              <a:latin typeface="Calibri"/>
-            </a:endParaRPr>
-          </a:p>
-          <a:p>
-            <a:pPr>
-              <a:lnSpc>
-                <a:spcPct val="90000"/>
-              </a:lnSpc>
-              <a:spcBef>
-                <a:spcPts val="1001"/>
-              </a:spcBef>
-              <a:buNone/>
-            </a:pPr>
-            <a:endParaRPr lang="en-US" sz="2800" b="0" strike="noStrike" spc="-1">
-              <a:solidFill>
-                <a:srgbClr val="000000"/>
-              </a:solidFill>
-              <a:latin typeface="Calibri"/>
-            </a:endParaRPr>
-          </a:p>
-          <a:p>
-            <a:pPr>
-              <a:lnSpc>
-                <a:spcPct val="90000"/>
-              </a:lnSpc>
-              <a:spcBef>
-                <a:spcPts val="1001"/>
-              </a:spcBef>
-              <a:buNone/>
-              <a:tabLst>
-                <a:tab pos="0" algn="l"/>
-              </a:tabLst>
-            </a:pPr>
-            <a:endParaRPr lang="en-US" sz="2800" b="0" strike="noStrike" spc="-1">
-              <a:solidFill>
-                <a:srgbClr val="000000"/>
-              </a:solidFill>
-              <a:latin typeface="Calibri"/>
-            </a:endParaRPr>
-          </a:p>
-        </p:txBody>
-      </p:sp>
-      <p:sp>
-        <p:nvSpPr>
-          <p:cNvPr id="104" name="PlaceHolder 2"/>
-          <p:cNvSpPr>
-            <a:spLocks noGrp="1"/>
-          </p:cNvSpPr>
-          <p:nvPr>
-            <p:ph type="title"/>
-          </p:nvPr>
-        </p:nvSpPr>
-        <p:spPr>
-          <a:xfrm>
-            <a:off x="838080" y="365040"/>
-            <a:ext cx="10515240" cy="1325160"/>
-          </a:xfrm>
-          <a:prstGeom prst="rect">
-            <a:avLst/>
-          </a:prstGeom>
-          <a:noFill/>
-          <a:ln w="0">
-            <a:noFill/>
-          </a:ln>
-        </p:spPr>
-        <p:txBody>
-          <a:bodyPr anchor="ctr">
-            <a:noAutofit/>
-          </a:bodyPr>
-          <a:lstStyle/>
-          <a:p>
-            <a:pPr>
-              <a:lnSpc>
-                <a:spcPct val="90000"/>
-              </a:lnSpc>
-              <a:buNone/>
+              <a:buClr>
+                <a:srgbClr val="000000"/>
+              </a:buClr>
+              <a:buFont typeface="Arial"/>
+              <a:buChar char="•"/>
             </a:pPr>
             <a:r>
-              <a:rPr lang="en-US" sz="4400" b="0" strike="noStrike" spc="-1">
-                <a:solidFill>
-                  <a:srgbClr val="000000"/>
-                </a:solidFill>
-                <a:latin typeface="Calibri Light"/>
-              </a:rPr>
-              <a:t>RESULTS &amp; ANALYSIS</a:t>
-            </a:r>
-            <a:endParaRPr lang="en-US" sz="4400" b="0" strike="noStrike" spc="-1">
-              <a:solidFill>
-                <a:srgbClr val="000000"/>
-              </a:solidFill>
-              <a:latin typeface="Calibri"/>
-            </a:endParaRPr>
-          </a:p>
-        </p:txBody>
-      </p:sp>
-      <p:sp>
-        <p:nvSpPr>
-          <p:cNvPr id="105" name="Content Placeholder 2"/>
-          <p:cNvSpPr/>
-          <p:nvPr/>
-        </p:nvSpPr>
-        <p:spPr>
-          <a:xfrm>
-            <a:off x="0" y="6610680"/>
-            <a:ext cx="12191760" cy="246960"/>
-          </a:xfrm>
-          <a:prstGeom prst="rect">
-            <a:avLst/>
-          </a:prstGeom>
-          <a:noFill/>
-          <a:ln w="0">
-            <a:noFill/>
-          </a:ln>
-        </p:spPr>
-        <p:style>
-          <a:lnRef idx="0">
-            <a:scrgbClr r="0" g="0" b="0"/>
-          </a:lnRef>
-          <a:fillRef idx="0">
-            <a:scrgbClr r="0" g="0" b="0"/>
-          </a:fillRef>
-          <a:effectRef idx="0">
-            <a:scrgbClr r="0" g="0" b="0"/>
-          </a:effectRef>
-          <a:fontRef idx="minor"/>
-        </p:style>
-        <p:txBody>
-          <a:bodyPr anchor="t">
-            <a:normAutofit fontScale="95000"/>
-          </a:bodyPr>
-          <a:lstStyle/>
-          <a:p>
-            <a:pPr>
-              <a:lnSpc>
-                <a:spcPct val="90000"/>
-              </a:lnSpc>
-              <a:spcBef>
-                <a:spcPts val="1001"/>
-              </a:spcBef>
-              <a:buNone/>
-              <a:tabLst>
-                <a:tab pos="0" algn="l"/>
-              </a:tabLst>
-            </a:pPr>
-            <a:r>
-              <a:rPr lang="en-US" sz="1200" b="0" strike="noStrike" spc="-1" dirty="0">
+              <a:rPr lang="en-US" sz="2000" b="0" strike="noStrike" spc="-1" dirty="0">
                 <a:solidFill>
                   <a:srgbClr val="000000"/>
                 </a:solidFill>
                 <a:latin typeface="Calibri"/>
               </a:rPr>
-              <a:t>Codes and files: </a:t>
+              <a:t>I </a:t>
             </a:r>
             <a:r>
-              <a:rPr lang="en-US" sz="1200" spc="-1" dirty="0">
-                <a:solidFill>
-                  <a:srgbClr val="000000"/>
-                </a:solidFill>
-                <a:latin typeface="Calibri"/>
-                <a:hlinkClick r:id="rId2"/>
-              </a:rPr>
-              <a:t>https://github.com/genvert/AP_157_FX-2_Vertudez/tree/main/Activity%207</a:t>
-            </a:r>
-            <a:endParaRPr lang="en-PH" sz="1200" b="0" strike="noStrike" spc="-1" dirty="0">
-              <a:latin typeface="Arial"/>
-            </a:endParaRPr>
-          </a:p>
-        </p:txBody>
-      </p:sp>
-      <p:pic>
-        <p:nvPicPr>
-          <p:cNvPr id="106" name="Picture 9"/>
-          <p:cNvPicPr/>
-          <p:nvPr/>
-        </p:nvPicPr>
-        <p:blipFill>
-          <a:blip r:embed="rId3"/>
-          <a:stretch/>
-        </p:blipFill>
-        <p:spPr>
-          <a:xfrm>
-            <a:off x="843120" y="2303280"/>
-            <a:ext cx="3341160" cy="3540240"/>
-          </a:xfrm>
-          <a:prstGeom prst="rect">
-            <a:avLst/>
-          </a:prstGeom>
-          <a:ln w="0">
-            <a:noFill/>
-          </a:ln>
-        </p:spPr>
-      </p:pic>
-      <p:pic>
-        <p:nvPicPr>
-          <p:cNvPr id="107" name="Picture 14"/>
-          <p:cNvPicPr/>
-          <p:nvPr/>
-        </p:nvPicPr>
-        <p:blipFill>
-          <a:blip r:embed="rId4"/>
-          <a:stretch/>
-        </p:blipFill>
-        <p:spPr>
-          <a:xfrm>
-            <a:off x="4525920" y="2303280"/>
-            <a:ext cx="3401280" cy="3553920"/>
-          </a:xfrm>
-          <a:prstGeom prst="rect">
-            <a:avLst/>
-          </a:prstGeom>
-          <a:ln w="0">
-            <a:noFill/>
-          </a:ln>
-        </p:spPr>
-      </p:pic>
-      <p:pic>
-        <p:nvPicPr>
-          <p:cNvPr id="108" name="Picture 16"/>
-          <p:cNvPicPr/>
-          <p:nvPr/>
-        </p:nvPicPr>
-        <p:blipFill>
-          <a:blip r:embed="rId5"/>
-          <a:stretch/>
-        </p:blipFill>
-        <p:spPr>
-          <a:xfrm>
-            <a:off x="8193600" y="2800440"/>
-            <a:ext cx="3421440" cy="3056760"/>
-          </a:xfrm>
-          <a:prstGeom prst="rect">
-            <a:avLst/>
-          </a:prstGeom>
-          <a:ln w="0">
-            <a:noFill/>
-          </a:ln>
-        </p:spPr>
-      </p:pic>
-    </p:spTree>
-  </p:cSld>
-  <p:clrMapOvr>
-    <a:masterClrMapping/>
-  </p:clrMapOvr>
-</p:sld>
-</file>
-
-<file path=ppt/slides/slide8.xml><?xml version="1.0" encoding="utf-8"?>
-<p:sld xmlns:a="http://schemas.openxmlformats.org/drawingml/2006/main" xmlns:r="http://schemas.openxmlformats.org/officeDocument/2006/relationships" xmlns:p="http://schemas.openxmlformats.org/presentationml/2006/main">
-  <p:cSld>
-    <p:spTree>
-      <p:nvGrpSpPr>
-        <p:cNvPr id="1" name=""/>
-        <p:cNvGrpSpPr/>
-        <p:nvPr/>
-      </p:nvGrpSpPr>
-      <p:grpSpPr>
-        <a:xfrm>
-          <a:off x="0" y="0"/>
-          <a:ext cx="0" cy="0"/>
-          <a:chOff x="0" y="0"/>
-          <a:chExt cx="0" cy="0"/>
-        </a:xfrm>
-      </p:grpSpPr>
-      <p:sp>
-        <p:nvSpPr>
-          <p:cNvPr id="86" name="Content Placeholder 2"/>
-          <p:cNvSpPr/>
-          <p:nvPr/>
-        </p:nvSpPr>
-        <p:spPr>
-          <a:xfrm>
-            <a:off x="838080" y="1825560"/>
-            <a:ext cx="10515240" cy="4350960"/>
-          </a:xfrm>
-          <a:prstGeom prst="rect">
-            <a:avLst/>
-          </a:prstGeom>
-          <a:noFill/>
-          <a:ln w="0">
-            <a:noFill/>
-          </a:ln>
-        </p:spPr>
-        <p:style>
-          <a:lnRef idx="0">
-            <a:scrgbClr r="0" g="0" b="0"/>
-          </a:lnRef>
-          <a:fillRef idx="0">
-            <a:scrgbClr r="0" g="0" b="0"/>
-          </a:fillRef>
-          <a:effectRef idx="0">
-            <a:scrgbClr r="0" g="0" b="0"/>
-          </a:effectRef>
-          <a:fontRef idx="minor"/>
-        </p:style>
-        <p:txBody>
-          <a:bodyPr anchor="t">
-            <a:normAutofit/>
-          </a:bodyPr>
-          <a:lstStyle/>
-          <a:p>
-            <a:pPr marL="228600" indent="-228600">
-              <a:lnSpc>
-                <a:spcPct val="90000"/>
-              </a:lnSpc>
-              <a:spcBef>
-                <a:spcPts val="1001"/>
-              </a:spcBef>
-              <a:buClr>
-                <a:srgbClr val="000000"/>
-              </a:buClr>
-              <a:buFont typeface="Arial"/>
-              <a:buChar char="•"/>
-            </a:pPr>
-            <a:r>
-              <a:rPr lang="en-US" sz="2800" b="0" strike="noStrike" spc="-1" dirty="0">
+              <a:rPr lang="en-US" sz="2000" spc="-1" dirty="0">
                 <a:solidFill>
                   <a:srgbClr val="000000"/>
                 </a:solidFill>
                 <a:latin typeface="Calibri"/>
               </a:rPr>
-              <a:t>Image of </a:t>
+              <a:t>am confident that I understood how to use ImageJ to extract feature from images, and have applied it.</a:t>
             </a:r>
+          </a:p>
+          <a:p>
+            <a:pPr marL="228600" indent="-228600">
+              <a:lnSpc>
+                <a:spcPct val="90000"/>
+              </a:lnSpc>
+              <a:spcBef>
+                <a:spcPts val="1001"/>
+              </a:spcBef>
+              <a:buClr>
+                <a:srgbClr val="000000"/>
+              </a:buClr>
+              <a:buFont typeface="Arial"/>
+              <a:buChar char="•"/>
+            </a:pPr>
             <a:r>
-              <a:rPr lang="en-US" sz="2800" spc="-1" dirty="0">
+              <a:rPr lang="en-US" sz="2400" spc="-1" dirty="0">
                 <a:solidFill>
                   <a:srgbClr val="000000"/>
                 </a:solidFill>
                 <a:latin typeface="Calibri"/>
               </a:rPr>
-              <a:t>a 4x4x4 Rubik’s cube</a:t>
+              <a:t>Quality of presentation: 35/35</a:t>
             </a:r>
-            <a:endParaRPr lang="en-PH" sz="2800" b="0" strike="noStrike" spc="-1" dirty="0">
-              <a:latin typeface="Arial"/>
-            </a:endParaRPr>
-          </a:p>
-          <a:p>
-            <a:pPr>
-              <a:lnSpc>
-                <a:spcPct val="90000"/>
-              </a:lnSpc>
+          </a:p>
+          <a:p>
+            <a:pPr lvl="1">
               <a:spcBef>
                 <a:spcPts val="1001"/>
               </a:spcBef>
-              <a:buNone/>
-            </a:pPr>
-            <a:endParaRPr lang="en-PH" sz="2800" b="0" strike="noStrike" spc="-1" dirty="0">
-              <a:latin typeface="Arial"/>
-            </a:endParaRPr>
-          </a:p>
-          <a:p>
-            <a:pPr>
-              <a:lnSpc>
-                <a:spcPct val="90000"/>
-              </a:lnSpc>
-              <a:spcBef>
-                <a:spcPts val="1001"/>
-              </a:spcBef>
-              <a:buNone/>
-            </a:pPr>
-            <a:endParaRPr lang="en-PH" sz="2800" b="0" strike="noStrike" spc="-1" dirty="0">
-              <a:latin typeface="Arial"/>
-            </a:endParaRPr>
-          </a:p>
-          <a:p>
-            <a:pPr>
-              <a:lnSpc>
-                <a:spcPct val="90000"/>
-              </a:lnSpc>
-              <a:spcBef>
-                <a:spcPts val="1001"/>
-              </a:spcBef>
-              <a:buNone/>
-              <a:tabLst>
-                <a:tab pos="0" algn="l"/>
-              </a:tabLst>
-            </a:pPr>
-            <a:endParaRPr lang="en-PH" sz="2800" b="0" strike="noStrike" spc="-1" dirty="0">
-              <a:latin typeface="Arial"/>
-            </a:endParaRPr>
-          </a:p>
-        </p:txBody>
-      </p:sp>
-      <p:sp>
-        <p:nvSpPr>
-          <p:cNvPr id="87" name="PlaceHolder 1"/>
-          <p:cNvSpPr>
-            <a:spLocks noGrp="1"/>
-          </p:cNvSpPr>
-          <p:nvPr>
-            <p:ph type="title"/>
-          </p:nvPr>
-        </p:nvSpPr>
-        <p:spPr>
-          <a:xfrm>
-            <a:off x="838080" y="365040"/>
-            <a:ext cx="10515240" cy="1325160"/>
-          </a:xfrm>
-          <a:prstGeom prst="rect">
-            <a:avLst/>
-          </a:prstGeom>
-          <a:noFill/>
-          <a:ln w="0">
-            <a:noFill/>
-          </a:ln>
-        </p:spPr>
-        <p:txBody>
-          <a:bodyPr anchor="ctr">
-            <a:noAutofit/>
-          </a:bodyPr>
-          <a:lstStyle/>
-          <a:p>
-            <a:pPr>
-              <a:lnSpc>
-                <a:spcPct val="90000"/>
-              </a:lnSpc>
-              <a:buNone/>
+              <a:buClr>
+                <a:srgbClr val="000000"/>
+              </a:buClr>
+              <a:buFont typeface="Arial"/>
+              <a:buChar char="•"/>
             </a:pPr>
             <a:r>
-              <a:rPr lang="en-US" sz="4400" b="0" strike="noStrike" spc="-1">
-                <a:solidFill>
-                  <a:srgbClr val="000000"/>
-                </a:solidFill>
-                <a:latin typeface="Calibri Light"/>
-              </a:rPr>
-              <a:t>RESULTS &amp; ANALYSIS</a:t>
-            </a:r>
-            <a:endParaRPr lang="en-US" sz="4400" b="0" strike="noStrike" spc="-1">
-              <a:solidFill>
-                <a:srgbClr val="000000"/>
-              </a:solidFill>
-              <a:latin typeface="Calibri"/>
-            </a:endParaRPr>
-          </a:p>
-        </p:txBody>
-      </p:sp>
-      <p:sp>
-        <p:nvSpPr>
-          <p:cNvPr id="88" name="Content Placeholder 2"/>
-          <p:cNvSpPr/>
-          <p:nvPr/>
-        </p:nvSpPr>
-        <p:spPr>
-          <a:xfrm>
-            <a:off x="0" y="6610680"/>
-            <a:ext cx="12191760" cy="246960"/>
-          </a:xfrm>
-          <a:prstGeom prst="rect">
-            <a:avLst/>
-          </a:prstGeom>
-          <a:noFill/>
-          <a:ln w="0">
-            <a:noFill/>
-          </a:ln>
-        </p:spPr>
-        <p:style>
-          <a:lnRef idx="0">
-            <a:scrgbClr r="0" g="0" b="0"/>
-          </a:lnRef>
-          <a:fillRef idx="0">
-            <a:scrgbClr r="0" g="0" b="0"/>
-          </a:fillRef>
-          <a:effectRef idx="0">
-            <a:scrgbClr r="0" g="0" b="0"/>
-          </a:effectRef>
-          <a:fontRef idx="minor"/>
-        </p:style>
-        <p:txBody>
-          <a:bodyPr anchor="t">
-            <a:normAutofit fontScale="95000"/>
-          </a:bodyPr>
-          <a:lstStyle/>
-          <a:p>
-            <a:pPr>
-              <a:lnSpc>
-                <a:spcPct val="90000"/>
-              </a:lnSpc>
-              <a:spcBef>
-                <a:spcPts val="1001"/>
-              </a:spcBef>
-              <a:buNone/>
-              <a:tabLst>
-                <a:tab pos="0" algn="l"/>
-              </a:tabLst>
-            </a:pPr>
-            <a:r>
-              <a:rPr lang="en-US" sz="1200" b="0" strike="noStrike" spc="-1" dirty="0">
+              <a:rPr lang="en-US" sz="2000" spc="-1" dirty="0">
                 <a:solidFill>
                   <a:srgbClr val="000000"/>
                 </a:solidFill>
                 <a:latin typeface="Calibri"/>
               </a:rPr>
-              <a:t>Codes and files: </a:t>
+              <a:t>I have explained each step, and images are clear and concise.</a:t>
             </a:r>
-            <a:r>
-              <a:rPr lang="en-US" sz="1200" spc="-1" dirty="0">
-                <a:solidFill>
-                  <a:srgbClr val="000000"/>
-                </a:solidFill>
-                <a:latin typeface="Calibri"/>
-                <a:hlinkClick r:id="rId2"/>
-              </a:rPr>
-              <a:t>https://github.com/genvert/AP_157_FX-2_Vertudez/tree/main/Activity%207</a:t>
-            </a:r>
-            <a:endParaRPr lang="en-PH" sz="1200" b="0" strike="noStrike" spc="-1" dirty="0">
-              <a:latin typeface="Arial"/>
-            </a:endParaRPr>
-          </a:p>
-        </p:txBody>
-      </p:sp>
-      <p:pic>
-        <p:nvPicPr>
-          <p:cNvPr id="3" name="Picture 2">
-            <a:extLst>
-              <a:ext uri="{FF2B5EF4-FFF2-40B4-BE49-F238E27FC236}">
-                <a16:creationId xmlns:a16="http://schemas.microsoft.com/office/drawing/2014/main" id="{F2707812-2C56-4BE6-BFE8-8E441362FACC}"/>
-              </a:ext>
-            </a:extLst>
-          </p:cNvPr>
-          <p:cNvPicPr>
-            <a:picLocks noChangeAspect="1"/>
-          </p:cNvPicPr>
-          <p:nvPr/>
-        </p:nvPicPr>
-        <p:blipFill>
-          <a:blip r:embed="rId3" cstate="print">
-            <a:extLst>
-              <a:ext uri="{28A0092B-C50C-407E-A947-70E740481C1C}">
-                <a14:useLocalDpi xmlns:a14="http://schemas.microsoft.com/office/drawing/2010/main" val="0"/>
-              </a:ext>
-            </a:extLst>
-          </a:blip>
-          <a:stretch>
-            <a:fillRect/>
-          </a:stretch>
-        </p:blipFill>
-        <p:spPr>
-          <a:xfrm rot="5400000">
-            <a:off x="4015970" y="2853434"/>
-            <a:ext cx="4159459" cy="3119594"/>
-          </a:xfrm>
-          <a:prstGeom prst="rect">
-            <a:avLst/>
-          </a:prstGeom>
-        </p:spPr>
-      </p:pic>
-    </p:spTree>
-    <p:extLst>
-      <p:ext uri="{BB962C8B-B14F-4D97-AF65-F5344CB8AC3E}">
-        <p14:creationId xmlns:p14="http://schemas.microsoft.com/office/powerpoint/2010/main" val="1023647886"/>
-      </p:ext>
-    </p:extLst>
-  </p:cSld>
-  <p:clrMapOvr>
-    <a:masterClrMapping/>
-  </p:clrMapOvr>
-</p:sld>
-</file>
-
-<file path=ppt/slides/slide9.xml><?xml version="1.0" encoding="utf-8"?>
-<p:sld xmlns:a="http://schemas.openxmlformats.org/drawingml/2006/main" xmlns:r="http://schemas.openxmlformats.org/officeDocument/2006/relationships" xmlns:p="http://schemas.openxmlformats.org/presentationml/2006/main">
-  <p:cSld>
-    <p:spTree>
-      <p:nvGrpSpPr>
-        <p:cNvPr id="1" name=""/>
-        <p:cNvGrpSpPr/>
-        <p:nvPr/>
-      </p:nvGrpSpPr>
-      <p:grpSpPr>
-        <a:xfrm>
-          <a:off x="0" y="0"/>
-          <a:ext cx="0" cy="0"/>
-          <a:chOff x="0" y="0"/>
-          <a:chExt cx="0" cy="0"/>
-        </a:xfrm>
-      </p:grpSpPr>
-      <p:sp>
-        <p:nvSpPr>
-          <p:cNvPr id="90" name="PlaceHolder 1"/>
-          <p:cNvSpPr>
-            <a:spLocks noGrp="1"/>
-          </p:cNvSpPr>
-          <p:nvPr>
-            <p:ph type="title"/>
-          </p:nvPr>
-        </p:nvSpPr>
-        <p:spPr>
-          <a:xfrm>
-            <a:off x="838080" y="365040"/>
-            <a:ext cx="10515240" cy="1325160"/>
-          </a:xfrm>
-          <a:prstGeom prst="rect">
-            <a:avLst/>
-          </a:prstGeom>
-          <a:noFill/>
-          <a:ln w="0">
-            <a:noFill/>
-          </a:ln>
-        </p:spPr>
-        <p:txBody>
-          <a:bodyPr anchor="ctr">
-            <a:noAutofit/>
-          </a:bodyPr>
-          <a:lstStyle/>
-          <a:p>
-            <a:pPr>
-              <a:lnSpc>
-                <a:spcPct val="90000"/>
-              </a:lnSpc>
-              <a:buNone/>
-            </a:pPr>
-            <a:r>
-              <a:rPr lang="en-US" sz="4400" b="0" strike="noStrike" spc="-1">
-                <a:solidFill>
-                  <a:srgbClr val="000000"/>
-                </a:solidFill>
-                <a:latin typeface="Calibri Light"/>
-              </a:rPr>
-              <a:t>RESULTS &amp; ANALYSIS</a:t>
-            </a:r>
-            <a:endParaRPr lang="en-US" sz="4400" b="0" strike="noStrike" spc="-1">
-              <a:solidFill>
-                <a:srgbClr val="000000"/>
-              </a:solidFill>
-              <a:latin typeface="Calibri"/>
-            </a:endParaRPr>
-          </a:p>
-        </p:txBody>
-      </p:sp>
-      <p:sp>
-        <p:nvSpPr>
-          <p:cNvPr id="91" name="PlaceHolder 2"/>
-          <p:cNvSpPr>
-            <a:spLocks noGrp="1"/>
-          </p:cNvSpPr>
-          <p:nvPr>
-            <p:ph/>
-          </p:nvPr>
-        </p:nvSpPr>
-        <p:spPr>
-          <a:xfrm>
-            <a:off x="901800" y="1397880"/>
-            <a:ext cx="10515240" cy="5262120"/>
-          </a:xfrm>
-          <a:prstGeom prst="rect">
-            <a:avLst/>
-          </a:prstGeom>
-          <a:noFill/>
-          <a:ln w="0">
-            <a:noFill/>
-          </a:ln>
-        </p:spPr>
-        <p:txBody>
-          <a:bodyPr anchor="t">
-            <a:normAutofit fontScale="96000" lnSpcReduction="10000"/>
-          </a:bodyPr>
-          <a:lstStyle/>
+          </a:p>
           <a:p>
             <a:pPr marL="228600" indent="-228600">
               <a:lnSpc>
@@ -12025,156 +8550,17 @@
               <a:buChar char="•"/>
             </a:pPr>
             <a:r>
-              <a:rPr lang="en-US" sz="2800" b="0" strike="noStrike" spc="-1" dirty="0">
+              <a:rPr lang="en-US" sz="2400" spc="-1" dirty="0">
                 <a:solidFill>
                   <a:srgbClr val="000000"/>
                 </a:solidFill>
                 <a:latin typeface="Calibri"/>
               </a:rPr>
-              <a:t>Setting scale</a:t>
+              <a:t>Self-reflection: 30/30</a:t>
             </a:r>
           </a:p>
           <a:p>
-            <a:pPr>
-              <a:lnSpc>
-                <a:spcPct val="90000"/>
-              </a:lnSpc>
-              <a:spcBef>
-                <a:spcPts val="1001"/>
-              </a:spcBef>
-              <a:buNone/>
-            </a:pPr>
-            <a:endParaRPr lang="en-US" sz="2800" b="0" strike="noStrike" spc="-1" dirty="0">
-              <a:solidFill>
-                <a:srgbClr val="000000"/>
-              </a:solidFill>
-              <a:latin typeface="Calibri"/>
-            </a:endParaRPr>
-          </a:p>
-          <a:p>
-            <a:pPr>
-              <a:lnSpc>
-                <a:spcPct val="90000"/>
-              </a:lnSpc>
-              <a:spcBef>
-                <a:spcPts val="1001"/>
-              </a:spcBef>
-              <a:buNone/>
-            </a:pPr>
-            <a:endParaRPr lang="en-US" sz="2800" b="0" strike="noStrike" spc="-1" dirty="0">
-              <a:solidFill>
-                <a:srgbClr val="000000"/>
-              </a:solidFill>
-              <a:latin typeface="Calibri"/>
-            </a:endParaRPr>
-          </a:p>
-          <a:p>
-            <a:pPr>
-              <a:lnSpc>
-                <a:spcPct val="90000"/>
-              </a:lnSpc>
-              <a:spcBef>
-                <a:spcPts val="1001"/>
-              </a:spcBef>
-              <a:buNone/>
-            </a:pPr>
-            <a:endParaRPr lang="en-US" sz="2800" b="0" strike="noStrike" spc="-1" dirty="0">
-              <a:solidFill>
-                <a:srgbClr val="000000"/>
-              </a:solidFill>
-              <a:latin typeface="Calibri"/>
-            </a:endParaRPr>
-          </a:p>
-          <a:p>
-            <a:pPr>
-              <a:lnSpc>
-                <a:spcPct val="90000"/>
-              </a:lnSpc>
-              <a:spcBef>
-                <a:spcPts val="1001"/>
-              </a:spcBef>
-              <a:buNone/>
-            </a:pPr>
-            <a:endParaRPr lang="en-US" sz="2800" b="0" strike="noStrike" spc="-1" dirty="0">
-              <a:solidFill>
-                <a:srgbClr val="000000"/>
-              </a:solidFill>
-              <a:latin typeface="Calibri"/>
-            </a:endParaRPr>
-          </a:p>
-          <a:p>
-            <a:pPr>
-              <a:lnSpc>
-                <a:spcPct val="90000"/>
-              </a:lnSpc>
-              <a:spcBef>
-                <a:spcPts val="1001"/>
-              </a:spcBef>
-              <a:buNone/>
-            </a:pPr>
-            <a:endParaRPr lang="en-US" sz="2800" b="0" strike="noStrike" spc="-1" dirty="0">
-              <a:solidFill>
-                <a:srgbClr val="000000"/>
-              </a:solidFill>
-              <a:latin typeface="Calibri"/>
-            </a:endParaRPr>
-          </a:p>
-          <a:p>
-            <a:pPr>
-              <a:lnSpc>
-                <a:spcPct val="90000"/>
-              </a:lnSpc>
-              <a:spcBef>
-                <a:spcPts val="1001"/>
-              </a:spcBef>
-              <a:buNone/>
-            </a:pPr>
-            <a:endParaRPr lang="en-US" sz="2800" b="0" strike="noStrike" spc="-1" dirty="0">
-              <a:solidFill>
-                <a:srgbClr val="000000"/>
-              </a:solidFill>
-              <a:latin typeface="Calibri"/>
-            </a:endParaRPr>
-          </a:p>
-          <a:p>
-            <a:pPr>
-              <a:lnSpc>
-                <a:spcPct val="90000"/>
-              </a:lnSpc>
-              <a:spcBef>
-                <a:spcPts val="1001"/>
-              </a:spcBef>
-              <a:buNone/>
-            </a:pPr>
-            <a:endParaRPr lang="en-US" sz="2800" b="0" strike="noStrike" spc="-1" dirty="0">
-              <a:solidFill>
-                <a:srgbClr val="000000"/>
-              </a:solidFill>
-              <a:latin typeface="Calibri"/>
-            </a:endParaRPr>
-          </a:p>
-          <a:p>
-            <a:pPr>
-              <a:lnSpc>
-                <a:spcPct val="90000"/>
-              </a:lnSpc>
-              <a:spcBef>
-                <a:spcPts val="1001"/>
-              </a:spcBef>
-              <a:buNone/>
-            </a:pPr>
-            <a:endParaRPr lang="en-US" sz="2800" b="0" strike="noStrike" spc="-1" dirty="0">
-              <a:solidFill>
-                <a:srgbClr val="000000"/>
-              </a:solidFill>
-              <a:latin typeface="Calibri"/>
-            </a:endParaRPr>
-          </a:p>
-          <a:p>
-            <a:pPr marL="228600" indent="-228600">
-              <a:lnSpc>
-                <a:spcPct val="90000"/>
-              </a:lnSpc>
+            <a:pPr lvl="1">
               <a:spcBef>
                 <a:spcPts val="1001"/>
               </a:spcBef>
@@ -12185,146 +8571,66 @@
               <a:buChar char="•"/>
             </a:pPr>
             <a:r>
-              <a:rPr lang="en-US" sz="2800" b="0" strike="noStrike" spc="-1" dirty="0">
+              <a:rPr lang="en-US" sz="2000" spc="-1" dirty="0">
                 <a:solidFill>
                   <a:srgbClr val="000000"/>
                 </a:solidFill>
                 <a:latin typeface="Calibri"/>
               </a:rPr>
-              <a:t>I used a 5 peso coin on top of a 5x5x5 cube which is </a:t>
+              <a:t>Even though I was slacking in this subject for a while, I managed to get back on track. The topics are really fun and interesting. It helped me understand the ideas behind image tools such as smartphone cameras, Photoshop, etc.</a:t>
             </a:r>
+          </a:p>
+          <a:p>
+            <a:pPr marL="228600" indent="-228600">
+              <a:lnSpc>
+                <a:spcPct val="90000"/>
+              </a:lnSpc>
+              <a:spcBef>
+                <a:spcPts val="1001"/>
+              </a:spcBef>
+              <a:buClr>
+                <a:srgbClr val="000000"/>
+              </a:buClr>
+              <a:buFont typeface="Arial"/>
+              <a:buChar char="•"/>
+            </a:pPr>
             <a:r>
-              <a:rPr lang="en-US" spc="-1" dirty="0">
+              <a:rPr lang="en-US" sz="2400" spc="-1" dirty="0">
                 <a:solidFill>
                   <a:srgbClr val="000000"/>
                 </a:solidFill>
                 <a:latin typeface="Calibri"/>
               </a:rPr>
-              <a:t>about the same height as a 4x4x4 (if I just put it on the table, the height difference affects the scaling) for scaling. It is about 25 mm. </a:t>
+              <a:t>Initiative: 10/10</a:t>
             </a:r>
-            <a:endParaRPr lang="en-US" sz="2800" b="0" strike="noStrike" spc="-1" dirty="0">
-              <a:solidFill>
-                <a:srgbClr val="000000"/>
-              </a:solidFill>
-              <a:latin typeface="Calibri"/>
-            </a:endParaRPr>
-          </a:p>
-        </p:txBody>
-      </p:sp>
-      <p:sp>
-        <p:nvSpPr>
-          <p:cNvPr id="92" name="Content Placeholder 2"/>
-          <p:cNvSpPr/>
-          <p:nvPr/>
-        </p:nvSpPr>
-        <p:spPr>
-          <a:xfrm>
-            <a:off x="0" y="6610680"/>
-            <a:ext cx="12191760" cy="246960"/>
-          </a:xfrm>
-          <a:prstGeom prst="rect">
-            <a:avLst/>
-          </a:prstGeom>
-          <a:noFill/>
-          <a:ln w="0">
-            <a:noFill/>
-          </a:ln>
-        </p:spPr>
-        <p:style>
-          <a:lnRef idx="0">
-            <a:scrgbClr r="0" g="0" b="0"/>
-          </a:lnRef>
-          <a:fillRef idx="0">
-            <a:scrgbClr r="0" g="0" b="0"/>
-          </a:fillRef>
-          <a:effectRef idx="0">
-            <a:scrgbClr r="0" g="0" b="0"/>
-          </a:effectRef>
-          <a:fontRef idx="minor"/>
-        </p:style>
-        <p:txBody>
-          <a:bodyPr anchor="t">
-            <a:normAutofit fontScale="95000"/>
-          </a:bodyPr>
-          <a:lstStyle/>
-          <a:p>
-            <a:pPr>
-              <a:lnSpc>
-                <a:spcPct val="90000"/>
-              </a:lnSpc>
+          </a:p>
+          <a:p>
+            <a:pPr lvl="1">
               <a:spcBef>
                 <a:spcPts val="1001"/>
               </a:spcBef>
-              <a:buNone/>
-              <a:tabLst>
-                <a:tab pos="0" algn="l"/>
-              </a:tabLst>
+              <a:buClr>
+                <a:srgbClr val="000000"/>
+              </a:buClr>
+              <a:buFont typeface="Arial"/>
+              <a:buChar char="•"/>
             </a:pPr>
             <a:r>
-              <a:rPr lang="en-US" sz="1200" b="0" strike="noStrike" spc="-1" dirty="0">
+              <a:rPr lang="en-US" sz="2000" spc="-1" dirty="0">
                 <a:solidFill>
                   <a:srgbClr val="000000"/>
                 </a:solidFill>
                 <a:latin typeface="Calibri"/>
               </a:rPr>
-              <a:t>Codes and files: </a:t>
+              <a:t>I used an extra image for extraction.</a:t>
             </a:r>
-            <a:r>
-              <a:rPr lang="en-US" sz="1200" spc="-1" dirty="0">
-                <a:solidFill>
-                  <a:srgbClr val="000000"/>
-                </a:solidFill>
-                <a:latin typeface="Calibri"/>
-                <a:hlinkClick r:id="rId2"/>
-              </a:rPr>
-              <a:t>https://github.com/genvert/AP_157_FX-2_Vertudez/tree/main/Activity%207</a:t>
-            </a:r>
-            <a:endParaRPr lang="en-PH" sz="1200" b="0" strike="noStrike" spc="-1" dirty="0">
-              <a:latin typeface="Arial"/>
-            </a:endParaRPr>
-          </a:p>
-        </p:txBody>
-      </p:sp>
-      <p:pic>
-        <p:nvPicPr>
-          <p:cNvPr id="3" name="Picture 2">
-            <a:extLst>
-              <a:ext uri="{FF2B5EF4-FFF2-40B4-BE49-F238E27FC236}">
-                <a16:creationId xmlns:a16="http://schemas.microsoft.com/office/drawing/2014/main" id="{F48DB1F7-774B-4F64-BAB2-F9E77ACF59E4}"/>
-              </a:ext>
-            </a:extLst>
-          </p:cNvPr>
-          <p:cNvPicPr>
-            <a:picLocks noChangeAspect="1"/>
-          </p:cNvPicPr>
-          <p:nvPr/>
-        </p:nvPicPr>
-        <p:blipFill>
-          <a:blip r:embed="rId3">
-            <a:extLst>
-              <a:ext uri="{28A0092B-C50C-407E-A947-70E740481C1C}">
-                <a14:useLocalDpi xmlns:a14="http://schemas.microsoft.com/office/drawing/2010/main" val="0"/>
-              </a:ext>
-            </a:extLst>
-          </a:blip>
-          <a:stretch>
-            <a:fillRect/>
-          </a:stretch>
-        </p:blipFill>
-        <p:spPr>
-          <a:xfrm>
-            <a:off x="3708400" y="1690200"/>
-            <a:ext cx="4775200" cy="3775055"/>
-          </a:xfrm>
-          <a:prstGeom prst="rect">
-            <a:avLst/>
-          </a:prstGeom>
-        </p:spPr>
-      </p:pic>
+          </a:p>
+        </p:txBody>
+      </p:sp>
     </p:spTree>
     <p:extLst>
       <p:ext uri="{BB962C8B-B14F-4D97-AF65-F5344CB8AC3E}">
-        <p14:creationId xmlns:p14="http://schemas.microsoft.com/office/powerpoint/2010/main" val="1312496875"/>
+        <p14:creationId xmlns:p14="http://schemas.microsoft.com/office/powerpoint/2010/main" val="3784929317"/>
       </p:ext>
     </p:extLst>
   </p:cSld>

--- a/Activity 07/Vertudez_Activity_7_Report.pptx
+++ b/Activity 07/Vertudez_Activity_7_Report.pptx
@@ -4,15 +4,15 @@
   <p:sldMasterIdLst>
     <p:sldMasterId id="2147483648" r:id="rId1"/>
     <p:sldMasterId id="2147483661" r:id="rId2"/>
+    <p:sldMasterId id="2147483674" r:id="rId3"/>
   </p:sldMasterIdLst>
   <p:sldIdLst>
-    <p:sldId id="256" r:id="rId3"/>
-    <p:sldId id="257" r:id="rId4"/>
-    <p:sldId id="272" r:id="rId5"/>
-    <p:sldId id="273" r:id="rId6"/>
-    <p:sldId id="274" r:id="rId7"/>
-    <p:sldId id="263" r:id="rId8"/>
-    <p:sldId id="270" r:id="rId9"/>
+    <p:sldId id="256" r:id="rId4"/>
+    <p:sldId id="257" r:id="rId5"/>
+    <p:sldId id="262" r:id="rId6"/>
+    <p:sldId id="263" r:id="rId7"/>
+    <p:sldId id="288" r:id="rId8"/>
+    <p:sldId id="287" r:id="rId9"/>
   </p:sldIdLst>
   <p:sldSz cx="12192000" cy="6858000"/>
   <p:notesSz cx="7772400" cy="10058400"/>
@@ -3936,6 +3936,1376 @@
 </p:sldLayout>
 </file>
 
+<file path=ppt/slideLayouts/slideLayout25.xml><?xml version="1.0" encoding="utf-8"?>
+<p:sldLayout xmlns:a="http://schemas.openxmlformats.org/drawingml/2006/main" xmlns:r="http://schemas.openxmlformats.org/officeDocument/2006/relationships" xmlns:p="http://schemas.openxmlformats.org/presentationml/2006/main" type="title" preserve="1">
+  <p:cSld name="Title Slide">
+    <p:spTree>
+      <p:nvGrpSpPr>
+        <p:cNvPr id="1" name=""/>
+        <p:cNvGrpSpPr/>
+        <p:nvPr/>
+      </p:nvGrpSpPr>
+      <p:grpSpPr>
+        <a:xfrm>
+          <a:off x="0" y="0"/>
+          <a:ext cx="0" cy="0"/>
+          <a:chOff x="0" y="0"/>
+          <a:chExt cx="0" cy="0"/>
+        </a:xfrm>
+      </p:grpSpPr>
+      <p:sp>
+        <p:nvSpPr>
+          <p:cNvPr id="2" name="Title 1">
+            <a:extLst>
+              <a:ext uri="{FF2B5EF4-FFF2-40B4-BE49-F238E27FC236}">
+                <a16:creationId xmlns:a16="http://schemas.microsoft.com/office/drawing/2014/main" id="{1504A942-6F86-4D5C-9E44-8AF20C2FAD09}"/>
+              </a:ext>
+            </a:extLst>
+          </p:cNvPr>
+          <p:cNvSpPr>
+            <a:spLocks noGrp="1"/>
+          </p:cNvSpPr>
+          <p:nvPr>
+            <p:ph type="ctrTitle"/>
+          </p:nvPr>
+        </p:nvSpPr>
+        <p:spPr>
+          <a:xfrm>
+            <a:off x="1524000" y="1122363"/>
+            <a:ext cx="9144000" cy="2387600"/>
+          </a:xfrm>
+        </p:spPr>
+        <p:txBody>
+          <a:bodyPr anchor="b"/>
+          <a:lstStyle>
+            <a:lvl1pPr algn="ctr">
+              <a:defRPr sz="6000"/>
+            </a:lvl1pPr>
+          </a:lstStyle>
+          <a:p>
+            <a:r>
+              <a:rPr lang="en-US"/>
+              <a:t>Click to edit Master title style</a:t>
+            </a:r>
+          </a:p>
+        </p:txBody>
+      </p:sp>
+      <p:sp>
+        <p:nvSpPr>
+          <p:cNvPr id="3" name="Subtitle 2">
+            <a:extLst>
+              <a:ext uri="{FF2B5EF4-FFF2-40B4-BE49-F238E27FC236}">
+                <a16:creationId xmlns:a16="http://schemas.microsoft.com/office/drawing/2014/main" id="{790F248B-5398-4DD6-AB4A-A4B265B20569}"/>
+              </a:ext>
+            </a:extLst>
+          </p:cNvPr>
+          <p:cNvSpPr>
+            <a:spLocks noGrp="1"/>
+          </p:cNvSpPr>
+          <p:nvPr>
+            <p:ph type="subTitle" idx="1"/>
+          </p:nvPr>
+        </p:nvSpPr>
+        <p:spPr>
+          <a:xfrm>
+            <a:off x="1524000" y="3602038"/>
+            <a:ext cx="9144000" cy="1655762"/>
+          </a:xfrm>
+        </p:spPr>
+        <p:txBody>
+          <a:bodyPr/>
+          <a:lstStyle>
+            <a:lvl1pPr marL="0" indent="0" algn="ctr">
+              <a:buNone/>
+              <a:defRPr sz="2400"/>
+            </a:lvl1pPr>
+            <a:lvl2pPr marL="457200" indent="0" algn="ctr">
+              <a:buNone/>
+              <a:defRPr sz="2000"/>
+            </a:lvl2pPr>
+            <a:lvl3pPr marL="914400" indent="0" algn="ctr">
+              <a:buNone/>
+              <a:defRPr sz="1800"/>
+            </a:lvl3pPr>
+            <a:lvl4pPr marL="1371600" indent="0" algn="ctr">
+              <a:buNone/>
+              <a:defRPr sz="1600"/>
+            </a:lvl4pPr>
+            <a:lvl5pPr marL="1828800" indent="0" algn="ctr">
+              <a:buNone/>
+              <a:defRPr sz="1600"/>
+            </a:lvl5pPr>
+            <a:lvl6pPr marL="2286000" indent="0" algn="ctr">
+              <a:buNone/>
+              <a:defRPr sz="1600"/>
+            </a:lvl6pPr>
+            <a:lvl7pPr marL="2743200" indent="0" algn="ctr">
+              <a:buNone/>
+              <a:defRPr sz="1600"/>
+            </a:lvl7pPr>
+            <a:lvl8pPr marL="3200400" indent="0" algn="ctr">
+              <a:buNone/>
+              <a:defRPr sz="1600"/>
+            </a:lvl8pPr>
+            <a:lvl9pPr marL="3657600" indent="0" algn="ctr">
+              <a:buNone/>
+              <a:defRPr sz="1600"/>
+            </a:lvl9pPr>
+          </a:lstStyle>
+          <a:p>
+            <a:r>
+              <a:rPr lang="en-US"/>
+              <a:t>Click to edit Master subtitle style</a:t>
+            </a:r>
+          </a:p>
+        </p:txBody>
+      </p:sp>
+      <p:sp>
+        <p:nvSpPr>
+          <p:cNvPr id="4" name="Date Placeholder 3">
+            <a:extLst>
+              <a:ext uri="{FF2B5EF4-FFF2-40B4-BE49-F238E27FC236}">
+                <a16:creationId xmlns:a16="http://schemas.microsoft.com/office/drawing/2014/main" id="{62526934-8B32-4979-B39D-0B75A83CDF8A}"/>
+              </a:ext>
+            </a:extLst>
+          </p:cNvPr>
+          <p:cNvSpPr>
+            <a:spLocks noGrp="1"/>
+          </p:cNvSpPr>
+          <p:nvPr>
+            <p:ph type="dt" sz="half" idx="10"/>
+          </p:nvPr>
+        </p:nvSpPr>
+        <p:spPr/>
+        <p:txBody>
+          <a:bodyPr/>
+          <a:lstStyle/>
+          <a:p>
+            <a:fld id="{C977F0E1-D0AB-4222-BA87-70E524633AC4}" type="datetimeFigureOut">
+              <a:rPr lang="en-US" smtClean="0"/>
+              <a:t>7/3/2023</a:t>
+            </a:fld>
+            <a:endParaRPr lang="en-US"/>
+          </a:p>
+        </p:txBody>
+      </p:sp>
+      <p:sp>
+        <p:nvSpPr>
+          <p:cNvPr id="5" name="Footer Placeholder 4">
+            <a:extLst>
+              <a:ext uri="{FF2B5EF4-FFF2-40B4-BE49-F238E27FC236}">
+                <a16:creationId xmlns:a16="http://schemas.microsoft.com/office/drawing/2014/main" id="{7326CD7E-229C-4822-9595-29CA82DD6C95}"/>
+              </a:ext>
+            </a:extLst>
+          </p:cNvPr>
+          <p:cNvSpPr>
+            <a:spLocks noGrp="1"/>
+          </p:cNvSpPr>
+          <p:nvPr>
+            <p:ph type="ftr" sz="quarter" idx="11"/>
+          </p:nvPr>
+        </p:nvSpPr>
+        <p:spPr/>
+        <p:txBody>
+          <a:bodyPr/>
+          <a:lstStyle/>
+          <a:p>
+            <a:endParaRPr lang="en-US"/>
+          </a:p>
+        </p:txBody>
+      </p:sp>
+      <p:sp>
+        <p:nvSpPr>
+          <p:cNvPr id="6" name="Slide Number Placeholder 5">
+            <a:extLst>
+              <a:ext uri="{FF2B5EF4-FFF2-40B4-BE49-F238E27FC236}">
+                <a16:creationId xmlns:a16="http://schemas.microsoft.com/office/drawing/2014/main" id="{8C5FF06C-9DBC-4A71-B50D-620DED683DA4}"/>
+              </a:ext>
+            </a:extLst>
+          </p:cNvPr>
+          <p:cNvSpPr>
+            <a:spLocks noGrp="1"/>
+          </p:cNvSpPr>
+          <p:nvPr>
+            <p:ph type="sldNum" sz="quarter" idx="12"/>
+          </p:nvPr>
+        </p:nvSpPr>
+        <p:spPr/>
+        <p:txBody>
+          <a:bodyPr/>
+          <a:lstStyle/>
+          <a:p>
+            <a:fld id="{9F312D06-E3F1-4FD2-B4B5-21FA3235D88A}" type="slidenum">
+              <a:rPr lang="en-US" smtClean="0"/>
+              <a:t>‹#›</a:t>
+            </a:fld>
+            <a:endParaRPr lang="en-US"/>
+          </a:p>
+        </p:txBody>
+      </p:sp>
+    </p:spTree>
+    <p:extLst>
+      <p:ext uri="{BB962C8B-B14F-4D97-AF65-F5344CB8AC3E}">
+        <p14:creationId xmlns:p14="http://schemas.microsoft.com/office/powerpoint/2010/main" val="3916219961"/>
+      </p:ext>
+    </p:extLst>
+  </p:cSld>
+  <p:clrMapOvr>
+    <a:masterClrMapping/>
+  </p:clrMapOvr>
+</p:sldLayout>
+</file>
+
+<file path=ppt/slideLayouts/slideLayout26.xml><?xml version="1.0" encoding="utf-8"?>
+<p:sldLayout xmlns:a="http://schemas.openxmlformats.org/drawingml/2006/main" xmlns:r="http://schemas.openxmlformats.org/officeDocument/2006/relationships" xmlns:p="http://schemas.openxmlformats.org/presentationml/2006/main" type="obj" preserve="1">
+  <p:cSld name="Title and Content">
+    <p:spTree>
+      <p:nvGrpSpPr>
+        <p:cNvPr id="1" name=""/>
+        <p:cNvGrpSpPr/>
+        <p:nvPr/>
+      </p:nvGrpSpPr>
+      <p:grpSpPr>
+        <a:xfrm>
+          <a:off x="0" y="0"/>
+          <a:ext cx="0" cy="0"/>
+          <a:chOff x="0" y="0"/>
+          <a:chExt cx="0" cy="0"/>
+        </a:xfrm>
+      </p:grpSpPr>
+      <p:sp>
+        <p:nvSpPr>
+          <p:cNvPr id="2" name="Title 1">
+            <a:extLst>
+              <a:ext uri="{FF2B5EF4-FFF2-40B4-BE49-F238E27FC236}">
+                <a16:creationId xmlns:a16="http://schemas.microsoft.com/office/drawing/2014/main" id="{7DFBE0E9-64EC-443C-A77F-25BC4341525A}"/>
+              </a:ext>
+            </a:extLst>
+          </p:cNvPr>
+          <p:cNvSpPr>
+            <a:spLocks noGrp="1"/>
+          </p:cNvSpPr>
+          <p:nvPr>
+            <p:ph type="title"/>
+          </p:nvPr>
+        </p:nvSpPr>
+        <p:spPr/>
+        <p:txBody>
+          <a:bodyPr/>
+          <a:lstStyle/>
+          <a:p>
+            <a:r>
+              <a:rPr lang="en-US"/>
+              <a:t>Click to edit Master title style</a:t>
+            </a:r>
+          </a:p>
+        </p:txBody>
+      </p:sp>
+      <p:sp>
+        <p:nvSpPr>
+          <p:cNvPr id="3" name="Content Placeholder 2">
+            <a:extLst>
+              <a:ext uri="{FF2B5EF4-FFF2-40B4-BE49-F238E27FC236}">
+                <a16:creationId xmlns:a16="http://schemas.microsoft.com/office/drawing/2014/main" id="{34A2239D-DB24-4B33-8D9F-2FBC27715E24}"/>
+              </a:ext>
+            </a:extLst>
+          </p:cNvPr>
+          <p:cNvSpPr>
+            <a:spLocks noGrp="1"/>
+          </p:cNvSpPr>
+          <p:nvPr>
+            <p:ph idx="1"/>
+          </p:nvPr>
+        </p:nvSpPr>
+        <p:spPr/>
+        <p:txBody>
+          <a:bodyPr/>
+          <a:lstStyle/>
+          <a:p>
+            <a:pPr lvl="0"/>
+            <a:r>
+              <a:rPr lang="en-US"/>
+              <a:t>Click to edit Master text styles</a:t>
+            </a:r>
+          </a:p>
+          <a:p>
+            <a:pPr lvl="1"/>
+            <a:r>
+              <a:rPr lang="en-US"/>
+              <a:t>Second level</a:t>
+            </a:r>
+          </a:p>
+          <a:p>
+            <a:pPr lvl="2"/>
+            <a:r>
+              <a:rPr lang="en-US"/>
+              <a:t>Third level</a:t>
+            </a:r>
+          </a:p>
+          <a:p>
+            <a:pPr lvl="3"/>
+            <a:r>
+              <a:rPr lang="en-US"/>
+              <a:t>Fourth level</a:t>
+            </a:r>
+          </a:p>
+          <a:p>
+            <a:pPr lvl="4"/>
+            <a:r>
+              <a:rPr lang="en-US"/>
+              <a:t>Fifth level</a:t>
+            </a:r>
+          </a:p>
+        </p:txBody>
+      </p:sp>
+      <p:sp>
+        <p:nvSpPr>
+          <p:cNvPr id="4" name="Date Placeholder 3">
+            <a:extLst>
+              <a:ext uri="{FF2B5EF4-FFF2-40B4-BE49-F238E27FC236}">
+                <a16:creationId xmlns:a16="http://schemas.microsoft.com/office/drawing/2014/main" id="{4204F2C3-A790-4C27-81CF-40E25574593F}"/>
+              </a:ext>
+            </a:extLst>
+          </p:cNvPr>
+          <p:cNvSpPr>
+            <a:spLocks noGrp="1"/>
+          </p:cNvSpPr>
+          <p:nvPr>
+            <p:ph type="dt" sz="half" idx="10"/>
+          </p:nvPr>
+        </p:nvSpPr>
+        <p:spPr/>
+        <p:txBody>
+          <a:bodyPr/>
+          <a:lstStyle/>
+          <a:p>
+            <a:fld id="{C977F0E1-D0AB-4222-BA87-70E524633AC4}" type="datetimeFigureOut">
+              <a:rPr lang="en-US" smtClean="0"/>
+              <a:t>7/3/2023</a:t>
+            </a:fld>
+            <a:endParaRPr lang="en-US"/>
+          </a:p>
+        </p:txBody>
+      </p:sp>
+      <p:sp>
+        <p:nvSpPr>
+          <p:cNvPr id="5" name="Footer Placeholder 4">
+            <a:extLst>
+              <a:ext uri="{FF2B5EF4-FFF2-40B4-BE49-F238E27FC236}">
+                <a16:creationId xmlns:a16="http://schemas.microsoft.com/office/drawing/2014/main" id="{210C9ECE-EDCA-433C-81A3-0809285920FC}"/>
+              </a:ext>
+            </a:extLst>
+          </p:cNvPr>
+          <p:cNvSpPr>
+            <a:spLocks noGrp="1"/>
+          </p:cNvSpPr>
+          <p:nvPr>
+            <p:ph type="ftr" sz="quarter" idx="11"/>
+          </p:nvPr>
+        </p:nvSpPr>
+        <p:spPr/>
+        <p:txBody>
+          <a:bodyPr/>
+          <a:lstStyle/>
+          <a:p>
+            <a:endParaRPr lang="en-US"/>
+          </a:p>
+        </p:txBody>
+      </p:sp>
+      <p:sp>
+        <p:nvSpPr>
+          <p:cNvPr id="6" name="Slide Number Placeholder 5">
+            <a:extLst>
+              <a:ext uri="{FF2B5EF4-FFF2-40B4-BE49-F238E27FC236}">
+                <a16:creationId xmlns:a16="http://schemas.microsoft.com/office/drawing/2014/main" id="{1EB4BC87-5418-4557-A362-4F281DC7EEBD}"/>
+              </a:ext>
+            </a:extLst>
+          </p:cNvPr>
+          <p:cNvSpPr>
+            <a:spLocks noGrp="1"/>
+          </p:cNvSpPr>
+          <p:nvPr>
+            <p:ph type="sldNum" sz="quarter" idx="12"/>
+          </p:nvPr>
+        </p:nvSpPr>
+        <p:spPr/>
+        <p:txBody>
+          <a:bodyPr/>
+          <a:lstStyle/>
+          <a:p>
+            <a:fld id="{9F312D06-E3F1-4FD2-B4B5-21FA3235D88A}" type="slidenum">
+              <a:rPr lang="en-US" smtClean="0"/>
+              <a:t>‹#›</a:t>
+            </a:fld>
+            <a:endParaRPr lang="en-US"/>
+          </a:p>
+        </p:txBody>
+      </p:sp>
+    </p:spTree>
+    <p:extLst>
+      <p:ext uri="{BB962C8B-B14F-4D97-AF65-F5344CB8AC3E}">
+        <p14:creationId xmlns:p14="http://schemas.microsoft.com/office/powerpoint/2010/main" val="3218116326"/>
+      </p:ext>
+    </p:extLst>
+  </p:cSld>
+  <p:clrMapOvr>
+    <a:masterClrMapping/>
+  </p:clrMapOvr>
+</p:sldLayout>
+</file>
+
+<file path=ppt/slideLayouts/slideLayout27.xml><?xml version="1.0" encoding="utf-8"?>
+<p:sldLayout xmlns:a="http://schemas.openxmlformats.org/drawingml/2006/main" xmlns:r="http://schemas.openxmlformats.org/officeDocument/2006/relationships" xmlns:p="http://schemas.openxmlformats.org/presentationml/2006/main" type="secHead" preserve="1">
+  <p:cSld name="Section Header">
+    <p:spTree>
+      <p:nvGrpSpPr>
+        <p:cNvPr id="1" name=""/>
+        <p:cNvGrpSpPr/>
+        <p:nvPr/>
+      </p:nvGrpSpPr>
+      <p:grpSpPr>
+        <a:xfrm>
+          <a:off x="0" y="0"/>
+          <a:ext cx="0" cy="0"/>
+          <a:chOff x="0" y="0"/>
+          <a:chExt cx="0" cy="0"/>
+        </a:xfrm>
+      </p:grpSpPr>
+      <p:sp>
+        <p:nvSpPr>
+          <p:cNvPr id="2" name="Title 1">
+            <a:extLst>
+              <a:ext uri="{FF2B5EF4-FFF2-40B4-BE49-F238E27FC236}">
+                <a16:creationId xmlns:a16="http://schemas.microsoft.com/office/drawing/2014/main" id="{F69BD5D9-01ED-46A4-AB06-CDFB946795A3}"/>
+              </a:ext>
+            </a:extLst>
+          </p:cNvPr>
+          <p:cNvSpPr>
+            <a:spLocks noGrp="1"/>
+          </p:cNvSpPr>
+          <p:nvPr>
+            <p:ph type="title"/>
+          </p:nvPr>
+        </p:nvSpPr>
+        <p:spPr>
+          <a:xfrm>
+            <a:off x="831850" y="1709738"/>
+            <a:ext cx="10515600" cy="2852737"/>
+          </a:xfrm>
+        </p:spPr>
+        <p:txBody>
+          <a:bodyPr anchor="b"/>
+          <a:lstStyle>
+            <a:lvl1pPr>
+              <a:defRPr sz="6000"/>
+            </a:lvl1pPr>
+          </a:lstStyle>
+          <a:p>
+            <a:r>
+              <a:rPr lang="en-US"/>
+              <a:t>Click to edit Master title style</a:t>
+            </a:r>
+          </a:p>
+        </p:txBody>
+      </p:sp>
+      <p:sp>
+        <p:nvSpPr>
+          <p:cNvPr id="3" name="Text Placeholder 2">
+            <a:extLst>
+              <a:ext uri="{FF2B5EF4-FFF2-40B4-BE49-F238E27FC236}">
+                <a16:creationId xmlns:a16="http://schemas.microsoft.com/office/drawing/2014/main" id="{1A6CBDCE-0123-477C-86B5-328753FAE8D7}"/>
+              </a:ext>
+            </a:extLst>
+          </p:cNvPr>
+          <p:cNvSpPr>
+            <a:spLocks noGrp="1"/>
+          </p:cNvSpPr>
+          <p:nvPr>
+            <p:ph type="body" idx="1"/>
+          </p:nvPr>
+        </p:nvSpPr>
+        <p:spPr>
+          <a:xfrm>
+            <a:off x="831850" y="4589463"/>
+            <a:ext cx="10515600" cy="1500187"/>
+          </a:xfrm>
+        </p:spPr>
+        <p:txBody>
+          <a:bodyPr/>
+          <a:lstStyle>
+            <a:lvl1pPr marL="0" indent="0">
+              <a:buNone/>
+              <a:defRPr sz="2400">
+                <a:solidFill>
+                  <a:schemeClr val="tx1">
+                    <a:tint val="75000"/>
+                  </a:schemeClr>
+                </a:solidFill>
+              </a:defRPr>
+            </a:lvl1pPr>
+            <a:lvl2pPr marL="457200" indent="0">
+              <a:buNone/>
+              <a:defRPr sz="2000">
+                <a:solidFill>
+                  <a:schemeClr val="tx1">
+                    <a:tint val="75000"/>
+                  </a:schemeClr>
+                </a:solidFill>
+              </a:defRPr>
+            </a:lvl2pPr>
+            <a:lvl3pPr marL="914400" indent="0">
+              <a:buNone/>
+              <a:defRPr sz="1800">
+                <a:solidFill>
+                  <a:schemeClr val="tx1">
+                    <a:tint val="75000"/>
+                  </a:schemeClr>
+                </a:solidFill>
+              </a:defRPr>
+            </a:lvl3pPr>
+            <a:lvl4pPr marL="1371600" indent="0">
+              <a:buNone/>
+              <a:defRPr sz="1600">
+                <a:solidFill>
+                  <a:schemeClr val="tx1">
+                    <a:tint val="75000"/>
+                  </a:schemeClr>
+                </a:solidFill>
+              </a:defRPr>
+            </a:lvl4pPr>
+            <a:lvl5pPr marL="1828800" indent="0">
+              <a:buNone/>
+              <a:defRPr sz="1600">
+                <a:solidFill>
+                  <a:schemeClr val="tx1">
+                    <a:tint val="75000"/>
+                  </a:schemeClr>
+                </a:solidFill>
+              </a:defRPr>
+            </a:lvl5pPr>
+            <a:lvl6pPr marL="2286000" indent="0">
+              <a:buNone/>
+              <a:defRPr sz="1600">
+                <a:solidFill>
+                  <a:schemeClr val="tx1">
+                    <a:tint val="75000"/>
+                  </a:schemeClr>
+                </a:solidFill>
+              </a:defRPr>
+            </a:lvl6pPr>
+            <a:lvl7pPr marL="2743200" indent="0">
+              <a:buNone/>
+              <a:defRPr sz="1600">
+                <a:solidFill>
+                  <a:schemeClr val="tx1">
+                    <a:tint val="75000"/>
+                  </a:schemeClr>
+                </a:solidFill>
+              </a:defRPr>
+            </a:lvl7pPr>
+            <a:lvl8pPr marL="3200400" indent="0">
+              <a:buNone/>
+              <a:defRPr sz="1600">
+                <a:solidFill>
+                  <a:schemeClr val="tx1">
+                    <a:tint val="75000"/>
+                  </a:schemeClr>
+                </a:solidFill>
+              </a:defRPr>
+            </a:lvl8pPr>
+            <a:lvl9pPr marL="3657600" indent="0">
+              <a:buNone/>
+              <a:defRPr sz="1600">
+                <a:solidFill>
+                  <a:schemeClr val="tx1">
+                    <a:tint val="75000"/>
+                  </a:schemeClr>
+                </a:solidFill>
+              </a:defRPr>
+            </a:lvl9pPr>
+          </a:lstStyle>
+          <a:p>
+            <a:pPr lvl="0"/>
+            <a:r>
+              <a:rPr lang="en-US"/>
+              <a:t>Click to edit Master text styles</a:t>
+            </a:r>
+          </a:p>
+        </p:txBody>
+      </p:sp>
+      <p:sp>
+        <p:nvSpPr>
+          <p:cNvPr id="4" name="Date Placeholder 3">
+            <a:extLst>
+              <a:ext uri="{FF2B5EF4-FFF2-40B4-BE49-F238E27FC236}">
+                <a16:creationId xmlns:a16="http://schemas.microsoft.com/office/drawing/2014/main" id="{03D97548-D59A-4040-9FA2-FB80E4B07034}"/>
+              </a:ext>
+            </a:extLst>
+          </p:cNvPr>
+          <p:cNvSpPr>
+            <a:spLocks noGrp="1"/>
+          </p:cNvSpPr>
+          <p:nvPr>
+            <p:ph type="dt" sz="half" idx="10"/>
+          </p:nvPr>
+        </p:nvSpPr>
+        <p:spPr/>
+        <p:txBody>
+          <a:bodyPr/>
+          <a:lstStyle/>
+          <a:p>
+            <a:fld id="{C977F0E1-D0AB-4222-BA87-70E524633AC4}" type="datetimeFigureOut">
+              <a:rPr lang="en-US" smtClean="0"/>
+              <a:t>7/3/2023</a:t>
+            </a:fld>
+            <a:endParaRPr lang="en-US"/>
+          </a:p>
+        </p:txBody>
+      </p:sp>
+      <p:sp>
+        <p:nvSpPr>
+          <p:cNvPr id="5" name="Footer Placeholder 4">
+            <a:extLst>
+              <a:ext uri="{FF2B5EF4-FFF2-40B4-BE49-F238E27FC236}">
+                <a16:creationId xmlns:a16="http://schemas.microsoft.com/office/drawing/2014/main" id="{5FCAA6F5-DBC5-4049-907D-52BFED6D65D8}"/>
+              </a:ext>
+            </a:extLst>
+          </p:cNvPr>
+          <p:cNvSpPr>
+            <a:spLocks noGrp="1"/>
+          </p:cNvSpPr>
+          <p:nvPr>
+            <p:ph type="ftr" sz="quarter" idx="11"/>
+          </p:nvPr>
+        </p:nvSpPr>
+        <p:spPr/>
+        <p:txBody>
+          <a:bodyPr/>
+          <a:lstStyle/>
+          <a:p>
+            <a:endParaRPr lang="en-US"/>
+          </a:p>
+        </p:txBody>
+      </p:sp>
+      <p:sp>
+        <p:nvSpPr>
+          <p:cNvPr id="6" name="Slide Number Placeholder 5">
+            <a:extLst>
+              <a:ext uri="{FF2B5EF4-FFF2-40B4-BE49-F238E27FC236}">
+                <a16:creationId xmlns:a16="http://schemas.microsoft.com/office/drawing/2014/main" id="{1D477203-9BF6-40FF-B3B8-CA94D75EEE93}"/>
+              </a:ext>
+            </a:extLst>
+          </p:cNvPr>
+          <p:cNvSpPr>
+            <a:spLocks noGrp="1"/>
+          </p:cNvSpPr>
+          <p:nvPr>
+            <p:ph type="sldNum" sz="quarter" idx="12"/>
+          </p:nvPr>
+        </p:nvSpPr>
+        <p:spPr/>
+        <p:txBody>
+          <a:bodyPr/>
+          <a:lstStyle/>
+          <a:p>
+            <a:fld id="{9F312D06-E3F1-4FD2-B4B5-21FA3235D88A}" type="slidenum">
+              <a:rPr lang="en-US" smtClean="0"/>
+              <a:t>‹#›</a:t>
+            </a:fld>
+            <a:endParaRPr lang="en-US"/>
+          </a:p>
+        </p:txBody>
+      </p:sp>
+    </p:spTree>
+    <p:extLst>
+      <p:ext uri="{BB962C8B-B14F-4D97-AF65-F5344CB8AC3E}">
+        <p14:creationId xmlns:p14="http://schemas.microsoft.com/office/powerpoint/2010/main" val="1953317032"/>
+      </p:ext>
+    </p:extLst>
+  </p:cSld>
+  <p:clrMapOvr>
+    <a:masterClrMapping/>
+  </p:clrMapOvr>
+</p:sldLayout>
+</file>
+
+<file path=ppt/slideLayouts/slideLayout28.xml><?xml version="1.0" encoding="utf-8"?>
+<p:sldLayout xmlns:a="http://schemas.openxmlformats.org/drawingml/2006/main" xmlns:r="http://schemas.openxmlformats.org/officeDocument/2006/relationships" xmlns:p="http://schemas.openxmlformats.org/presentationml/2006/main" type="twoObj" preserve="1">
+  <p:cSld name="Two Content">
+    <p:spTree>
+      <p:nvGrpSpPr>
+        <p:cNvPr id="1" name=""/>
+        <p:cNvGrpSpPr/>
+        <p:nvPr/>
+      </p:nvGrpSpPr>
+      <p:grpSpPr>
+        <a:xfrm>
+          <a:off x="0" y="0"/>
+          <a:ext cx="0" cy="0"/>
+          <a:chOff x="0" y="0"/>
+          <a:chExt cx="0" cy="0"/>
+        </a:xfrm>
+      </p:grpSpPr>
+      <p:sp>
+        <p:nvSpPr>
+          <p:cNvPr id="2" name="Title 1">
+            <a:extLst>
+              <a:ext uri="{FF2B5EF4-FFF2-40B4-BE49-F238E27FC236}">
+                <a16:creationId xmlns:a16="http://schemas.microsoft.com/office/drawing/2014/main" id="{EB4098E5-8481-406E-A116-13CA6413D7FE}"/>
+              </a:ext>
+            </a:extLst>
+          </p:cNvPr>
+          <p:cNvSpPr>
+            <a:spLocks noGrp="1"/>
+          </p:cNvSpPr>
+          <p:nvPr>
+            <p:ph type="title"/>
+          </p:nvPr>
+        </p:nvSpPr>
+        <p:spPr/>
+        <p:txBody>
+          <a:bodyPr/>
+          <a:lstStyle/>
+          <a:p>
+            <a:r>
+              <a:rPr lang="en-US"/>
+              <a:t>Click to edit Master title style</a:t>
+            </a:r>
+          </a:p>
+        </p:txBody>
+      </p:sp>
+      <p:sp>
+        <p:nvSpPr>
+          <p:cNvPr id="3" name="Content Placeholder 2">
+            <a:extLst>
+              <a:ext uri="{FF2B5EF4-FFF2-40B4-BE49-F238E27FC236}">
+                <a16:creationId xmlns:a16="http://schemas.microsoft.com/office/drawing/2014/main" id="{1DB33A4A-219E-49D4-9056-78A8DEE120F8}"/>
+              </a:ext>
+            </a:extLst>
+          </p:cNvPr>
+          <p:cNvSpPr>
+            <a:spLocks noGrp="1"/>
+          </p:cNvSpPr>
+          <p:nvPr>
+            <p:ph sz="half" idx="1"/>
+          </p:nvPr>
+        </p:nvSpPr>
+        <p:spPr>
+          <a:xfrm>
+            <a:off x="838200" y="1825625"/>
+            <a:ext cx="5181600" cy="4351338"/>
+          </a:xfrm>
+        </p:spPr>
+        <p:txBody>
+          <a:bodyPr/>
+          <a:lstStyle/>
+          <a:p>
+            <a:pPr lvl="0"/>
+            <a:r>
+              <a:rPr lang="en-US"/>
+              <a:t>Click to edit Master text styles</a:t>
+            </a:r>
+          </a:p>
+          <a:p>
+            <a:pPr lvl="1"/>
+            <a:r>
+              <a:rPr lang="en-US"/>
+              <a:t>Second level</a:t>
+            </a:r>
+          </a:p>
+          <a:p>
+            <a:pPr lvl="2"/>
+            <a:r>
+              <a:rPr lang="en-US"/>
+              <a:t>Third level</a:t>
+            </a:r>
+          </a:p>
+          <a:p>
+            <a:pPr lvl="3"/>
+            <a:r>
+              <a:rPr lang="en-US"/>
+              <a:t>Fourth level</a:t>
+            </a:r>
+          </a:p>
+          <a:p>
+            <a:pPr lvl="4"/>
+            <a:r>
+              <a:rPr lang="en-US"/>
+              <a:t>Fifth level</a:t>
+            </a:r>
+          </a:p>
+        </p:txBody>
+      </p:sp>
+      <p:sp>
+        <p:nvSpPr>
+          <p:cNvPr id="4" name="Content Placeholder 3">
+            <a:extLst>
+              <a:ext uri="{FF2B5EF4-FFF2-40B4-BE49-F238E27FC236}">
+                <a16:creationId xmlns:a16="http://schemas.microsoft.com/office/drawing/2014/main" id="{FFB8BF79-7F2F-4C6F-86EB-30FE972FF069}"/>
+              </a:ext>
+            </a:extLst>
+          </p:cNvPr>
+          <p:cNvSpPr>
+            <a:spLocks noGrp="1"/>
+          </p:cNvSpPr>
+          <p:nvPr>
+            <p:ph sz="half" idx="2"/>
+          </p:nvPr>
+        </p:nvSpPr>
+        <p:spPr>
+          <a:xfrm>
+            <a:off x="6172200" y="1825625"/>
+            <a:ext cx="5181600" cy="4351338"/>
+          </a:xfrm>
+        </p:spPr>
+        <p:txBody>
+          <a:bodyPr/>
+          <a:lstStyle/>
+          <a:p>
+            <a:pPr lvl="0"/>
+            <a:r>
+              <a:rPr lang="en-US"/>
+              <a:t>Click to edit Master text styles</a:t>
+            </a:r>
+          </a:p>
+          <a:p>
+            <a:pPr lvl="1"/>
+            <a:r>
+              <a:rPr lang="en-US"/>
+              <a:t>Second level</a:t>
+            </a:r>
+          </a:p>
+          <a:p>
+            <a:pPr lvl="2"/>
+            <a:r>
+              <a:rPr lang="en-US"/>
+              <a:t>Third level</a:t>
+            </a:r>
+          </a:p>
+          <a:p>
+            <a:pPr lvl="3"/>
+            <a:r>
+              <a:rPr lang="en-US"/>
+              <a:t>Fourth level</a:t>
+            </a:r>
+          </a:p>
+          <a:p>
+            <a:pPr lvl="4"/>
+            <a:r>
+              <a:rPr lang="en-US"/>
+              <a:t>Fifth level</a:t>
+            </a:r>
+          </a:p>
+        </p:txBody>
+      </p:sp>
+      <p:sp>
+        <p:nvSpPr>
+          <p:cNvPr id="5" name="Date Placeholder 4">
+            <a:extLst>
+              <a:ext uri="{FF2B5EF4-FFF2-40B4-BE49-F238E27FC236}">
+                <a16:creationId xmlns:a16="http://schemas.microsoft.com/office/drawing/2014/main" id="{EA41283F-A5CD-488B-B33C-8FDABB3E8013}"/>
+              </a:ext>
+            </a:extLst>
+          </p:cNvPr>
+          <p:cNvSpPr>
+            <a:spLocks noGrp="1"/>
+          </p:cNvSpPr>
+          <p:nvPr>
+            <p:ph type="dt" sz="half" idx="10"/>
+          </p:nvPr>
+        </p:nvSpPr>
+        <p:spPr/>
+        <p:txBody>
+          <a:bodyPr/>
+          <a:lstStyle/>
+          <a:p>
+            <a:fld id="{C977F0E1-D0AB-4222-BA87-70E524633AC4}" type="datetimeFigureOut">
+              <a:rPr lang="en-US" smtClean="0"/>
+              <a:t>7/3/2023</a:t>
+            </a:fld>
+            <a:endParaRPr lang="en-US"/>
+          </a:p>
+        </p:txBody>
+      </p:sp>
+      <p:sp>
+        <p:nvSpPr>
+          <p:cNvPr id="6" name="Footer Placeholder 5">
+            <a:extLst>
+              <a:ext uri="{FF2B5EF4-FFF2-40B4-BE49-F238E27FC236}">
+                <a16:creationId xmlns:a16="http://schemas.microsoft.com/office/drawing/2014/main" id="{DF778BBC-440A-49E6-A358-82DD19D958B2}"/>
+              </a:ext>
+            </a:extLst>
+          </p:cNvPr>
+          <p:cNvSpPr>
+            <a:spLocks noGrp="1"/>
+          </p:cNvSpPr>
+          <p:nvPr>
+            <p:ph type="ftr" sz="quarter" idx="11"/>
+          </p:nvPr>
+        </p:nvSpPr>
+        <p:spPr/>
+        <p:txBody>
+          <a:bodyPr/>
+          <a:lstStyle/>
+          <a:p>
+            <a:endParaRPr lang="en-US"/>
+          </a:p>
+        </p:txBody>
+      </p:sp>
+      <p:sp>
+        <p:nvSpPr>
+          <p:cNvPr id="7" name="Slide Number Placeholder 6">
+            <a:extLst>
+              <a:ext uri="{FF2B5EF4-FFF2-40B4-BE49-F238E27FC236}">
+                <a16:creationId xmlns:a16="http://schemas.microsoft.com/office/drawing/2014/main" id="{C25BFE3E-2203-4820-B2DE-6AEF64443E02}"/>
+              </a:ext>
+            </a:extLst>
+          </p:cNvPr>
+          <p:cNvSpPr>
+            <a:spLocks noGrp="1"/>
+          </p:cNvSpPr>
+          <p:nvPr>
+            <p:ph type="sldNum" sz="quarter" idx="12"/>
+          </p:nvPr>
+        </p:nvSpPr>
+        <p:spPr/>
+        <p:txBody>
+          <a:bodyPr/>
+          <a:lstStyle/>
+          <a:p>
+            <a:fld id="{9F312D06-E3F1-4FD2-B4B5-21FA3235D88A}" type="slidenum">
+              <a:rPr lang="en-US" smtClean="0"/>
+              <a:t>‹#›</a:t>
+            </a:fld>
+            <a:endParaRPr lang="en-US"/>
+          </a:p>
+        </p:txBody>
+      </p:sp>
+    </p:spTree>
+    <p:extLst>
+      <p:ext uri="{BB962C8B-B14F-4D97-AF65-F5344CB8AC3E}">
+        <p14:creationId xmlns:p14="http://schemas.microsoft.com/office/powerpoint/2010/main" val="3298305447"/>
+      </p:ext>
+    </p:extLst>
+  </p:cSld>
+  <p:clrMapOvr>
+    <a:masterClrMapping/>
+  </p:clrMapOvr>
+</p:sldLayout>
+</file>
+
+<file path=ppt/slideLayouts/slideLayout29.xml><?xml version="1.0" encoding="utf-8"?>
+<p:sldLayout xmlns:a="http://schemas.openxmlformats.org/drawingml/2006/main" xmlns:r="http://schemas.openxmlformats.org/officeDocument/2006/relationships" xmlns:p="http://schemas.openxmlformats.org/presentationml/2006/main" type="twoTxTwoObj" preserve="1">
+  <p:cSld name="Comparison">
+    <p:spTree>
+      <p:nvGrpSpPr>
+        <p:cNvPr id="1" name=""/>
+        <p:cNvGrpSpPr/>
+        <p:nvPr/>
+      </p:nvGrpSpPr>
+      <p:grpSpPr>
+        <a:xfrm>
+          <a:off x="0" y="0"/>
+          <a:ext cx="0" cy="0"/>
+          <a:chOff x="0" y="0"/>
+          <a:chExt cx="0" cy="0"/>
+        </a:xfrm>
+      </p:grpSpPr>
+      <p:sp>
+        <p:nvSpPr>
+          <p:cNvPr id="2" name="Title 1">
+            <a:extLst>
+              <a:ext uri="{FF2B5EF4-FFF2-40B4-BE49-F238E27FC236}">
+                <a16:creationId xmlns:a16="http://schemas.microsoft.com/office/drawing/2014/main" id="{2DCCE847-C4F8-40B1-885E-3E726D6F3287}"/>
+              </a:ext>
+            </a:extLst>
+          </p:cNvPr>
+          <p:cNvSpPr>
+            <a:spLocks noGrp="1"/>
+          </p:cNvSpPr>
+          <p:nvPr>
+            <p:ph type="title"/>
+          </p:nvPr>
+        </p:nvSpPr>
+        <p:spPr>
+          <a:xfrm>
+            <a:off x="839788" y="365125"/>
+            <a:ext cx="10515600" cy="1325563"/>
+          </a:xfrm>
+        </p:spPr>
+        <p:txBody>
+          <a:bodyPr/>
+          <a:lstStyle/>
+          <a:p>
+            <a:r>
+              <a:rPr lang="en-US"/>
+              <a:t>Click to edit Master title style</a:t>
+            </a:r>
+          </a:p>
+        </p:txBody>
+      </p:sp>
+      <p:sp>
+        <p:nvSpPr>
+          <p:cNvPr id="3" name="Text Placeholder 2">
+            <a:extLst>
+              <a:ext uri="{FF2B5EF4-FFF2-40B4-BE49-F238E27FC236}">
+                <a16:creationId xmlns:a16="http://schemas.microsoft.com/office/drawing/2014/main" id="{84C5BA11-C166-46F8-9893-BA64D3306523}"/>
+              </a:ext>
+            </a:extLst>
+          </p:cNvPr>
+          <p:cNvSpPr>
+            <a:spLocks noGrp="1"/>
+          </p:cNvSpPr>
+          <p:nvPr>
+            <p:ph type="body" idx="1"/>
+          </p:nvPr>
+        </p:nvSpPr>
+        <p:spPr>
+          <a:xfrm>
+            <a:off x="839788" y="1681163"/>
+            <a:ext cx="5157787" cy="823912"/>
+          </a:xfrm>
+        </p:spPr>
+        <p:txBody>
+          <a:bodyPr anchor="b"/>
+          <a:lstStyle>
+            <a:lvl1pPr marL="0" indent="0">
+              <a:buNone/>
+              <a:defRPr sz="2400" b="1"/>
+            </a:lvl1pPr>
+            <a:lvl2pPr marL="457200" indent="0">
+              <a:buNone/>
+              <a:defRPr sz="2000" b="1"/>
+            </a:lvl2pPr>
+            <a:lvl3pPr marL="914400" indent="0">
+              <a:buNone/>
+              <a:defRPr sz="1800" b="1"/>
+            </a:lvl3pPr>
+            <a:lvl4pPr marL="1371600" indent="0">
+              <a:buNone/>
+              <a:defRPr sz="1600" b="1"/>
+            </a:lvl4pPr>
+            <a:lvl5pPr marL="1828800" indent="0">
+              <a:buNone/>
+              <a:defRPr sz="1600" b="1"/>
+            </a:lvl5pPr>
+            <a:lvl6pPr marL="2286000" indent="0">
+              <a:buNone/>
+              <a:defRPr sz="1600" b="1"/>
+            </a:lvl6pPr>
+            <a:lvl7pPr marL="2743200" indent="0">
+              <a:buNone/>
+              <a:defRPr sz="1600" b="1"/>
+            </a:lvl7pPr>
+            <a:lvl8pPr marL="3200400" indent="0">
+              <a:buNone/>
+              <a:defRPr sz="1600" b="1"/>
+            </a:lvl8pPr>
+            <a:lvl9pPr marL="3657600" indent="0">
+              <a:buNone/>
+              <a:defRPr sz="1600" b="1"/>
+            </a:lvl9pPr>
+          </a:lstStyle>
+          <a:p>
+            <a:pPr lvl="0"/>
+            <a:r>
+              <a:rPr lang="en-US"/>
+              <a:t>Click to edit Master text styles</a:t>
+            </a:r>
+          </a:p>
+        </p:txBody>
+      </p:sp>
+      <p:sp>
+        <p:nvSpPr>
+          <p:cNvPr id="4" name="Content Placeholder 3">
+            <a:extLst>
+              <a:ext uri="{FF2B5EF4-FFF2-40B4-BE49-F238E27FC236}">
+                <a16:creationId xmlns:a16="http://schemas.microsoft.com/office/drawing/2014/main" id="{3C6EEA78-4136-4674-B0B1-BCC827C0DCD2}"/>
+              </a:ext>
+            </a:extLst>
+          </p:cNvPr>
+          <p:cNvSpPr>
+            <a:spLocks noGrp="1"/>
+          </p:cNvSpPr>
+          <p:nvPr>
+            <p:ph sz="half" idx="2"/>
+          </p:nvPr>
+        </p:nvSpPr>
+        <p:spPr>
+          <a:xfrm>
+            <a:off x="839788" y="2505075"/>
+            <a:ext cx="5157787" cy="3684588"/>
+          </a:xfrm>
+        </p:spPr>
+        <p:txBody>
+          <a:bodyPr/>
+          <a:lstStyle/>
+          <a:p>
+            <a:pPr lvl="0"/>
+            <a:r>
+              <a:rPr lang="en-US"/>
+              <a:t>Click to edit Master text styles</a:t>
+            </a:r>
+          </a:p>
+          <a:p>
+            <a:pPr lvl="1"/>
+            <a:r>
+              <a:rPr lang="en-US"/>
+              <a:t>Second level</a:t>
+            </a:r>
+          </a:p>
+          <a:p>
+            <a:pPr lvl="2"/>
+            <a:r>
+              <a:rPr lang="en-US"/>
+              <a:t>Third level</a:t>
+            </a:r>
+          </a:p>
+          <a:p>
+            <a:pPr lvl="3"/>
+            <a:r>
+              <a:rPr lang="en-US"/>
+              <a:t>Fourth level</a:t>
+            </a:r>
+          </a:p>
+          <a:p>
+            <a:pPr lvl="4"/>
+            <a:r>
+              <a:rPr lang="en-US"/>
+              <a:t>Fifth level</a:t>
+            </a:r>
+          </a:p>
+        </p:txBody>
+      </p:sp>
+      <p:sp>
+        <p:nvSpPr>
+          <p:cNvPr id="5" name="Text Placeholder 4">
+            <a:extLst>
+              <a:ext uri="{FF2B5EF4-FFF2-40B4-BE49-F238E27FC236}">
+                <a16:creationId xmlns:a16="http://schemas.microsoft.com/office/drawing/2014/main" id="{D33E882B-7EF7-47B3-AFC1-450AB7BDBE03}"/>
+              </a:ext>
+            </a:extLst>
+          </p:cNvPr>
+          <p:cNvSpPr>
+            <a:spLocks noGrp="1"/>
+          </p:cNvSpPr>
+          <p:nvPr>
+            <p:ph type="body" sz="quarter" idx="3"/>
+          </p:nvPr>
+        </p:nvSpPr>
+        <p:spPr>
+          <a:xfrm>
+            <a:off x="6172200" y="1681163"/>
+            <a:ext cx="5183188" cy="823912"/>
+          </a:xfrm>
+        </p:spPr>
+        <p:txBody>
+          <a:bodyPr anchor="b"/>
+          <a:lstStyle>
+            <a:lvl1pPr marL="0" indent="0">
+              <a:buNone/>
+              <a:defRPr sz="2400" b="1"/>
+            </a:lvl1pPr>
+            <a:lvl2pPr marL="457200" indent="0">
+              <a:buNone/>
+              <a:defRPr sz="2000" b="1"/>
+            </a:lvl2pPr>
+            <a:lvl3pPr marL="914400" indent="0">
+              <a:buNone/>
+              <a:defRPr sz="1800" b="1"/>
+            </a:lvl3pPr>
+            <a:lvl4pPr marL="1371600" indent="0">
+              <a:buNone/>
+              <a:defRPr sz="1600" b="1"/>
+            </a:lvl4pPr>
+            <a:lvl5pPr marL="1828800" indent="0">
+              <a:buNone/>
+              <a:defRPr sz="1600" b="1"/>
+            </a:lvl5pPr>
+            <a:lvl6pPr marL="2286000" indent="0">
+              <a:buNone/>
+              <a:defRPr sz="1600" b="1"/>
+            </a:lvl6pPr>
+            <a:lvl7pPr marL="2743200" indent="0">
+              <a:buNone/>
+              <a:defRPr sz="1600" b="1"/>
+            </a:lvl7pPr>
+            <a:lvl8pPr marL="3200400" indent="0">
+              <a:buNone/>
+              <a:defRPr sz="1600" b="1"/>
+            </a:lvl8pPr>
+            <a:lvl9pPr marL="3657600" indent="0">
+              <a:buNone/>
+              <a:defRPr sz="1600" b="1"/>
+            </a:lvl9pPr>
+          </a:lstStyle>
+          <a:p>
+            <a:pPr lvl="0"/>
+            <a:r>
+              <a:rPr lang="en-US"/>
+              <a:t>Click to edit Master text styles</a:t>
+            </a:r>
+          </a:p>
+        </p:txBody>
+      </p:sp>
+      <p:sp>
+        <p:nvSpPr>
+          <p:cNvPr id="6" name="Content Placeholder 5">
+            <a:extLst>
+              <a:ext uri="{FF2B5EF4-FFF2-40B4-BE49-F238E27FC236}">
+                <a16:creationId xmlns:a16="http://schemas.microsoft.com/office/drawing/2014/main" id="{B569EFCD-3DF3-4781-B7A2-82615CCD76DD}"/>
+              </a:ext>
+            </a:extLst>
+          </p:cNvPr>
+          <p:cNvSpPr>
+            <a:spLocks noGrp="1"/>
+          </p:cNvSpPr>
+          <p:nvPr>
+            <p:ph sz="quarter" idx="4"/>
+          </p:nvPr>
+        </p:nvSpPr>
+        <p:spPr>
+          <a:xfrm>
+            <a:off x="6172200" y="2505075"/>
+            <a:ext cx="5183188" cy="3684588"/>
+          </a:xfrm>
+        </p:spPr>
+        <p:txBody>
+          <a:bodyPr/>
+          <a:lstStyle/>
+          <a:p>
+            <a:pPr lvl="0"/>
+            <a:r>
+              <a:rPr lang="en-US"/>
+              <a:t>Click to edit Master text styles</a:t>
+            </a:r>
+          </a:p>
+          <a:p>
+            <a:pPr lvl="1"/>
+            <a:r>
+              <a:rPr lang="en-US"/>
+              <a:t>Second level</a:t>
+            </a:r>
+          </a:p>
+          <a:p>
+            <a:pPr lvl="2"/>
+            <a:r>
+              <a:rPr lang="en-US"/>
+              <a:t>Third level</a:t>
+            </a:r>
+          </a:p>
+          <a:p>
+            <a:pPr lvl="3"/>
+            <a:r>
+              <a:rPr lang="en-US"/>
+              <a:t>Fourth level</a:t>
+            </a:r>
+          </a:p>
+          <a:p>
+            <a:pPr lvl="4"/>
+            <a:r>
+              <a:rPr lang="en-US"/>
+              <a:t>Fifth level</a:t>
+            </a:r>
+          </a:p>
+        </p:txBody>
+      </p:sp>
+      <p:sp>
+        <p:nvSpPr>
+          <p:cNvPr id="7" name="Date Placeholder 6">
+            <a:extLst>
+              <a:ext uri="{FF2B5EF4-FFF2-40B4-BE49-F238E27FC236}">
+                <a16:creationId xmlns:a16="http://schemas.microsoft.com/office/drawing/2014/main" id="{9338BA70-EC9F-4530-A328-559CF5EC1C2A}"/>
+              </a:ext>
+            </a:extLst>
+          </p:cNvPr>
+          <p:cNvSpPr>
+            <a:spLocks noGrp="1"/>
+          </p:cNvSpPr>
+          <p:nvPr>
+            <p:ph type="dt" sz="half" idx="10"/>
+          </p:nvPr>
+        </p:nvSpPr>
+        <p:spPr/>
+        <p:txBody>
+          <a:bodyPr/>
+          <a:lstStyle/>
+          <a:p>
+            <a:fld id="{C977F0E1-D0AB-4222-BA87-70E524633AC4}" type="datetimeFigureOut">
+              <a:rPr lang="en-US" smtClean="0"/>
+              <a:t>7/3/2023</a:t>
+            </a:fld>
+            <a:endParaRPr lang="en-US"/>
+          </a:p>
+        </p:txBody>
+      </p:sp>
+      <p:sp>
+        <p:nvSpPr>
+          <p:cNvPr id="8" name="Footer Placeholder 7">
+            <a:extLst>
+              <a:ext uri="{FF2B5EF4-FFF2-40B4-BE49-F238E27FC236}">
+                <a16:creationId xmlns:a16="http://schemas.microsoft.com/office/drawing/2014/main" id="{ABDBE363-F4E8-4CAF-929D-FCDC1E5DEE0D}"/>
+              </a:ext>
+            </a:extLst>
+          </p:cNvPr>
+          <p:cNvSpPr>
+            <a:spLocks noGrp="1"/>
+          </p:cNvSpPr>
+          <p:nvPr>
+            <p:ph type="ftr" sz="quarter" idx="11"/>
+          </p:nvPr>
+        </p:nvSpPr>
+        <p:spPr/>
+        <p:txBody>
+          <a:bodyPr/>
+          <a:lstStyle/>
+          <a:p>
+            <a:endParaRPr lang="en-US"/>
+          </a:p>
+        </p:txBody>
+      </p:sp>
+      <p:sp>
+        <p:nvSpPr>
+          <p:cNvPr id="9" name="Slide Number Placeholder 8">
+            <a:extLst>
+              <a:ext uri="{FF2B5EF4-FFF2-40B4-BE49-F238E27FC236}">
+                <a16:creationId xmlns:a16="http://schemas.microsoft.com/office/drawing/2014/main" id="{10F96E98-B9AD-4A14-A079-EE36BE23FB44}"/>
+              </a:ext>
+            </a:extLst>
+          </p:cNvPr>
+          <p:cNvSpPr>
+            <a:spLocks noGrp="1"/>
+          </p:cNvSpPr>
+          <p:nvPr>
+            <p:ph type="sldNum" sz="quarter" idx="12"/>
+          </p:nvPr>
+        </p:nvSpPr>
+        <p:spPr/>
+        <p:txBody>
+          <a:bodyPr/>
+          <a:lstStyle/>
+          <a:p>
+            <a:fld id="{9F312D06-E3F1-4FD2-B4B5-21FA3235D88A}" type="slidenum">
+              <a:rPr lang="en-US" smtClean="0"/>
+              <a:t>‹#›</a:t>
+            </a:fld>
+            <a:endParaRPr lang="en-US"/>
+          </a:p>
+        </p:txBody>
+      </p:sp>
+    </p:spTree>
+    <p:extLst>
+      <p:ext uri="{BB962C8B-B14F-4D97-AF65-F5344CB8AC3E}">
+        <p14:creationId xmlns:p14="http://schemas.microsoft.com/office/powerpoint/2010/main" val="2873452017"/>
+      </p:ext>
+    </p:extLst>
+  </p:cSld>
+  <p:clrMapOvr>
+    <a:masterClrMapping/>
+  </p:clrMapOvr>
+</p:sldLayout>
+</file>
+
 <file path=ppt/slideLayouts/slideLayout3.xml><?xml version="1.0" encoding="utf-8"?>
 <p:sldLayout xmlns:a="http://schemas.openxmlformats.org/drawingml/2006/main" xmlns:r="http://schemas.openxmlformats.org/officeDocument/2006/relationships" xmlns:p="http://schemas.openxmlformats.org/presentationml/2006/main" type="obj" preserve="1">
   <p:cSld name="Title, Content">
@@ -4101,6 +5471,1265 @@
         </p:txBody>
       </p:sp>
     </p:spTree>
+  </p:cSld>
+  <p:clrMapOvr>
+    <a:masterClrMapping/>
+  </p:clrMapOvr>
+</p:sldLayout>
+</file>
+
+<file path=ppt/slideLayouts/slideLayout30.xml><?xml version="1.0" encoding="utf-8"?>
+<p:sldLayout xmlns:a="http://schemas.openxmlformats.org/drawingml/2006/main" xmlns:r="http://schemas.openxmlformats.org/officeDocument/2006/relationships" xmlns:p="http://schemas.openxmlformats.org/presentationml/2006/main" type="titleOnly" preserve="1">
+  <p:cSld name="Title Only">
+    <p:spTree>
+      <p:nvGrpSpPr>
+        <p:cNvPr id="1" name=""/>
+        <p:cNvGrpSpPr/>
+        <p:nvPr/>
+      </p:nvGrpSpPr>
+      <p:grpSpPr>
+        <a:xfrm>
+          <a:off x="0" y="0"/>
+          <a:ext cx="0" cy="0"/>
+          <a:chOff x="0" y="0"/>
+          <a:chExt cx="0" cy="0"/>
+        </a:xfrm>
+      </p:grpSpPr>
+      <p:sp>
+        <p:nvSpPr>
+          <p:cNvPr id="2" name="Title 1">
+            <a:extLst>
+              <a:ext uri="{FF2B5EF4-FFF2-40B4-BE49-F238E27FC236}">
+                <a16:creationId xmlns:a16="http://schemas.microsoft.com/office/drawing/2014/main" id="{0DD9306A-4DD7-458C-8540-E2218B7D7572}"/>
+              </a:ext>
+            </a:extLst>
+          </p:cNvPr>
+          <p:cNvSpPr>
+            <a:spLocks noGrp="1"/>
+          </p:cNvSpPr>
+          <p:nvPr>
+            <p:ph type="title"/>
+          </p:nvPr>
+        </p:nvSpPr>
+        <p:spPr/>
+        <p:txBody>
+          <a:bodyPr/>
+          <a:lstStyle/>
+          <a:p>
+            <a:r>
+              <a:rPr lang="en-US"/>
+              <a:t>Click to edit Master title style</a:t>
+            </a:r>
+          </a:p>
+        </p:txBody>
+      </p:sp>
+      <p:sp>
+        <p:nvSpPr>
+          <p:cNvPr id="3" name="Date Placeholder 2">
+            <a:extLst>
+              <a:ext uri="{FF2B5EF4-FFF2-40B4-BE49-F238E27FC236}">
+                <a16:creationId xmlns:a16="http://schemas.microsoft.com/office/drawing/2014/main" id="{C0EAE2AA-80B2-44DC-B624-4EDB11B8053B}"/>
+              </a:ext>
+            </a:extLst>
+          </p:cNvPr>
+          <p:cNvSpPr>
+            <a:spLocks noGrp="1"/>
+          </p:cNvSpPr>
+          <p:nvPr>
+            <p:ph type="dt" sz="half" idx="10"/>
+          </p:nvPr>
+        </p:nvSpPr>
+        <p:spPr/>
+        <p:txBody>
+          <a:bodyPr/>
+          <a:lstStyle/>
+          <a:p>
+            <a:fld id="{C977F0E1-D0AB-4222-BA87-70E524633AC4}" type="datetimeFigureOut">
+              <a:rPr lang="en-US" smtClean="0"/>
+              <a:t>7/3/2023</a:t>
+            </a:fld>
+            <a:endParaRPr lang="en-US"/>
+          </a:p>
+        </p:txBody>
+      </p:sp>
+      <p:sp>
+        <p:nvSpPr>
+          <p:cNvPr id="4" name="Footer Placeholder 3">
+            <a:extLst>
+              <a:ext uri="{FF2B5EF4-FFF2-40B4-BE49-F238E27FC236}">
+                <a16:creationId xmlns:a16="http://schemas.microsoft.com/office/drawing/2014/main" id="{FA6BDED7-6F69-4C67-BB60-0F3D2C0ED5AC}"/>
+              </a:ext>
+            </a:extLst>
+          </p:cNvPr>
+          <p:cNvSpPr>
+            <a:spLocks noGrp="1"/>
+          </p:cNvSpPr>
+          <p:nvPr>
+            <p:ph type="ftr" sz="quarter" idx="11"/>
+          </p:nvPr>
+        </p:nvSpPr>
+        <p:spPr/>
+        <p:txBody>
+          <a:bodyPr/>
+          <a:lstStyle/>
+          <a:p>
+            <a:endParaRPr lang="en-US"/>
+          </a:p>
+        </p:txBody>
+      </p:sp>
+      <p:sp>
+        <p:nvSpPr>
+          <p:cNvPr id="5" name="Slide Number Placeholder 4">
+            <a:extLst>
+              <a:ext uri="{FF2B5EF4-FFF2-40B4-BE49-F238E27FC236}">
+                <a16:creationId xmlns:a16="http://schemas.microsoft.com/office/drawing/2014/main" id="{F055C6C8-E943-4B5D-9A20-71B4C9A82055}"/>
+              </a:ext>
+            </a:extLst>
+          </p:cNvPr>
+          <p:cNvSpPr>
+            <a:spLocks noGrp="1"/>
+          </p:cNvSpPr>
+          <p:nvPr>
+            <p:ph type="sldNum" sz="quarter" idx="12"/>
+          </p:nvPr>
+        </p:nvSpPr>
+        <p:spPr/>
+        <p:txBody>
+          <a:bodyPr/>
+          <a:lstStyle/>
+          <a:p>
+            <a:fld id="{9F312D06-E3F1-4FD2-B4B5-21FA3235D88A}" type="slidenum">
+              <a:rPr lang="en-US" smtClean="0"/>
+              <a:t>‹#›</a:t>
+            </a:fld>
+            <a:endParaRPr lang="en-US"/>
+          </a:p>
+        </p:txBody>
+      </p:sp>
+    </p:spTree>
+    <p:extLst>
+      <p:ext uri="{BB962C8B-B14F-4D97-AF65-F5344CB8AC3E}">
+        <p14:creationId xmlns:p14="http://schemas.microsoft.com/office/powerpoint/2010/main" val="472701850"/>
+      </p:ext>
+    </p:extLst>
+  </p:cSld>
+  <p:clrMapOvr>
+    <a:masterClrMapping/>
+  </p:clrMapOvr>
+</p:sldLayout>
+</file>
+
+<file path=ppt/slideLayouts/slideLayout31.xml><?xml version="1.0" encoding="utf-8"?>
+<p:sldLayout xmlns:a="http://schemas.openxmlformats.org/drawingml/2006/main" xmlns:r="http://schemas.openxmlformats.org/officeDocument/2006/relationships" xmlns:p="http://schemas.openxmlformats.org/presentationml/2006/main" type="blank" preserve="1">
+  <p:cSld name="Blank">
+    <p:spTree>
+      <p:nvGrpSpPr>
+        <p:cNvPr id="1" name=""/>
+        <p:cNvGrpSpPr/>
+        <p:nvPr/>
+      </p:nvGrpSpPr>
+      <p:grpSpPr>
+        <a:xfrm>
+          <a:off x="0" y="0"/>
+          <a:ext cx="0" cy="0"/>
+          <a:chOff x="0" y="0"/>
+          <a:chExt cx="0" cy="0"/>
+        </a:xfrm>
+      </p:grpSpPr>
+      <p:sp>
+        <p:nvSpPr>
+          <p:cNvPr id="2" name="Date Placeholder 1">
+            <a:extLst>
+              <a:ext uri="{FF2B5EF4-FFF2-40B4-BE49-F238E27FC236}">
+                <a16:creationId xmlns:a16="http://schemas.microsoft.com/office/drawing/2014/main" id="{C8F57175-E6A9-482B-8E1B-0BA68BD72A3A}"/>
+              </a:ext>
+            </a:extLst>
+          </p:cNvPr>
+          <p:cNvSpPr>
+            <a:spLocks noGrp="1"/>
+          </p:cNvSpPr>
+          <p:nvPr>
+            <p:ph type="dt" sz="half" idx="10"/>
+          </p:nvPr>
+        </p:nvSpPr>
+        <p:spPr/>
+        <p:txBody>
+          <a:bodyPr/>
+          <a:lstStyle/>
+          <a:p>
+            <a:fld id="{C977F0E1-D0AB-4222-BA87-70E524633AC4}" type="datetimeFigureOut">
+              <a:rPr lang="en-US" smtClean="0"/>
+              <a:t>7/3/2023</a:t>
+            </a:fld>
+            <a:endParaRPr lang="en-US"/>
+          </a:p>
+        </p:txBody>
+      </p:sp>
+      <p:sp>
+        <p:nvSpPr>
+          <p:cNvPr id="3" name="Footer Placeholder 2">
+            <a:extLst>
+              <a:ext uri="{FF2B5EF4-FFF2-40B4-BE49-F238E27FC236}">
+                <a16:creationId xmlns:a16="http://schemas.microsoft.com/office/drawing/2014/main" id="{BF265CFD-8DA3-44E0-AFA6-D11B1C0195BE}"/>
+              </a:ext>
+            </a:extLst>
+          </p:cNvPr>
+          <p:cNvSpPr>
+            <a:spLocks noGrp="1"/>
+          </p:cNvSpPr>
+          <p:nvPr>
+            <p:ph type="ftr" sz="quarter" idx="11"/>
+          </p:nvPr>
+        </p:nvSpPr>
+        <p:spPr/>
+        <p:txBody>
+          <a:bodyPr/>
+          <a:lstStyle/>
+          <a:p>
+            <a:endParaRPr lang="en-US"/>
+          </a:p>
+        </p:txBody>
+      </p:sp>
+      <p:sp>
+        <p:nvSpPr>
+          <p:cNvPr id="4" name="Slide Number Placeholder 3">
+            <a:extLst>
+              <a:ext uri="{FF2B5EF4-FFF2-40B4-BE49-F238E27FC236}">
+                <a16:creationId xmlns:a16="http://schemas.microsoft.com/office/drawing/2014/main" id="{39177BD2-15EC-48B5-BD43-99565FC689B8}"/>
+              </a:ext>
+            </a:extLst>
+          </p:cNvPr>
+          <p:cNvSpPr>
+            <a:spLocks noGrp="1"/>
+          </p:cNvSpPr>
+          <p:nvPr>
+            <p:ph type="sldNum" sz="quarter" idx="12"/>
+          </p:nvPr>
+        </p:nvSpPr>
+        <p:spPr/>
+        <p:txBody>
+          <a:bodyPr/>
+          <a:lstStyle/>
+          <a:p>
+            <a:fld id="{9F312D06-E3F1-4FD2-B4B5-21FA3235D88A}" type="slidenum">
+              <a:rPr lang="en-US" smtClean="0"/>
+              <a:t>‹#›</a:t>
+            </a:fld>
+            <a:endParaRPr lang="en-US"/>
+          </a:p>
+        </p:txBody>
+      </p:sp>
+    </p:spTree>
+    <p:extLst>
+      <p:ext uri="{BB962C8B-B14F-4D97-AF65-F5344CB8AC3E}">
+        <p14:creationId xmlns:p14="http://schemas.microsoft.com/office/powerpoint/2010/main" val="164891832"/>
+      </p:ext>
+    </p:extLst>
+  </p:cSld>
+  <p:clrMapOvr>
+    <a:masterClrMapping/>
+  </p:clrMapOvr>
+</p:sldLayout>
+</file>
+
+<file path=ppt/slideLayouts/slideLayout32.xml><?xml version="1.0" encoding="utf-8"?>
+<p:sldLayout xmlns:a="http://schemas.openxmlformats.org/drawingml/2006/main" xmlns:r="http://schemas.openxmlformats.org/officeDocument/2006/relationships" xmlns:p="http://schemas.openxmlformats.org/presentationml/2006/main" type="objTx" preserve="1">
+  <p:cSld name="Content with Caption">
+    <p:spTree>
+      <p:nvGrpSpPr>
+        <p:cNvPr id="1" name=""/>
+        <p:cNvGrpSpPr/>
+        <p:nvPr/>
+      </p:nvGrpSpPr>
+      <p:grpSpPr>
+        <a:xfrm>
+          <a:off x="0" y="0"/>
+          <a:ext cx="0" cy="0"/>
+          <a:chOff x="0" y="0"/>
+          <a:chExt cx="0" cy="0"/>
+        </a:xfrm>
+      </p:grpSpPr>
+      <p:sp>
+        <p:nvSpPr>
+          <p:cNvPr id="2" name="Title 1">
+            <a:extLst>
+              <a:ext uri="{FF2B5EF4-FFF2-40B4-BE49-F238E27FC236}">
+                <a16:creationId xmlns:a16="http://schemas.microsoft.com/office/drawing/2014/main" id="{B9B5EADF-3F5E-424A-99C6-80CA7FE2FAE9}"/>
+              </a:ext>
+            </a:extLst>
+          </p:cNvPr>
+          <p:cNvSpPr>
+            <a:spLocks noGrp="1"/>
+          </p:cNvSpPr>
+          <p:nvPr>
+            <p:ph type="title"/>
+          </p:nvPr>
+        </p:nvSpPr>
+        <p:spPr>
+          <a:xfrm>
+            <a:off x="839788" y="457200"/>
+            <a:ext cx="3932237" cy="1600200"/>
+          </a:xfrm>
+        </p:spPr>
+        <p:txBody>
+          <a:bodyPr anchor="b"/>
+          <a:lstStyle>
+            <a:lvl1pPr>
+              <a:defRPr sz="3200"/>
+            </a:lvl1pPr>
+          </a:lstStyle>
+          <a:p>
+            <a:r>
+              <a:rPr lang="en-US"/>
+              <a:t>Click to edit Master title style</a:t>
+            </a:r>
+          </a:p>
+        </p:txBody>
+      </p:sp>
+      <p:sp>
+        <p:nvSpPr>
+          <p:cNvPr id="3" name="Content Placeholder 2">
+            <a:extLst>
+              <a:ext uri="{FF2B5EF4-FFF2-40B4-BE49-F238E27FC236}">
+                <a16:creationId xmlns:a16="http://schemas.microsoft.com/office/drawing/2014/main" id="{5827B91E-5142-4E06-A375-CDD753B4EB30}"/>
+              </a:ext>
+            </a:extLst>
+          </p:cNvPr>
+          <p:cNvSpPr>
+            <a:spLocks noGrp="1"/>
+          </p:cNvSpPr>
+          <p:nvPr>
+            <p:ph idx="1"/>
+          </p:nvPr>
+        </p:nvSpPr>
+        <p:spPr>
+          <a:xfrm>
+            <a:off x="5183188" y="987425"/>
+            <a:ext cx="6172200" cy="4873625"/>
+          </a:xfrm>
+        </p:spPr>
+        <p:txBody>
+          <a:bodyPr/>
+          <a:lstStyle>
+            <a:lvl1pPr>
+              <a:defRPr sz="3200"/>
+            </a:lvl1pPr>
+            <a:lvl2pPr>
+              <a:defRPr sz="2800"/>
+            </a:lvl2pPr>
+            <a:lvl3pPr>
+              <a:defRPr sz="2400"/>
+            </a:lvl3pPr>
+            <a:lvl4pPr>
+              <a:defRPr sz="2000"/>
+            </a:lvl4pPr>
+            <a:lvl5pPr>
+              <a:defRPr sz="2000"/>
+            </a:lvl5pPr>
+            <a:lvl6pPr>
+              <a:defRPr sz="2000"/>
+            </a:lvl6pPr>
+            <a:lvl7pPr>
+              <a:defRPr sz="2000"/>
+            </a:lvl7pPr>
+            <a:lvl8pPr>
+              <a:defRPr sz="2000"/>
+            </a:lvl8pPr>
+            <a:lvl9pPr>
+              <a:defRPr sz="2000"/>
+            </a:lvl9pPr>
+          </a:lstStyle>
+          <a:p>
+            <a:pPr lvl="0"/>
+            <a:r>
+              <a:rPr lang="en-US"/>
+              <a:t>Click to edit Master text styles</a:t>
+            </a:r>
+          </a:p>
+          <a:p>
+            <a:pPr lvl="1"/>
+            <a:r>
+              <a:rPr lang="en-US"/>
+              <a:t>Second level</a:t>
+            </a:r>
+          </a:p>
+          <a:p>
+            <a:pPr lvl="2"/>
+            <a:r>
+              <a:rPr lang="en-US"/>
+              <a:t>Third level</a:t>
+            </a:r>
+          </a:p>
+          <a:p>
+            <a:pPr lvl="3"/>
+            <a:r>
+              <a:rPr lang="en-US"/>
+              <a:t>Fourth level</a:t>
+            </a:r>
+          </a:p>
+          <a:p>
+            <a:pPr lvl="4"/>
+            <a:r>
+              <a:rPr lang="en-US"/>
+              <a:t>Fifth level</a:t>
+            </a:r>
+          </a:p>
+        </p:txBody>
+      </p:sp>
+      <p:sp>
+        <p:nvSpPr>
+          <p:cNvPr id="4" name="Text Placeholder 3">
+            <a:extLst>
+              <a:ext uri="{FF2B5EF4-FFF2-40B4-BE49-F238E27FC236}">
+                <a16:creationId xmlns:a16="http://schemas.microsoft.com/office/drawing/2014/main" id="{DCA6A898-2DB6-40CC-BC0D-277BFEA66C59}"/>
+              </a:ext>
+            </a:extLst>
+          </p:cNvPr>
+          <p:cNvSpPr>
+            <a:spLocks noGrp="1"/>
+          </p:cNvSpPr>
+          <p:nvPr>
+            <p:ph type="body" sz="half" idx="2"/>
+          </p:nvPr>
+        </p:nvSpPr>
+        <p:spPr>
+          <a:xfrm>
+            <a:off x="839788" y="2057400"/>
+            <a:ext cx="3932237" cy="3811588"/>
+          </a:xfrm>
+        </p:spPr>
+        <p:txBody>
+          <a:bodyPr/>
+          <a:lstStyle>
+            <a:lvl1pPr marL="0" indent="0">
+              <a:buNone/>
+              <a:defRPr sz="1600"/>
+            </a:lvl1pPr>
+            <a:lvl2pPr marL="457200" indent="0">
+              <a:buNone/>
+              <a:defRPr sz="1400"/>
+            </a:lvl2pPr>
+            <a:lvl3pPr marL="914400" indent="0">
+              <a:buNone/>
+              <a:defRPr sz="1200"/>
+            </a:lvl3pPr>
+            <a:lvl4pPr marL="1371600" indent="0">
+              <a:buNone/>
+              <a:defRPr sz="1000"/>
+            </a:lvl4pPr>
+            <a:lvl5pPr marL="1828800" indent="0">
+              <a:buNone/>
+              <a:defRPr sz="1000"/>
+            </a:lvl5pPr>
+            <a:lvl6pPr marL="2286000" indent="0">
+              <a:buNone/>
+              <a:defRPr sz="1000"/>
+            </a:lvl6pPr>
+            <a:lvl7pPr marL="2743200" indent="0">
+              <a:buNone/>
+              <a:defRPr sz="1000"/>
+            </a:lvl7pPr>
+            <a:lvl8pPr marL="3200400" indent="0">
+              <a:buNone/>
+              <a:defRPr sz="1000"/>
+            </a:lvl8pPr>
+            <a:lvl9pPr marL="3657600" indent="0">
+              <a:buNone/>
+              <a:defRPr sz="1000"/>
+            </a:lvl9pPr>
+          </a:lstStyle>
+          <a:p>
+            <a:pPr lvl="0"/>
+            <a:r>
+              <a:rPr lang="en-US"/>
+              <a:t>Click to edit Master text styles</a:t>
+            </a:r>
+          </a:p>
+        </p:txBody>
+      </p:sp>
+      <p:sp>
+        <p:nvSpPr>
+          <p:cNvPr id="5" name="Date Placeholder 4">
+            <a:extLst>
+              <a:ext uri="{FF2B5EF4-FFF2-40B4-BE49-F238E27FC236}">
+                <a16:creationId xmlns:a16="http://schemas.microsoft.com/office/drawing/2014/main" id="{375E243A-3130-45C4-BDF0-8CB9E85C3F58}"/>
+              </a:ext>
+            </a:extLst>
+          </p:cNvPr>
+          <p:cNvSpPr>
+            <a:spLocks noGrp="1"/>
+          </p:cNvSpPr>
+          <p:nvPr>
+            <p:ph type="dt" sz="half" idx="10"/>
+          </p:nvPr>
+        </p:nvSpPr>
+        <p:spPr/>
+        <p:txBody>
+          <a:bodyPr/>
+          <a:lstStyle/>
+          <a:p>
+            <a:fld id="{C977F0E1-D0AB-4222-BA87-70E524633AC4}" type="datetimeFigureOut">
+              <a:rPr lang="en-US" smtClean="0"/>
+              <a:t>7/3/2023</a:t>
+            </a:fld>
+            <a:endParaRPr lang="en-US"/>
+          </a:p>
+        </p:txBody>
+      </p:sp>
+      <p:sp>
+        <p:nvSpPr>
+          <p:cNvPr id="6" name="Footer Placeholder 5">
+            <a:extLst>
+              <a:ext uri="{FF2B5EF4-FFF2-40B4-BE49-F238E27FC236}">
+                <a16:creationId xmlns:a16="http://schemas.microsoft.com/office/drawing/2014/main" id="{62E71C74-A83E-4294-8ECD-00ABE246BB2B}"/>
+              </a:ext>
+            </a:extLst>
+          </p:cNvPr>
+          <p:cNvSpPr>
+            <a:spLocks noGrp="1"/>
+          </p:cNvSpPr>
+          <p:nvPr>
+            <p:ph type="ftr" sz="quarter" idx="11"/>
+          </p:nvPr>
+        </p:nvSpPr>
+        <p:spPr/>
+        <p:txBody>
+          <a:bodyPr/>
+          <a:lstStyle/>
+          <a:p>
+            <a:endParaRPr lang="en-US"/>
+          </a:p>
+        </p:txBody>
+      </p:sp>
+      <p:sp>
+        <p:nvSpPr>
+          <p:cNvPr id="7" name="Slide Number Placeholder 6">
+            <a:extLst>
+              <a:ext uri="{FF2B5EF4-FFF2-40B4-BE49-F238E27FC236}">
+                <a16:creationId xmlns:a16="http://schemas.microsoft.com/office/drawing/2014/main" id="{9DF21C56-D2BC-4171-938E-AE4B7E6E4CD6}"/>
+              </a:ext>
+            </a:extLst>
+          </p:cNvPr>
+          <p:cNvSpPr>
+            <a:spLocks noGrp="1"/>
+          </p:cNvSpPr>
+          <p:nvPr>
+            <p:ph type="sldNum" sz="quarter" idx="12"/>
+          </p:nvPr>
+        </p:nvSpPr>
+        <p:spPr/>
+        <p:txBody>
+          <a:bodyPr/>
+          <a:lstStyle/>
+          <a:p>
+            <a:fld id="{9F312D06-E3F1-4FD2-B4B5-21FA3235D88A}" type="slidenum">
+              <a:rPr lang="en-US" smtClean="0"/>
+              <a:t>‹#›</a:t>
+            </a:fld>
+            <a:endParaRPr lang="en-US"/>
+          </a:p>
+        </p:txBody>
+      </p:sp>
+    </p:spTree>
+    <p:extLst>
+      <p:ext uri="{BB962C8B-B14F-4D97-AF65-F5344CB8AC3E}">
+        <p14:creationId xmlns:p14="http://schemas.microsoft.com/office/powerpoint/2010/main" val="3245048761"/>
+      </p:ext>
+    </p:extLst>
+  </p:cSld>
+  <p:clrMapOvr>
+    <a:masterClrMapping/>
+  </p:clrMapOvr>
+</p:sldLayout>
+</file>
+
+<file path=ppt/slideLayouts/slideLayout33.xml><?xml version="1.0" encoding="utf-8"?>
+<p:sldLayout xmlns:a="http://schemas.openxmlformats.org/drawingml/2006/main" xmlns:r="http://schemas.openxmlformats.org/officeDocument/2006/relationships" xmlns:p="http://schemas.openxmlformats.org/presentationml/2006/main" type="picTx" preserve="1">
+  <p:cSld name="Picture with Caption">
+    <p:spTree>
+      <p:nvGrpSpPr>
+        <p:cNvPr id="1" name=""/>
+        <p:cNvGrpSpPr/>
+        <p:nvPr/>
+      </p:nvGrpSpPr>
+      <p:grpSpPr>
+        <a:xfrm>
+          <a:off x="0" y="0"/>
+          <a:ext cx="0" cy="0"/>
+          <a:chOff x="0" y="0"/>
+          <a:chExt cx="0" cy="0"/>
+        </a:xfrm>
+      </p:grpSpPr>
+      <p:sp>
+        <p:nvSpPr>
+          <p:cNvPr id="2" name="Title 1">
+            <a:extLst>
+              <a:ext uri="{FF2B5EF4-FFF2-40B4-BE49-F238E27FC236}">
+                <a16:creationId xmlns:a16="http://schemas.microsoft.com/office/drawing/2014/main" id="{CF0AF6B4-36C2-426E-93D1-9D9D19555669}"/>
+              </a:ext>
+            </a:extLst>
+          </p:cNvPr>
+          <p:cNvSpPr>
+            <a:spLocks noGrp="1"/>
+          </p:cNvSpPr>
+          <p:nvPr>
+            <p:ph type="title"/>
+          </p:nvPr>
+        </p:nvSpPr>
+        <p:spPr>
+          <a:xfrm>
+            <a:off x="839788" y="457200"/>
+            <a:ext cx="3932237" cy="1600200"/>
+          </a:xfrm>
+        </p:spPr>
+        <p:txBody>
+          <a:bodyPr anchor="b"/>
+          <a:lstStyle>
+            <a:lvl1pPr>
+              <a:defRPr sz="3200"/>
+            </a:lvl1pPr>
+          </a:lstStyle>
+          <a:p>
+            <a:r>
+              <a:rPr lang="en-US"/>
+              <a:t>Click to edit Master title style</a:t>
+            </a:r>
+          </a:p>
+        </p:txBody>
+      </p:sp>
+      <p:sp>
+        <p:nvSpPr>
+          <p:cNvPr id="3" name="Picture Placeholder 2">
+            <a:extLst>
+              <a:ext uri="{FF2B5EF4-FFF2-40B4-BE49-F238E27FC236}">
+                <a16:creationId xmlns:a16="http://schemas.microsoft.com/office/drawing/2014/main" id="{D51E74B4-D55D-4FE3-B1D4-06A653A11706}"/>
+              </a:ext>
+            </a:extLst>
+          </p:cNvPr>
+          <p:cNvSpPr>
+            <a:spLocks noGrp="1"/>
+          </p:cNvSpPr>
+          <p:nvPr>
+            <p:ph type="pic" idx="1"/>
+          </p:nvPr>
+        </p:nvSpPr>
+        <p:spPr>
+          <a:xfrm>
+            <a:off x="5183188" y="987425"/>
+            <a:ext cx="6172200" cy="4873625"/>
+          </a:xfrm>
+        </p:spPr>
+        <p:txBody>
+          <a:bodyPr/>
+          <a:lstStyle>
+            <a:lvl1pPr marL="0" indent="0">
+              <a:buNone/>
+              <a:defRPr sz="3200"/>
+            </a:lvl1pPr>
+            <a:lvl2pPr marL="457200" indent="0">
+              <a:buNone/>
+              <a:defRPr sz="2800"/>
+            </a:lvl2pPr>
+            <a:lvl3pPr marL="914400" indent="0">
+              <a:buNone/>
+              <a:defRPr sz="2400"/>
+            </a:lvl3pPr>
+            <a:lvl4pPr marL="1371600" indent="0">
+              <a:buNone/>
+              <a:defRPr sz="2000"/>
+            </a:lvl4pPr>
+            <a:lvl5pPr marL="1828800" indent="0">
+              <a:buNone/>
+              <a:defRPr sz="2000"/>
+            </a:lvl5pPr>
+            <a:lvl6pPr marL="2286000" indent="0">
+              <a:buNone/>
+              <a:defRPr sz="2000"/>
+            </a:lvl6pPr>
+            <a:lvl7pPr marL="2743200" indent="0">
+              <a:buNone/>
+              <a:defRPr sz="2000"/>
+            </a:lvl7pPr>
+            <a:lvl8pPr marL="3200400" indent="0">
+              <a:buNone/>
+              <a:defRPr sz="2000"/>
+            </a:lvl8pPr>
+            <a:lvl9pPr marL="3657600" indent="0">
+              <a:buNone/>
+              <a:defRPr sz="2000"/>
+            </a:lvl9pPr>
+          </a:lstStyle>
+          <a:p>
+            <a:endParaRPr lang="en-US"/>
+          </a:p>
+        </p:txBody>
+      </p:sp>
+      <p:sp>
+        <p:nvSpPr>
+          <p:cNvPr id="4" name="Text Placeholder 3">
+            <a:extLst>
+              <a:ext uri="{FF2B5EF4-FFF2-40B4-BE49-F238E27FC236}">
+                <a16:creationId xmlns:a16="http://schemas.microsoft.com/office/drawing/2014/main" id="{9C46B369-DA4C-4D00-885C-0C0E55648056}"/>
+              </a:ext>
+            </a:extLst>
+          </p:cNvPr>
+          <p:cNvSpPr>
+            <a:spLocks noGrp="1"/>
+          </p:cNvSpPr>
+          <p:nvPr>
+            <p:ph type="body" sz="half" idx="2"/>
+          </p:nvPr>
+        </p:nvSpPr>
+        <p:spPr>
+          <a:xfrm>
+            <a:off x="839788" y="2057400"/>
+            <a:ext cx="3932237" cy="3811588"/>
+          </a:xfrm>
+        </p:spPr>
+        <p:txBody>
+          <a:bodyPr/>
+          <a:lstStyle>
+            <a:lvl1pPr marL="0" indent="0">
+              <a:buNone/>
+              <a:defRPr sz="1600"/>
+            </a:lvl1pPr>
+            <a:lvl2pPr marL="457200" indent="0">
+              <a:buNone/>
+              <a:defRPr sz="1400"/>
+            </a:lvl2pPr>
+            <a:lvl3pPr marL="914400" indent="0">
+              <a:buNone/>
+              <a:defRPr sz="1200"/>
+            </a:lvl3pPr>
+            <a:lvl4pPr marL="1371600" indent="0">
+              <a:buNone/>
+              <a:defRPr sz="1000"/>
+            </a:lvl4pPr>
+            <a:lvl5pPr marL="1828800" indent="0">
+              <a:buNone/>
+              <a:defRPr sz="1000"/>
+            </a:lvl5pPr>
+            <a:lvl6pPr marL="2286000" indent="0">
+              <a:buNone/>
+              <a:defRPr sz="1000"/>
+            </a:lvl6pPr>
+            <a:lvl7pPr marL="2743200" indent="0">
+              <a:buNone/>
+              <a:defRPr sz="1000"/>
+            </a:lvl7pPr>
+            <a:lvl8pPr marL="3200400" indent="0">
+              <a:buNone/>
+              <a:defRPr sz="1000"/>
+            </a:lvl8pPr>
+            <a:lvl9pPr marL="3657600" indent="0">
+              <a:buNone/>
+              <a:defRPr sz="1000"/>
+            </a:lvl9pPr>
+          </a:lstStyle>
+          <a:p>
+            <a:pPr lvl="0"/>
+            <a:r>
+              <a:rPr lang="en-US"/>
+              <a:t>Click to edit Master text styles</a:t>
+            </a:r>
+          </a:p>
+        </p:txBody>
+      </p:sp>
+      <p:sp>
+        <p:nvSpPr>
+          <p:cNvPr id="5" name="Date Placeholder 4">
+            <a:extLst>
+              <a:ext uri="{FF2B5EF4-FFF2-40B4-BE49-F238E27FC236}">
+                <a16:creationId xmlns:a16="http://schemas.microsoft.com/office/drawing/2014/main" id="{6871500A-C38A-489B-BE57-1DDA47A4068A}"/>
+              </a:ext>
+            </a:extLst>
+          </p:cNvPr>
+          <p:cNvSpPr>
+            <a:spLocks noGrp="1"/>
+          </p:cNvSpPr>
+          <p:nvPr>
+            <p:ph type="dt" sz="half" idx="10"/>
+          </p:nvPr>
+        </p:nvSpPr>
+        <p:spPr/>
+        <p:txBody>
+          <a:bodyPr/>
+          <a:lstStyle/>
+          <a:p>
+            <a:fld id="{C977F0E1-D0AB-4222-BA87-70E524633AC4}" type="datetimeFigureOut">
+              <a:rPr lang="en-US" smtClean="0"/>
+              <a:t>7/3/2023</a:t>
+            </a:fld>
+            <a:endParaRPr lang="en-US"/>
+          </a:p>
+        </p:txBody>
+      </p:sp>
+      <p:sp>
+        <p:nvSpPr>
+          <p:cNvPr id="6" name="Footer Placeholder 5">
+            <a:extLst>
+              <a:ext uri="{FF2B5EF4-FFF2-40B4-BE49-F238E27FC236}">
+                <a16:creationId xmlns:a16="http://schemas.microsoft.com/office/drawing/2014/main" id="{4976A7E6-49AA-40C7-A2A9-1CB52AF4C9DB}"/>
+              </a:ext>
+            </a:extLst>
+          </p:cNvPr>
+          <p:cNvSpPr>
+            <a:spLocks noGrp="1"/>
+          </p:cNvSpPr>
+          <p:nvPr>
+            <p:ph type="ftr" sz="quarter" idx="11"/>
+          </p:nvPr>
+        </p:nvSpPr>
+        <p:spPr/>
+        <p:txBody>
+          <a:bodyPr/>
+          <a:lstStyle/>
+          <a:p>
+            <a:endParaRPr lang="en-US"/>
+          </a:p>
+        </p:txBody>
+      </p:sp>
+      <p:sp>
+        <p:nvSpPr>
+          <p:cNvPr id="7" name="Slide Number Placeholder 6">
+            <a:extLst>
+              <a:ext uri="{FF2B5EF4-FFF2-40B4-BE49-F238E27FC236}">
+                <a16:creationId xmlns:a16="http://schemas.microsoft.com/office/drawing/2014/main" id="{BE189DA9-B00D-4E7A-B9BF-0453FF637930}"/>
+              </a:ext>
+            </a:extLst>
+          </p:cNvPr>
+          <p:cNvSpPr>
+            <a:spLocks noGrp="1"/>
+          </p:cNvSpPr>
+          <p:nvPr>
+            <p:ph type="sldNum" sz="quarter" idx="12"/>
+          </p:nvPr>
+        </p:nvSpPr>
+        <p:spPr/>
+        <p:txBody>
+          <a:bodyPr/>
+          <a:lstStyle/>
+          <a:p>
+            <a:fld id="{9F312D06-E3F1-4FD2-B4B5-21FA3235D88A}" type="slidenum">
+              <a:rPr lang="en-US" smtClean="0"/>
+              <a:t>‹#›</a:t>
+            </a:fld>
+            <a:endParaRPr lang="en-US"/>
+          </a:p>
+        </p:txBody>
+      </p:sp>
+    </p:spTree>
+    <p:extLst>
+      <p:ext uri="{BB962C8B-B14F-4D97-AF65-F5344CB8AC3E}">
+        <p14:creationId xmlns:p14="http://schemas.microsoft.com/office/powerpoint/2010/main" val="1057797256"/>
+      </p:ext>
+    </p:extLst>
+  </p:cSld>
+  <p:clrMapOvr>
+    <a:masterClrMapping/>
+  </p:clrMapOvr>
+</p:sldLayout>
+</file>
+
+<file path=ppt/slideLayouts/slideLayout34.xml><?xml version="1.0" encoding="utf-8"?>
+<p:sldLayout xmlns:a="http://schemas.openxmlformats.org/drawingml/2006/main" xmlns:r="http://schemas.openxmlformats.org/officeDocument/2006/relationships" xmlns:p="http://schemas.openxmlformats.org/presentationml/2006/main" type="vertTx" preserve="1">
+  <p:cSld name="Title and Vertical Text">
+    <p:spTree>
+      <p:nvGrpSpPr>
+        <p:cNvPr id="1" name=""/>
+        <p:cNvGrpSpPr/>
+        <p:nvPr/>
+      </p:nvGrpSpPr>
+      <p:grpSpPr>
+        <a:xfrm>
+          <a:off x="0" y="0"/>
+          <a:ext cx="0" cy="0"/>
+          <a:chOff x="0" y="0"/>
+          <a:chExt cx="0" cy="0"/>
+        </a:xfrm>
+      </p:grpSpPr>
+      <p:sp>
+        <p:nvSpPr>
+          <p:cNvPr id="2" name="Title 1">
+            <a:extLst>
+              <a:ext uri="{FF2B5EF4-FFF2-40B4-BE49-F238E27FC236}">
+                <a16:creationId xmlns:a16="http://schemas.microsoft.com/office/drawing/2014/main" id="{2ABB0529-7E20-4536-87B9-6411159FE5FA}"/>
+              </a:ext>
+            </a:extLst>
+          </p:cNvPr>
+          <p:cNvSpPr>
+            <a:spLocks noGrp="1"/>
+          </p:cNvSpPr>
+          <p:nvPr>
+            <p:ph type="title"/>
+          </p:nvPr>
+        </p:nvSpPr>
+        <p:spPr/>
+        <p:txBody>
+          <a:bodyPr/>
+          <a:lstStyle/>
+          <a:p>
+            <a:r>
+              <a:rPr lang="en-US"/>
+              <a:t>Click to edit Master title style</a:t>
+            </a:r>
+          </a:p>
+        </p:txBody>
+      </p:sp>
+      <p:sp>
+        <p:nvSpPr>
+          <p:cNvPr id="3" name="Vertical Text Placeholder 2">
+            <a:extLst>
+              <a:ext uri="{FF2B5EF4-FFF2-40B4-BE49-F238E27FC236}">
+                <a16:creationId xmlns:a16="http://schemas.microsoft.com/office/drawing/2014/main" id="{4531151B-65BC-4513-9E2E-6337EE1DBFB0}"/>
+              </a:ext>
+            </a:extLst>
+          </p:cNvPr>
+          <p:cNvSpPr>
+            <a:spLocks noGrp="1"/>
+          </p:cNvSpPr>
+          <p:nvPr>
+            <p:ph type="body" orient="vert" idx="1"/>
+          </p:nvPr>
+        </p:nvSpPr>
+        <p:spPr/>
+        <p:txBody>
+          <a:bodyPr vert="eaVert"/>
+          <a:lstStyle/>
+          <a:p>
+            <a:pPr lvl="0"/>
+            <a:r>
+              <a:rPr lang="en-US"/>
+              <a:t>Click to edit Master text styles</a:t>
+            </a:r>
+          </a:p>
+          <a:p>
+            <a:pPr lvl="1"/>
+            <a:r>
+              <a:rPr lang="en-US"/>
+              <a:t>Second level</a:t>
+            </a:r>
+          </a:p>
+          <a:p>
+            <a:pPr lvl="2"/>
+            <a:r>
+              <a:rPr lang="en-US"/>
+              <a:t>Third level</a:t>
+            </a:r>
+          </a:p>
+          <a:p>
+            <a:pPr lvl="3"/>
+            <a:r>
+              <a:rPr lang="en-US"/>
+              <a:t>Fourth level</a:t>
+            </a:r>
+          </a:p>
+          <a:p>
+            <a:pPr lvl="4"/>
+            <a:r>
+              <a:rPr lang="en-US"/>
+              <a:t>Fifth level</a:t>
+            </a:r>
+          </a:p>
+        </p:txBody>
+      </p:sp>
+      <p:sp>
+        <p:nvSpPr>
+          <p:cNvPr id="4" name="Date Placeholder 3">
+            <a:extLst>
+              <a:ext uri="{FF2B5EF4-FFF2-40B4-BE49-F238E27FC236}">
+                <a16:creationId xmlns:a16="http://schemas.microsoft.com/office/drawing/2014/main" id="{E8FCF166-77DE-4095-A05A-71C7CB41D21D}"/>
+              </a:ext>
+            </a:extLst>
+          </p:cNvPr>
+          <p:cNvSpPr>
+            <a:spLocks noGrp="1"/>
+          </p:cNvSpPr>
+          <p:nvPr>
+            <p:ph type="dt" sz="half" idx="10"/>
+          </p:nvPr>
+        </p:nvSpPr>
+        <p:spPr/>
+        <p:txBody>
+          <a:bodyPr/>
+          <a:lstStyle/>
+          <a:p>
+            <a:fld id="{C977F0E1-D0AB-4222-BA87-70E524633AC4}" type="datetimeFigureOut">
+              <a:rPr lang="en-US" smtClean="0"/>
+              <a:t>7/3/2023</a:t>
+            </a:fld>
+            <a:endParaRPr lang="en-US"/>
+          </a:p>
+        </p:txBody>
+      </p:sp>
+      <p:sp>
+        <p:nvSpPr>
+          <p:cNvPr id="5" name="Footer Placeholder 4">
+            <a:extLst>
+              <a:ext uri="{FF2B5EF4-FFF2-40B4-BE49-F238E27FC236}">
+                <a16:creationId xmlns:a16="http://schemas.microsoft.com/office/drawing/2014/main" id="{1B27C625-F285-44EB-98BA-D9CFC447904F}"/>
+              </a:ext>
+            </a:extLst>
+          </p:cNvPr>
+          <p:cNvSpPr>
+            <a:spLocks noGrp="1"/>
+          </p:cNvSpPr>
+          <p:nvPr>
+            <p:ph type="ftr" sz="quarter" idx="11"/>
+          </p:nvPr>
+        </p:nvSpPr>
+        <p:spPr/>
+        <p:txBody>
+          <a:bodyPr/>
+          <a:lstStyle/>
+          <a:p>
+            <a:endParaRPr lang="en-US"/>
+          </a:p>
+        </p:txBody>
+      </p:sp>
+      <p:sp>
+        <p:nvSpPr>
+          <p:cNvPr id="6" name="Slide Number Placeholder 5">
+            <a:extLst>
+              <a:ext uri="{FF2B5EF4-FFF2-40B4-BE49-F238E27FC236}">
+                <a16:creationId xmlns:a16="http://schemas.microsoft.com/office/drawing/2014/main" id="{134B6974-F501-4847-BC39-D013B31D6C98}"/>
+              </a:ext>
+            </a:extLst>
+          </p:cNvPr>
+          <p:cNvSpPr>
+            <a:spLocks noGrp="1"/>
+          </p:cNvSpPr>
+          <p:nvPr>
+            <p:ph type="sldNum" sz="quarter" idx="12"/>
+          </p:nvPr>
+        </p:nvSpPr>
+        <p:spPr/>
+        <p:txBody>
+          <a:bodyPr/>
+          <a:lstStyle/>
+          <a:p>
+            <a:fld id="{9F312D06-E3F1-4FD2-B4B5-21FA3235D88A}" type="slidenum">
+              <a:rPr lang="en-US" smtClean="0"/>
+              <a:t>‹#›</a:t>
+            </a:fld>
+            <a:endParaRPr lang="en-US"/>
+          </a:p>
+        </p:txBody>
+      </p:sp>
+    </p:spTree>
+    <p:extLst>
+      <p:ext uri="{BB962C8B-B14F-4D97-AF65-F5344CB8AC3E}">
+        <p14:creationId xmlns:p14="http://schemas.microsoft.com/office/powerpoint/2010/main" val="2770167085"/>
+      </p:ext>
+    </p:extLst>
+  </p:cSld>
+  <p:clrMapOvr>
+    <a:masterClrMapping/>
+  </p:clrMapOvr>
+</p:sldLayout>
+</file>
+
+<file path=ppt/slideLayouts/slideLayout35.xml><?xml version="1.0" encoding="utf-8"?>
+<p:sldLayout xmlns:a="http://schemas.openxmlformats.org/drawingml/2006/main" xmlns:r="http://schemas.openxmlformats.org/officeDocument/2006/relationships" xmlns:p="http://schemas.openxmlformats.org/presentationml/2006/main" type="vertTitleAndTx" preserve="1">
+  <p:cSld name="Vertical Title and Text">
+    <p:spTree>
+      <p:nvGrpSpPr>
+        <p:cNvPr id="1" name=""/>
+        <p:cNvGrpSpPr/>
+        <p:nvPr/>
+      </p:nvGrpSpPr>
+      <p:grpSpPr>
+        <a:xfrm>
+          <a:off x="0" y="0"/>
+          <a:ext cx="0" cy="0"/>
+          <a:chOff x="0" y="0"/>
+          <a:chExt cx="0" cy="0"/>
+        </a:xfrm>
+      </p:grpSpPr>
+      <p:sp>
+        <p:nvSpPr>
+          <p:cNvPr id="2" name="Vertical Title 1">
+            <a:extLst>
+              <a:ext uri="{FF2B5EF4-FFF2-40B4-BE49-F238E27FC236}">
+                <a16:creationId xmlns:a16="http://schemas.microsoft.com/office/drawing/2014/main" id="{13122E23-4381-4F77-95FF-D6BF3E6916EF}"/>
+              </a:ext>
+            </a:extLst>
+          </p:cNvPr>
+          <p:cNvSpPr>
+            <a:spLocks noGrp="1"/>
+          </p:cNvSpPr>
+          <p:nvPr>
+            <p:ph type="title" orient="vert"/>
+          </p:nvPr>
+        </p:nvSpPr>
+        <p:spPr>
+          <a:xfrm>
+            <a:off x="8724900" y="365125"/>
+            <a:ext cx="2628900" cy="5811838"/>
+          </a:xfrm>
+        </p:spPr>
+        <p:txBody>
+          <a:bodyPr vert="eaVert"/>
+          <a:lstStyle/>
+          <a:p>
+            <a:r>
+              <a:rPr lang="en-US"/>
+              <a:t>Click to edit Master title style</a:t>
+            </a:r>
+          </a:p>
+        </p:txBody>
+      </p:sp>
+      <p:sp>
+        <p:nvSpPr>
+          <p:cNvPr id="3" name="Vertical Text Placeholder 2">
+            <a:extLst>
+              <a:ext uri="{FF2B5EF4-FFF2-40B4-BE49-F238E27FC236}">
+                <a16:creationId xmlns:a16="http://schemas.microsoft.com/office/drawing/2014/main" id="{32BCC288-9A14-417C-8C8C-D54F2856203F}"/>
+              </a:ext>
+            </a:extLst>
+          </p:cNvPr>
+          <p:cNvSpPr>
+            <a:spLocks noGrp="1"/>
+          </p:cNvSpPr>
+          <p:nvPr>
+            <p:ph type="body" orient="vert" idx="1"/>
+          </p:nvPr>
+        </p:nvSpPr>
+        <p:spPr>
+          <a:xfrm>
+            <a:off x="838200" y="365125"/>
+            <a:ext cx="7734300" cy="5811838"/>
+          </a:xfrm>
+        </p:spPr>
+        <p:txBody>
+          <a:bodyPr vert="eaVert"/>
+          <a:lstStyle/>
+          <a:p>
+            <a:pPr lvl="0"/>
+            <a:r>
+              <a:rPr lang="en-US"/>
+              <a:t>Click to edit Master text styles</a:t>
+            </a:r>
+          </a:p>
+          <a:p>
+            <a:pPr lvl="1"/>
+            <a:r>
+              <a:rPr lang="en-US"/>
+              <a:t>Second level</a:t>
+            </a:r>
+          </a:p>
+          <a:p>
+            <a:pPr lvl="2"/>
+            <a:r>
+              <a:rPr lang="en-US"/>
+              <a:t>Third level</a:t>
+            </a:r>
+          </a:p>
+          <a:p>
+            <a:pPr lvl="3"/>
+            <a:r>
+              <a:rPr lang="en-US"/>
+              <a:t>Fourth level</a:t>
+            </a:r>
+          </a:p>
+          <a:p>
+            <a:pPr lvl="4"/>
+            <a:r>
+              <a:rPr lang="en-US"/>
+              <a:t>Fifth level</a:t>
+            </a:r>
+          </a:p>
+        </p:txBody>
+      </p:sp>
+      <p:sp>
+        <p:nvSpPr>
+          <p:cNvPr id="4" name="Date Placeholder 3">
+            <a:extLst>
+              <a:ext uri="{FF2B5EF4-FFF2-40B4-BE49-F238E27FC236}">
+                <a16:creationId xmlns:a16="http://schemas.microsoft.com/office/drawing/2014/main" id="{E3694A5B-204A-4461-935C-76F13506FE9D}"/>
+              </a:ext>
+            </a:extLst>
+          </p:cNvPr>
+          <p:cNvSpPr>
+            <a:spLocks noGrp="1"/>
+          </p:cNvSpPr>
+          <p:nvPr>
+            <p:ph type="dt" sz="half" idx="10"/>
+          </p:nvPr>
+        </p:nvSpPr>
+        <p:spPr/>
+        <p:txBody>
+          <a:bodyPr/>
+          <a:lstStyle/>
+          <a:p>
+            <a:fld id="{C977F0E1-D0AB-4222-BA87-70E524633AC4}" type="datetimeFigureOut">
+              <a:rPr lang="en-US" smtClean="0"/>
+              <a:t>7/3/2023</a:t>
+            </a:fld>
+            <a:endParaRPr lang="en-US"/>
+          </a:p>
+        </p:txBody>
+      </p:sp>
+      <p:sp>
+        <p:nvSpPr>
+          <p:cNvPr id="5" name="Footer Placeholder 4">
+            <a:extLst>
+              <a:ext uri="{FF2B5EF4-FFF2-40B4-BE49-F238E27FC236}">
+                <a16:creationId xmlns:a16="http://schemas.microsoft.com/office/drawing/2014/main" id="{24F03D09-08E9-4411-9019-62963BB33839}"/>
+              </a:ext>
+            </a:extLst>
+          </p:cNvPr>
+          <p:cNvSpPr>
+            <a:spLocks noGrp="1"/>
+          </p:cNvSpPr>
+          <p:nvPr>
+            <p:ph type="ftr" sz="quarter" idx="11"/>
+          </p:nvPr>
+        </p:nvSpPr>
+        <p:spPr/>
+        <p:txBody>
+          <a:bodyPr/>
+          <a:lstStyle/>
+          <a:p>
+            <a:endParaRPr lang="en-US"/>
+          </a:p>
+        </p:txBody>
+      </p:sp>
+      <p:sp>
+        <p:nvSpPr>
+          <p:cNvPr id="6" name="Slide Number Placeholder 5">
+            <a:extLst>
+              <a:ext uri="{FF2B5EF4-FFF2-40B4-BE49-F238E27FC236}">
+                <a16:creationId xmlns:a16="http://schemas.microsoft.com/office/drawing/2014/main" id="{7D61F2E2-5629-4717-B978-9F09C476B524}"/>
+              </a:ext>
+            </a:extLst>
+          </p:cNvPr>
+          <p:cNvSpPr>
+            <a:spLocks noGrp="1"/>
+          </p:cNvSpPr>
+          <p:nvPr>
+            <p:ph type="sldNum" sz="quarter" idx="12"/>
+          </p:nvPr>
+        </p:nvSpPr>
+        <p:spPr/>
+        <p:txBody>
+          <a:bodyPr/>
+          <a:lstStyle/>
+          <a:p>
+            <a:fld id="{9F312D06-E3F1-4FD2-B4B5-21FA3235D88A}" type="slidenum">
+              <a:rPr lang="en-US" smtClean="0"/>
+              <a:t>‹#›</a:t>
+            </a:fld>
+            <a:endParaRPr lang="en-US"/>
+          </a:p>
+        </p:txBody>
+      </p:sp>
+    </p:spTree>
+    <p:extLst>
+      <p:ext uri="{BB962C8B-B14F-4D97-AF65-F5344CB8AC3E}">
+        <p14:creationId xmlns:p14="http://schemas.microsoft.com/office/powerpoint/2010/main" val="1286151863"/>
+      </p:ext>
+    </p:extLst>
   </p:cSld>
   <p:clrMapOvr>
     <a:masterClrMapping/>
@@ -6834,6 +9463,574 @@
 </p:sldMaster>
 </file>
 
+<file path=ppt/slideMasters/slideMaster3.xml><?xml version="1.0" encoding="utf-8"?>
+<p:sldMaster xmlns:a="http://schemas.openxmlformats.org/drawingml/2006/main" xmlns:r="http://schemas.openxmlformats.org/officeDocument/2006/relationships" xmlns:p="http://schemas.openxmlformats.org/presentationml/2006/main">
+  <p:cSld>
+    <p:bg>
+      <p:bgRef idx="1001">
+        <a:schemeClr val="bg1"/>
+      </p:bgRef>
+    </p:bg>
+    <p:spTree>
+      <p:nvGrpSpPr>
+        <p:cNvPr id="1" name=""/>
+        <p:cNvGrpSpPr/>
+        <p:nvPr/>
+      </p:nvGrpSpPr>
+      <p:grpSpPr>
+        <a:xfrm>
+          <a:off x="0" y="0"/>
+          <a:ext cx="0" cy="0"/>
+          <a:chOff x="0" y="0"/>
+          <a:chExt cx="0" cy="0"/>
+        </a:xfrm>
+      </p:grpSpPr>
+      <p:sp>
+        <p:nvSpPr>
+          <p:cNvPr id="2" name="Title Placeholder 1">
+            <a:extLst>
+              <a:ext uri="{FF2B5EF4-FFF2-40B4-BE49-F238E27FC236}">
+                <a16:creationId xmlns:a16="http://schemas.microsoft.com/office/drawing/2014/main" id="{FAA99AD1-D045-418F-9441-76F625E85A2C}"/>
+              </a:ext>
+            </a:extLst>
+          </p:cNvPr>
+          <p:cNvSpPr>
+            <a:spLocks noGrp="1"/>
+          </p:cNvSpPr>
+          <p:nvPr>
+            <p:ph type="title"/>
+          </p:nvPr>
+        </p:nvSpPr>
+        <p:spPr>
+          <a:xfrm>
+            <a:off x="838200" y="365125"/>
+            <a:ext cx="10515600" cy="1325563"/>
+          </a:xfrm>
+          <a:prstGeom prst="rect">
+            <a:avLst/>
+          </a:prstGeom>
+        </p:spPr>
+        <p:txBody>
+          <a:bodyPr vert="horz" lIns="91440" tIns="45720" rIns="91440" bIns="45720" rtlCol="0" anchor="ctr">
+            <a:normAutofit/>
+          </a:bodyPr>
+          <a:lstStyle/>
+          <a:p>
+            <a:r>
+              <a:rPr lang="en-US"/>
+              <a:t>Click to edit Master title style</a:t>
+            </a:r>
+          </a:p>
+        </p:txBody>
+      </p:sp>
+      <p:sp>
+        <p:nvSpPr>
+          <p:cNvPr id="3" name="Text Placeholder 2">
+            <a:extLst>
+              <a:ext uri="{FF2B5EF4-FFF2-40B4-BE49-F238E27FC236}">
+                <a16:creationId xmlns:a16="http://schemas.microsoft.com/office/drawing/2014/main" id="{231B66BA-6690-40EC-B3E6-79EA076D44E5}"/>
+              </a:ext>
+            </a:extLst>
+          </p:cNvPr>
+          <p:cNvSpPr>
+            <a:spLocks noGrp="1"/>
+          </p:cNvSpPr>
+          <p:nvPr>
+            <p:ph type="body" idx="1"/>
+          </p:nvPr>
+        </p:nvSpPr>
+        <p:spPr>
+          <a:xfrm>
+            <a:off x="838200" y="1825625"/>
+            <a:ext cx="10515600" cy="4351338"/>
+          </a:xfrm>
+          <a:prstGeom prst="rect">
+            <a:avLst/>
+          </a:prstGeom>
+        </p:spPr>
+        <p:txBody>
+          <a:bodyPr vert="horz" lIns="91440" tIns="45720" rIns="91440" bIns="45720" rtlCol="0">
+            <a:normAutofit/>
+          </a:bodyPr>
+          <a:lstStyle/>
+          <a:p>
+            <a:pPr lvl="0"/>
+            <a:r>
+              <a:rPr lang="en-US"/>
+              <a:t>Click to edit Master text styles</a:t>
+            </a:r>
+          </a:p>
+          <a:p>
+            <a:pPr lvl="1"/>
+            <a:r>
+              <a:rPr lang="en-US"/>
+              <a:t>Second level</a:t>
+            </a:r>
+          </a:p>
+          <a:p>
+            <a:pPr lvl="2"/>
+            <a:r>
+              <a:rPr lang="en-US"/>
+              <a:t>Third level</a:t>
+            </a:r>
+          </a:p>
+          <a:p>
+            <a:pPr lvl="3"/>
+            <a:r>
+              <a:rPr lang="en-US"/>
+              <a:t>Fourth level</a:t>
+            </a:r>
+          </a:p>
+          <a:p>
+            <a:pPr lvl="4"/>
+            <a:r>
+              <a:rPr lang="en-US"/>
+              <a:t>Fifth level</a:t>
+            </a:r>
+          </a:p>
+        </p:txBody>
+      </p:sp>
+      <p:sp>
+        <p:nvSpPr>
+          <p:cNvPr id="4" name="Date Placeholder 3">
+            <a:extLst>
+              <a:ext uri="{FF2B5EF4-FFF2-40B4-BE49-F238E27FC236}">
+                <a16:creationId xmlns:a16="http://schemas.microsoft.com/office/drawing/2014/main" id="{66BBF686-2148-415D-8AB6-1EE4FAE47E1D}"/>
+              </a:ext>
+            </a:extLst>
+          </p:cNvPr>
+          <p:cNvSpPr>
+            <a:spLocks noGrp="1"/>
+          </p:cNvSpPr>
+          <p:nvPr>
+            <p:ph type="dt" sz="half" idx="2"/>
+          </p:nvPr>
+        </p:nvSpPr>
+        <p:spPr>
+          <a:xfrm>
+            <a:off x="838200" y="6356350"/>
+            <a:ext cx="2743200" cy="365125"/>
+          </a:xfrm>
+          <a:prstGeom prst="rect">
+            <a:avLst/>
+          </a:prstGeom>
+        </p:spPr>
+        <p:txBody>
+          <a:bodyPr vert="horz" lIns="91440" tIns="45720" rIns="91440" bIns="45720" rtlCol="0" anchor="ctr"/>
+          <a:lstStyle>
+            <a:lvl1pPr algn="l">
+              <a:defRPr sz="1200">
+                <a:solidFill>
+                  <a:schemeClr val="tx1">
+                    <a:tint val="75000"/>
+                  </a:schemeClr>
+                </a:solidFill>
+              </a:defRPr>
+            </a:lvl1pPr>
+          </a:lstStyle>
+          <a:p>
+            <a:fld id="{C977F0E1-D0AB-4222-BA87-70E524633AC4}" type="datetimeFigureOut">
+              <a:rPr lang="en-US" smtClean="0"/>
+              <a:t>7/3/2023</a:t>
+            </a:fld>
+            <a:endParaRPr lang="en-US"/>
+          </a:p>
+        </p:txBody>
+      </p:sp>
+      <p:sp>
+        <p:nvSpPr>
+          <p:cNvPr id="5" name="Footer Placeholder 4">
+            <a:extLst>
+              <a:ext uri="{FF2B5EF4-FFF2-40B4-BE49-F238E27FC236}">
+                <a16:creationId xmlns:a16="http://schemas.microsoft.com/office/drawing/2014/main" id="{ABF3BA6C-2272-48AF-B332-C8F0833905E1}"/>
+              </a:ext>
+            </a:extLst>
+          </p:cNvPr>
+          <p:cNvSpPr>
+            <a:spLocks noGrp="1"/>
+          </p:cNvSpPr>
+          <p:nvPr>
+            <p:ph type="ftr" sz="quarter" idx="3"/>
+          </p:nvPr>
+        </p:nvSpPr>
+        <p:spPr>
+          <a:xfrm>
+            <a:off x="4038600" y="6356350"/>
+            <a:ext cx="4114800" cy="365125"/>
+          </a:xfrm>
+          <a:prstGeom prst="rect">
+            <a:avLst/>
+          </a:prstGeom>
+        </p:spPr>
+        <p:txBody>
+          <a:bodyPr vert="horz" lIns="91440" tIns="45720" rIns="91440" bIns="45720" rtlCol="0" anchor="ctr"/>
+          <a:lstStyle>
+            <a:lvl1pPr algn="ctr">
+              <a:defRPr sz="1200">
+                <a:solidFill>
+                  <a:schemeClr val="tx1">
+                    <a:tint val="75000"/>
+                  </a:schemeClr>
+                </a:solidFill>
+              </a:defRPr>
+            </a:lvl1pPr>
+          </a:lstStyle>
+          <a:p>
+            <a:endParaRPr lang="en-US"/>
+          </a:p>
+        </p:txBody>
+      </p:sp>
+      <p:sp>
+        <p:nvSpPr>
+          <p:cNvPr id="6" name="Slide Number Placeholder 5">
+            <a:extLst>
+              <a:ext uri="{FF2B5EF4-FFF2-40B4-BE49-F238E27FC236}">
+                <a16:creationId xmlns:a16="http://schemas.microsoft.com/office/drawing/2014/main" id="{3E2BE37D-70DA-41C6-B5F5-9A91468A1DEC}"/>
+              </a:ext>
+            </a:extLst>
+          </p:cNvPr>
+          <p:cNvSpPr>
+            <a:spLocks noGrp="1"/>
+          </p:cNvSpPr>
+          <p:nvPr>
+            <p:ph type="sldNum" sz="quarter" idx="4"/>
+          </p:nvPr>
+        </p:nvSpPr>
+        <p:spPr>
+          <a:xfrm>
+            <a:off x="8610600" y="6356350"/>
+            <a:ext cx="2743200" cy="365125"/>
+          </a:xfrm>
+          <a:prstGeom prst="rect">
+            <a:avLst/>
+          </a:prstGeom>
+        </p:spPr>
+        <p:txBody>
+          <a:bodyPr vert="horz" lIns="91440" tIns="45720" rIns="91440" bIns="45720" rtlCol="0" anchor="ctr"/>
+          <a:lstStyle>
+            <a:lvl1pPr algn="r">
+              <a:defRPr sz="1200">
+                <a:solidFill>
+                  <a:schemeClr val="tx1">
+                    <a:tint val="75000"/>
+                  </a:schemeClr>
+                </a:solidFill>
+              </a:defRPr>
+            </a:lvl1pPr>
+          </a:lstStyle>
+          <a:p>
+            <a:fld id="{9F312D06-E3F1-4FD2-B4B5-21FA3235D88A}" type="slidenum">
+              <a:rPr lang="en-US" smtClean="0"/>
+              <a:t>‹#›</a:t>
+            </a:fld>
+            <a:endParaRPr lang="en-US"/>
+          </a:p>
+        </p:txBody>
+      </p:sp>
+    </p:spTree>
+    <p:extLst>
+      <p:ext uri="{BB962C8B-B14F-4D97-AF65-F5344CB8AC3E}">
+        <p14:creationId xmlns:p14="http://schemas.microsoft.com/office/powerpoint/2010/main" val="225396460"/>
+      </p:ext>
+    </p:extLst>
+  </p:cSld>
+  <p:clrMap bg1="lt1" tx1="dk1" bg2="lt2" tx2="dk2" accent1="accent1" accent2="accent2" accent3="accent3" accent4="accent4" accent5="accent5" accent6="accent6" hlink="hlink" folHlink="folHlink"/>
+  <p:sldLayoutIdLst>
+    <p:sldLayoutId id="2147483675" r:id="rId1"/>
+    <p:sldLayoutId id="2147483676" r:id="rId2"/>
+    <p:sldLayoutId id="2147483677" r:id="rId3"/>
+    <p:sldLayoutId id="2147483678" r:id="rId4"/>
+    <p:sldLayoutId id="2147483679" r:id="rId5"/>
+    <p:sldLayoutId id="2147483680" r:id="rId6"/>
+    <p:sldLayoutId id="2147483681" r:id="rId7"/>
+    <p:sldLayoutId id="2147483682" r:id="rId8"/>
+    <p:sldLayoutId id="2147483683" r:id="rId9"/>
+    <p:sldLayoutId id="2147483684" r:id="rId10"/>
+    <p:sldLayoutId id="2147483685" r:id="rId11"/>
+  </p:sldLayoutIdLst>
+  <p:txStyles>
+    <p:titleStyle>
+      <a:lvl1pPr algn="l" defTabSz="914400" rtl="0" eaLnBrk="1" latinLnBrk="0" hangingPunct="1">
+        <a:lnSpc>
+          <a:spcPct val="90000"/>
+        </a:lnSpc>
+        <a:spcBef>
+          <a:spcPct val="0"/>
+        </a:spcBef>
+        <a:buNone/>
+        <a:defRPr sz="4400" kern="1200">
+          <a:solidFill>
+            <a:schemeClr val="tx1"/>
+          </a:solidFill>
+          <a:latin typeface="+mj-lt"/>
+          <a:ea typeface="+mj-ea"/>
+          <a:cs typeface="+mj-cs"/>
+        </a:defRPr>
+      </a:lvl1pPr>
+    </p:titleStyle>
+    <p:bodyStyle>
+      <a:lvl1pPr marL="228600" indent="-228600" algn="l" defTabSz="914400" rtl="0" eaLnBrk="1" latinLnBrk="0" hangingPunct="1">
+        <a:lnSpc>
+          <a:spcPct val="90000"/>
+        </a:lnSpc>
+        <a:spcBef>
+          <a:spcPts val="1000"/>
+        </a:spcBef>
+        <a:buFont typeface="Arial" panose="020B0604020202020204" pitchFamily="34" charset="0"/>
+        <a:buChar char="•"/>
+        <a:defRPr sz="2800" kern="1200">
+          <a:solidFill>
+            <a:schemeClr val="tx1"/>
+          </a:solidFill>
+          <a:latin typeface="+mn-lt"/>
+          <a:ea typeface="+mn-ea"/>
+          <a:cs typeface="+mn-cs"/>
+        </a:defRPr>
+      </a:lvl1pPr>
+      <a:lvl2pPr marL="685800" indent="-228600" algn="l" defTabSz="914400" rtl="0" eaLnBrk="1" latinLnBrk="0" hangingPunct="1">
+        <a:lnSpc>
+          <a:spcPct val="90000"/>
+        </a:lnSpc>
+        <a:spcBef>
+          <a:spcPts val="500"/>
+        </a:spcBef>
+        <a:buFont typeface="Arial" panose="020B0604020202020204" pitchFamily="34" charset="0"/>
+        <a:buChar char="•"/>
+        <a:defRPr sz="2400" kern="1200">
+          <a:solidFill>
+            <a:schemeClr val="tx1"/>
+          </a:solidFill>
+          <a:latin typeface="+mn-lt"/>
+          <a:ea typeface="+mn-ea"/>
+          <a:cs typeface="+mn-cs"/>
+        </a:defRPr>
+      </a:lvl2pPr>
+      <a:lvl3pPr marL="1143000" indent="-228600" algn="l" defTabSz="914400" rtl="0" eaLnBrk="1" latinLnBrk="0" hangingPunct="1">
+        <a:lnSpc>
+          <a:spcPct val="90000"/>
+        </a:lnSpc>
+        <a:spcBef>
+          <a:spcPts val="500"/>
+        </a:spcBef>
+        <a:buFont typeface="Arial" panose="020B0604020202020204" pitchFamily="34" charset="0"/>
+        <a:buChar char="•"/>
+        <a:defRPr sz="2000" kern="1200">
+          <a:solidFill>
+            <a:schemeClr val="tx1"/>
+          </a:solidFill>
+          <a:latin typeface="+mn-lt"/>
+          <a:ea typeface="+mn-ea"/>
+          <a:cs typeface="+mn-cs"/>
+        </a:defRPr>
+      </a:lvl3pPr>
+      <a:lvl4pPr marL="1600200" indent="-228600" algn="l" defTabSz="914400" rtl="0" eaLnBrk="1" latinLnBrk="0" hangingPunct="1">
+        <a:lnSpc>
+          <a:spcPct val="90000"/>
+        </a:lnSpc>
+        <a:spcBef>
+          <a:spcPts val="500"/>
+        </a:spcBef>
+        <a:buFont typeface="Arial" panose="020B0604020202020204" pitchFamily="34" charset="0"/>
+        <a:buChar char="•"/>
+        <a:defRPr sz="1800" kern="1200">
+          <a:solidFill>
+            <a:schemeClr val="tx1"/>
+          </a:solidFill>
+          <a:latin typeface="+mn-lt"/>
+          <a:ea typeface="+mn-ea"/>
+          <a:cs typeface="+mn-cs"/>
+        </a:defRPr>
+      </a:lvl4pPr>
+      <a:lvl5pPr marL="2057400" indent="-228600" algn="l" defTabSz="914400" rtl="0" eaLnBrk="1" latinLnBrk="0" hangingPunct="1">
+        <a:lnSpc>
+          <a:spcPct val="90000"/>
+        </a:lnSpc>
+        <a:spcBef>
+          <a:spcPts val="500"/>
+        </a:spcBef>
+        <a:buFont typeface="Arial" panose="020B0604020202020204" pitchFamily="34" charset="0"/>
+        <a:buChar char="•"/>
+        <a:defRPr sz="1800" kern="1200">
+          <a:solidFill>
+            <a:schemeClr val="tx1"/>
+          </a:solidFill>
+          <a:latin typeface="+mn-lt"/>
+          <a:ea typeface="+mn-ea"/>
+          <a:cs typeface="+mn-cs"/>
+        </a:defRPr>
+      </a:lvl5pPr>
+      <a:lvl6pPr marL="2514600" indent="-228600" algn="l" defTabSz="914400" rtl="0" eaLnBrk="1" latinLnBrk="0" hangingPunct="1">
+        <a:lnSpc>
+          <a:spcPct val="90000"/>
+        </a:lnSpc>
+        <a:spcBef>
+          <a:spcPts val="500"/>
+        </a:spcBef>
+        <a:buFont typeface="Arial" panose="020B0604020202020204" pitchFamily="34" charset="0"/>
+        <a:buChar char="•"/>
+        <a:defRPr sz="1800" kern="1200">
+          <a:solidFill>
+            <a:schemeClr val="tx1"/>
+          </a:solidFill>
+          <a:latin typeface="+mn-lt"/>
+          <a:ea typeface="+mn-ea"/>
+          <a:cs typeface="+mn-cs"/>
+        </a:defRPr>
+      </a:lvl6pPr>
+      <a:lvl7pPr marL="2971800" indent="-228600" algn="l" defTabSz="914400" rtl="0" eaLnBrk="1" latinLnBrk="0" hangingPunct="1">
+        <a:lnSpc>
+          <a:spcPct val="90000"/>
+        </a:lnSpc>
+        <a:spcBef>
+          <a:spcPts val="500"/>
+        </a:spcBef>
+        <a:buFont typeface="Arial" panose="020B0604020202020204" pitchFamily="34" charset="0"/>
+        <a:buChar char="•"/>
+        <a:defRPr sz="1800" kern="1200">
+          <a:solidFill>
+            <a:schemeClr val="tx1"/>
+          </a:solidFill>
+          <a:latin typeface="+mn-lt"/>
+          <a:ea typeface="+mn-ea"/>
+          <a:cs typeface="+mn-cs"/>
+        </a:defRPr>
+      </a:lvl7pPr>
+      <a:lvl8pPr marL="3429000" indent="-228600" algn="l" defTabSz="914400" rtl="0" eaLnBrk="1" latinLnBrk="0" hangingPunct="1">
+        <a:lnSpc>
+          <a:spcPct val="90000"/>
+        </a:lnSpc>
+        <a:spcBef>
+          <a:spcPts val="500"/>
+        </a:spcBef>
+        <a:buFont typeface="Arial" panose="020B0604020202020204" pitchFamily="34" charset="0"/>
+        <a:buChar char="•"/>
+        <a:defRPr sz="1800" kern="1200">
+          <a:solidFill>
+            <a:schemeClr val="tx1"/>
+          </a:solidFill>
+          <a:latin typeface="+mn-lt"/>
+          <a:ea typeface="+mn-ea"/>
+          <a:cs typeface="+mn-cs"/>
+        </a:defRPr>
+      </a:lvl8pPr>
+      <a:lvl9pPr marL="3886200" indent="-228600" algn="l" defTabSz="914400" rtl="0" eaLnBrk="1" latinLnBrk="0" hangingPunct="1">
+        <a:lnSpc>
+          <a:spcPct val="90000"/>
+        </a:lnSpc>
+        <a:spcBef>
+          <a:spcPts val="500"/>
+        </a:spcBef>
+        <a:buFont typeface="Arial" panose="020B0604020202020204" pitchFamily="34" charset="0"/>
+        <a:buChar char="•"/>
+        <a:defRPr sz="1800" kern="1200">
+          <a:solidFill>
+            <a:schemeClr val="tx1"/>
+          </a:solidFill>
+          <a:latin typeface="+mn-lt"/>
+          <a:ea typeface="+mn-ea"/>
+          <a:cs typeface="+mn-cs"/>
+        </a:defRPr>
+      </a:lvl9pPr>
+    </p:bodyStyle>
+    <p:otherStyle>
+      <a:defPPr>
+        <a:defRPr lang="en-US"/>
+      </a:defPPr>
+      <a:lvl1pPr marL="0" algn="l" defTabSz="914400" rtl="0" eaLnBrk="1" latinLnBrk="0" hangingPunct="1">
+        <a:defRPr sz="1800" kern="1200">
+          <a:solidFill>
+            <a:schemeClr val="tx1"/>
+          </a:solidFill>
+          <a:latin typeface="+mn-lt"/>
+          <a:ea typeface="+mn-ea"/>
+          <a:cs typeface="+mn-cs"/>
+        </a:defRPr>
+      </a:lvl1pPr>
+      <a:lvl2pPr marL="457200" algn="l" defTabSz="914400" rtl="0" eaLnBrk="1" latinLnBrk="0" hangingPunct="1">
+        <a:defRPr sz="1800" kern="1200">
+          <a:solidFill>
+            <a:schemeClr val="tx1"/>
+          </a:solidFill>
+          <a:latin typeface="+mn-lt"/>
+          <a:ea typeface="+mn-ea"/>
+          <a:cs typeface="+mn-cs"/>
+        </a:defRPr>
+      </a:lvl2pPr>
+      <a:lvl3pPr marL="914400" algn="l" defTabSz="914400" rtl="0" eaLnBrk="1" latinLnBrk="0" hangingPunct="1">
+        <a:defRPr sz="1800" kern="1200">
+          <a:solidFill>
+            <a:schemeClr val="tx1"/>
+          </a:solidFill>
+          <a:latin typeface="+mn-lt"/>
+          <a:ea typeface="+mn-ea"/>
+          <a:cs typeface="+mn-cs"/>
+        </a:defRPr>
+      </a:lvl3pPr>
+      <a:lvl4pPr marL="1371600" algn="l" defTabSz="914400" rtl="0" eaLnBrk="1" latinLnBrk="0" hangingPunct="1">
+        <a:defRPr sz="1800" kern="1200">
+          <a:solidFill>
+            <a:schemeClr val="tx1"/>
+          </a:solidFill>
+          <a:latin typeface="+mn-lt"/>
+          <a:ea typeface="+mn-ea"/>
+          <a:cs typeface="+mn-cs"/>
+        </a:defRPr>
+      </a:lvl4pPr>
+      <a:lvl5pPr marL="1828800" algn="l" defTabSz="914400" rtl="0" eaLnBrk="1" latinLnBrk="0" hangingPunct="1">
+        <a:defRPr sz="1800" kern="1200">
+          <a:solidFill>
+            <a:schemeClr val="tx1"/>
+          </a:solidFill>
+          <a:latin typeface="+mn-lt"/>
+          <a:ea typeface="+mn-ea"/>
+          <a:cs typeface="+mn-cs"/>
+        </a:defRPr>
+      </a:lvl5pPr>
+      <a:lvl6pPr marL="2286000" algn="l" defTabSz="914400" rtl="0" eaLnBrk="1" latinLnBrk="0" hangingPunct="1">
+        <a:defRPr sz="1800" kern="1200">
+          <a:solidFill>
+            <a:schemeClr val="tx1"/>
+          </a:solidFill>
+          <a:latin typeface="+mn-lt"/>
+          <a:ea typeface="+mn-ea"/>
+          <a:cs typeface="+mn-cs"/>
+        </a:defRPr>
+      </a:lvl6pPr>
+      <a:lvl7pPr marL="2743200" algn="l" defTabSz="914400" rtl="0" eaLnBrk="1" latinLnBrk="0" hangingPunct="1">
+        <a:defRPr sz="1800" kern="1200">
+          <a:solidFill>
+            <a:schemeClr val="tx1"/>
+          </a:solidFill>
+          <a:latin typeface="+mn-lt"/>
+          <a:ea typeface="+mn-ea"/>
+          <a:cs typeface="+mn-cs"/>
+        </a:defRPr>
+      </a:lvl7pPr>
+      <a:lvl8pPr marL="3200400" algn="l" defTabSz="914400" rtl="0" eaLnBrk="1" latinLnBrk="0" hangingPunct="1">
+        <a:defRPr sz="1800" kern="1200">
+          <a:solidFill>
+            <a:schemeClr val="tx1"/>
+          </a:solidFill>
+          <a:latin typeface="+mn-lt"/>
+          <a:ea typeface="+mn-ea"/>
+          <a:cs typeface="+mn-cs"/>
+        </a:defRPr>
+      </a:lvl8pPr>
+      <a:lvl9pPr marL="3657600" algn="l" defTabSz="914400" rtl="0" eaLnBrk="1" latinLnBrk="0" hangingPunct="1">
+        <a:defRPr sz="1800" kern="1200">
+          <a:solidFill>
+            <a:schemeClr val="tx1"/>
+          </a:solidFill>
+          <a:latin typeface="+mn-lt"/>
+          <a:ea typeface="+mn-ea"/>
+          <a:cs typeface="+mn-cs"/>
+        </a:defRPr>
+      </a:lvl9pPr>
+    </p:otherStyle>
+  </p:txStyles>
+</p:sldMaster>
+</file>
+
 <file path=ppt/slides/slide1.xml><?xml version="1.0" encoding="utf-8"?>
 <p:sld xmlns:a="http://schemas.openxmlformats.org/drawingml/2006/main" xmlns:r="http://schemas.openxmlformats.org/officeDocument/2006/relationships" xmlns:p="http://schemas.openxmlformats.org/presentationml/2006/main">
   <p:cSld>
@@ -6863,7 +10060,7 @@
         </p:nvSpPr>
         <p:spPr>
           <a:xfrm>
-            <a:off x="1523880" y="2235240"/>
+            <a:off x="1524180" y="1349120"/>
             <a:ext cx="9143640" cy="2387160"/>
           </a:xfrm>
           <a:prstGeom prst="rect">
@@ -6876,7 +10073,7 @@
         </p:spPr>
         <p:txBody>
           <a:bodyPr anchor="b">
-            <a:normAutofit/>
+            <a:normAutofit fontScale="90000"/>
           </a:bodyPr>
           <a:lstStyle/>
           <a:p>
@@ -6887,25 +10084,25 @@
               <a:buNone/>
             </a:pPr>
             <a:r>
-              <a:rPr lang="en-US" sz="6000" b="0" strike="noStrike" spc="-1">
+              <a:rPr lang="en-US" sz="6000" b="0" strike="noStrike" spc="-1" dirty="0">
                 <a:solidFill>
                   <a:srgbClr val="000000"/>
                 </a:solidFill>
                 <a:latin typeface="Calibri Light"/>
               </a:rPr>
-              <a:t>Activity 7:</a:t>
+              <a:t>Activity 6:</a:t>
             </a:r>
             <a:br>
               <a:rPr sz="6000" dirty="0"/>
             </a:br>
             <a:r>
-              <a:rPr lang="en-US" sz="6000" b="0" strike="noStrike" spc="-1">
+              <a:rPr lang="en-US" sz="6000" b="0" strike="noStrike" spc="-1" dirty="0">
                 <a:solidFill>
                   <a:srgbClr val="000000"/>
                 </a:solidFill>
                 <a:latin typeface="Calibri Light"/>
               </a:rPr>
-              <a:t>FEATURE EXTRACTION</a:t>
+              <a:t>MORPHOLOGICAL OPERATIONS</a:t>
             </a:r>
             <a:endParaRPr lang="en-US" sz="6000" b="0" strike="noStrike" spc="-1" dirty="0">
               <a:solidFill>
@@ -6928,7 +10125,7 @@
         </p:nvSpPr>
         <p:spPr>
           <a:xfrm>
-            <a:off x="1523880" y="4992480"/>
+            <a:off x="1524180" y="4106360"/>
             <a:ext cx="9143640" cy="992880"/>
           </a:xfrm>
           <a:prstGeom prst="rect">
@@ -6958,7 +10155,7 @@
               </a:tabLst>
             </a:pPr>
             <a:r>
-              <a:rPr lang="en-US" sz="1600" b="0" strike="noStrike" spc="-1">
+              <a:rPr lang="en-US" sz="1600" b="0" strike="noStrike" spc="-1" dirty="0">
                 <a:solidFill>
                   <a:srgbClr val="000000"/>
                 </a:solidFill>
@@ -6966,7 +10163,7 @@
               </a:rPr>
               <a:t>Genesis Vertudez – 202003099</a:t>
             </a:r>
-            <a:endParaRPr lang="en-PH" sz="1600" b="0" strike="noStrike" spc="-1">
+            <a:endParaRPr lang="en-PH" sz="1600" b="0" strike="noStrike" spc="-1" dirty="0">
               <a:latin typeface="Arial"/>
             </a:endParaRPr>
           </a:p>
@@ -6984,7 +10181,7 @@
               </a:tabLst>
             </a:pPr>
             <a:r>
-              <a:rPr lang="en-US" sz="1600" b="0" strike="noStrike" spc="-1">
+              <a:rPr lang="en-US" sz="1600" b="0" strike="noStrike" spc="-1" dirty="0">
                 <a:solidFill>
                   <a:srgbClr val="000000"/>
                 </a:solidFill>
@@ -6992,7 +10189,7 @@
               </a:rPr>
               <a:t>App Physics 157 - Computational Analysis and Modeling in Physics</a:t>
             </a:r>
-            <a:endParaRPr lang="en-PH" sz="1600" b="0" strike="noStrike" spc="-1">
+            <a:endParaRPr lang="en-PH" sz="1600" b="0" strike="noStrike" spc="-1" dirty="0">
               <a:latin typeface="Arial"/>
             </a:endParaRPr>
           </a:p>
@@ -7010,15 +10207,33 @@
               </a:tabLst>
             </a:pPr>
             <a:r>
-              <a:rPr lang="en-US" sz="1600" b="0" strike="noStrike" spc="-1">
+              <a:rPr lang="en-US" sz="1600" b="0" strike="noStrike" spc="-1" dirty="0">
                 <a:solidFill>
                   <a:srgbClr val="000000"/>
                 </a:solidFill>
                 <a:latin typeface="Calibri"/>
               </a:rPr>
-              <a:t>Submitted to Dr. Maricor Soriano; Mx. Rene Principe Jr.</a:t>
-            </a:r>
-            <a:endParaRPr lang="en-PH" sz="1600" b="0" strike="noStrike" spc="-1">
+              <a:t>Submitted to Dr. </a:t>
+            </a:r>
+            <a:r>
+              <a:rPr lang="en-US" sz="1600" b="0" strike="noStrike" spc="-1" dirty="0" err="1">
+                <a:solidFill>
+                  <a:srgbClr val="000000"/>
+                </a:solidFill>
+                <a:latin typeface="Calibri"/>
+              </a:rPr>
+              <a:t>Maricor</a:t>
+            </a:r>
+            <a:r>
+              <a:rPr lang="en-US" sz="1600" b="0" strike="noStrike" spc="-1" dirty="0">
+                <a:solidFill>
+                  <a:srgbClr val="000000"/>
+                </a:solidFill>
+                <a:latin typeface="Calibri"/>
+              </a:rPr>
+              <a:t> Soriano; Mx. Rene Principe Jr.</a:t>
+            </a:r>
+            <a:endParaRPr lang="en-PH" sz="1600" b="0" strike="noStrike" spc="-1" dirty="0">
               <a:latin typeface="Arial"/>
             </a:endParaRPr>
           </a:p>
@@ -7085,7 +10300,7 @@
               <a:buNone/>
             </a:pPr>
             <a:r>
-              <a:rPr lang="en-US" sz="4400" b="0" strike="noStrike" spc="-1">
+              <a:rPr lang="en-US" sz="4400" b="1" strike="noStrike" spc="-1" dirty="0">
                 <a:solidFill>
                   <a:srgbClr val="000000"/>
                 </a:solidFill>
@@ -7093,7 +10308,7 @@
               </a:rPr>
               <a:t>OBJECTIVES</a:t>
             </a:r>
-            <a:endParaRPr lang="en-US" sz="4400" b="0" strike="noStrike" spc="-1">
+            <a:endParaRPr lang="en-US" sz="4400" b="1" strike="noStrike" spc="-1" dirty="0">
               <a:solidFill>
                 <a:srgbClr val="000000"/>
               </a:solidFill>
@@ -7151,7 +10366,7 @@
                 </a:solidFill>
                 <a:latin typeface="Calibri"/>
               </a:rPr>
-              <a:t>Use ImageJ to manipulate images and extract their features</a:t>
+              <a:t>Perform morphological operations manually on images given a structuring element</a:t>
             </a:r>
           </a:p>
           <a:p>
@@ -7169,13 +10384,43 @@
               <a:buChar char="•"/>
             </a:pPr>
             <a:r>
+              <a:rPr lang="en-US" spc="-1" dirty="0">
+                <a:solidFill>
+                  <a:srgbClr val="000000"/>
+                </a:solidFill>
+                <a:latin typeface="Calibri"/>
+              </a:rPr>
+              <a:t>Verify the results numerically</a:t>
+            </a:r>
+            <a:endParaRPr lang="en-US" sz="2800" b="0" strike="noStrike" spc="-1" dirty="0">
+              <a:solidFill>
+                <a:srgbClr val="000000"/>
+              </a:solidFill>
+              <a:latin typeface="Calibri"/>
+            </a:endParaRPr>
+          </a:p>
+          <a:p>
+            <a:pPr marL="228600" indent="-228600">
+              <a:lnSpc>
+                <a:spcPct val="90000"/>
+              </a:lnSpc>
+              <a:spcBef>
+                <a:spcPts val="1001"/>
+              </a:spcBef>
+              <a:buClr>
+                <a:srgbClr val="000000"/>
+              </a:buClr>
+              <a:buFont typeface="Arial"/>
+              <a:buChar char="•"/>
+            </a:pPr>
+            <a:r>
               <a:rPr lang="en-US" sz="2800" b="0" strike="noStrike" spc="-1" dirty="0">
                 <a:solidFill>
                   <a:srgbClr val="000000"/>
                 </a:solidFill>
                 <a:latin typeface="Calibri"/>
               </a:rPr>
-              <a:t>Apply threshold to grayscale histogram to separate objects from background</a:t>
+              <a:t>Improve segmented images using morphological operations</a:t>
             </a:r>
           </a:p>
         </p:txBody>
@@ -7217,8 +10462,8 @@
         </p:nvSpPr>
         <p:spPr>
           <a:xfrm>
-            <a:off x="838080" y="365040"/>
-            <a:ext cx="10515240" cy="1325160"/>
+            <a:off x="-1" y="0"/>
+            <a:ext cx="12191759" cy="1325160"/>
           </a:xfrm>
           <a:prstGeom prst="rect">
             <a:avLst/>
@@ -7234,22 +10479,22 @@
           </a:bodyPr>
           <a:lstStyle/>
           <a:p>
-            <a:pPr>
+            <a:pPr algn="ctr">
               <a:lnSpc>
                 <a:spcPct val="90000"/>
               </a:lnSpc>
               <a:buNone/>
             </a:pPr>
             <a:r>
-              <a:rPr lang="en-US" sz="4400" b="0" strike="noStrike" spc="-1" dirty="0">
+              <a:rPr lang="en-US" sz="4400" b="1" strike="noStrike" spc="-1" dirty="0">
                 <a:solidFill>
                   <a:srgbClr val="000000"/>
                 </a:solidFill>
                 <a:latin typeface="Calibri Light"/>
               </a:rPr>
-              <a:t>RESULTS &amp; ANALYSIS</a:t>
-            </a:r>
-            <a:endParaRPr lang="en-US" sz="4400" b="0" strike="noStrike" spc="-1" dirty="0">
+              <a:t>MORPHOLOGICAL OPERATIONS - MANUAL</a:t>
+            </a:r>
+            <a:endParaRPr lang="en-US" sz="4400" b="1" strike="noStrike" spc="-1" dirty="0">
               <a:solidFill>
                 <a:srgbClr val="000000"/>
               </a:solidFill>
@@ -7308,13 +10553,23 @@
               </a:tabLst>
             </a:pPr>
             <a:r>
-              <a:rPr lang="en-US" sz="1200" b="0" strike="noStrike" spc="-1">
+              <a:rPr lang="en-US" sz="1200" b="0" strike="noStrike" spc="-1" dirty="0">
                 <a:solidFill>
                   <a:srgbClr val="000000"/>
                 </a:solidFill>
                 <a:latin typeface="Calibri"/>
               </a:rPr>
               <a:t>Codes and files: </a:t>
+            </a:r>
+            <a:r>
+              <a:rPr lang="en-US" sz="1200" spc="-1" dirty="0">
+                <a:solidFill>
+                  <a:srgbClr val="000000"/>
+                </a:solidFill>
+                <a:latin typeface="Calibri"/>
+                <a:hlinkClick r:id="rId2"/>
+              </a:rPr>
+              <a:t>https://github.com/genvert/AP_157_FX-2_Vertudez/tree/main/Activity</a:t>
             </a:r>
             <a:r>
               <a:rPr lang="en-US" sz="1200" spc="-1">
@@ -7324,20 +10579,23 @@
                 <a:latin typeface="Calibri"/>
                 <a:hlinkClick r:id="rId2"/>
               </a:rPr>
-              <a:t>https://github.com/genvert/AP_157_FX-2_Vertudez/tree/main/Activity%207</a:t>
-            </a:r>
-            <a:endParaRPr lang="en-PH" sz="1200" b="0" strike="noStrike" spc="-1" dirty="0">
-              <a:latin typeface="Arial"/>
+              <a:t>%207</a:t>
+            </a:r>
+            <a:endParaRPr lang="en-US" sz="1200" spc="-1" dirty="0">
+              <a:solidFill>
+                <a:srgbClr val="000000"/>
+              </a:solidFill>
+              <a:latin typeface="Calibri"/>
             </a:endParaRPr>
           </a:p>
         </p:txBody>
       </p:sp>
       <p:pic>
         <p:nvPicPr>
-          <p:cNvPr id="3" name="Picture 2" descr="A picture containing screenshot, flower, colorfulness, text&#10;&#10;Description automatically generated">
+          <p:cNvPr id="3" name="Picture 2" descr="A picture containing text, diagram, plan, parallel&#10;&#10;Description automatically generated">
             <a:extLst>
               <a:ext uri="{FF2B5EF4-FFF2-40B4-BE49-F238E27FC236}">
-                <a16:creationId xmlns:a16="http://schemas.microsoft.com/office/drawing/2014/main" id="{B1555EEC-1E36-71BA-059D-51A4E4B759AD}"/>
+                <a16:creationId xmlns:a16="http://schemas.microsoft.com/office/drawing/2014/main" id="{9CBC4DD8-A761-EFD4-CA43-917EC8002C94}"/>
               </a:ext>
             </a:extLst>
           </p:cNvPr>
@@ -7360,8 +10618,8 @@
         </p:blipFill>
         <p:spPr>
           <a:xfrm>
-            <a:off x="1330159" y="4252403"/>
-            <a:ext cx="4132091" cy="2066046"/>
+            <a:off x="488943" y="3429000"/>
+            <a:ext cx="2061720" cy="2739032"/>
           </a:xfrm>
           <a:prstGeom prst="rect">
             <a:avLst/>
@@ -7370,10 +10628,10 @@
       </p:pic>
       <p:pic>
         <p:nvPicPr>
-          <p:cNvPr id="5" name="Picture 4" descr="A picture containing text, screenshot, number, font&#10;&#10;Description automatically generated">
+          <p:cNvPr id="5" name="Picture 4" descr="A picture containing text, diagram, plan, rectangle&#10;&#10;Description automatically generated">
             <a:extLst>
               <a:ext uri="{FF2B5EF4-FFF2-40B4-BE49-F238E27FC236}">
-                <a16:creationId xmlns:a16="http://schemas.microsoft.com/office/drawing/2014/main" id="{A8FC45C7-B45A-22E3-180A-104565792608}"/>
+                <a16:creationId xmlns:a16="http://schemas.microsoft.com/office/drawing/2014/main" id="{74D32E59-656C-18C5-E356-42D7FA1A10EC}"/>
               </a:ext>
             </a:extLst>
           </p:cNvPr>
@@ -7383,7 +10641,7 @@
           <p:nvPr/>
         </p:nvPicPr>
         <p:blipFill>
-          <a:blip r:embed="rId4">
+          <a:blip r:embed="rId4" cstate="print">
             <a:extLst>
               <a:ext uri="{28A0092B-C50C-407E-A947-70E740481C1C}">
                 <a14:useLocalDpi xmlns:a14="http://schemas.microsoft.com/office/drawing/2010/main" val="0"/>
@@ -7396,8 +10654,8 @@
         </p:blipFill>
         <p:spPr>
           <a:xfrm>
-            <a:off x="7830532" y="3948302"/>
-            <a:ext cx="2842089" cy="2181470"/>
+            <a:off x="9641337" y="3429000"/>
+            <a:ext cx="2061720" cy="2736534"/>
           </a:xfrm>
           <a:prstGeom prst="rect">
             <a:avLst/>
@@ -7406,10 +10664,10 @@
       </p:pic>
       <p:pic>
         <p:nvPicPr>
-          <p:cNvPr id="7" name="Picture 6" descr="A picture containing black and white&#10;&#10;Description automatically generated">
+          <p:cNvPr id="7" name="Picture 6" descr="A picture containing diagram, plan, schematic, sketch&#10;&#10;Description automatically generated">
             <a:extLst>
               <a:ext uri="{FF2B5EF4-FFF2-40B4-BE49-F238E27FC236}">
-                <a16:creationId xmlns:a16="http://schemas.microsoft.com/office/drawing/2014/main" id="{E2E0345E-0C7E-AEAA-5EAE-0270FF5B2FEE}"/>
+                <a16:creationId xmlns:a16="http://schemas.microsoft.com/office/drawing/2014/main" id="{20D7274F-02E4-D1D6-6FE1-1369B288BF84}"/>
               </a:ext>
             </a:extLst>
           </p:cNvPr>
@@ -7419,7 +10677,7 @@
           <p:nvPr/>
         </p:nvPicPr>
         <p:blipFill>
-          <a:blip r:embed="rId5">
+          <a:blip r:embed="rId5" cstate="print">
             <a:extLst>
               <a:ext uri="{28A0092B-C50C-407E-A947-70E740481C1C}">
                 <a14:useLocalDpi xmlns:a14="http://schemas.microsoft.com/office/drawing/2010/main" val="0"/>
@@ -7432,8 +10690,8 @@
         </p:blipFill>
         <p:spPr>
           <a:xfrm>
-            <a:off x="6603615" y="858594"/>
-            <a:ext cx="3218694" cy="2194564"/>
+            <a:off x="3519537" y="3429000"/>
+            <a:ext cx="2104199" cy="2739032"/>
           </a:xfrm>
           <a:prstGeom prst="rect">
             <a:avLst/>
@@ -7442,10 +10700,10 @@
       </p:pic>
       <p:pic>
         <p:nvPicPr>
-          <p:cNvPr id="9" name="Picture 8" descr="A close-up of a microscope&#10;&#10;Description automatically generated with low confidence">
+          <p:cNvPr id="9" name="Picture 8" descr="A picture containing text, diagram, rectangle, plan&#10;&#10;Description automatically generated">
             <a:extLst>
               <a:ext uri="{FF2B5EF4-FFF2-40B4-BE49-F238E27FC236}">
-                <a16:creationId xmlns:a16="http://schemas.microsoft.com/office/drawing/2014/main" id="{495E0B09-776F-4636-DE89-CD1EC9CAE8F4}"/>
+                <a16:creationId xmlns:a16="http://schemas.microsoft.com/office/drawing/2014/main" id="{0C8D7B2F-1671-0A40-FFDD-167787861DE9}"/>
               </a:ext>
             </a:extLst>
           </p:cNvPr>
@@ -7455,7 +10713,7 @@
           <p:nvPr/>
         </p:nvPicPr>
         <p:blipFill>
-          <a:blip r:embed="rId6">
+          <a:blip r:embed="rId6" cstate="print">
             <a:extLst>
               <a:ext uri="{28A0092B-C50C-407E-A947-70E740481C1C}">
                 <a14:useLocalDpi xmlns:a14="http://schemas.microsoft.com/office/drawing/2010/main" val="0"/>
@@ -7468,20 +10726,238 @@
         </p:blipFill>
         <p:spPr>
           <a:xfrm>
-            <a:off x="1719805" y="1494148"/>
-            <a:ext cx="3352800" cy="2286000"/>
+            <a:off x="6592611" y="3429001"/>
+            <a:ext cx="2079851" cy="2739032"/>
           </a:xfrm>
           <a:prstGeom prst="rect">
             <a:avLst/>
           </a:prstGeom>
         </p:spPr>
       </p:pic>
+      <p:sp>
+        <p:nvSpPr>
+          <p:cNvPr id="10" name="TextBox 9">
+            <a:extLst>
+              <a:ext uri="{FF2B5EF4-FFF2-40B4-BE49-F238E27FC236}">
+                <a16:creationId xmlns:a16="http://schemas.microsoft.com/office/drawing/2014/main" id="{EBFC1B79-F698-B3A4-99DB-BA406F8442F5}"/>
+              </a:ext>
+            </a:extLst>
+          </p:cNvPr>
+          <p:cNvSpPr txBox="1"/>
+          <p:nvPr/>
+        </p:nvSpPr>
+        <p:spPr>
+          <a:xfrm>
+            <a:off x="803365" y="6165534"/>
+            <a:ext cx="1432875" cy="338554"/>
+          </a:xfrm>
+          <a:prstGeom prst="rect">
+            <a:avLst/>
+          </a:prstGeom>
+          <a:noFill/>
+        </p:spPr>
+        <p:txBody>
+          <a:bodyPr wrap="square" rtlCol="0">
+            <a:spAutoFit/>
+          </a:bodyPr>
+          <a:lstStyle/>
+          <a:p>
+            <a:pPr algn="ctr"/>
+            <a:r>
+              <a:rPr lang="en-US" sz="1600" b="1" dirty="0">
+                <a:latin typeface="Calibri" panose="020F0502020204030204" pitchFamily="34" charset="0"/>
+                <a:cs typeface="Calibri" panose="020F0502020204030204" pitchFamily="34" charset="0"/>
+              </a:rPr>
+              <a:t>Solid square</a:t>
+            </a:r>
+          </a:p>
+        </p:txBody>
+      </p:sp>
+      <p:sp>
+        <p:nvSpPr>
+          <p:cNvPr id="11" name="TextBox 10">
+            <a:extLst>
+              <a:ext uri="{FF2B5EF4-FFF2-40B4-BE49-F238E27FC236}">
+                <a16:creationId xmlns:a16="http://schemas.microsoft.com/office/drawing/2014/main" id="{6AEB4832-7289-07A7-4295-7326272A8B79}"/>
+              </a:ext>
+            </a:extLst>
+          </p:cNvPr>
+          <p:cNvSpPr txBox="1"/>
+          <p:nvPr/>
+        </p:nvSpPr>
+        <p:spPr>
+          <a:xfrm>
+            <a:off x="3855198" y="6165534"/>
+            <a:ext cx="1432875" cy="338554"/>
+          </a:xfrm>
+          <a:prstGeom prst="rect">
+            <a:avLst/>
+          </a:prstGeom>
+          <a:noFill/>
+        </p:spPr>
+        <p:txBody>
+          <a:bodyPr wrap="square" rtlCol="0">
+            <a:spAutoFit/>
+          </a:bodyPr>
+          <a:lstStyle/>
+          <a:p>
+            <a:pPr algn="ctr"/>
+            <a:r>
+              <a:rPr lang="en-US" sz="1600" b="1" dirty="0">
+                <a:latin typeface="Calibri" panose="020F0502020204030204" pitchFamily="34" charset="0"/>
+                <a:cs typeface="Calibri" panose="020F0502020204030204" pitchFamily="34" charset="0"/>
+              </a:rPr>
+              <a:t>Hollow square</a:t>
+            </a:r>
+          </a:p>
+        </p:txBody>
+      </p:sp>
+      <p:sp>
+        <p:nvSpPr>
+          <p:cNvPr id="12" name="TextBox 11">
+            <a:extLst>
+              <a:ext uri="{FF2B5EF4-FFF2-40B4-BE49-F238E27FC236}">
+                <a16:creationId xmlns:a16="http://schemas.microsoft.com/office/drawing/2014/main" id="{A3EDC94A-CA75-8AEB-7327-009AA62177A3}"/>
+              </a:ext>
+            </a:extLst>
+          </p:cNvPr>
+          <p:cNvSpPr txBox="1"/>
+          <p:nvPr/>
+        </p:nvSpPr>
+        <p:spPr>
+          <a:xfrm>
+            <a:off x="6916069" y="6165534"/>
+            <a:ext cx="1432875" cy="338554"/>
+          </a:xfrm>
+          <a:prstGeom prst="rect">
+            <a:avLst/>
+          </a:prstGeom>
+          <a:noFill/>
+        </p:spPr>
+        <p:txBody>
+          <a:bodyPr wrap="square" rtlCol="0">
+            <a:spAutoFit/>
+          </a:bodyPr>
+          <a:lstStyle/>
+          <a:p>
+            <a:pPr algn="ctr"/>
+            <a:r>
+              <a:rPr lang="en-US" sz="1600" b="1" dirty="0">
+                <a:latin typeface="Calibri" panose="020F0502020204030204" pitchFamily="34" charset="0"/>
+                <a:cs typeface="Calibri" panose="020F0502020204030204" pitchFamily="34" charset="0"/>
+              </a:rPr>
+              <a:t>Plus symbol</a:t>
+            </a:r>
+          </a:p>
+        </p:txBody>
+      </p:sp>
+      <p:sp>
+        <p:nvSpPr>
+          <p:cNvPr id="13" name="TextBox 12">
+            <a:extLst>
+              <a:ext uri="{FF2B5EF4-FFF2-40B4-BE49-F238E27FC236}">
+                <a16:creationId xmlns:a16="http://schemas.microsoft.com/office/drawing/2014/main" id="{65E67B09-030D-C2C9-E027-3874D8F50BAE}"/>
+              </a:ext>
+            </a:extLst>
+          </p:cNvPr>
+          <p:cNvSpPr txBox="1"/>
+          <p:nvPr/>
+        </p:nvSpPr>
+        <p:spPr>
+          <a:xfrm>
+            <a:off x="9955759" y="6165534"/>
+            <a:ext cx="1432875" cy="338554"/>
+          </a:xfrm>
+          <a:prstGeom prst="rect">
+            <a:avLst/>
+          </a:prstGeom>
+          <a:noFill/>
+        </p:spPr>
+        <p:txBody>
+          <a:bodyPr wrap="square" rtlCol="0">
+            <a:spAutoFit/>
+          </a:bodyPr>
+          <a:lstStyle/>
+          <a:p>
+            <a:pPr algn="ctr"/>
+            <a:r>
+              <a:rPr lang="en-US" sz="1600" b="1" dirty="0" err="1">
+                <a:latin typeface="Calibri" panose="020F0502020204030204" pitchFamily="34" charset="0"/>
+                <a:cs typeface="Calibri" panose="020F0502020204030204" pitchFamily="34" charset="0"/>
+              </a:rPr>
+              <a:t>Dumbell</a:t>
+            </a:r>
+            <a:endParaRPr lang="en-US" sz="1600" b="1" dirty="0">
+              <a:latin typeface="Calibri" panose="020F0502020204030204" pitchFamily="34" charset="0"/>
+              <a:cs typeface="Calibri" panose="020F0502020204030204" pitchFamily="34" charset="0"/>
+            </a:endParaRPr>
+          </a:p>
+        </p:txBody>
+      </p:sp>
+      <p:sp>
+        <p:nvSpPr>
+          <p:cNvPr id="15" name="TextBox 14">
+            <a:extLst>
+              <a:ext uri="{FF2B5EF4-FFF2-40B4-BE49-F238E27FC236}">
+                <a16:creationId xmlns:a16="http://schemas.microsoft.com/office/drawing/2014/main" id="{44B9FB98-D7FB-F0C6-B569-8C8FF252ABDB}"/>
+              </a:ext>
+            </a:extLst>
+          </p:cNvPr>
+          <p:cNvSpPr txBox="1"/>
+          <p:nvPr/>
+        </p:nvSpPr>
+        <p:spPr>
+          <a:xfrm>
+            <a:off x="488943" y="1265808"/>
+            <a:ext cx="11322843" cy="2062103"/>
+          </a:xfrm>
+          <a:prstGeom prst="rect">
+            <a:avLst/>
+          </a:prstGeom>
+          <a:noFill/>
+        </p:spPr>
+        <p:txBody>
+          <a:bodyPr wrap="square" rtlCol="0">
+            <a:spAutoFit/>
+          </a:bodyPr>
+          <a:lstStyle/>
+          <a:p>
+            <a:pPr algn="just"/>
+            <a:r>
+              <a:rPr lang="en-US" sz="1600" b="1" dirty="0">
+                <a:latin typeface="Calibri" panose="020F0502020204030204" pitchFamily="34" charset="0"/>
+                <a:cs typeface="Calibri" panose="020F0502020204030204" pitchFamily="34" charset="0"/>
+              </a:rPr>
+              <a:t>Morphological operations </a:t>
+            </a:r>
+            <a:r>
+              <a:rPr lang="en-US" sz="1600" dirty="0">
+                <a:latin typeface="Calibri" panose="020F0502020204030204" pitchFamily="34" charset="0"/>
+                <a:cs typeface="Calibri" panose="020F0502020204030204" pitchFamily="34" charset="0"/>
+              </a:rPr>
+              <a:t>are usually used on binary images of 0’s and 1’s where the 1’s constitute the image. As the name suggests, they are operations used to manipulate the morphology, or shape, of an image based on a given structuring element (SE). The common morphological operations include the dilation, erosion, opening (erode then dilate), and closing (dilate then erode) operation.</a:t>
+            </a:r>
+          </a:p>
+          <a:p>
+            <a:pPr algn="just"/>
+            <a:endParaRPr lang="en-US" sz="1600" b="1" dirty="0">
+              <a:latin typeface="Calibri" panose="020F0502020204030204" pitchFamily="34" charset="0"/>
+              <a:cs typeface="Calibri" panose="020F0502020204030204" pitchFamily="34" charset="0"/>
+            </a:endParaRPr>
+          </a:p>
+          <a:p>
+            <a:pPr algn="just"/>
+            <a:r>
+              <a:rPr lang="en-US" sz="1600" dirty="0">
+                <a:latin typeface="Calibri" panose="020F0502020204030204" pitchFamily="34" charset="0"/>
+                <a:cs typeface="Calibri" panose="020F0502020204030204" pitchFamily="34" charset="0"/>
+              </a:rPr>
+              <a:t>Before trying out the morphological operations available in Python, I tried mapping the results in a graphing paper. Dilation “extends” an image, while erosion “contracts” it. Dilation works by overlapping the origin of the SE over different pixels, and “turning on”, or switching that pixel to a 1 IF the image and the structuring element overlap even by one pixel. On the other hand, erosion works by again overlapping the origin of the SE over different pixels, and turning it on only when the SE is fully inside the image.</a:t>
+            </a:r>
+          </a:p>
+        </p:txBody>
+      </p:sp>
     </p:spTree>
-    <p:extLst>
-      <p:ext uri="{BB962C8B-B14F-4D97-AF65-F5344CB8AC3E}">
-        <p14:creationId xmlns:p14="http://schemas.microsoft.com/office/powerpoint/2010/main" val="3693483658"/>
-      </p:ext>
-    </p:extLst>
   </p:cSld>
   <p:clrMapOvr>
     <a:masterClrMapping/>
@@ -7508,7 +10984,7 @@
       </p:grpSpPr>
       <p:sp>
         <p:nvSpPr>
-          <p:cNvPr id="104" name="PlaceHolder 2"/>
+          <p:cNvPr id="109" name="PlaceHolder 1"/>
           <p:cNvSpPr>
             <a:spLocks noGrp="1"/>
           </p:cNvSpPr>
@@ -7542,15 +11018,15 @@
               <a:buNone/>
             </a:pPr>
             <a:r>
-              <a:rPr lang="en-US" sz="4400" b="0" strike="noStrike" spc="-1" dirty="0">
+              <a:rPr lang="en-US" sz="4400" b="1" strike="noStrike" spc="-1" dirty="0">
                 <a:solidFill>
                   <a:srgbClr val="000000"/>
                 </a:solidFill>
                 <a:latin typeface="Calibri Light"/>
               </a:rPr>
-              <a:t>RESULTS &amp; ANALYSIS</a:t>
-            </a:r>
-            <a:endParaRPr lang="en-US" sz="4400" b="0" strike="noStrike" spc="-1" dirty="0">
+              <a:t>REFLECTION</a:t>
+            </a:r>
+            <a:endParaRPr lang="en-US" sz="4400" b="1" strike="noStrike" spc="-1" dirty="0">
               <a:solidFill>
                 <a:srgbClr val="000000"/>
               </a:solidFill>
@@ -7561,264 +11037,260 @@
       </p:sp>
       <p:sp>
         <p:nvSpPr>
-          <p:cNvPr id="105" name="Content Placeholder 2"/>
-          <p:cNvSpPr/>
-          <p:nvPr/>
-        </p:nvSpPr>
-        <p:spPr>
-          <a:xfrm>
-            <a:off x="0" y="6610680"/>
-            <a:ext cx="12191760" cy="246960"/>
-          </a:xfrm>
-          <a:prstGeom prst="rect">
-            <a:avLst/>
-          </a:prstGeom>
-          <a:noFill/>
-          <a:ln w="0">
-            <a:noFill/>
-          </a:ln>
-        </p:spPr>
-        <p:style>
-          <a:lnRef idx="0">
-            <a:scrgbClr r="0" g="0" b="0"/>
-          </a:lnRef>
-          <a:fillRef idx="0">
-            <a:scrgbClr r="0" g="0" b="0"/>
-          </a:fillRef>
-          <a:effectRef idx="0">
-            <a:scrgbClr r="0" g="0" b="0"/>
-          </a:effectRef>
-          <a:fontRef idx="minor"/>
-        </p:style>
-        <p:txBody>
-          <a:bodyPr anchor="t">
-            <a:normAutofit fontScale="95000"/>
-          </a:bodyPr>
-          <a:lstStyle/>
-          <a:p>
-            <a:pPr>
-              <a:lnSpc>
-                <a:spcPct val="90000"/>
-              </a:lnSpc>
-              <a:spcBef>
-                <a:spcPts val="1001"/>
-              </a:spcBef>
-              <a:buNone/>
-              <a:tabLst>
-                <a:tab pos="0" algn="l"/>
-              </a:tabLst>
-            </a:pPr>
-            <a:r>
-              <a:rPr lang="en-US" sz="1200" b="0" strike="noStrike" spc="-1">
-                <a:solidFill>
-                  <a:srgbClr val="000000"/>
-                </a:solidFill>
-                <a:latin typeface="Calibri"/>
-              </a:rPr>
-              <a:t>Codes and files: </a:t>
-            </a:r>
-            <a:r>
-              <a:rPr lang="en-US" sz="1200" spc="-1">
-                <a:solidFill>
-                  <a:srgbClr val="000000"/>
-                </a:solidFill>
-                <a:latin typeface="Calibri"/>
-                <a:hlinkClick r:id="rId2"/>
-              </a:rPr>
-              <a:t>https://github.com/genvert/AP_157_FX-2_Vertudez/tree/main/Activity%207</a:t>
-            </a:r>
-            <a:endParaRPr lang="en-PH" sz="1200" b="0" strike="noStrike" spc="-1" dirty="0">
-              <a:latin typeface="Arial"/>
-            </a:endParaRPr>
-          </a:p>
-        </p:txBody>
-      </p:sp>
-      <p:pic>
-        <p:nvPicPr>
-          <p:cNvPr id="4" name="Picture 3" descr="A picture containing text, screenshot, number, font&#10;&#10;Description automatically generated">
+          <p:cNvPr id="3" name="Content Placeholder 2">
             <a:extLst>
               <a:ext uri="{FF2B5EF4-FFF2-40B4-BE49-F238E27FC236}">
-                <a16:creationId xmlns:a16="http://schemas.microsoft.com/office/drawing/2014/main" id="{0EDF2058-8F65-4206-C53F-01117A75971E}"/>
+                <a16:creationId xmlns:a16="http://schemas.microsoft.com/office/drawing/2014/main" id="{3661E796-F4E5-FB00-CF9E-2EBCFE9E3B0C}"/>
               </a:ext>
             </a:extLst>
           </p:cNvPr>
-          <p:cNvPicPr>
-            <a:picLocks noChangeAspect="1"/>
-          </p:cNvPicPr>
+          <p:cNvSpPr txBox="1">
+            <a:spLocks/>
+          </p:cNvSpPr>
           <p:nvPr/>
-        </p:nvPicPr>
-        <p:blipFill>
-          <a:blip r:embed="rId3" cstate="print">
-            <a:extLst>
-              <a:ext uri="{28A0092B-C50C-407E-A947-70E740481C1C}">
-                <a14:useLocalDpi xmlns:a14="http://schemas.microsoft.com/office/drawing/2010/main" val="0"/>
-              </a:ext>
-            </a:extLst>
-          </a:blip>
-          <a:stretch>
-            <a:fillRect/>
-          </a:stretch>
-        </p:blipFill>
+        </p:nvSpPr>
         <p:spPr>
           <a:xfrm>
-            <a:off x="7196862" y="2959032"/>
-            <a:ext cx="1431146" cy="1257816"/>
+            <a:off x="838200" y="1825625"/>
+            <a:ext cx="10515600" cy="4351338"/>
           </a:xfrm>
           <a:prstGeom prst="rect">
             <a:avLst/>
           </a:prstGeom>
         </p:spPr>
-      </p:pic>
-      <p:pic>
-        <p:nvPicPr>
-          <p:cNvPr id="8" name="Picture 7" descr="A picture containing screenshot, colorfulness, art&#10;&#10;Description automatically generated">
-            <a:extLst>
-              <a:ext uri="{FF2B5EF4-FFF2-40B4-BE49-F238E27FC236}">
-                <a16:creationId xmlns:a16="http://schemas.microsoft.com/office/drawing/2014/main" id="{65A805B3-8620-4510-A547-531AF9669238}"/>
-              </a:ext>
-            </a:extLst>
-          </p:cNvPr>
-          <p:cNvPicPr>
-            <a:picLocks noChangeAspect="1"/>
-          </p:cNvPicPr>
-          <p:nvPr/>
-        </p:nvPicPr>
-        <p:blipFill>
-          <a:blip r:embed="rId4" cstate="print">
-            <a:extLst>
-              <a:ext uri="{28A0092B-C50C-407E-A947-70E740481C1C}">
-                <a14:useLocalDpi xmlns:a14="http://schemas.microsoft.com/office/drawing/2010/main" val="0"/>
-              </a:ext>
-            </a:extLst>
-          </a:blip>
-          <a:stretch>
-            <a:fillRect/>
-          </a:stretch>
-        </p:blipFill>
-        <p:spPr>
-          <a:xfrm>
-            <a:off x="6475309" y="5368810"/>
-            <a:ext cx="2248300" cy="1124150"/>
-          </a:xfrm>
-          <a:prstGeom prst="rect">
-            <a:avLst/>
-          </a:prstGeom>
-        </p:spPr>
-      </p:pic>
-      <p:pic>
-        <p:nvPicPr>
-          <p:cNvPr id="10" name="Picture 9" descr="A picture containing pattern, wrapping paper, black and white, design&#10;&#10;Description automatically generated">
-            <a:extLst>
-              <a:ext uri="{FF2B5EF4-FFF2-40B4-BE49-F238E27FC236}">
-                <a16:creationId xmlns:a16="http://schemas.microsoft.com/office/drawing/2014/main" id="{89B1E009-578C-F8DE-847C-58FCB715F53F}"/>
-              </a:ext>
-            </a:extLst>
-          </p:cNvPr>
-          <p:cNvPicPr>
-            <a:picLocks noChangeAspect="1"/>
-          </p:cNvPicPr>
-          <p:nvPr/>
-        </p:nvPicPr>
-        <p:blipFill>
-          <a:blip r:embed="rId5" cstate="print">
-            <a:extLst>
-              <a:ext uri="{28A0092B-C50C-407E-A947-70E740481C1C}">
-                <a14:useLocalDpi xmlns:a14="http://schemas.microsoft.com/office/drawing/2010/main" val="0"/>
-              </a:ext>
-            </a:extLst>
-          </a:blip>
-          <a:stretch>
-            <a:fillRect/>
-          </a:stretch>
-        </p:blipFill>
-        <p:spPr>
-          <a:xfrm>
-            <a:off x="3860954" y="2536420"/>
-            <a:ext cx="2417615" cy="2417615"/>
-          </a:xfrm>
-          <a:prstGeom prst="rect">
-            <a:avLst/>
-          </a:prstGeom>
-        </p:spPr>
-      </p:pic>
-      <p:pic>
-        <p:nvPicPr>
-          <p:cNvPr id="12" name="Picture 11" descr="A picture containing text, screenshot, number, menu&#10;&#10;Description automatically generated">
-            <a:extLst>
-              <a:ext uri="{FF2B5EF4-FFF2-40B4-BE49-F238E27FC236}">
-                <a16:creationId xmlns:a16="http://schemas.microsoft.com/office/drawing/2014/main" id="{BFDBF8CB-CD25-8C5E-D568-F431735CDF19}"/>
-              </a:ext>
-            </a:extLst>
-          </p:cNvPr>
-          <p:cNvPicPr>
-            <a:picLocks noChangeAspect="1"/>
-          </p:cNvPicPr>
-          <p:nvPr/>
-        </p:nvPicPr>
-        <p:blipFill>
-          <a:blip r:embed="rId6" cstate="print">
-            <a:extLst>
-              <a:ext uri="{28A0092B-C50C-407E-A947-70E740481C1C}">
-                <a14:useLocalDpi xmlns:a14="http://schemas.microsoft.com/office/drawing/2010/main" val="0"/>
-              </a:ext>
-            </a:extLst>
-          </a:blip>
-          <a:stretch>
-            <a:fillRect/>
-          </a:stretch>
-        </p:blipFill>
-        <p:spPr>
-          <a:xfrm>
-            <a:off x="8912540" y="3757119"/>
-            <a:ext cx="1428804" cy="1196916"/>
-          </a:xfrm>
-          <a:prstGeom prst="rect">
-            <a:avLst/>
-          </a:prstGeom>
-        </p:spPr>
-      </p:pic>
-      <p:pic>
-        <p:nvPicPr>
-          <p:cNvPr id="14" name="Picture 13" descr="A group of rocks on a black background&#10;&#10;Description automatically generated with low confidence">
-            <a:extLst>
-              <a:ext uri="{FF2B5EF4-FFF2-40B4-BE49-F238E27FC236}">
-                <a16:creationId xmlns:a16="http://schemas.microsoft.com/office/drawing/2014/main" id="{347F31F0-DC0C-DAFA-BE3A-993610631F7A}"/>
-              </a:ext>
-            </a:extLst>
-          </p:cNvPr>
-          <p:cNvPicPr>
-            <a:picLocks noChangeAspect="1"/>
-          </p:cNvPicPr>
-          <p:nvPr/>
-        </p:nvPicPr>
-        <p:blipFill>
-          <a:blip r:embed="rId7" cstate="print">
-            <a:extLst>
-              <a:ext uri="{28A0092B-C50C-407E-A947-70E740481C1C}">
-                <a14:useLocalDpi xmlns:a14="http://schemas.microsoft.com/office/drawing/2010/main" val="0"/>
-              </a:ext>
-            </a:extLst>
-          </a:blip>
-          <a:stretch>
-            <a:fillRect/>
-          </a:stretch>
-        </p:blipFill>
-        <p:spPr>
-          <a:xfrm>
-            <a:off x="955849" y="1668969"/>
-            <a:ext cx="2415063" cy="2415063"/>
-          </a:xfrm>
-          <a:prstGeom prst="rect">
-            <a:avLst/>
-          </a:prstGeom>
-        </p:spPr>
-      </p:pic>
+        <p:txBody>
+          <a:bodyPr vert="horz" lIns="91440" tIns="45720" rIns="91440" bIns="45720" rtlCol="0">
+            <a:normAutofit/>
+          </a:bodyPr>
+          <a:lstStyle>
+            <a:lvl1pPr marL="228600" indent="-228600" algn="l" defTabSz="914400" rtl="0" eaLnBrk="1" latinLnBrk="0" hangingPunct="1">
+              <a:lnSpc>
+                <a:spcPct val="90000"/>
+              </a:lnSpc>
+              <a:spcBef>
+                <a:spcPts val="1000"/>
+              </a:spcBef>
+              <a:buFont typeface="Arial" panose="020B0604020202020204" pitchFamily="34" charset="0"/>
+              <a:buChar char="•"/>
+              <a:defRPr sz="2800" kern="1200">
+                <a:solidFill>
+                  <a:schemeClr val="tx1"/>
+                </a:solidFill>
+                <a:latin typeface="+mn-lt"/>
+                <a:ea typeface="+mn-ea"/>
+                <a:cs typeface="+mn-cs"/>
+              </a:defRPr>
+            </a:lvl1pPr>
+            <a:lvl2pPr marL="685800" indent="-228600" algn="l" defTabSz="914400" rtl="0" eaLnBrk="1" latinLnBrk="0" hangingPunct="1">
+              <a:lnSpc>
+                <a:spcPct val="90000"/>
+              </a:lnSpc>
+              <a:spcBef>
+                <a:spcPts val="500"/>
+              </a:spcBef>
+              <a:buFont typeface="Arial" panose="020B0604020202020204" pitchFamily="34" charset="0"/>
+              <a:buChar char="•"/>
+              <a:defRPr sz="2400" kern="1200">
+                <a:solidFill>
+                  <a:schemeClr val="tx1"/>
+                </a:solidFill>
+                <a:latin typeface="+mn-lt"/>
+                <a:ea typeface="+mn-ea"/>
+                <a:cs typeface="+mn-cs"/>
+              </a:defRPr>
+            </a:lvl2pPr>
+            <a:lvl3pPr marL="1143000" indent="-228600" algn="l" defTabSz="914400" rtl="0" eaLnBrk="1" latinLnBrk="0" hangingPunct="1">
+              <a:lnSpc>
+                <a:spcPct val="90000"/>
+              </a:lnSpc>
+              <a:spcBef>
+                <a:spcPts val="500"/>
+              </a:spcBef>
+              <a:buFont typeface="Arial" panose="020B0604020202020204" pitchFamily="34" charset="0"/>
+              <a:buChar char="•"/>
+              <a:defRPr sz="2000" kern="1200">
+                <a:solidFill>
+                  <a:schemeClr val="tx1"/>
+                </a:solidFill>
+                <a:latin typeface="+mn-lt"/>
+                <a:ea typeface="+mn-ea"/>
+                <a:cs typeface="+mn-cs"/>
+              </a:defRPr>
+            </a:lvl3pPr>
+            <a:lvl4pPr marL="1600200" indent="-228600" algn="l" defTabSz="914400" rtl="0" eaLnBrk="1" latinLnBrk="0" hangingPunct="1">
+              <a:lnSpc>
+                <a:spcPct val="90000"/>
+              </a:lnSpc>
+              <a:spcBef>
+                <a:spcPts val="500"/>
+              </a:spcBef>
+              <a:buFont typeface="Arial" panose="020B0604020202020204" pitchFamily="34" charset="0"/>
+              <a:buChar char="•"/>
+              <a:defRPr sz="1800" kern="1200">
+                <a:solidFill>
+                  <a:schemeClr val="tx1"/>
+                </a:solidFill>
+                <a:latin typeface="+mn-lt"/>
+                <a:ea typeface="+mn-ea"/>
+                <a:cs typeface="+mn-cs"/>
+              </a:defRPr>
+            </a:lvl4pPr>
+            <a:lvl5pPr marL="2057400" indent="-228600" algn="l" defTabSz="914400" rtl="0" eaLnBrk="1" latinLnBrk="0" hangingPunct="1">
+              <a:lnSpc>
+                <a:spcPct val="90000"/>
+              </a:lnSpc>
+              <a:spcBef>
+                <a:spcPts val="500"/>
+              </a:spcBef>
+              <a:buFont typeface="Arial" panose="020B0604020202020204" pitchFamily="34" charset="0"/>
+              <a:buChar char="•"/>
+              <a:defRPr sz="1800" kern="1200">
+                <a:solidFill>
+                  <a:schemeClr val="tx1"/>
+                </a:solidFill>
+                <a:latin typeface="+mn-lt"/>
+                <a:ea typeface="+mn-ea"/>
+                <a:cs typeface="+mn-cs"/>
+              </a:defRPr>
+            </a:lvl5pPr>
+            <a:lvl6pPr marL="2514600" indent="-228600" algn="l" defTabSz="914400" rtl="0" eaLnBrk="1" latinLnBrk="0" hangingPunct="1">
+              <a:lnSpc>
+                <a:spcPct val="90000"/>
+              </a:lnSpc>
+              <a:spcBef>
+                <a:spcPts val="500"/>
+              </a:spcBef>
+              <a:buFont typeface="Arial" panose="020B0604020202020204" pitchFamily="34" charset="0"/>
+              <a:buChar char="•"/>
+              <a:defRPr sz="1800" kern="1200">
+                <a:solidFill>
+                  <a:schemeClr val="tx1"/>
+                </a:solidFill>
+                <a:latin typeface="+mn-lt"/>
+                <a:ea typeface="+mn-ea"/>
+                <a:cs typeface="+mn-cs"/>
+              </a:defRPr>
+            </a:lvl6pPr>
+            <a:lvl7pPr marL="2971800" indent="-228600" algn="l" defTabSz="914400" rtl="0" eaLnBrk="1" latinLnBrk="0" hangingPunct="1">
+              <a:lnSpc>
+                <a:spcPct val="90000"/>
+              </a:lnSpc>
+              <a:spcBef>
+                <a:spcPts val="500"/>
+              </a:spcBef>
+              <a:buFont typeface="Arial" panose="020B0604020202020204" pitchFamily="34" charset="0"/>
+              <a:buChar char="•"/>
+              <a:defRPr sz="1800" kern="1200">
+                <a:solidFill>
+                  <a:schemeClr val="tx1"/>
+                </a:solidFill>
+                <a:latin typeface="+mn-lt"/>
+                <a:ea typeface="+mn-ea"/>
+                <a:cs typeface="+mn-cs"/>
+              </a:defRPr>
+            </a:lvl7pPr>
+            <a:lvl8pPr marL="3429000" indent="-228600" algn="l" defTabSz="914400" rtl="0" eaLnBrk="1" latinLnBrk="0" hangingPunct="1">
+              <a:lnSpc>
+                <a:spcPct val="90000"/>
+              </a:lnSpc>
+              <a:spcBef>
+                <a:spcPts val="500"/>
+              </a:spcBef>
+              <a:buFont typeface="Arial" panose="020B0604020202020204" pitchFamily="34" charset="0"/>
+              <a:buChar char="•"/>
+              <a:defRPr sz="1800" kern="1200">
+                <a:solidFill>
+                  <a:schemeClr val="tx1"/>
+                </a:solidFill>
+                <a:latin typeface="+mn-lt"/>
+                <a:ea typeface="+mn-ea"/>
+                <a:cs typeface="+mn-cs"/>
+              </a:defRPr>
+            </a:lvl8pPr>
+            <a:lvl9pPr marL="3886200" indent="-228600" algn="l" defTabSz="914400" rtl="0" eaLnBrk="1" latinLnBrk="0" hangingPunct="1">
+              <a:lnSpc>
+                <a:spcPct val="90000"/>
+              </a:lnSpc>
+              <a:spcBef>
+                <a:spcPts val="500"/>
+              </a:spcBef>
+              <a:buFont typeface="Arial" panose="020B0604020202020204" pitchFamily="34" charset="0"/>
+              <a:buChar char="•"/>
+              <a:defRPr sz="1800" kern="1200">
+                <a:solidFill>
+                  <a:schemeClr val="tx1"/>
+                </a:solidFill>
+                <a:latin typeface="+mn-lt"/>
+                <a:ea typeface="+mn-ea"/>
+                <a:cs typeface="+mn-cs"/>
+              </a:defRPr>
+            </a:lvl9pPr>
+          </a:lstStyle>
+          <a:p>
+            <a:pPr marL="0" indent="0">
+              <a:buFont typeface="Arial" panose="020B0604020202020204" pitchFamily="34" charset="0"/>
+              <a:buNone/>
+            </a:pPr>
+            <a:r>
+              <a:rPr lang="en-US" dirty="0">
+                <a:latin typeface="Calibri" panose="020F0502020204030204" pitchFamily="34" charset="0"/>
+                <a:cs typeface="Calibri" panose="020F0502020204030204" pitchFamily="34" charset="0"/>
+              </a:rPr>
+              <a:t>This activity was somewhat a breather since it was fun and easy to do!</a:t>
+            </a:r>
+          </a:p>
+          <a:p>
+            <a:pPr marL="0" indent="0">
+              <a:buFont typeface="Arial" panose="020B0604020202020204" pitchFamily="34" charset="0"/>
+              <a:buNone/>
+            </a:pPr>
+            <a:r>
+              <a:rPr lang="en-US" dirty="0">
+                <a:latin typeface="Calibri" panose="020F0502020204030204" pitchFamily="34" charset="0"/>
+                <a:cs typeface="Calibri" panose="020F0502020204030204" pitchFamily="34" charset="0"/>
+              </a:rPr>
+              <a:t>It was nice to look back at Set Theory because I am fuzzy with it.</a:t>
+            </a:r>
+          </a:p>
+          <a:p>
+            <a:pPr marL="0" indent="0">
+              <a:buFont typeface="Arial" panose="020B0604020202020204" pitchFamily="34" charset="0"/>
+              <a:buNone/>
+            </a:pPr>
+            <a:r>
+              <a:rPr lang="en-US" dirty="0">
+                <a:latin typeface="Calibri" panose="020F0502020204030204" pitchFamily="34" charset="0"/>
+                <a:cs typeface="Calibri" panose="020F0502020204030204" pitchFamily="34" charset="0"/>
+              </a:rPr>
+              <a:t>I really enjoyed the manual mapping of the morphological operations and drawing it on a graphing paper. It was fun to visualize how the structuring elements will affect the images.</a:t>
+            </a:r>
+          </a:p>
+          <a:p>
+            <a:pPr marL="0" indent="0">
+              <a:buFont typeface="Arial" panose="020B0604020202020204" pitchFamily="34" charset="0"/>
+              <a:buNone/>
+            </a:pPr>
+            <a:r>
+              <a:rPr lang="en-US" dirty="0">
+                <a:latin typeface="Calibri" panose="020F0502020204030204" pitchFamily="34" charset="0"/>
+                <a:cs typeface="Calibri" panose="020F0502020204030204" pitchFamily="34" charset="0"/>
+              </a:rPr>
+              <a:t>Lastly, I found it satisfying when a noisy segmented image gets cleaned up using morphological operators.</a:t>
+            </a:r>
+          </a:p>
+          <a:p>
+            <a:pPr marL="0" indent="0">
+              <a:buFont typeface="Arial" panose="020B0604020202020204" pitchFamily="34" charset="0"/>
+              <a:buNone/>
+            </a:pPr>
+            <a:endParaRPr lang="en-US" dirty="0">
+              <a:latin typeface="Calibri" panose="020F0502020204030204" pitchFamily="34" charset="0"/>
+              <a:cs typeface="Calibri" panose="020F0502020204030204" pitchFamily="34" charset="0"/>
+            </a:endParaRPr>
+          </a:p>
+        </p:txBody>
+      </p:sp>
     </p:spTree>
-    <p:extLst>
-      <p:ext uri="{BB962C8B-B14F-4D97-AF65-F5344CB8AC3E}">
-        <p14:creationId xmlns:p14="http://schemas.microsoft.com/office/powerpoint/2010/main" val="3394261471"/>
-      </p:ext>
-    </p:extLst>
   </p:cSld>
   <p:clrMapOvr>
     <a:masterClrMapping/>
@@ -7845,7 +11317,7 @@
       </p:grpSpPr>
       <p:sp>
         <p:nvSpPr>
-          <p:cNvPr id="104" name="PlaceHolder 2"/>
+          <p:cNvPr id="109" name="PlaceHolder 1"/>
           <p:cNvSpPr>
             <a:spLocks noGrp="1"/>
           </p:cNvSpPr>
@@ -7879,33 +11351,32 @@
               <a:buNone/>
             </a:pPr>
             <a:r>
-              <a:rPr lang="en-US" sz="4400" b="0" strike="noStrike" spc="-1" dirty="0">
+              <a:rPr lang="en-US" sz="4400" b="1" strike="noStrike" spc="-1" dirty="0">
                 <a:solidFill>
                   <a:srgbClr val="000000"/>
                 </a:solidFill>
-                <a:latin typeface="Calibri Light"/>
+                <a:latin typeface="Calibri Light" panose="020F0302020204030204" pitchFamily="34" charset="0"/>
+                <a:cs typeface="Calibri Light" panose="020F0302020204030204" pitchFamily="34" charset="0"/>
               </a:rPr>
-              <a:t>RESULTS &amp; ANALYSIS</a:t>
-            </a:r>
-            <a:endParaRPr lang="en-US" sz="4400" b="0" strike="noStrike" spc="-1" dirty="0">
-              <a:solidFill>
-                <a:srgbClr val="000000"/>
-              </a:solidFill>
-              <a:latin typeface="Calibri"/>
-            </a:endParaRPr>
-          </a:p>
-        </p:txBody>
-      </p:sp>
-      <p:sp>
-        <p:nvSpPr>
-          <p:cNvPr id="105" name="Content Placeholder 2"/>
-          <p:cNvSpPr/>
-          <p:nvPr/>
+              <a:t>SELF-GRADE</a:t>
+            </a:r>
+          </a:p>
+        </p:txBody>
+      </p:sp>
+      <p:sp>
+        <p:nvSpPr>
+          <p:cNvPr id="110" name="PlaceHolder 2"/>
+          <p:cNvSpPr>
+            <a:spLocks noGrp="1"/>
+          </p:cNvSpPr>
+          <p:nvPr>
+            <p:ph/>
+          </p:nvPr>
         </p:nvSpPr>
         <p:spPr>
           <a:xfrm>
-            <a:off x="0" y="6610680"/>
-            <a:ext cx="12191760" cy="246960"/>
+            <a:off x="838080" y="1825560"/>
+            <a:ext cx="10515240" cy="4350960"/>
           </a:xfrm>
           <a:prstGeom prst="rect">
             <a:avLst/>
@@ -7915,245 +11386,206 @@
             <a:noFill/>
           </a:ln>
         </p:spPr>
-        <p:style>
-          <a:lnRef idx="0">
-            <a:scrgbClr r="0" g="0" b="0"/>
-          </a:lnRef>
-          <a:fillRef idx="0">
-            <a:scrgbClr r="0" g="0" b="0"/>
-          </a:fillRef>
-          <a:effectRef idx="0">
-            <a:scrgbClr r="0" g="0" b="0"/>
-          </a:effectRef>
-          <a:fontRef idx="minor"/>
-        </p:style>
         <p:txBody>
           <a:bodyPr anchor="t">
-            <a:normAutofit fontScale="95000"/>
+            <a:noAutofit/>
           </a:bodyPr>
           <a:lstStyle/>
           <a:p>
-            <a:pPr>
+            <a:pPr marL="228600" indent="-228600">
               <a:lnSpc>
                 <a:spcPct val="90000"/>
               </a:lnSpc>
               <a:spcBef>
                 <a:spcPts val="1001"/>
               </a:spcBef>
-              <a:buNone/>
-              <a:tabLst>
-                <a:tab pos="0" algn="l"/>
-              </a:tabLst>
+              <a:buClr>
+                <a:srgbClr val="000000"/>
+              </a:buClr>
+              <a:buFont typeface="Arial"/>
+              <a:buChar char="•"/>
             </a:pPr>
             <a:r>
-              <a:rPr lang="en-US" sz="1200" b="0" strike="noStrike" spc="-1">
+              <a:rPr lang="en-US" sz="2400" spc="-1" dirty="0">
                 <a:solidFill>
                   <a:srgbClr val="000000"/>
                 </a:solidFill>
                 <a:latin typeface="Calibri"/>
               </a:rPr>
-              <a:t>Codes and files: </a:t>
-            </a:r>
-            <a:r>
-              <a:rPr lang="en-US" sz="1200" spc="-1">
+              <a:t>Technical correctness: 35/35</a:t>
+            </a:r>
+          </a:p>
+          <a:p>
+            <a:pPr lvl="1">
+              <a:spcBef>
+                <a:spcPts val="1001"/>
+              </a:spcBef>
+              <a:buClr>
+                <a:srgbClr val="000000"/>
+              </a:buClr>
+              <a:buFont typeface="Arial"/>
+              <a:buChar char="•"/>
+            </a:pPr>
+            <a:r>
+              <a:rPr lang="en-US" sz="2000" b="0" strike="noStrike" spc="-1" dirty="0">
                 <a:solidFill>
                   <a:srgbClr val="000000"/>
                 </a:solidFill>
                 <a:latin typeface="Calibri"/>
-                <a:hlinkClick r:id="rId2"/>
               </a:rPr>
-              <a:t>https://github.com/genvert/AP_157_FX-2_Vertudez/tree/main/Activity%207</a:t>
-            </a:r>
-            <a:endParaRPr lang="en-PH" sz="1200" b="0" strike="noStrike" spc="-1" dirty="0">
-              <a:latin typeface="Arial"/>
-            </a:endParaRPr>
-          </a:p>
-        </p:txBody>
-      </p:sp>
-      <p:pic>
-        <p:nvPicPr>
-          <p:cNvPr id="9" name="Picture 8" descr="A picture containing text, screenshot, number, font&#10;&#10;Description automatically generated">
-            <a:extLst>
-              <a:ext uri="{FF2B5EF4-FFF2-40B4-BE49-F238E27FC236}">
-                <a16:creationId xmlns:a16="http://schemas.microsoft.com/office/drawing/2014/main" id="{0A9CCABB-201A-46CA-E451-704932E9547F}"/>
-              </a:ext>
-            </a:extLst>
-          </p:cNvPr>
-          <p:cNvPicPr>
-            <a:picLocks noChangeAspect="1"/>
-          </p:cNvPicPr>
-          <p:nvPr/>
-        </p:nvPicPr>
-        <p:blipFill>
-          <a:blip r:embed="rId3">
-            <a:extLst>
-              <a:ext uri="{28A0092B-C50C-407E-A947-70E740481C1C}">
-                <a14:useLocalDpi xmlns:a14="http://schemas.microsoft.com/office/drawing/2010/main" val="0"/>
-              </a:ext>
-            </a:extLst>
-          </a:blip>
-          <a:stretch>
-            <a:fillRect/>
-          </a:stretch>
-        </p:blipFill>
-        <p:spPr>
-          <a:xfrm>
-            <a:off x="8549458" y="4050664"/>
-            <a:ext cx="2725647" cy="2147614"/>
-          </a:xfrm>
-          <a:prstGeom prst="rect">
-            <a:avLst/>
-          </a:prstGeom>
-        </p:spPr>
-      </p:pic>
-      <p:pic>
-        <p:nvPicPr>
-          <p:cNvPr id="13" name="Picture 12" descr="A picture containing diagram, screenshot, line, design&#10;&#10;Description automatically generated">
-            <a:extLst>
-              <a:ext uri="{FF2B5EF4-FFF2-40B4-BE49-F238E27FC236}">
-                <a16:creationId xmlns:a16="http://schemas.microsoft.com/office/drawing/2014/main" id="{EA95335B-BD76-5AAA-1854-5086F58767D8}"/>
-              </a:ext>
-            </a:extLst>
-          </p:cNvPr>
-          <p:cNvPicPr>
-            <a:picLocks noChangeAspect="1"/>
-          </p:cNvPicPr>
-          <p:nvPr/>
-        </p:nvPicPr>
-        <p:blipFill>
-          <a:blip r:embed="rId4">
-            <a:extLst>
-              <a:ext uri="{28A0092B-C50C-407E-A947-70E740481C1C}">
-                <a14:useLocalDpi xmlns:a14="http://schemas.microsoft.com/office/drawing/2010/main" val="0"/>
-              </a:ext>
-            </a:extLst>
-          </a:blip>
-          <a:stretch>
-            <a:fillRect/>
-          </a:stretch>
-        </p:blipFill>
-        <p:spPr>
-          <a:xfrm>
-            <a:off x="404436" y="4050664"/>
-            <a:ext cx="6476214" cy="2158738"/>
-          </a:xfrm>
-          <a:prstGeom prst="rect">
-            <a:avLst/>
-          </a:prstGeom>
-        </p:spPr>
-      </p:pic>
-      <p:pic>
-        <p:nvPicPr>
-          <p:cNvPr id="15" name="Picture 14" descr="A picture containing screenshot, text, colorfulness&#10;&#10;Description automatically generated">
-            <a:extLst>
-              <a:ext uri="{FF2B5EF4-FFF2-40B4-BE49-F238E27FC236}">
-                <a16:creationId xmlns:a16="http://schemas.microsoft.com/office/drawing/2014/main" id="{A41BCD24-FBE0-ED5C-6064-F702502C2373}"/>
-              </a:ext>
-            </a:extLst>
-          </p:cNvPr>
-          <p:cNvPicPr>
-            <a:picLocks noChangeAspect="1"/>
-          </p:cNvPicPr>
-          <p:nvPr/>
-        </p:nvPicPr>
-        <p:blipFill>
-          <a:blip r:embed="rId5">
-            <a:extLst>
-              <a:ext uri="{28A0092B-C50C-407E-A947-70E740481C1C}">
-                <a14:useLocalDpi xmlns:a14="http://schemas.microsoft.com/office/drawing/2010/main" val="0"/>
-              </a:ext>
-            </a:extLst>
-          </a:blip>
-          <a:stretch>
-            <a:fillRect/>
-          </a:stretch>
-        </p:blipFill>
-        <p:spPr>
-          <a:xfrm>
-            <a:off x="7395757" y="1504281"/>
-            <a:ext cx="4267963" cy="2133982"/>
-          </a:xfrm>
-          <a:prstGeom prst="rect">
-            <a:avLst/>
-          </a:prstGeom>
-        </p:spPr>
-      </p:pic>
-      <p:pic>
-        <p:nvPicPr>
-          <p:cNvPr id="17" name="Picture 16" descr="A picture containing text, screenshot, design&#10;&#10;Description automatically generated">
-            <a:extLst>
-              <a:ext uri="{FF2B5EF4-FFF2-40B4-BE49-F238E27FC236}">
-                <a16:creationId xmlns:a16="http://schemas.microsoft.com/office/drawing/2014/main" id="{2C638724-47BA-20E2-9D83-3788E49D273E}"/>
-              </a:ext>
-            </a:extLst>
-          </p:cNvPr>
-          <p:cNvPicPr>
-            <a:picLocks noChangeAspect="1"/>
-          </p:cNvPicPr>
-          <p:nvPr/>
-        </p:nvPicPr>
-        <p:blipFill>
-          <a:blip r:embed="rId6">
-            <a:extLst>
-              <a:ext uri="{28A0092B-C50C-407E-A947-70E740481C1C}">
-                <a14:useLocalDpi xmlns:a14="http://schemas.microsoft.com/office/drawing/2010/main" val="0"/>
-              </a:ext>
-            </a:extLst>
-          </a:blip>
-          <a:stretch>
-            <a:fillRect/>
-          </a:stretch>
-        </p:blipFill>
-        <p:spPr>
-          <a:xfrm>
-            <a:off x="2938383" y="1757626"/>
-            <a:ext cx="4267963" cy="2133982"/>
-          </a:xfrm>
-          <a:prstGeom prst="rect">
-            <a:avLst/>
-          </a:prstGeom>
-        </p:spPr>
-      </p:pic>
-      <p:pic>
-        <p:nvPicPr>
-          <p:cNvPr id="19" name="Picture 18" descr="A picture containing wall, rectangle, blue, indoor&#10;&#10;Description automatically generated">
-            <a:extLst>
-              <a:ext uri="{FF2B5EF4-FFF2-40B4-BE49-F238E27FC236}">
-                <a16:creationId xmlns:a16="http://schemas.microsoft.com/office/drawing/2014/main" id="{CE3C266B-0E3D-2516-50DE-1B382141BD18}"/>
-              </a:ext>
-            </a:extLst>
-          </p:cNvPr>
-          <p:cNvPicPr>
-            <a:picLocks noChangeAspect="1"/>
-          </p:cNvPicPr>
-          <p:nvPr/>
-        </p:nvPicPr>
-        <p:blipFill>
-          <a:blip r:embed="rId7" cstate="print">
-            <a:extLst>
-              <a:ext uri="{28A0092B-C50C-407E-A947-70E740481C1C}">
-                <a14:useLocalDpi xmlns:a14="http://schemas.microsoft.com/office/drawing/2010/main" val="0"/>
-              </a:ext>
-            </a:extLst>
-          </a:blip>
-          <a:stretch>
-            <a:fillRect/>
-          </a:stretch>
-        </p:blipFill>
-        <p:spPr>
-          <a:xfrm>
-            <a:off x="1552434" y="1841159"/>
-            <a:ext cx="1200362" cy="1600483"/>
-          </a:xfrm>
-          <a:prstGeom prst="rect">
-            <a:avLst/>
-          </a:prstGeom>
-        </p:spPr>
-      </p:pic>
+              <a:t>I </a:t>
+            </a:r>
+            <a:r>
+              <a:rPr lang="en-US" sz="2000" spc="-1" dirty="0">
+                <a:solidFill>
+                  <a:srgbClr val="000000"/>
+                </a:solidFill>
+                <a:latin typeface="Calibri"/>
+              </a:rPr>
+              <a:t>am confident that I understood how to experiment with combinations of morphological operations in order to gets the best “cleaned” segmented image.</a:t>
+            </a:r>
+          </a:p>
+          <a:p>
+            <a:pPr marL="228600" indent="-228600">
+              <a:lnSpc>
+                <a:spcPct val="90000"/>
+              </a:lnSpc>
+              <a:spcBef>
+                <a:spcPts val="1001"/>
+              </a:spcBef>
+              <a:buClr>
+                <a:srgbClr val="000000"/>
+              </a:buClr>
+              <a:buFont typeface="Arial"/>
+              <a:buChar char="•"/>
+            </a:pPr>
+            <a:r>
+              <a:rPr lang="en-US" sz="2400" spc="-1" dirty="0">
+                <a:solidFill>
+                  <a:srgbClr val="000000"/>
+                </a:solidFill>
+                <a:latin typeface="Calibri"/>
+              </a:rPr>
+              <a:t>Quality of presentation: 35/35</a:t>
+            </a:r>
+          </a:p>
+          <a:p>
+            <a:pPr lvl="1">
+              <a:spcBef>
+                <a:spcPts val="1001"/>
+              </a:spcBef>
+              <a:buClr>
+                <a:srgbClr val="000000"/>
+              </a:buClr>
+              <a:buFont typeface="Arial"/>
+              <a:buChar char="•"/>
+            </a:pPr>
+            <a:r>
+              <a:rPr lang="en-US" sz="2000" spc="-1" dirty="0">
+                <a:solidFill>
+                  <a:srgbClr val="000000"/>
+                </a:solidFill>
+                <a:latin typeface="Calibri"/>
+              </a:rPr>
+              <a:t>I have explained each step and idea, and images are clear and concise.</a:t>
+            </a:r>
+          </a:p>
+          <a:p>
+            <a:pPr marL="228600" indent="-228600">
+              <a:lnSpc>
+                <a:spcPct val="90000"/>
+              </a:lnSpc>
+              <a:spcBef>
+                <a:spcPts val="1001"/>
+              </a:spcBef>
+              <a:buClr>
+                <a:srgbClr val="000000"/>
+              </a:buClr>
+              <a:buFont typeface="Arial"/>
+              <a:buChar char="•"/>
+            </a:pPr>
+            <a:r>
+              <a:rPr lang="en-US" sz="2400" spc="-1" dirty="0">
+                <a:solidFill>
+                  <a:srgbClr val="000000"/>
+                </a:solidFill>
+                <a:latin typeface="Calibri"/>
+              </a:rPr>
+              <a:t>Self-reflection: 30/30</a:t>
+            </a:r>
+          </a:p>
+          <a:p>
+            <a:pPr lvl="1">
+              <a:spcBef>
+                <a:spcPts val="1001"/>
+              </a:spcBef>
+              <a:buClr>
+                <a:srgbClr val="000000"/>
+              </a:buClr>
+              <a:buFont typeface="Arial"/>
+              <a:buChar char="•"/>
+            </a:pPr>
+            <a:r>
+              <a:rPr lang="en-US" sz="2000" spc="-1" dirty="0">
+                <a:solidFill>
+                  <a:srgbClr val="000000"/>
+                </a:solidFill>
+                <a:latin typeface="Calibri"/>
+              </a:rPr>
+              <a:t>The activity was really fun and easy. I only slacked because I was stuck in the previous activity and again my bad habit is not trying other things when I am stuck in a previous thing.</a:t>
+            </a:r>
+          </a:p>
+          <a:p>
+            <a:pPr marL="228600" indent="-228600">
+              <a:lnSpc>
+                <a:spcPct val="90000"/>
+              </a:lnSpc>
+              <a:spcBef>
+                <a:spcPts val="1001"/>
+              </a:spcBef>
+              <a:buClr>
+                <a:srgbClr val="000000"/>
+              </a:buClr>
+              <a:buFont typeface="Arial"/>
+              <a:buChar char="•"/>
+            </a:pPr>
+            <a:r>
+              <a:rPr lang="en-US" sz="2400" spc="-1" dirty="0">
+                <a:solidFill>
+                  <a:srgbClr val="000000"/>
+                </a:solidFill>
+                <a:latin typeface="Calibri"/>
+              </a:rPr>
+              <a:t>Initiative: 10/10</a:t>
+            </a:r>
+          </a:p>
+          <a:p>
+            <a:pPr lvl="1">
+              <a:spcBef>
+                <a:spcPts val="1001"/>
+              </a:spcBef>
+              <a:buClr>
+                <a:srgbClr val="000000"/>
+              </a:buClr>
+              <a:buFont typeface="Arial"/>
+              <a:buChar char="•"/>
+            </a:pPr>
+            <a:r>
+              <a:rPr lang="en-US" sz="2000" spc="-1" dirty="0">
+                <a:solidFill>
+                  <a:srgbClr val="000000"/>
+                </a:solidFill>
+                <a:latin typeface="Calibri"/>
+              </a:rPr>
+              <a:t>I went beyond the expected output by trying the image I used in ImageJ activity.</a:t>
+            </a:r>
+          </a:p>
+        </p:txBody>
+      </p:sp>
     </p:spTree>
     <p:extLst>
       <p:ext uri="{BB962C8B-B14F-4D97-AF65-F5344CB8AC3E}">
-        <p14:creationId xmlns:p14="http://schemas.microsoft.com/office/powerpoint/2010/main" val="1317310884"/>
+        <p14:creationId xmlns:p14="http://schemas.microsoft.com/office/powerpoint/2010/main" val="3777084470"/>
       </p:ext>
     </p:extLst>
   </p:cSld>
@@ -8182,7 +11614,13 @@
       </p:grpSpPr>
       <p:sp>
         <p:nvSpPr>
-          <p:cNvPr id="109" name="PlaceHolder 1"/>
+          <p:cNvPr id="2" name="Title 1">
+            <a:extLst>
+              <a:ext uri="{FF2B5EF4-FFF2-40B4-BE49-F238E27FC236}">
+                <a16:creationId xmlns:a16="http://schemas.microsoft.com/office/drawing/2014/main" id="{FB10E9C4-38D8-4459-800D-34EFB8965C72}"/>
+              </a:ext>
+            </a:extLst>
+          </p:cNvPr>
           <p:cNvSpPr>
             <a:spLocks noGrp="1"/>
           </p:cNvSpPr>
@@ -8190,447 +11628,109 @@
             <p:ph type="title"/>
           </p:nvPr>
         </p:nvSpPr>
-        <p:spPr>
-          <a:xfrm>
-            <a:off x="838080" y="365040"/>
-            <a:ext cx="10515240" cy="1325160"/>
-          </a:xfrm>
-          <a:prstGeom prst="rect">
-            <a:avLst/>
-          </a:prstGeom>
-          <a:noFill/>
-          <a:ln w="0">
-            <a:noFill/>
-          </a:ln>
-        </p:spPr>
-        <p:txBody>
-          <a:bodyPr anchor="ctr">
-            <a:noAutofit/>
+        <p:spPr/>
+        <p:txBody>
+          <a:bodyPr/>
+          <a:lstStyle/>
+          <a:p>
+            <a:r>
+              <a:rPr lang="en-US" b="1" dirty="0"/>
+              <a:t>REFERENCES</a:t>
+            </a:r>
+          </a:p>
+        </p:txBody>
+      </p:sp>
+      <p:sp>
+        <p:nvSpPr>
+          <p:cNvPr id="3" name="Content Placeholder 2">
+            <a:extLst>
+              <a:ext uri="{FF2B5EF4-FFF2-40B4-BE49-F238E27FC236}">
+                <a16:creationId xmlns:a16="http://schemas.microsoft.com/office/drawing/2014/main" id="{D311CE1B-D3A4-475E-8BB4-E8DD00D0BF45}"/>
+              </a:ext>
+            </a:extLst>
+          </p:cNvPr>
+          <p:cNvSpPr>
+            <a:spLocks noGrp="1"/>
+          </p:cNvSpPr>
+          <p:nvPr>
+            <p:ph idx="1"/>
+          </p:nvPr>
+        </p:nvSpPr>
+        <p:spPr/>
+        <p:txBody>
+          <a:bodyPr>
+            <a:normAutofit fontScale="92500"/>
           </a:bodyPr>
           <a:lstStyle/>
           <a:p>
-            <a:pPr>
-              <a:lnSpc>
-                <a:spcPct val="90000"/>
-              </a:lnSpc>
+            <a:pPr marL="0" indent="0">
               <a:buNone/>
             </a:pPr>
             <a:r>
-              <a:rPr lang="en-US" sz="4400" b="0" strike="noStrike" spc="-1" dirty="0">
-                <a:solidFill>
-                  <a:srgbClr val="000000"/>
-                </a:solidFill>
-                <a:latin typeface="Calibri Light"/>
+              <a:rPr lang="en-US" dirty="0"/>
+              <a:t>[1] Soriano, M. (2023). AP 157 module. A6- Morphological operation 2023.</a:t>
+            </a:r>
+          </a:p>
+          <a:p>
+            <a:pPr marL="0" indent="0">
+              <a:buNone/>
+            </a:pPr>
+            <a:r>
+              <a:rPr lang="en-US" dirty="0"/>
+              <a:t>[2] </a:t>
+            </a:r>
+            <a:r>
+              <a:rPr lang="en-US" dirty="0">
+                <a:hlinkClick r:id="rId2"/>
               </a:rPr>
-              <a:t>REFLECTION</a:t>
-            </a:r>
-            <a:endParaRPr lang="en-US" sz="4400" b="0" strike="noStrike" spc="-1" dirty="0">
-              <a:solidFill>
-                <a:srgbClr val="000000"/>
-              </a:solidFill>
-              <a:latin typeface="Calibri"/>
-            </a:endParaRPr>
-          </a:p>
-        </p:txBody>
-      </p:sp>
-      <p:sp>
-        <p:nvSpPr>
-          <p:cNvPr id="110" name="PlaceHolder 2"/>
-          <p:cNvSpPr>
-            <a:spLocks noGrp="1"/>
-          </p:cNvSpPr>
-          <p:nvPr>
-            <p:ph/>
-          </p:nvPr>
-        </p:nvSpPr>
-        <p:spPr>
-          <a:xfrm>
-            <a:off x="838080" y="1825560"/>
-            <a:ext cx="10515240" cy="4350960"/>
-          </a:xfrm>
-          <a:prstGeom prst="rect">
-            <a:avLst/>
-          </a:prstGeom>
-          <a:noFill/>
-          <a:ln w="0">
-            <a:noFill/>
-          </a:ln>
-        </p:spPr>
-        <p:txBody>
-          <a:bodyPr anchor="t">
-            <a:noAutofit/>
-          </a:bodyPr>
-          <a:lstStyle/>
-          <a:p>
-            <a:pPr marL="228600" indent="-228600">
-              <a:lnSpc>
-                <a:spcPct val="90000"/>
-              </a:lnSpc>
-              <a:spcBef>
-                <a:spcPts val="1001"/>
-              </a:spcBef>
-              <a:buClr>
-                <a:srgbClr val="000000"/>
-              </a:buClr>
-              <a:buFont typeface="Arial"/>
-              <a:buChar char="•"/>
+              <a:t>https://www.youtube.com/watch?v=bRa770kRapc&amp;pp=ygUsbW9ycGhvbG9naWNhbCBvcGVyYXRpb25zIGluIGltYWdlIHByb2Nlc3Npbmc%3D</a:t>
+            </a:r>
+            <a:endParaRPr lang="en-US" dirty="0"/>
+          </a:p>
+          <a:p>
+            <a:pPr marL="0" indent="0">
+              <a:buNone/>
             </a:pPr>
             <a:r>
-              <a:rPr lang="en-US" sz="2800" b="0" strike="noStrike" spc="-1" dirty="0">
-                <a:solidFill>
-                  <a:srgbClr val="000000"/>
-                </a:solidFill>
-                <a:latin typeface="Calibri"/>
+              <a:rPr lang="en-US" dirty="0"/>
+              <a:t>[3] </a:t>
+            </a:r>
+            <a:r>
+              <a:rPr lang="en-US" dirty="0">
+                <a:hlinkClick r:id="rId3"/>
               </a:rPr>
-              <a:t>This activity was straightforward so I was able to follow it easily.</a:t>
-            </a:r>
-          </a:p>
-          <a:p>
-            <a:pPr marL="228600" indent="-228600">
-              <a:lnSpc>
-                <a:spcPct val="90000"/>
-              </a:lnSpc>
-              <a:spcBef>
-                <a:spcPts val="1001"/>
-              </a:spcBef>
-              <a:buClr>
-                <a:srgbClr val="000000"/>
-              </a:buClr>
-              <a:buFont typeface="Arial"/>
-              <a:buChar char="•"/>
+              <a:t>https://www.youtube.com/watch?v=d1we_yqUASg&amp;t=640s&amp;pp=ygUsbW9ycGhvbG9naWNhbCBvcGVyYXRpb25zIGluIGltYWdlIHByb2Nlc3Npbmc%3D</a:t>
+            </a:r>
+            <a:endParaRPr lang="en-US" dirty="0"/>
+          </a:p>
+          <a:p>
+            <a:pPr marL="0" indent="0">
+              <a:buNone/>
             </a:pPr>
             <a:r>
-              <a:rPr lang="en-US" sz="2800" b="0" strike="noStrike" spc="-1" dirty="0">
-                <a:solidFill>
-                  <a:srgbClr val="000000"/>
-                </a:solidFill>
-                <a:latin typeface="Calibri"/>
+              <a:rPr lang="en-US" dirty="0"/>
+              <a:t>[4] </a:t>
+            </a:r>
+            <a:r>
+              <a:rPr lang="en-US" dirty="0">
+                <a:hlinkClick r:id="rId4"/>
               </a:rPr>
-              <a:t>It is fun to recognize and understand the functions of different options in ImageJ based on our fundamental understandings of image processing. It is cool to know that you can do these manually with coding without the app.</a:t>
-            </a:r>
-          </a:p>
-          <a:p>
-            <a:pPr marL="228600" indent="-228600">
-              <a:lnSpc>
-                <a:spcPct val="90000"/>
-              </a:lnSpc>
-              <a:spcBef>
-                <a:spcPts val="1001"/>
-              </a:spcBef>
-              <a:buClr>
-                <a:srgbClr val="000000"/>
-              </a:buClr>
-              <a:buFont typeface="Arial"/>
-              <a:buChar char="•"/>
+              <a:t>https://www.youtube.com/watch?v=2LAooUu1IjQ&amp;pp=ygUsbW9ycGhvbG9naWNhbCBvcGVyYXRpb25zIGluIGltYWdlIHByb2Nlc3Npbmc%3D</a:t>
+            </a:r>
+            <a:endParaRPr lang="en-US" dirty="0"/>
+          </a:p>
+          <a:p>
+            <a:pPr marL="0" indent="0">
+              <a:buNone/>
             </a:pPr>
-            <a:r>
-              <a:rPr lang="en-US" sz="2800" b="0" strike="noStrike" spc="-1" dirty="0">
-                <a:solidFill>
-                  <a:srgbClr val="000000"/>
-                </a:solidFill>
-                <a:latin typeface="Calibri"/>
-              </a:rPr>
-              <a:t>I am grateful for this no-coding exercise. This is a breather exercise because I have been overwhelmed by coding lately.</a:t>
-            </a:r>
-          </a:p>
-        </p:txBody>
-      </p:sp>
-    </p:spTree>
-  </p:cSld>
-  <p:clrMapOvr>
-    <a:masterClrMapping/>
-  </p:clrMapOvr>
-</p:sld>
-</file>
-
-<file path=ppt/slides/slide7.xml><?xml version="1.0" encoding="utf-8"?>
-<p:sld xmlns:a="http://schemas.openxmlformats.org/drawingml/2006/main" xmlns:r="http://schemas.openxmlformats.org/officeDocument/2006/relationships" xmlns:p="http://schemas.openxmlformats.org/presentationml/2006/main">
-  <p:cSld>
-    <p:spTree>
-      <p:nvGrpSpPr>
-        <p:cNvPr id="1" name=""/>
-        <p:cNvGrpSpPr/>
-        <p:nvPr/>
-      </p:nvGrpSpPr>
-      <p:grpSpPr>
-        <a:xfrm>
-          <a:off x="0" y="0"/>
-          <a:ext cx="0" cy="0"/>
-          <a:chOff x="0" y="0"/>
-          <a:chExt cx="0" cy="0"/>
-        </a:xfrm>
-      </p:grpSpPr>
-      <p:sp>
-        <p:nvSpPr>
-          <p:cNvPr id="109" name="PlaceHolder 1"/>
-          <p:cNvSpPr>
-            <a:spLocks noGrp="1"/>
-          </p:cNvSpPr>
-          <p:nvPr>
-            <p:ph type="title"/>
-          </p:nvPr>
-        </p:nvSpPr>
-        <p:spPr>
-          <a:xfrm>
-            <a:off x="838080" y="365040"/>
-            <a:ext cx="10515240" cy="1325160"/>
-          </a:xfrm>
-          <a:prstGeom prst="rect">
-            <a:avLst/>
-          </a:prstGeom>
-          <a:noFill/>
-          <a:ln w="0">
-            <a:noFill/>
-          </a:ln>
-        </p:spPr>
-        <p:txBody>
-          <a:bodyPr anchor="ctr">
-            <a:noAutofit/>
-          </a:bodyPr>
-          <a:lstStyle/>
-          <a:p>
-            <a:pPr>
-              <a:lnSpc>
-                <a:spcPct val="90000"/>
-              </a:lnSpc>
-              <a:buNone/>
-            </a:pPr>
-            <a:r>
-              <a:rPr lang="en-US" sz="4400" strike="noStrike" spc="-1" dirty="0">
-                <a:solidFill>
-                  <a:srgbClr val="000000"/>
-                </a:solidFill>
-                <a:latin typeface="Calibri Light" panose="020F0302020204030204" pitchFamily="34" charset="0"/>
-                <a:cs typeface="Calibri Light" panose="020F0302020204030204" pitchFamily="34" charset="0"/>
-              </a:rPr>
-              <a:t>SELF-GRADE</a:t>
-            </a:r>
-          </a:p>
-        </p:txBody>
-      </p:sp>
-      <p:sp>
-        <p:nvSpPr>
-          <p:cNvPr id="110" name="PlaceHolder 2"/>
-          <p:cNvSpPr>
-            <a:spLocks noGrp="1"/>
-          </p:cNvSpPr>
-          <p:nvPr>
-            <p:ph/>
-          </p:nvPr>
-        </p:nvSpPr>
-        <p:spPr>
-          <a:xfrm>
-            <a:off x="838080" y="1825560"/>
-            <a:ext cx="10515240" cy="4350960"/>
-          </a:xfrm>
-          <a:prstGeom prst="rect">
-            <a:avLst/>
-          </a:prstGeom>
-          <a:noFill/>
-          <a:ln w="0">
-            <a:noFill/>
-          </a:ln>
-        </p:spPr>
-        <p:txBody>
-          <a:bodyPr anchor="t">
-            <a:noAutofit/>
-          </a:bodyPr>
-          <a:lstStyle/>
-          <a:p>
-            <a:pPr marL="228600" indent="-228600">
-              <a:lnSpc>
-                <a:spcPct val="90000"/>
-              </a:lnSpc>
-              <a:spcBef>
-                <a:spcPts val="1001"/>
-              </a:spcBef>
-              <a:buClr>
-                <a:srgbClr val="000000"/>
-              </a:buClr>
-              <a:buFont typeface="Arial"/>
-              <a:buChar char="•"/>
-            </a:pPr>
-            <a:r>
-              <a:rPr lang="en-US" sz="2400" spc="-1" dirty="0">
-                <a:solidFill>
-                  <a:srgbClr val="000000"/>
-                </a:solidFill>
-                <a:latin typeface="Calibri"/>
-              </a:rPr>
-              <a:t>Technical correctness: 35/35</a:t>
-            </a:r>
-          </a:p>
-          <a:p>
-            <a:pPr lvl="1">
-              <a:spcBef>
-                <a:spcPts val="1001"/>
-              </a:spcBef>
-              <a:buClr>
-                <a:srgbClr val="000000"/>
-              </a:buClr>
-              <a:buFont typeface="Arial"/>
-              <a:buChar char="•"/>
-            </a:pPr>
-            <a:r>
-              <a:rPr lang="en-US" sz="2000" b="0" strike="noStrike" spc="-1" dirty="0">
-                <a:solidFill>
-                  <a:srgbClr val="000000"/>
-                </a:solidFill>
-                <a:latin typeface="Calibri"/>
-              </a:rPr>
-              <a:t>I </a:t>
-            </a:r>
-            <a:r>
-              <a:rPr lang="en-US" sz="2000" spc="-1" dirty="0">
-                <a:solidFill>
-                  <a:srgbClr val="000000"/>
-                </a:solidFill>
-                <a:latin typeface="Calibri"/>
-              </a:rPr>
-              <a:t>am confident that I understood how to use ImageJ to extract feature from images, and have applied it.</a:t>
-            </a:r>
-          </a:p>
-          <a:p>
-            <a:pPr marL="228600" indent="-228600">
-              <a:lnSpc>
-                <a:spcPct val="90000"/>
-              </a:lnSpc>
-              <a:spcBef>
-                <a:spcPts val="1001"/>
-              </a:spcBef>
-              <a:buClr>
-                <a:srgbClr val="000000"/>
-              </a:buClr>
-              <a:buFont typeface="Arial"/>
-              <a:buChar char="•"/>
-            </a:pPr>
-            <a:r>
-              <a:rPr lang="en-US" sz="2400" spc="-1" dirty="0">
-                <a:solidFill>
-                  <a:srgbClr val="000000"/>
-                </a:solidFill>
-                <a:latin typeface="Calibri"/>
-              </a:rPr>
-              <a:t>Quality of presentation: 35/35</a:t>
-            </a:r>
-          </a:p>
-          <a:p>
-            <a:pPr lvl="1">
-              <a:spcBef>
-                <a:spcPts val="1001"/>
-              </a:spcBef>
-              <a:buClr>
-                <a:srgbClr val="000000"/>
-              </a:buClr>
-              <a:buFont typeface="Arial"/>
-              <a:buChar char="•"/>
-            </a:pPr>
-            <a:r>
-              <a:rPr lang="en-US" sz="2000" spc="-1" dirty="0">
-                <a:solidFill>
-                  <a:srgbClr val="000000"/>
-                </a:solidFill>
-                <a:latin typeface="Calibri"/>
-              </a:rPr>
-              <a:t>I have explained each step, and images are clear and concise.</a:t>
-            </a:r>
-          </a:p>
-          <a:p>
-            <a:pPr marL="228600" indent="-228600">
-              <a:lnSpc>
-                <a:spcPct val="90000"/>
-              </a:lnSpc>
-              <a:spcBef>
-                <a:spcPts val="1001"/>
-              </a:spcBef>
-              <a:buClr>
-                <a:srgbClr val="000000"/>
-              </a:buClr>
-              <a:buFont typeface="Arial"/>
-              <a:buChar char="•"/>
-            </a:pPr>
-            <a:r>
-              <a:rPr lang="en-US" sz="2400" spc="-1" dirty="0">
-                <a:solidFill>
-                  <a:srgbClr val="000000"/>
-                </a:solidFill>
-                <a:latin typeface="Calibri"/>
-              </a:rPr>
-              <a:t>Self-reflection: 30/30</a:t>
-            </a:r>
-          </a:p>
-          <a:p>
-            <a:pPr lvl="1">
-              <a:spcBef>
-                <a:spcPts val="1001"/>
-              </a:spcBef>
-              <a:buClr>
-                <a:srgbClr val="000000"/>
-              </a:buClr>
-              <a:buFont typeface="Arial"/>
-              <a:buChar char="•"/>
-            </a:pPr>
-            <a:r>
-              <a:rPr lang="en-US" sz="2000" spc="-1" dirty="0">
-                <a:solidFill>
-                  <a:srgbClr val="000000"/>
-                </a:solidFill>
-                <a:latin typeface="Calibri"/>
-              </a:rPr>
-              <a:t>Even though I was slacking in this subject for a while, I managed to get back on track. The topics are really fun and interesting. It helped me understand the ideas behind image tools such as smartphone cameras, Photoshop, etc.</a:t>
-            </a:r>
-          </a:p>
-          <a:p>
-            <a:pPr marL="228600" indent="-228600">
-              <a:lnSpc>
-                <a:spcPct val="90000"/>
-              </a:lnSpc>
-              <a:spcBef>
-                <a:spcPts val="1001"/>
-              </a:spcBef>
-              <a:buClr>
-                <a:srgbClr val="000000"/>
-              </a:buClr>
-              <a:buFont typeface="Arial"/>
-              <a:buChar char="•"/>
-            </a:pPr>
-            <a:r>
-              <a:rPr lang="en-US" sz="2400" spc="-1" dirty="0">
-                <a:solidFill>
-                  <a:srgbClr val="000000"/>
-                </a:solidFill>
-                <a:latin typeface="Calibri"/>
-              </a:rPr>
-              <a:t>Initiative: 10/10</a:t>
-            </a:r>
-          </a:p>
-          <a:p>
-            <a:pPr lvl="1">
-              <a:spcBef>
-                <a:spcPts val="1001"/>
-              </a:spcBef>
-              <a:buClr>
-                <a:srgbClr val="000000"/>
-              </a:buClr>
-              <a:buFont typeface="Arial"/>
-              <a:buChar char="•"/>
-            </a:pPr>
-            <a:r>
-              <a:rPr lang="en-US" sz="2000" spc="-1" dirty="0">
-                <a:solidFill>
-                  <a:srgbClr val="000000"/>
-                </a:solidFill>
-                <a:latin typeface="Calibri"/>
-              </a:rPr>
-              <a:t>I used an extra image for extraction.</a:t>
-            </a:r>
+            <a:endParaRPr lang="en-US" dirty="0"/>
           </a:p>
         </p:txBody>
       </p:sp>
     </p:spTree>
     <p:extLst>
       <p:ext uri="{BB962C8B-B14F-4D97-AF65-F5344CB8AC3E}">
-        <p14:creationId xmlns:p14="http://schemas.microsoft.com/office/powerpoint/2010/main" val="3784929317"/>
+        <p14:creationId xmlns:p14="http://schemas.microsoft.com/office/powerpoint/2010/main" val="2740225902"/>
       </p:ext>
     </p:extLst>
   </p:cSld>
@@ -9094,4 +12194,299 @@
   <a:objectDefaults/>
   <a:extraClrSchemeLst/>
 </a:theme>
+</file>
+
+<file path=ppt/theme/theme3.xml><?xml version="1.0" encoding="utf-8"?>
+<a:theme xmlns:a="http://schemas.openxmlformats.org/drawingml/2006/main" name="1_Office Theme">
+  <a:themeElements>
+    <a:clrScheme name="Office">
+      <a:dk1>
+        <a:sysClr val="windowText" lastClr="000000"/>
+      </a:dk1>
+      <a:lt1>
+        <a:sysClr val="window" lastClr="FFFFFF"/>
+      </a:lt1>
+      <a:dk2>
+        <a:srgbClr val="44546A"/>
+      </a:dk2>
+      <a:lt2>
+        <a:srgbClr val="E7E6E6"/>
+      </a:lt2>
+      <a:accent1>
+        <a:srgbClr val="4472C4"/>
+      </a:accent1>
+      <a:accent2>
+        <a:srgbClr val="ED7D31"/>
+      </a:accent2>
+      <a:accent3>
+        <a:srgbClr val="A5A5A5"/>
+      </a:accent3>
+      <a:accent4>
+        <a:srgbClr val="FFC000"/>
+      </a:accent4>
+      <a:accent5>
+        <a:srgbClr val="5B9BD5"/>
+      </a:accent5>
+      <a:accent6>
+        <a:srgbClr val="70AD47"/>
+      </a:accent6>
+      <a:hlink>
+        <a:srgbClr val="0563C1"/>
+      </a:hlink>
+      <a:folHlink>
+        <a:srgbClr val="954F72"/>
+      </a:folHlink>
+    </a:clrScheme>
+    <a:fontScheme name="Office">
+      <a:majorFont>
+        <a:latin typeface="Calibri Light" panose="020F0302020204030204"/>
+        <a:ea typeface=""/>
+        <a:cs typeface=""/>
+        <a:font script="Jpan" typeface="游ゴシック Light"/>
+        <a:font script="Hang" typeface="맑은 고딕"/>
+        <a:font script="Hans" typeface="等线 Light"/>
+        <a:font script="Hant" typeface="新細明體"/>
+        <a:font script="Arab" typeface="Times New Roman"/>
+        <a:font script="Hebr" typeface="Times New Roman"/>
+        <a:font script="Thai" typeface="Angsana New"/>
+        <a:font script="Ethi" typeface="Nyala"/>
+        <a:font script="Beng" typeface="Vrinda"/>
+        <a:font script="Gujr" typeface="Shruti"/>
+        <a:font script="Khmr" typeface="MoolBoran"/>
+        <a:font script="Knda" typeface="Tunga"/>
+        <a:font script="Guru" typeface="Raavi"/>
+        <a:font script="Cans" typeface="Euphemia"/>
+        <a:font script="Cher" typeface="Plantagenet Cherokee"/>
+        <a:font script="Yiii" typeface="Microsoft Yi Baiti"/>
+        <a:font script="Tibt" typeface="Microsoft Himalaya"/>
+        <a:font script="Thaa" typeface="MV Boli"/>
+        <a:font script="Deva" typeface="Mangal"/>
+        <a:font script="Telu" typeface="Gautami"/>
+        <a:font script="Taml" typeface="Latha"/>
+        <a:font script="Syrc" typeface="Estrangelo Edessa"/>
+        <a:font script="Orya" typeface="Kalinga"/>
+        <a:font script="Mlym" typeface="Kartika"/>
+        <a:font script="Laoo" typeface="DokChampa"/>
+        <a:font script="Sinh" typeface="Iskoola Pota"/>
+        <a:font script="Mong" typeface="Mongolian Baiti"/>
+        <a:font script="Viet" typeface="Times New Roman"/>
+        <a:font script="Uigh" typeface="Microsoft Uighur"/>
+        <a:font script="Geor" typeface="Sylfaen"/>
+        <a:font script="Armn" typeface="Arial"/>
+        <a:font script="Bugi" typeface="Leelawadee UI"/>
+        <a:font script="Bopo" typeface="Microsoft JhengHei"/>
+        <a:font script="Java" typeface="Javanese Text"/>
+        <a:font script="Lisu" typeface="Segoe UI"/>
+        <a:font script="Mymr" typeface="Myanmar Text"/>
+        <a:font script="Nkoo" typeface="Ebrima"/>
+        <a:font script="Olck" typeface="Nirmala UI"/>
+        <a:font script="Osma" typeface="Ebrima"/>
+        <a:font script="Phag" typeface="Phagspa"/>
+        <a:font script="Syrn" typeface="Estrangelo Edessa"/>
+        <a:font script="Syrj" typeface="Estrangelo Edessa"/>
+        <a:font script="Syre" typeface="Estrangelo Edessa"/>
+        <a:font script="Sora" typeface="Nirmala UI"/>
+        <a:font script="Tale" typeface="Microsoft Tai Le"/>
+        <a:font script="Talu" typeface="Microsoft New Tai Lue"/>
+        <a:font script="Tfng" typeface="Ebrima"/>
+      </a:majorFont>
+      <a:minorFont>
+        <a:latin typeface="Calibri" panose="020F0502020204030204"/>
+        <a:ea typeface=""/>
+        <a:cs typeface=""/>
+        <a:font script="Jpan" typeface="游ゴシック"/>
+        <a:font script="Hang" typeface="맑은 고딕"/>
+        <a:font script="Hans" typeface="等线"/>
+        <a:font script="Hant" typeface="新細明體"/>
+        <a:font script="Arab" typeface="Arial"/>
+        <a:font script="Hebr" typeface="Arial"/>
+        <a:font script="Thai" typeface="Cordia New"/>
+        <a:font script="Ethi" typeface="Nyala"/>
+        <a:font script="Beng" typeface="Vrinda"/>
+        <a:font script="Gujr" typeface="Shruti"/>
+        <a:font script="Khmr" typeface="DaunPenh"/>
+        <a:font script="Knda" typeface="Tunga"/>
+        <a:font script="Guru" typeface="Raavi"/>
+        <a:font script="Cans" typeface="Euphemia"/>
+        <a:font script="Cher" typeface="Plantagenet Cherokee"/>
+        <a:font script="Yiii" typeface="Microsoft Yi Baiti"/>
+        <a:font script="Tibt" typeface="Microsoft Himalaya"/>
+        <a:font script="Thaa" typeface="MV Boli"/>
+        <a:font script="Deva" typeface="Mangal"/>
+        <a:font script="Telu" typeface="Gautami"/>
+        <a:font script="Taml" typeface="Latha"/>
+        <a:font script="Syrc" typeface="Estrangelo Edessa"/>
+        <a:font script="Orya" typeface="Kalinga"/>
+        <a:font script="Mlym" typeface="Kartika"/>
+        <a:font script="Laoo" typeface="DokChampa"/>
+        <a:font script="Sinh" typeface="Iskoola Pota"/>
+        <a:font script="Mong" typeface="Mongolian Baiti"/>
+        <a:font script="Viet" typeface="Arial"/>
+        <a:font script="Uigh" typeface="Microsoft Uighur"/>
+        <a:font script="Geor" typeface="Sylfaen"/>
+        <a:font script="Armn" typeface="Arial"/>
+        <a:font script="Bugi" typeface="Leelawadee UI"/>
+        <a:font script="Bopo" typeface="Microsoft JhengHei"/>
+        <a:font script="Java" typeface="Javanese Text"/>
+        <a:font script="Lisu" typeface="Segoe UI"/>
+        <a:font script="Mymr" typeface="Myanmar Text"/>
+        <a:font script="Nkoo" typeface="Ebrima"/>
+        <a:font script="Olck" typeface="Nirmala UI"/>
+        <a:font script="Osma" typeface="Ebrima"/>
+        <a:font script="Phag" typeface="Phagspa"/>
+        <a:font script="Syrn" typeface="Estrangelo Edessa"/>
+        <a:font script="Syrj" typeface="Estrangelo Edessa"/>
+        <a:font script="Syre" typeface="Estrangelo Edessa"/>
+        <a:font script="Sora" typeface="Nirmala UI"/>
+        <a:font script="Tale" typeface="Microsoft Tai Le"/>
+        <a:font script="Talu" typeface="Microsoft New Tai Lue"/>
+        <a:font script="Tfng" typeface="Ebrima"/>
+      </a:minorFont>
+    </a:fontScheme>
+    <a:fmtScheme name="Office">
+      <a:fillStyleLst>
+        <a:solidFill>
+          <a:schemeClr val="phClr"/>
+        </a:solidFill>
+        <a:gradFill rotWithShape="1">
+          <a:gsLst>
+            <a:gs pos="0">
+              <a:schemeClr val="phClr">
+                <a:lumMod val="110000"/>
+                <a:satMod val="105000"/>
+                <a:tint val="67000"/>
+              </a:schemeClr>
+            </a:gs>
+            <a:gs pos="50000">
+              <a:schemeClr val="phClr">
+                <a:lumMod val="105000"/>
+                <a:satMod val="103000"/>
+                <a:tint val="73000"/>
+              </a:schemeClr>
+            </a:gs>
+            <a:gs pos="100000">
+              <a:schemeClr val="phClr">
+                <a:lumMod val="105000"/>
+                <a:satMod val="109000"/>
+                <a:tint val="81000"/>
+              </a:schemeClr>
+            </a:gs>
+          </a:gsLst>
+          <a:lin ang="5400000" scaled="0"/>
+        </a:gradFill>
+        <a:gradFill rotWithShape="1">
+          <a:gsLst>
+            <a:gs pos="0">
+              <a:schemeClr val="phClr">
+                <a:satMod val="103000"/>
+                <a:lumMod val="102000"/>
+                <a:tint val="94000"/>
+              </a:schemeClr>
+            </a:gs>
+            <a:gs pos="50000">
+              <a:schemeClr val="phClr">
+                <a:satMod val="110000"/>
+                <a:lumMod val="100000"/>
+                <a:shade val="100000"/>
+              </a:schemeClr>
+            </a:gs>
+            <a:gs pos="100000">
+              <a:schemeClr val="phClr">
+                <a:lumMod val="99000"/>
+                <a:satMod val="120000"/>
+                <a:shade val="78000"/>
+              </a:schemeClr>
+            </a:gs>
+          </a:gsLst>
+          <a:lin ang="5400000" scaled="0"/>
+        </a:gradFill>
+      </a:fillStyleLst>
+      <a:lnStyleLst>
+        <a:ln w="6350" cap="flat" cmpd="sng" algn="ctr">
+          <a:solidFill>
+            <a:schemeClr val="phClr"/>
+          </a:solidFill>
+          <a:prstDash val="solid"/>
+          <a:miter lim="800000"/>
+        </a:ln>
+        <a:ln w="12700" cap="flat" cmpd="sng" algn="ctr">
+          <a:solidFill>
+            <a:schemeClr val="phClr"/>
+          </a:solidFill>
+          <a:prstDash val="solid"/>
+          <a:miter lim="800000"/>
+        </a:ln>
+        <a:ln w="19050" cap="flat" cmpd="sng" algn="ctr">
+          <a:solidFill>
+            <a:schemeClr val="phClr"/>
+          </a:solidFill>
+          <a:prstDash val="solid"/>
+          <a:miter lim="800000"/>
+        </a:ln>
+      </a:lnStyleLst>
+      <a:effectStyleLst>
+        <a:effectStyle>
+          <a:effectLst/>
+        </a:effectStyle>
+        <a:effectStyle>
+          <a:effectLst/>
+        </a:effectStyle>
+        <a:effectStyle>
+          <a:effectLst>
+            <a:outerShdw blurRad="57150" dist="19050" dir="5400000" algn="ctr" rotWithShape="0">
+              <a:srgbClr val="000000">
+                <a:alpha val="63000"/>
+              </a:srgbClr>
+            </a:outerShdw>
+          </a:effectLst>
+        </a:effectStyle>
+      </a:effectStyleLst>
+      <a:bgFillStyleLst>
+        <a:solidFill>
+          <a:schemeClr val="phClr"/>
+        </a:solidFill>
+        <a:solidFill>
+          <a:schemeClr val="phClr">
+            <a:tint val="95000"/>
+            <a:satMod val="170000"/>
+          </a:schemeClr>
+        </a:solidFill>
+        <a:gradFill rotWithShape="1">
+          <a:gsLst>
+            <a:gs pos="0">
+              <a:schemeClr val="phClr">
+                <a:tint val="93000"/>
+                <a:satMod val="150000"/>
+                <a:shade val="98000"/>
+                <a:lumMod val="102000"/>
+              </a:schemeClr>
+            </a:gs>
+            <a:gs pos="50000">
+              <a:schemeClr val="phClr">
+                <a:tint val="98000"/>
+                <a:satMod val="130000"/>
+                <a:shade val="90000"/>
+                <a:lumMod val="103000"/>
+              </a:schemeClr>
+            </a:gs>
+            <a:gs pos="100000">
+              <a:schemeClr val="phClr">
+                <a:shade val="63000"/>
+                <a:satMod val="120000"/>
+              </a:schemeClr>
+            </a:gs>
+          </a:gsLst>
+          <a:lin ang="5400000" scaled="0"/>
+        </a:gradFill>
+      </a:bgFillStyleLst>
+    </a:fmtScheme>
+  </a:themeElements>
+  <a:objectDefaults/>
+  <a:extraClrSchemeLst/>
+  <a:extLst>
+    <a:ext uri="{05A4C25C-085E-4340-85A3-A5531E510DB2}">
+      <thm15:themeFamily xmlns:thm15="http://schemas.microsoft.com/office/thememl/2012/main" name="Office Theme" id="{62F939B6-93AF-4DB8-9C6B-D6C7DFDC589F}" vid="{4A3C46E8-61CC-4603-A589-7422A47A8E4A}"/>
+    </a:ext>
+  </a:extLst>
+</a:theme>
 </file>